--- a/Project Presentation.pptx
+++ b/Project Presentation.pptx
@@ -13,14 +13,14 @@
   <p:sldIdLst>
     <p:sldId id="256" r:id="rId2"/>
     <p:sldId id="263" r:id="rId3"/>
-    <p:sldId id="264" r:id="rId4"/>
-    <p:sldId id="265" r:id="rId5"/>
-    <p:sldId id="266" r:id="rId6"/>
-    <p:sldId id="271" r:id="rId7"/>
-    <p:sldId id="267" r:id="rId8"/>
-    <p:sldId id="269" r:id="rId9"/>
-    <p:sldId id="268" r:id="rId10"/>
-    <p:sldId id="270" r:id="rId11"/>
+    <p:sldId id="273" r:id="rId4"/>
+    <p:sldId id="264" r:id="rId5"/>
+    <p:sldId id="265" r:id="rId6"/>
+    <p:sldId id="266" r:id="rId7"/>
+    <p:sldId id="274" r:id="rId8"/>
+    <p:sldId id="275" r:id="rId9"/>
+    <p:sldId id="269" r:id="rId10"/>
+    <p:sldId id="268" r:id="rId11"/>
   </p:sldIdLst>
   <p:sldSz cx="9144000" cy="6858000" type="screen4x3"/>
   <p:notesSz cx="6858000" cy="9144000"/>
@@ -159,14 +159,14 @@
           <p14:sldIdLst>
             <p14:sldId id="256"/>
             <p14:sldId id="263"/>
+            <p14:sldId id="273"/>
             <p14:sldId id="264"/>
             <p14:sldId id="265"/>
             <p14:sldId id="266"/>
-            <p14:sldId id="271"/>
-            <p14:sldId id="267"/>
+            <p14:sldId id="274"/>
+            <p14:sldId id="275"/>
             <p14:sldId id="269"/>
             <p14:sldId id="268"/>
-            <p14:sldId id="270"/>
           </p14:sldIdLst>
         </p14:section>
       </p14:sectionLst>
@@ -8042,6 +8042,4484 @@
     </pc:docChg>
   </pc:docChgLst>
 </pc:chgInfo>
+</file>
+
+<file path=ppt/diagrams/colors1.xml><?xml version="1.0" encoding="utf-8"?>
+<dgm:colorsDef xmlns:dgm="http://schemas.openxmlformats.org/drawingml/2006/diagram" xmlns:a="http://schemas.openxmlformats.org/drawingml/2006/main" uniqueId="urn:microsoft.com/office/officeart/2005/8/colors/accent1_2">
+  <dgm:title val=""/>
+  <dgm:desc val=""/>
+  <dgm:catLst>
+    <dgm:cat type="accent1" pri="11200"/>
+  </dgm:catLst>
+  <dgm:styleLbl name="node0">
+    <dgm:fillClrLst meth="repeat">
+      <a:schemeClr val="accent1"/>
+    </dgm:fillClrLst>
+    <dgm:linClrLst meth="repeat">
+      <a:schemeClr val="lt1"/>
+    </dgm:linClrLst>
+    <dgm:effectClrLst/>
+    <dgm:txLinClrLst/>
+    <dgm:txFillClrLst/>
+    <dgm:txEffectClrLst/>
+  </dgm:styleLbl>
+  <dgm:styleLbl name="alignNode1">
+    <dgm:fillClrLst meth="repeat">
+      <a:schemeClr val="accent1"/>
+    </dgm:fillClrLst>
+    <dgm:linClrLst meth="repeat">
+      <a:schemeClr val="accent1"/>
+    </dgm:linClrLst>
+    <dgm:effectClrLst/>
+    <dgm:txLinClrLst/>
+    <dgm:txFillClrLst/>
+    <dgm:txEffectClrLst/>
+  </dgm:styleLbl>
+  <dgm:styleLbl name="node1">
+    <dgm:fillClrLst meth="repeat">
+      <a:schemeClr val="accent1"/>
+    </dgm:fillClrLst>
+    <dgm:linClrLst meth="repeat">
+      <a:schemeClr val="lt1"/>
+    </dgm:linClrLst>
+    <dgm:effectClrLst/>
+    <dgm:txLinClrLst/>
+    <dgm:txFillClrLst/>
+    <dgm:txEffectClrLst/>
+  </dgm:styleLbl>
+  <dgm:styleLbl name="lnNode1">
+    <dgm:fillClrLst meth="repeat">
+      <a:schemeClr val="accent1"/>
+    </dgm:fillClrLst>
+    <dgm:linClrLst meth="repeat">
+      <a:schemeClr val="lt1"/>
+    </dgm:linClrLst>
+    <dgm:effectClrLst/>
+    <dgm:txLinClrLst/>
+    <dgm:txFillClrLst/>
+    <dgm:txEffectClrLst/>
+  </dgm:styleLbl>
+  <dgm:styleLbl name="vennNode1">
+    <dgm:fillClrLst meth="repeat">
+      <a:schemeClr val="accent1">
+        <a:alpha val="50000"/>
+      </a:schemeClr>
+    </dgm:fillClrLst>
+    <dgm:linClrLst meth="repeat">
+      <a:schemeClr val="lt1"/>
+    </dgm:linClrLst>
+    <dgm:effectClrLst/>
+    <dgm:txLinClrLst/>
+    <dgm:txFillClrLst/>
+    <dgm:txEffectClrLst/>
+  </dgm:styleLbl>
+  <dgm:styleLbl name="node2">
+    <dgm:fillClrLst meth="repeat">
+      <a:schemeClr val="accent1"/>
+    </dgm:fillClrLst>
+    <dgm:linClrLst meth="repeat">
+      <a:schemeClr val="lt1"/>
+    </dgm:linClrLst>
+    <dgm:effectClrLst/>
+    <dgm:txLinClrLst/>
+    <dgm:txFillClrLst/>
+    <dgm:txEffectClrLst/>
+  </dgm:styleLbl>
+  <dgm:styleLbl name="node3">
+    <dgm:fillClrLst meth="repeat">
+      <a:schemeClr val="accent1"/>
+    </dgm:fillClrLst>
+    <dgm:linClrLst meth="repeat">
+      <a:schemeClr val="lt1"/>
+    </dgm:linClrLst>
+    <dgm:effectClrLst/>
+    <dgm:txLinClrLst/>
+    <dgm:txFillClrLst/>
+    <dgm:txEffectClrLst/>
+  </dgm:styleLbl>
+  <dgm:styleLbl name="node4">
+    <dgm:fillClrLst meth="repeat">
+      <a:schemeClr val="accent1"/>
+    </dgm:fillClrLst>
+    <dgm:linClrLst meth="repeat">
+      <a:schemeClr val="lt1"/>
+    </dgm:linClrLst>
+    <dgm:effectClrLst/>
+    <dgm:txLinClrLst/>
+    <dgm:txFillClrLst/>
+    <dgm:txEffectClrLst/>
+  </dgm:styleLbl>
+  <dgm:styleLbl name="fgImgPlace1">
+    <dgm:fillClrLst meth="repeat">
+      <a:schemeClr val="accent1">
+        <a:tint val="50000"/>
+      </a:schemeClr>
+    </dgm:fillClrLst>
+    <dgm:linClrLst meth="repeat">
+      <a:schemeClr val="lt1"/>
+    </dgm:linClrLst>
+    <dgm:effectClrLst/>
+    <dgm:txLinClrLst/>
+    <dgm:txFillClrLst meth="repeat">
+      <a:schemeClr val="lt1"/>
+    </dgm:txFillClrLst>
+    <dgm:txEffectClrLst/>
+  </dgm:styleLbl>
+  <dgm:styleLbl name="alignImgPlace1">
+    <dgm:fillClrLst meth="repeat">
+      <a:schemeClr val="accent1">
+        <a:tint val="50000"/>
+      </a:schemeClr>
+    </dgm:fillClrLst>
+    <dgm:linClrLst meth="repeat">
+      <a:schemeClr val="lt1"/>
+    </dgm:linClrLst>
+    <dgm:effectClrLst/>
+    <dgm:txLinClrLst/>
+    <dgm:txFillClrLst meth="repeat">
+      <a:schemeClr val="lt1"/>
+    </dgm:txFillClrLst>
+    <dgm:txEffectClrLst/>
+  </dgm:styleLbl>
+  <dgm:styleLbl name="bgImgPlace1">
+    <dgm:fillClrLst meth="repeat">
+      <a:schemeClr val="accent1">
+        <a:tint val="50000"/>
+      </a:schemeClr>
+    </dgm:fillClrLst>
+    <dgm:linClrLst meth="repeat">
+      <a:schemeClr val="lt1"/>
+    </dgm:linClrLst>
+    <dgm:effectClrLst/>
+    <dgm:txLinClrLst/>
+    <dgm:txFillClrLst meth="repeat">
+      <a:schemeClr val="lt1"/>
+    </dgm:txFillClrLst>
+    <dgm:txEffectClrLst/>
+  </dgm:styleLbl>
+  <dgm:styleLbl name="sibTrans2D1">
+    <dgm:fillClrLst meth="repeat">
+      <a:schemeClr val="accent1">
+        <a:tint val="60000"/>
+      </a:schemeClr>
+    </dgm:fillClrLst>
+    <dgm:linClrLst meth="repeat">
+      <a:schemeClr val="accent1">
+        <a:tint val="60000"/>
+      </a:schemeClr>
+    </dgm:linClrLst>
+    <dgm:effectClrLst/>
+    <dgm:txLinClrLst/>
+    <dgm:txFillClrLst/>
+    <dgm:txEffectClrLst/>
+  </dgm:styleLbl>
+  <dgm:styleLbl name="fgSibTrans2D1">
+    <dgm:fillClrLst meth="repeat">
+      <a:schemeClr val="accent1">
+        <a:tint val="60000"/>
+      </a:schemeClr>
+    </dgm:fillClrLst>
+    <dgm:linClrLst meth="repeat">
+      <a:schemeClr val="accent1">
+        <a:tint val="60000"/>
+      </a:schemeClr>
+    </dgm:linClrLst>
+    <dgm:effectClrLst/>
+    <dgm:txLinClrLst/>
+    <dgm:txFillClrLst/>
+    <dgm:txEffectClrLst/>
+  </dgm:styleLbl>
+  <dgm:styleLbl name="bgSibTrans2D1">
+    <dgm:fillClrLst meth="repeat">
+      <a:schemeClr val="accent1">
+        <a:tint val="60000"/>
+      </a:schemeClr>
+    </dgm:fillClrLst>
+    <dgm:linClrLst meth="repeat">
+      <a:schemeClr val="accent1">
+        <a:tint val="60000"/>
+      </a:schemeClr>
+    </dgm:linClrLst>
+    <dgm:effectClrLst/>
+    <dgm:txLinClrLst/>
+    <dgm:txFillClrLst/>
+    <dgm:txEffectClrLst/>
+  </dgm:styleLbl>
+  <dgm:styleLbl name="sibTrans1D1">
+    <dgm:fillClrLst meth="repeat">
+      <a:schemeClr val="accent1"/>
+    </dgm:fillClrLst>
+    <dgm:linClrLst meth="repeat">
+      <a:schemeClr val="accent1"/>
+    </dgm:linClrLst>
+    <dgm:effectClrLst/>
+    <dgm:txLinClrLst/>
+    <dgm:txFillClrLst meth="repeat">
+      <a:schemeClr val="tx1"/>
+    </dgm:txFillClrLst>
+    <dgm:txEffectClrLst/>
+  </dgm:styleLbl>
+  <dgm:styleLbl name="callout">
+    <dgm:fillClrLst meth="repeat">
+      <a:schemeClr val="accent1"/>
+    </dgm:fillClrLst>
+    <dgm:linClrLst meth="repeat">
+      <a:schemeClr val="accent1">
+        <a:tint val="50000"/>
+      </a:schemeClr>
+    </dgm:linClrLst>
+    <dgm:effectClrLst/>
+    <dgm:txLinClrLst/>
+    <dgm:txFillClrLst meth="repeat">
+      <a:schemeClr val="tx1"/>
+    </dgm:txFillClrLst>
+    <dgm:txEffectClrLst/>
+  </dgm:styleLbl>
+  <dgm:styleLbl name="asst0">
+    <dgm:fillClrLst meth="repeat">
+      <a:schemeClr val="accent1"/>
+    </dgm:fillClrLst>
+    <dgm:linClrLst meth="repeat">
+      <a:schemeClr val="lt1"/>
+    </dgm:linClrLst>
+    <dgm:effectClrLst/>
+    <dgm:txLinClrLst/>
+    <dgm:txFillClrLst/>
+    <dgm:txEffectClrLst/>
+  </dgm:styleLbl>
+  <dgm:styleLbl name="asst1">
+    <dgm:fillClrLst meth="repeat">
+      <a:schemeClr val="accent1"/>
+    </dgm:fillClrLst>
+    <dgm:linClrLst meth="repeat">
+      <a:schemeClr val="lt1"/>
+    </dgm:linClrLst>
+    <dgm:effectClrLst/>
+    <dgm:txLinClrLst/>
+    <dgm:txFillClrLst/>
+    <dgm:txEffectClrLst/>
+  </dgm:styleLbl>
+  <dgm:styleLbl name="asst2">
+    <dgm:fillClrLst meth="repeat">
+      <a:schemeClr val="accent1"/>
+    </dgm:fillClrLst>
+    <dgm:linClrLst meth="repeat">
+      <a:schemeClr val="lt1"/>
+    </dgm:linClrLst>
+    <dgm:effectClrLst/>
+    <dgm:txLinClrLst/>
+    <dgm:txFillClrLst/>
+    <dgm:txEffectClrLst/>
+  </dgm:styleLbl>
+  <dgm:styleLbl name="asst3">
+    <dgm:fillClrLst meth="repeat">
+      <a:schemeClr val="accent1"/>
+    </dgm:fillClrLst>
+    <dgm:linClrLst meth="repeat">
+      <a:schemeClr val="lt1"/>
+    </dgm:linClrLst>
+    <dgm:effectClrLst/>
+    <dgm:txLinClrLst/>
+    <dgm:txFillClrLst/>
+    <dgm:txEffectClrLst/>
+  </dgm:styleLbl>
+  <dgm:styleLbl name="asst4">
+    <dgm:fillClrLst meth="repeat">
+      <a:schemeClr val="accent1"/>
+    </dgm:fillClrLst>
+    <dgm:linClrLst meth="repeat">
+      <a:schemeClr val="lt1"/>
+    </dgm:linClrLst>
+    <dgm:effectClrLst/>
+    <dgm:txLinClrLst/>
+    <dgm:txFillClrLst/>
+    <dgm:txEffectClrLst/>
+  </dgm:styleLbl>
+  <dgm:styleLbl name="parChTrans2D1">
+    <dgm:fillClrLst meth="repeat">
+      <a:schemeClr val="accent1">
+        <a:tint val="60000"/>
+      </a:schemeClr>
+    </dgm:fillClrLst>
+    <dgm:linClrLst meth="repeat">
+      <a:schemeClr val="accent1">
+        <a:tint val="60000"/>
+      </a:schemeClr>
+    </dgm:linClrLst>
+    <dgm:effectClrLst/>
+    <dgm:txLinClrLst/>
+    <dgm:txFillClrLst meth="repeat">
+      <a:schemeClr val="lt1"/>
+    </dgm:txFillClrLst>
+    <dgm:txEffectClrLst/>
+  </dgm:styleLbl>
+  <dgm:styleLbl name="parChTrans2D2">
+    <dgm:fillClrLst meth="repeat">
+      <a:schemeClr val="accent1"/>
+    </dgm:fillClrLst>
+    <dgm:linClrLst meth="repeat">
+      <a:schemeClr val="accent1"/>
+    </dgm:linClrLst>
+    <dgm:effectClrLst/>
+    <dgm:txLinClrLst/>
+    <dgm:txFillClrLst meth="repeat">
+      <a:schemeClr val="lt1"/>
+    </dgm:txFillClrLst>
+    <dgm:txEffectClrLst/>
+  </dgm:styleLbl>
+  <dgm:styleLbl name="parChTrans2D3">
+    <dgm:fillClrLst meth="repeat">
+      <a:schemeClr val="accent1"/>
+    </dgm:fillClrLst>
+    <dgm:linClrLst meth="repeat">
+      <a:schemeClr val="accent1"/>
+    </dgm:linClrLst>
+    <dgm:effectClrLst/>
+    <dgm:txLinClrLst/>
+    <dgm:txFillClrLst meth="repeat">
+      <a:schemeClr val="lt1"/>
+    </dgm:txFillClrLst>
+    <dgm:txEffectClrLst/>
+  </dgm:styleLbl>
+  <dgm:styleLbl name="parChTrans2D4">
+    <dgm:fillClrLst meth="repeat">
+      <a:schemeClr val="accent1"/>
+    </dgm:fillClrLst>
+    <dgm:linClrLst meth="repeat">
+      <a:schemeClr val="accent1"/>
+    </dgm:linClrLst>
+    <dgm:effectClrLst/>
+    <dgm:txLinClrLst/>
+    <dgm:txFillClrLst meth="repeat">
+      <a:schemeClr val="lt1"/>
+    </dgm:txFillClrLst>
+    <dgm:txEffectClrLst/>
+  </dgm:styleLbl>
+  <dgm:styleLbl name="parChTrans1D1">
+    <dgm:fillClrLst meth="repeat">
+      <a:schemeClr val="accent1"/>
+    </dgm:fillClrLst>
+    <dgm:linClrLst meth="repeat">
+      <a:schemeClr val="accent1">
+        <a:shade val="60000"/>
+      </a:schemeClr>
+    </dgm:linClrLst>
+    <dgm:effectClrLst/>
+    <dgm:txLinClrLst/>
+    <dgm:txFillClrLst meth="repeat">
+      <a:schemeClr val="tx1"/>
+    </dgm:txFillClrLst>
+    <dgm:txEffectClrLst/>
+  </dgm:styleLbl>
+  <dgm:styleLbl name="parChTrans1D2">
+    <dgm:fillClrLst meth="repeat">
+      <a:schemeClr val="accent1"/>
+    </dgm:fillClrLst>
+    <dgm:linClrLst meth="repeat">
+      <a:schemeClr val="accent1">
+        <a:shade val="60000"/>
+      </a:schemeClr>
+    </dgm:linClrLst>
+    <dgm:effectClrLst/>
+    <dgm:txLinClrLst/>
+    <dgm:txFillClrLst meth="repeat">
+      <a:schemeClr val="tx1"/>
+    </dgm:txFillClrLst>
+    <dgm:txEffectClrLst/>
+  </dgm:styleLbl>
+  <dgm:styleLbl name="parChTrans1D3">
+    <dgm:fillClrLst meth="repeat">
+      <a:schemeClr val="accent1"/>
+    </dgm:fillClrLst>
+    <dgm:linClrLst meth="repeat">
+      <a:schemeClr val="accent1">
+        <a:shade val="80000"/>
+      </a:schemeClr>
+    </dgm:linClrLst>
+    <dgm:effectClrLst/>
+    <dgm:txLinClrLst/>
+    <dgm:txFillClrLst meth="repeat">
+      <a:schemeClr val="tx1"/>
+    </dgm:txFillClrLst>
+    <dgm:txEffectClrLst/>
+  </dgm:styleLbl>
+  <dgm:styleLbl name="parChTrans1D4">
+    <dgm:fillClrLst meth="repeat">
+      <a:schemeClr val="accent1"/>
+    </dgm:fillClrLst>
+    <dgm:linClrLst meth="repeat">
+      <a:schemeClr val="accent1">
+        <a:shade val="80000"/>
+      </a:schemeClr>
+    </dgm:linClrLst>
+    <dgm:effectClrLst/>
+    <dgm:txLinClrLst/>
+    <dgm:txFillClrLst meth="repeat">
+      <a:schemeClr val="tx1"/>
+    </dgm:txFillClrLst>
+    <dgm:txEffectClrLst/>
+  </dgm:styleLbl>
+  <dgm:styleLbl name="fgAcc1">
+    <dgm:fillClrLst meth="repeat">
+      <a:schemeClr val="lt1">
+        <a:alpha val="90000"/>
+      </a:schemeClr>
+    </dgm:fillClrLst>
+    <dgm:linClrLst meth="repeat">
+      <a:schemeClr val="accent1"/>
+    </dgm:linClrLst>
+    <dgm:effectClrLst/>
+    <dgm:txLinClrLst/>
+    <dgm:txFillClrLst meth="repeat">
+      <a:schemeClr val="dk1"/>
+    </dgm:txFillClrLst>
+    <dgm:txEffectClrLst/>
+  </dgm:styleLbl>
+  <dgm:styleLbl name="conFgAcc1">
+    <dgm:fillClrLst meth="repeat">
+      <a:schemeClr val="lt1">
+        <a:alpha val="90000"/>
+      </a:schemeClr>
+    </dgm:fillClrLst>
+    <dgm:linClrLst meth="repeat">
+      <a:schemeClr val="accent1"/>
+    </dgm:linClrLst>
+    <dgm:effectClrLst/>
+    <dgm:txLinClrLst/>
+    <dgm:txFillClrLst meth="repeat">
+      <a:schemeClr val="dk1"/>
+    </dgm:txFillClrLst>
+    <dgm:txEffectClrLst/>
+  </dgm:styleLbl>
+  <dgm:styleLbl name="alignAcc1">
+    <dgm:fillClrLst meth="repeat">
+      <a:schemeClr val="lt1">
+        <a:alpha val="90000"/>
+      </a:schemeClr>
+    </dgm:fillClrLst>
+    <dgm:linClrLst meth="repeat">
+      <a:schemeClr val="accent1"/>
+    </dgm:linClrLst>
+    <dgm:effectClrLst/>
+    <dgm:txLinClrLst/>
+    <dgm:txFillClrLst meth="repeat">
+      <a:schemeClr val="dk1"/>
+    </dgm:txFillClrLst>
+    <dgm:txEffectClrLst/>
+  </dgm:styleLbl>
+  <dgm:styleLbl name="trAlignAcc1">
+    <dgm:fillClrLst meth="repeat">
+      <a:schemeClr val="lt1">
+        <a:alpha val="40000"/>
+      </a:schemeClr>
+    </dgm:fillClrLst>
+    <dgm:linClrLst meth="repeat">
+      <a:schemeClr val="accent1"/>
+    </dgm:linClrLst>
+    <dgm:effectClrLst/>
+    <dgm:txLinClrLst/>
+    <dgm:txFillClrLst meth="repeat">
+      <a:schemeClr val="dk1"/>
+    </dgm:txFillClrLst>
+    <dgm:txEffectClrLst/>
+  </dgm:styleLbl>
+  <dgm:styleLbl name="bgAcc1">
+    <dgm:fillClrLst meth="repeat">
+      <a:schemeClr val="lt1">
+        <a:alpha val="90000"/>
+      </a:schemeClr>
+    </dgm:fillClrLst>
+    <dgm:linClrLst meth="repeat">
+      <a:schemeClr val="accent1"/>
+    </dgm:linClrLst>
+    <dgm:effectClrLst/>
+    <dgm:txLinClrLst/>
+    <dgm:txFillClrLst meth="repeat">
+      <a:schemeClr val="dk1"/>
+    </dgm:txFillClrLst>
+    <dgm:txEffectClrLst/>
+  </dgm:styleLbl>
+  <dgm:styleLbl name="solidFgAcc1">
+    <dgm:fillClrLst meth="repeat">
+      <a:schemeClr val="lt1"/>
+    </dgm:fillClrLst>
+    <dgm:linClrLst meth="repeat">
+      <a:schemeClr val="accent1"/>
+    </dgm:linClrLst>
+    <dgm:effectClrLst/>
+    <dgm:txLinClrLst/>
+    <dgm:txFillClrLst meth="repeat">
+      <a:schemeClr val="dk1"/>
+    </dgm:txFillClrLst>
+    <dgm:txEffectClrLst/>
+  </dgm:styleLbl>
+  <dgm:styleLbl name="solidAlignAcc1">
+    <dgm:fillClrLst meth="repeat">
+      <a:schemeClr val="lt1"/>
+    </dgm:fillClrLst>
+    <dgm:linClrLst meth="repeat">
+      <a:schemeClr val="accent1"/>
+    </dgm:linClrLst>
+    <dgm:effectClrLst/>
+    <dgm:txLinClrLst/>
+    <dgm:txFillClrLst meth="repeat">
+      <a:schemeClr val="dk1"/>
+    </dgm:txFillClrLst>
+    <dgm:txEffectClrLst/>
+  </dgm:styleLbl>
+  <dgm:styleLbl name="solidBgAcc1">
+    <dgm:fillClrLst meth="repeat">
+      <a:schemeClr val="lt1"/>
+    </dgm:fillClrLst>
+    <dgm:linClrLst meth="repeat">
+      <a:schemeClr val="accent1"/>
+    </dgm:linClrLst>
+    <dgm:effectClrLst/>
+    <dgm:txLinClrLst/>
+    <dgm:txFillClrLst meth="repeat">
+      <a:schemeClr val="dk1"/>
+    </dgm:txFillClrLst>
+    <dgm:txEffectClrLst/>
+  </dgm:styleLbl>
+  <dgm:styleLbl name="fgAccFollowNode1">
+    <dgm:fillClrLst meth="repeat">
+      <a:schemeClr val="accent1">
+        <a:alpha val="90000"/>
+        <a:tint val="40000"/>
+      </a:schemeClr>
+    </dgm:fillClrLst>
+    <dgm:linClrLst meth="repeat">
+      <a:schemeClr val="accent1">
+        <a:alpha val="90000"/>
+        <a:tint val="40000"/>
+      </a:schemeClr>
+    </dgm:linClrLst>
+    <dgm:effectClrLst/>
+    <dgm:txLinClrLst/>
+    <dgm:txFillClrLst meth="repeat">
+      <a:schemeClr val="dk1"/>
+    </dgm:txFillClrLst>
+    <dgm:txEffectClrLst/>
+  </dgm:styleLbl>
+  <dgm:styleLbl name="alignAccFollowNode1">
+    <dgm:fillClrLst meth="repeat">
+      <a:schemeClr val="accent1">
+        <a:alpha val="90000"/>
+        <a:tint val="40000"/>
+      </a:schemeClr>
+    </dgm:fillClrLst>
+    <dgm:linClrLst meth="repeat">
+      <a:schemeClr val="accent1">
+        <a:alpha val="90000"/>
+        <a:tint val="40000"/>
+      </a:schemeClr>
+    </dgm:linClrLst>
+    <dgm:effectClrLst/>
+    <dgm:txLinClrLst/>
+    <dgm:txFillClrLst meth="repeat">
+      <a:schemeClr val="dk1"/>
+    </dgm:txFillClrLst>
+    <dgm:txEffectClrLst/>
+  </dgm:styleLbl>
+  <dgm:styleLbl name="bgAccFollowNode1">
+    <dgm:fillClrLst meth="repeat">
+      <a:schemeClr val="accent1">
+        <a:alpha val="90000"/>
+        <a:tint val="40000"/>
+      </a:schemeClr>
+    </dgm:fillClrLst>
+    <dgm:linClrLst meth="repeat">
+      <a:schemeClr val="accent1">
+        <a:alpha val="90000"/>
+        <a:tint val="40000"/>
+      </a:schemeClr>
+    </dgm:linClrLst>
+    <dgm:effectClrLst/>
+    <dgm:txLinClrLst/>
+    <dgm:txFillClrLst meth="repeat">
+      <a:schemeClr val="dk1"/>
+    </dgm:txFillClrLst>
+    <dgm:txEffectClrLst/>
+  </dgm:styleLbl>
+  <dgm:styleLbl name="fgAcc0">
+    <dgm:fillClrLst meth="repeat">
+      <a:schemeClr val="lt1">
+        <a:alpha val="90000"/>
+      </a:schemeClr>
+    </dgm:fillClrLst>
+    <dgm:linClrLst meth="repeat">
+      <a:schemeClr val="accent1"/>
+    </dgm:linClrLst>
+    <dgm:effectClrLst/>
+    <dgm:txLinClrLst/>
+    <dgm:txFillClrLst meth="repeat">
+      <a:schemeClr val="dk1"/>
+    </dgm:txFillClrLst>
+    <dgm:txEffectClrLst/>
+  </dgm:styleLbl>
+  <dgm:styleLbl name="fgAcc2">
+    <dgm:fillClrLst meth="repeat">
+      <a:schemeClr val="lt1">
+        <a:alpha val="90000"/>
+      </a:schemeClr>
+    </dgm:fillClrLst>
+    <dgm:linClrLst meth="repeat">
+      <a:schemeClr val="accent1"/>
+    </dgm:linClrLst>
+    <dgm:effectClrLst/>
+    <dgm:txLinClrLst/>
+    <dgm:txFillClrLst meth="repeat">
+      <a:schemeClr val="dk1"/>
+    </dgm:txFillClrLst>
+    <dgm:txEffectClrLst/>
+  </dgm:styleLbl>
+  <dgm:styleLbl name="fgAcc3">
+    <dgm:fillClrLst meth="repeat">
+      <a:schemeClr val="lt1">
+        <a:alpha val="90000"/>
+      </a:schemeClr>
+    </dgm:fillClrLst>
+    <dgm:linClrLst meth="repeat">
+      <a:schemeClr val="accent1"/>
+    </dgm:linClrLst>
+    <dgm:effectClrLst/>
+    <dgm:txLinClrLst/>
+    <dgm:txFillClrLst meth="repeat">
+      <a:schemeClr val="dk1"/>
+    </dgm:txFillClrLst>
+    <dgm:txEffectClrLst/>
+  </dgm:styleLbl>
+  <dgm:styleLbl name="fgAcc4">
+    <dgm:fillClrLst meth="repeat">
+      <a:schemeClr val="lt1">
+        <a:alpha val="90000"/>
+      </a:schemeClr>
+    </dgm:fillClrLst>
+    <dgm:linClrLst meth="repeat">
+      <a:schemeClr val="accent1"/>
+    </dgm:linClrLst>
+    <dgm:effectClrLst/>
+    <dgm:txLinClrLst/>
+    <dgm:txFillClrLst meth="repeat">
+      <a:schemeClr val="dk1"/>
+    </dgm:txFillClrLst>
+    <dgm:txEffectClrLst/>
+  </dgm:styleLbl>
+  <dgm:styleLbl name="bgShp">
+    <dgm:fillClrLst meth="repeat">
+      <a:schemeClr val="accent1">
+        <a:tint val="40000"/>
+      </a:schemeClr>
+    </dgm:fillClrLst>
+    <dgm:linClrLst meth="repeat">
+      <a:schemeClr val="accent1"/>
+    </dgm:linClrLst>
+    <dgm:effectClrLst/>
+    <dgm:txLinClrLst/>
+    <dgm:txFillClrLst meth="repeat">
+      <a:schemeClr val="dk1"/>
+    </dgm:txFillClrLst>
+    <dgm:txEffectClrLst/>
+  </dgm:styleLbl>
+  <dgm:styleLbl name="dkBgShp">
+    <dgm:fillClrLst meth="repeat">
+      <a:schemeClr val="accent1">
+        <a:shade val="80000"/>
+      </a:schemeClr>
+    </dgm:fillClrLst>
+    <dgm:linClrLst meth="repeat">
+      <a:schemeClr val="accent1"/>
+    </dgm:linClrLst>
+    <dgm:effectClrLst/>
+    <dgm:txLinClrLst/>
+    <dgm:txFillClrLst meth="repeat">
+      <a:schemeClr val="lt1"/>
+    </dgm:txFillClrLst>
+    <dgm:txEffectClrLst/>
+  </dgm:styleLbl>
+  <dgm:styleLbl name="trBgShp">
+    <dgm:fillClrLst meth="repeat">
+      <a:schemeClr val="accent1">
+        <a:tint val="50000"/>
+        <a:alpha val="40000"/>
+      </a:schemeClr>
+    </dgm:fillClrLst>
+    <dgm:linClrLst meth="repeat">
+      <a:schemeClr val="accent1"/>
+    </dgm:linClrLst>
+    <dgm:effectClrLst/>
+    <dgm:txLinClrLst/>
+    <dgm:txFillClrLst meth="repeat">
+      <a:schemeClr val="lt1"/>
+    </dgm:txFillClrLst>
+    <dgm:txEffectClrLst/>
+  </dgm:styleLbl>
+  <dgm:styleLbl name="fgShp">
+    <dgm:fillClrLst meth="repeat">
+      <a:schemeClr val="accent1">
+        <a:tint val="60000"/>
+      </a:schemeClr>
+    </dgm:fillClrLst>
+    <dgm:linClrLst meth="repeat">
+      <a:schemeClr val="lt1"/>
+    </dgm:linClrLst>
+    <dgm:effectClrLst/>
+    <dgm:txLinClrLst/>
+    <dgm:txFillClrLst meth="repeat">
+      <a:schemeClr val="dk1"/>
+    </dgm:txFillClrLst>
+    <dgm:txEffectClrLst/>
+  </dgm:styleLbl>
+  <dgm:styleLbl name="revTx">
+    <dgm:fillClrLst meth="repeat">
+      <a:schemeClr val="lt1">
+        <a:alpha val="0"/>
+      </a:schemeClr>
+    </dgm:fillClrLst>
+    <dgm:linClrLst meth="repeat">
+      <a:schemeClr val="dk1">
+        <a:alpha val="0"/>
+      </a:schemeClr>
+    </dgm:linClrLst>
+    <dgm:effectClrLst/>
+    <dgm:txLinClrLst/>
+    <dgm:txFillClrLst meth="repeat">
+      <a:schemeClr val="tx1"/>
+    </dgm:txFillClrLst>
+    <dgm:txEffectClrLst/>
+  </dgm:styleLbl>
+</dgm:colorsDef>
+</file>
+
+<file path=ppt/diagrams/data1.xml><?xml version="1.0" encoding="utf-8"?>
+<dgm:dataModel xmlns:dgm="http://schemas.openxmlformats.org/drawingml/2006/diagram" xmlns:a="http://schemas.openxmlformats.org/drawingml/2006/main">
+  <dgm:ptLst>
+    <dgm:pt modelId="{B3536099-D1EB-4060-811C-6A593A65315E}" type="doc">
+      <dgm:prSet loTypeId="urn:microsoft.com/office/officeart/2008/layout/VerticalCurvedList" loCatId="list" qsTypeId="urn:microsoft.com/office/officeart/2005/8/quickstyle/simple1" qsCatId="simple" csTypeId="urn:microsoft.com/office/officeart/2005/8/colors/accent1_2" csCatId="accent1" phldr="1"/>
+      <dgm:spPr/>
+      <dgm:t>
+        <a:bodyPr/>
+        <a:lstStyle/>
+        <a:p>
+          <a:endParaRPr lang="de-DE"/>
+        </a:p>
+      </dgm:t>
+    </dgm:pt>
+    <dgm:pt modelId="{9A1DC17B-E84C-4D8A-8084-D20ED8F81CB1}">
+      <dgm:prSet phldrT="[Text]" custT="1">
+        <dgm:style>
+          <a:lnRef idx="2">
+            <a:scrgbClr r="0" g="0" b="0"/>
+          </a:lnRef>
+          <a:fillRef idx="1">
+            <a:scrgbClr r="0" g="0" b="0"/>
+          </a:fillRef>
+          <a:effectRef idx="0">
+            <a:schemeClr val="accent1">
+              <a:hueOff val="0"/>
+              <a:satOff val="0"/>
+              <a:lumOff val="0"/>
+              <a:alphaOff val="0"/>
+            </a:schemeClr>
+          </a:effectRef>
+          <a:fontRef idx="minor">
+            <a:schemeClr val="lt1"/>
+          </a:fontRef>
+        </dgm:style>
+      </dgm:prSet>
+      <dgm:spPr>
+        <a:noFill/>
+        <a:ln>
+          <a:solidFill>
+            <a:srgbClr val="9C1C26"/>
+          </a:solidFill>
+        </a:ln>
+      </dgm:spPr>
+      <dgm:t>
+        <a:bodyPr/>
+        <a:lstStyle/>
+        <a:p>
+          <a:pPr marL="0" lvl="0" indent="0" algn="r" defTabSz="889000">
+            <a:lnSpc>
+              <a:spcPct val="90000"/>
+            </a:lnSpc>
+            <a:spcBef>
+              <a:spcPct val="0"/>
+            </a:spcBef>
+            <a:spcAft>
+              <a:spcPct val="35000"/>
+            </a:spcAft>
+            <a:buNone/>
+          </a:pPr>
+          <a:r>
+            <a:rPr lang="en-GB" sz="2000" b="1" kern="1200" dirty="0">
+              <a:solidFill>
+                <a:sysClr val="windowText" lastClr="000000"/>
+              </a:solidFill>
+              <a:latin typeface="+mn-lt"/>
+              <a:ea typeface="+mn-ea"/>
+              <a:cs typeface="+mn-cs"/>
+            </a:rPr>
+            <a:t>Weighted loss function/ oversampling</a:t>
+          </a:r>
+          <a:endParaRPr lang="de-DE" sz="2000" b="1" kern="1200" dirty="0">
+            <a:solidFill>
+              <a:sysClr val="windowText" lastClr="000000"/>
+            </a:solidFill>
+            <a:latin typeface="+mn-lt"/>
+            <a:ea typeface="+mn-ea"/>
+            <a:cs typeface="+mn-cs"/>
+          </a:endParaRPr>
+        </a:p>
+      </dgm:t>
+    </dgm:pt>
+    <dgm:pt modelId="{B07DD04D-F5FA-44DC-BD78-7C8454DA5356}" type="parTrans" cxnId="{E6A42316-669D-4AF2-AC90-1694EB1306F8}">
+      <dgm:prSet/>
+      <dgm:spPr/>
+      <dgm:t>
+        <a:bodyPr/>
+        <a:lstStyle/>
+        <a:p>
+          <a:endParaRPr lang="de-DE"/>
+        </a:p>
+      </dgm:t>
+    </dgm:pt>
+    <dgm:pt modelId="{B3FE3ACA-B68C-4758-84B7-7FF848D5ECA8}" type="sibTrans" cxnId="{E6A42316-669D-4AF2-AC90-1694EB1306F8}">
+      <dgm:prSet>
+        <dgm:style>
+          <a:lnRef idx="2">
+            <a:scrgbClr r="0" g="0" b="0"/>
+          </a:lnRef>
+          <a:fillRef idx="0">
+            <a:schemeClr val="accent1">
+              <a:hueOff val="0"/>
+              <a:satOff val="0"/>
+              <a:lumOff val="0"/>
+              <a:alphaOff val="0"/>
+            </a:schemeClr>
+          </a:fillRef>
+          <a:effectRef idx="0">
+            <a:schemeClr val="accent1">
+              <a:hueOff val="0"/>
+              <a:satOff val="0"/>
+              <a:lumOff val="0"/>
+              <a:alphaOff val="0"/>
+            </a:schemeClr>
+          </a:effectRef>
+          <a:fontRef idx="minor">
+            <a:schemeClr val="tx1">
+              <a:hueOff val="0"/>
+              <a:satOff val="0"/>
+              <a:lumOff val="0"/>
+              <a:alphaOff val="0"/>
+            </a:schemeClr>
+          </a:fontRef>
+        </dgm:style>
+      </dgm:prSet>
+      <dgm:spPr>
+        <a:ln>
+          <a:solidFill>
+            <a:srgbClr val="9C1C26"/>
+          </a:solidFill>
+        </a:ln>
+      </dgm:spPr>
+      <dgm:t>
+        <a:bodyPr/>
+        <a:lstStyle/>
+        <a:p>
+          <a:endParaRPr lang="de-DE"/>
+        </a:p>
+      </dgm:t>
+    </dgm:pt>
+    <dgm:pt modelId="{EA7058AC-EE21-4737-99F9-4642B0C209BA}">
+      <dgm:prSet phldrT="[Text]" custT="1">
+        <dgm:style>
+          <a:lnRef idx="2">
+            <a:scrgbClr r="0" g="0" b="0"/>
+          </a:lnRef>
+          <a:fillRef idx="1">
+            <a:scrgbClr r="0" g="0" b="0"/>
+          </a:fillRef>
+          <a:effectRef idx="0">
+            <a:schemeClr val="accent1">
+              <a:hueOff val="0"/>
+              <a:satOff val="0"/>
+              <a:lumOff val="0"/>
+              <a:alphaOff val="0"/>
+            </a:schemeClr>
+          </a:effectRef>
+          <a:fontRef idx="minor">
+            <a:schemeClr val="lt1"/>
+          </a:fontRef>
+        </dgm:style>
+      </dgm:prSet>
+      <dgm:spPr>
+        <a:noFill/>
+        <a:ln>
+          <a:solidFill>
+            <a:srgbClr val="9C1C26"/>
+          </a:solidFill>
+        </a:ln>
+      </dgm:spPr>
+      <dgm:t>
+        <a:bodyPr/>
+        <a:lstStyle/>
+        <a:p>
+          <a:pPr algn="r" defTabSz="889000">
+            <a:lnSpc>
+              <a:spcPct val="90000"/>
+            </a:lnSpc>
+            <a:spcBef>
+              <a:spcPct val="0"/>
+            </a:spcBef>
+            <a:spcAft>
+              <a:spcPct val="35000"/>
+            </a:spcAft>
+          </a:pPr>
+          <a:r>
+            <a:rPr lang="en-GB" sz="2000" b="1" kern="1200" dirty="0">
+              <a:solidFill>
+                <a:sysClr val="windowText" lastClr="000000"/>
+              </a:solidFill>
+            </a:rPr>
+            <a:t>Loss still improving </a:t>
+          </a:r>
+          <a:r>
+            <a:rPr lang="en-GB" sz="2000" b="1" kern="1200" dirty="0">
+              <a:solidFill>
+                <a:sysClr val="windowText" lastClr="000000"/>
+              </a:solidFill>
+              <a:sym typeface="Wingdings" panose="05000000000000000000" pitchFamily="2" charset="2"/>
+            </a:rPr>
+            <a:t> longer training on GPUs</a:t>
+          </a:r>
+          <a:endParaRPr lang="de-DE" sz="2000" b="1" kern="1200" dirty="0">
+            <a:solidFill>
+              <a:sysClr val="windowText" lastClr="000000"/>
+            </a:solidFill>
+            <a:latin typeface="+mn-lt"/>
+            <a:ea typeface="+mn-ea"/>
+            <a:cs typeface="+mn-cs"/>
+          </a:endParaRPr>
+        </a:p>
+      </dgm:t>
+    </dgm:pt>
+    <dgm:pt modelId="{1BBD4008-6632-48CC-8AB2-43732315E9B7}" type="parTrans" cxnId="{58C99400-0B20-4AF5-8C40-A39F411D5896}">
+      <dgm:prSet/>
+      <dgm:spPr/>
+      <dgm:t>
+        <a:bodyPr/>
+        <a:lstStyle/>
+        <a:p>
+          <a:endParaRPr lang="de-DE"/>
+        </a:p>
+      </dgm:t>
+    </dgm:pt>
+    <dgm:pt modelId="{EDB9E081-A1B6-4A17-A020-8301E449FB3F}" type="sibTrans" cxnId="{58C99400-0B20-4AF5-8C40-A39F411D5896}">
+      <dgm:prSet/>
+      <dgm:spPr/>
+      <dgm:t>
+        <a:bodyPr/>
+        <a:lstStyle/>
+        <a:p>
+          <a:endParaRPr lang="de-DE"/>
+        </a:p>
+      </dgm:t>
+    </dgm:pt>
+    <dgm:pt modelId="{917C01E8-4329-4757-9483-E90393712708}">
+      <dgm:prSet phldrT="[Text]" custT="1">
+        <dgm:style>
+          <a:lnRef idx="2">
+            <a:scrgbClr r="0" g="0" b="0"/>
+          </a:lnRef>
+          <a:fillRef idx="1">
+            <a:scrgbClr r="0" g="0" b="0"/>
+          </a:fillRef>
+          <a:effectRef idx="0">
+            <a:schemeClr val="accent1">
+              <a:hueOff val="0"/>
+              <a:satOff val="0"/>
+              <a:lumOff val="0"/>
+              <a:alphaOff val="0"/>
+            </a:schemeClr>
+          </a:effectRef>
+          <a:fontRef idx="minor">
+            <a:schemeClr val="lt1"/>
+          </a:fontRef>
+        </dgm:style>
+      </dgm:prSet>
+      <dgm:spPr>
+        <a:noFill/>
+        <a:ln>
+          <a:solidFill>
+            <a:srgbClr val="9C1C26"/>
+          </a:solidFill>
+        </a:ln>
+      </dgm:spPr>
+      <dgm:t>
+        <a:bodyPr/>
+        <a:lstStyle/>
+        <a:p>
+          <a:pPr algn="r" defTabSz="889000">
+            <a:lnSpc>
+              <a:spcPct val="90000"/>
+            </a:lnSpc>
+            <a:spcBef>
+              <a:spcPct val="0"/>
+            </a:spcBef>
+            <a:spcAft>
+              <a:spcPct val="35000"/>
+            </a:spcAft>
+          </a:pPr>
+          <a:r>
+            <a:rPr lang="en-GB" sz="2000" b="1" kern="1200" dirty="0">
+              <a:solidFill>
+                <a:sysClr val="windowText" lastClr="000000"/>
+              </a:solidFill>
+            </a:rPr>
+            <a:t>Replacing the VGG-16 architecture with a </a:t>
+          </a:r>
+          <a:r>
+            <a:rPr lang="en-GB" sz="2000" b="1" kern="1200" dirty="0" err="1">
+              <a:solidFill>
+                <a:sysClr val="windowText" lastClr="000000"/>
+              </a:solidFill>
+            </a:rPr>
+            <a:t>ResNet</a:t>
+          </a:r>
+          <a:r>
+            <a:rPr lang="en-GB" sz="2000" b="1" kern="1200" dirty="0">
+              <a:solidFill>
+                <a:sysClr val="windowText" lastClr="000000"/>
+              </a:solidFill>
+            </a:rPr>
+            <a:t> Implementation</a:t>
+          </a:r>
+          <a:endParaRPr lang="de-DE" sz="2000" b="1" kern="1200" dirty="0">
+            <a:solidFill>
+              <a:sysClr val="windowText" lastClr="000000"/>
+            </a:solidFill>
+            <a:latin typeface="+mn-lt"/>
+            <a:ea typeface="+mn-ea"/>
+            <a:cs typeface="+mn-cs"/>
+          </a:endParaRPr>
+        </a:p>
+      </dgm:t>
+    </dgm:pt>
+    <dgm:pt modelId="{4B34570D-F327-4E15-9901-7DA6E54BE925}" type="sibTrans" cxnId="{B16AD1D9-4317-4314-ABDA-684A897E3834}">
+      <dgm:prSet/>
+      <dgm:spPr/>
+      <dgm:t>
+        <a:bodyPr/>
+        <a:lstStyle/>
+        <a:p>
+          <a:endParaRPr lang="de-DE"/>
+        </a:p>
+      </dgm:t>
+    </dgm:pt>
+    <dgm:pt modelId="{1ECE408D-343F-4C4C-B798-88EB87A53110}" type="parTrans" cxnId="{B16AD1D9-4317-4314-ABDA-684A897E3834}">
+      <dgm:prSet/>
+      <dgm:spPr/>
+      <dgm:t>
+        <a:bodyPr/>
+        <a:lstStyle/>
+        <a:p>
+          <a:endParaRPr lang="de-DE"/>
+        </a:p>
+      </dgm:t>
+    </dgm:pt>
+    <dgm:pt modelId="{60CFE26B-E486-4CD0-BDA8-73CBD03D2AFC}">
+      <dgm:prSet phldrT="[Text]" custT="1">
+        <dgm:style>
+          <a:lnRef idx="2">
+            <a:scrgbClr r="0" g="0" b="0"/>
+          </a:lnRef>
+          <a:fillRef idx="1">
+            <a:scrgbClr r="0" g="0" b="0"/>
+          </a:fillRef>
+          <a:effectRef idx="0">
+            <a:schemeClr val="accent1">
+              <a:hueOff val="0"/>
+              <a:satOff val="0"/>
+              <a:lumOff val="0"/>
+              <a:alphaOff val="0"/>
+            </a:schemeClr>
+          </a:effectRef>
+          <a:fontRef idx="minor">
+            <a:schemeClr val="lt1"/>
+          </a:fontRef>
+        </dgm:style>
+      </dgm:prSet>
+      <dgm:spPr>
+        <a:noFill/>
+        <a:ln>
+          <a:solidFill>
+            <a:srgbClr val="9C1C26"/>
+          </a:solidFill>
+        </a:ln>
+      </dgm:spPr>
+      <dgm:t>
+        <a:bodyPr spcFirstLastPara="0" vert="horz" wrap="square" lIns="92444" tIns="92444" rIns="92444" bIns="92444" numCol="1" spcCol="1270" anchor="ctr" anchorCtr="0"/>
+        <a:lstStyle/>
+        <a:p>
+          <a:pPr marL="0" lvl="0" indent="0" algn="r" defTabSz="889000" rtl="0" fontAlgn="base">
+            <a:lnSpc>
+              <a:spcPct val="90000"/>
+            </a:lnSpc>
+            <a:spcBef>
+              <a:spcPct val="0"/>
+            </a:spcBef>
+            <a:spcAft>
+              <a:spcPct val="35000"/>
+            </a:spcAft>
+          </a:pPr>
+          <a:r>
+            <a:rPr lang="en-US" sz="2000" b="1" kern="1200" dirty="0">
+              <a:solidFill>
+                <a:sysClr val="windowText" lastClr="000000"/>
+              </a:solidFill>
+              <a:latin typeface="+mn-lt"/>
+              <a:ea typeface="+mn-ea"/>
+              <a:cs typeface="+mn-cs"/>
+            </a:rPr>
+            <a:t>Ignore background labels during training</a:t>
+          </a:r>
+          <a:endParaRPr lang="de-DE" sz="2000" b="1" kern="1200" dirty="0">
+            <a:solidFill>
+              <a:sysClr val="windowText" lastClr="000000"/>
+            </a:solidFill>
+            <a:latin typeface="+mn-lt"/>
+            <a:ea typeface="+mn-ea"/>
+            <a:cs typeface="+mn-cs"/>
+          </a:endParaRPr>
+        </a:p>
+      </dgm:t>
+    </dgm:pt>
+    <dgm:pt modelId="{B6EB6869-2274-462D-B0E5-CBA4B4E2FAB1}" type="parTrans" cxnId="{237FD3F5-21BE-44D7-B06C-303FB0906C2A}">
+      <dgm:prSet/>
+      <dgm:spPr/>
+      <dgm:t>
+        <a:bodyPr/>
+        <a:lstStyle/>
+        <a:p>
+          <a:endParaRPr lang="de-DE"/>
+        </a:p>
+      </dgm:t>
+    </dgm:pt>
+    <dgm:pt modelId="{1AE65E6A-7627-4D74-91EF-DAB3869A5A45}" type="sibTrans" cxnId="{237FD3F5-21BE-44D7-B06C-303FB0906C2A}">
+      <dgm:prSet/>
+      <dgm:spPr/>
+      <dgm:t>
+        <a:bodyPr/>
+        <a:lstStyle/>
+        <a:p>
+          <a:endParaRPr lang="de-DE"/>
+        </a:p>
+      </dgm:t>
+    </dgm:pt>
+    <dgm:pt modelId="{EF5F15B3-D566-4388-95D8-8B5313029BDC}" type="pres">
+      <dgm:prSet presAssocID="{B3536099-D1EB-4060-811C-6A593A65315E}" presName="Name0" presStyleCnt="0">
+        <dgm:presLayoutVars>
+          <dgm:chMax val="7"/>
+          <dgm:chPref val="7"/>
+          <dgm:dir/>
+        </dgm:presLayoutVars>
+      </dgm:prSet>
+      <dgm:spPr/>
+    </dgm:pt>
+    <dgm:pt modelId="{97737C00-1FFF-412A-8A31-E7BA926522D3}" type="pres">
+      <dgm:prSet presAssocID="{B3536099-D1EB-4060-811C-6A593A65315E}" presName="Name1" presStyleCnt="0"/>
+      <dgm:spPr/>
+    </dgm:pt>
+    <dgm:pt modelId="{AE493A57-9AF8-406F-9965-5AA09FE6BC2D}" type="pres">
+      <dgm:prSet presAssocID="{B3536099-D1EB-4060-811C-6A593A65315E}" presName="cycle" presStyleCnt="0"/>
+      <dgm:spPr/>
+    </dgm:pt>
+    <dgm:pt modelId="{89738854-4FEB-401A-AA20-4BED704F23C2}" type="pres">
+      <dgm:prSet presAssocID="{B3536099-D1EB-4060-811C-6A593A65315E}" presName="srcNode" presStyleLbl="node1" presStyleIdx="0" presStyleCnt="4"/>
+      <dgm:spPr/>
+    </dgm:pt>
+    <dgm:pt modelId="{0D6C9981-95F4-413F-893D-E5721A8569ED}" type="pres">
+      <dgm:prSet presAssocID="{B3536099-D1EB-4060-811C-6A593A65315E}" presName="conn" presStyleLbl="parChTrans1D2" presStyleIdx="0" presStyleCnt="1"/>
+      <dgm:spPr>
+        <a:xfrm>
+          <a:off x="-4594335" y="-704407"/>
+          <a:ext cx="5472816" cy="5472816"/>
+        </a:xfrm>
+        <a:prstGeom prst="blockArc">
+          <a:avLst>
+            <a:gd name="adj1" fmla="val 18900000"/>
+            <a:gd name="adj2" fmla="val 2700000"/>
+            <a:gd name="adj3" fmla="val 395"/>
+          </a:avLst>
+        </a:prstGeom>
+      </dgm:spPr>
+    </dgm:pt>
+    <dgm:pt modelId="{CBB1FC68-89A5-4629-A6ED-D312DCD3441C}" type="pres">
+      <dgm:prSet presAssocID="{B3536099-D1EB-4060-811C-6A593A65315E}" presName="extraNode" presStyleLbl="node1" presStyleIdx="0" presStyleCnt="4"/>
+      <dgm:spPr/>
+    </dgm:pt>
+    <dgm:pt modelId="{DD4915F8-4A6C-4582-A255-B9DDC8C9A52F}" type="pres">
+      <dgm:prSet presAssocID="{B3536099-D1EB-4060-811C-6A593A65315E}" presName="dstNode" presStyleLbl="node1" presStyleIdx="0" presStyleCnt="4"/>
+      <dgm:spPr/>
+    </dgm:pt>
+    <dgm:pt modelId="{0ADAAB39-A182-43D9-852C-489E705B21FF}" type="pres">
+      <dgm:prSet presAssocID="{9A1DC17B-E84C-4D8A-8084-D20ED8F81CB1}" presName="text_1" presStyleLbl="node1" presStyleIdx="0" presStyleCnt="4">
+        <dgm:presLayoutVars>
+          <dgm:bulletEnabled val="1"/>
+        </dgm:presLayoutVars>
+      </dgm:prSet>
+      <dgm:spPr>
+        <a:xfrm>
+          <a:off x="564979" y="406400"/>
+          <a:ext cx="5475833" cy="812800"/>
+        </a:xfrm>
+        <a:prstGeom prst="rect">
+          <a:avLst/>
+        </a:prstGeom>
+      </dgm:spPr>
+    </dgm:pt>
+    <dgm:pt modelId="{1B122F52-A49D-42A0-B968-152718817DCE}" type="pres">
+      <dgm:prSet presAssocID="{9A1DC17B-E84C-4D8A-8084-D20ED8F81CB1}" presName="accent_1" presStyleCnt="0"/>
+      <dgm:spPr/>
+    </dgm:pt>
+    <dgm:pt modelId="{42777FB5-804D-4F96-81C3-422F6C50FCCD}" type="pres">
+      <dgm:prSet presAssocID="{9A1DC17B-E84C-4D8A-8084-D20ED8F81CB1}" presName="accentRepeatNode" presStyleLbl="solidFgAcc1" presStyleIdx="0" presStyleCnt="4">
+        <dgm:style>
+          <a:lnRef idx="2">
+            <a:scrgbClr r="0" g="0" b="0"/>
+          </a:lnRef>
+          <a:fillRef idx="1">
+            <a:schemeClr val="lt1">
+              <a:hueOff val="0"/>
+              <a:satOff val="0"/>
+              <a:lumOff val="0"/>
+              <a:alphaOff val="0"/>
+            </a:schemeClr>
+          </a:fillRef>
+          <a:effectRef idx="0">
+            <a:schemeClr val="lt1">
+              <a:hueOff val="0"/>
+              <a:satOff val="0"/>
+              <a:lumOff val="0"/>
+              <a:alphaOff val="0"/>
+            </a:schemeClr>
+          </a:effectRef>
+          <a:fontRef idx="minor">
+            <a:schemeClr val="dk1">
+              <a:hueOff val="0"/>
+              <a:satOff val="0"/>
+              <a:lumOff val="0"/>
+              <a:alphaOff val="0"/>
+            </a:schemeClr>
+          </a:fontRef>
+        </dgm:style>
+      </dgm:prSet>
+      <dgm:spPr>
+        <a:xfrm>
+          <a:off x="56979" y="304800"/>
+          <a:ext cx="1016000" cy="1016000"/>
+        </a:xfrm>
+        <a:prstGeom prst="ellipse">
+          <a:avLst/>
+        </a:prstGeom>
+        <a:solidFill>
+          <a:srgbClr val="9C1C26"/>
+        </a:solidFill>
+        <a:ln>
+          <a:solidFill>
+            <a:srgbClr val="9C1C26"/>
+          </a:solidFill>
+        </a:ln>
+      </dgm:spPr>
+    </dgm:pt>
+    <dgm:pt modelId="{61A3D621-EA50-4828-AC79-EF2332E8D4B8}" type="pres">
+      <dgm:prSet presAssocID="{60CFE26B-E486-4CD0-BDA8-73CBD03D2AFC}" presName="text_2" presStyleLbl="node1" presStyleIdx="1" presStyleCnt="4">
+        <dgm:presLayoutVars>
+          <dgm:bulletEnabled val="1"/>
+        </dgm:presLayoutVars>
+      </dgm:prSet>
+      <dgm:spPr>
+        <a:prstGeom prst="rect">
+          <a:avLst/>
+        </a:prstGeom>
+      </dgm:spPr>
+    </dgm:pt>
+    <dgm:pt modelId="{52145350-B3AC-4C8C-B2BE-F1913FBC1613}" type="pres">
+      <dgm:prSet presAssocID="{60CFE26B-E486-4CD0-BDA8-73CBD03D2AFC}" presName="accent_2" presStyleCnt="0"/>
+      <dgm:spPr/>
+    </dgm:pt>
+    <dgm:pt modelId="{1DD74152-A7FF-472E-A491-8A5282AA8645}" type="pres">
+      <dgm:prSet presAssocID="{60CFE26B-E486-4CD0-BDA8-73CBD03D2AFC}" presName="accentRepeatNode" presStyleLbl="solidFgAcc1" presStyleIdx="1" presStyleCnt="4">
+        <dgm:style>
+          <a:lnRef idx="2">
+            <a:scrgbClr r="0" g="0" b="0"/>
+          </a:lnRef>
+          <a:fillRef idx="1">
+            <a:schemeClr val="lt1">
+              <a:hueOff val="0"/>
+              <a:satOff val="0"/>
+              <a:lumOff val="0"/>
+              <a:alphaOff val="0"/>
+            </a:schemeClr>
+          </a:fillRef>
+          <a:effectRef idx="0">
+            <a:schemeClr val="lt1">
+              <a:hueOff val="0"/>
+              <a:satOff val="0"/>
+              <a:lumOff val="0"/>
+              <a:alphaOff val="0"/>
+            </a:schemeClr>
+          </a:effectRef>
+          <a:fontRef idx="minor">
+            <a:schemeClr val="dk1">
+              <a:hueOff val="0"/>
+              <a:satOff val="0"/>
+              <a:lumOff val="0"/>
+              <a:alphaOff val="0"/>
+            </a:schemeClr>
+          </a:fontRef>
+        </dgm:style>
+      </dgm:prSet>
+      <dgm:spPr>
+        <a:xfrm>
+          <a:off x="460923" y="1264916"/>
+          <a:ext cx="843277" cy="843277"/>
+        </a:xfrm>
+        <a:prstGeom prst="ellipse">
+          <a:avLst/>
+        </a:prstGeom>
+        <a:solidFill>
+          <a:srgbClr val="9C1C26"/>
+        </a:solidFill>
+        <a:ln>
+          <a:solidFill>
+            <a:srgbClr val="9C1C26"/>
+          </a:solidFill>
+        </a:ln>
+      </dgm:spPr>
+    </dgm:pt>
+    <dgm:pt modelId="{84EFAEC6-C52D-4E6B-9153-7D0C8DFDF4B2}" type="pres">
+      <dgm:prSet presAssocID="{EA7058AC-EE21-4737-99F9-4642B0C209BA}" presName="text_3" presStyleLbl="node1" presStyleIdx="2" presStyleCnt="4">
+        <dgm:presLayoutVars>
+          <dgm:bulletEnabled val="1"/>
+        </dgm:presLayoutVars>
+      </dgm:prSet>
+      <dgm:spPr/>
+    </dgm:pt>
+    <dgm:pt modelId="{6F1F20AA-423D-475E-8BF2-E7B9A25B58FD}" type="pres">
+      <dgm:prSet presAssocID="{EA7058AC-EE21-4737-99F9-4642B0C209BA}" presName="accent_3" presStyleCnt="0"/>
+      <dgm:spPr/>
+    </dgm:pt>
+    <dgm:pt modelId="{775CE82A-D325-4CAD-A3BC-3EC791A931C4}" type="pres">
+      <dgm:prSet presAssocID="{EA7058AC-EE21-4737-99F9-4642B0C209BA}" presName="accentRepeatNode" presStyleLbl="solidFgAcc1" presStyleIdx="2" presStyleCnt="4">
+        <dgm:style>
+          <a:lnRef idx="2">
+            <a:scrgbClr r="0" g="0" b="0"/>
+          </a:lnRef>
+          <a:fillRef idx="1">
+            <a:schemeClr val="lt1">
+              <a:hueOff val="0"/>
+              <a:satOff val="0"/>
+              <a:lumOff val="0"/>
+              <a:alphaOff val="0"/>
+            </a:schemeClr>
+          </a:fillRef>
+          <a:effectRef idx="0">
+            <a:schemeClr val="lt1">
+              <a:hueOff val="0"/>
+              <a:satOff val="0"/>
+              <a:lumOff val="0"/>
+              <a:alphaOff val="0"/>
+            </a:schemeClr>
+          </a:effectRef>
+          <a:fontRef idx="minor">
+            <a:schemeClr val="dk1">
+              <a:hueOff val="0"/>
+              <a:satOff val="0"/>
+              <a:lumOff val="0"/>
+              <a:alphaOff val="0"/>
+            </a:schemeClr>
+          </a:fontRef>
+        </dgm:style>
+      </dgm:prSet>
+      <dgm:spPr>
+        <a:xfrm>
+          <a:off x="352432" y="1523999"/>
+          <a:ext cx="1016000" cy="1016000"/>
+        </a:xfrm>
+        <a:prstGeom prst="ellipse">
+          <a:avLst/>
+        </a:prstGeom>
+        <a:solidFill>
+          <a:srgbClr val="9C1C26"/>
+        </a:solidFill>
+        <a:ln>
+          <a:solidFill>
+            <a:srgbClr val="9C1C26"/>
+          </a:solidFill>
+        </a:ln>
+      </dgm:spPr>
+    </dgm:pt>
+    <dgm:pt modelId="{C5DBF723-D950-4828-A23E-EE900BB3BED7}" type="pres">
+      <dgm:prSet presAssocID="{917C01E8-4329-4757-9483-E90393712708}" presName="text_4" presStyleLbl="node1" presStyleIdx="3" presStyleCnt="4">
+        <dgm:presLayoutVars>
+          <dgm:bulletEnabled val="1"/>
+        </dgm:presLayoutVars>
+      </dgm:prSet>
+      <dgm:spPr/>
+    </dgm:pt>
+    <dgm:pt modelId="{B19A8F65-7649-4F75-8540-8B2D4D3AC894}" type="pres">
+      <dgm:prSet presAssocID="{917C01E8-4329-4757-9483-E90393712708}" presName="accent_4" presStyleCnt="0"/>
+      <dgm:spPr/>
+    </dgm:pt>
+    <dgm:pt modelId="{D5517E26-2B30-4A8B-B5DA-BE952665A2E9}" type="pres">
+      <dgm:prSet presAssocID="{917C01E8-4329-4757-9483-E90393712708}" presName="accentRepeatNode" presStyleLbl="solidFgAcc1" presStyleIdx="3" presStyleCnt="4">
+        <dgm:style>
+          <a:lnRef idx="2">
+            <a:scrgbClr r="0" g="0" b="0"/>
+          </a:lnRef>
+          <a:fillRef idx="1">
+            <a:schemeClr val="lt1">
+              <a:hueOff val="0"/>
+              <a:satOff val="0"/>
+              <a:lumOff val="0"/>
+              <a:alphaOff val="0"/>
+            </a:schemeClr>
+          </a:fillRef>
+          <a:effectRef idx="0">
+            <a:schemeClr val="lt1">
+              <a:hueOff val="0"/>
+              <a:satOff val="0"/>
+              <a:lumOff val="0"/>
+              <a:alphaOff val="0"/>
+            </a:schemeClr>
+          </a:effectRef>
+          <a:fontRef idx="minor">
+            <a:schemeClr val="dk1">
+              <a:hueOff val="0"/>
+              <a:satOff val="0"/>
+              <a:lumOff val="0"/>
+              <a:alphaOff val="0"/>
+            </a:schemeClr>
+          </a:fontRef>
+        </dgm:style>
+      </dgm:prSet>
+      <dgm:spPr>
+        <a:xfrm>
+          <a:off x="56979" y="2743200"/>
+          <a:ext cx="1016000" cy="1016000"/>
+        </a:xfrm>
+        <a:prstGeom prst="ellipse">
+          <a:avLst/>
+        </a:prstGeom>
+        <a:solidFill>
+          <a:srgbClr val="9C1C26"/>
+        </a:solidFill>
+        <a:ln>
+          <a:solidFill>
+            <a:srgbClr val="9C1C26"/>
+          </a:solidFill>
+        </a:ln>
+      </dgm:spPr>
+    </dgm:pt>
+  </dgm:ptLst>
+  <dgm:cxnLst>
+    <dgm:cxn modelId="{58C99400-0B20-4AF5-8C40-A39F411D5896}" srcId="{B3536099-D1EB-4060-811C-6A593A65315E}" destId="{EA7058AC-EE21-4737-99F9-4642B0C209BA}" srcOrd="2" destOrd="0" parTransId="{1BBD4008-6632-48CC-8AB2-43732315E9B7}" sibTransId="{EDB9E081-A1B6-4A17-A020-8301E449FB3F}"/>
+    <dgm:cxn modelId="{F69E9414-4BCF-4A4A-AEA8-9BA7C8310AF3}" type="presOf" srcId="{EA7058AC-EE21-4737-99F9-4642B0C209BA}" destId="{84EFAEC6-C52D-4E6B-9153-7D0C8DFDF4B2}" srcOrd="0" destOrd="0" presId="urn:microsoft.com/office/officeart/2008/layout/VerticalCurvedList"/>
+    <dgm:cxn modelId="{E6A42316-669D-4AF2-AC90-1694EB1306F8}" srcId="{B3536099-D1EB-4060-811C-6A593A65315E}" destId="{9A1DC17B-E84C-4D8A-8084-D20ED8F81CB1}" srcOrd="0" destOrd="0" parTransId="{B07DD04D-F5FA-44DC-BD78-7C8454DA5356}" sibTransId="{B3FE3ACA-B68C-4758-84B7-7FF848D5ECA8}"/>
+    <dgm:cxn modelId="{9ED33D35-6E85-4862-B571-2F11F3DB868E}" type="presOf" srcId="{B3FE3ACA-B68C-4758-84B7-7FF848D5ECA8}" destId="{0D6C9981-95F4-413F-893D-E5721A8569ED}" srcOrd="0" destOrd="0" presId="urn:microsoft.com/office/officeart/2008/layout/VerticalCurvedList"/>
+    <dgm:cxn modelId="{4C38795E-C332-4416-A7B7-9F5FBF9F50C1}" type="presOf" srcId="{917C01E8-4329-4757-9483-E90393712708}" destId="{C5DBF723-D950-4828-A23E-EE900BB3BED7}" srcOrd="0" destOrd="0" presId="urn:microsoft.com/office/officeart/2008/layout/VerticalCurvedList"/>
+    <dgm:cxn modelId="{83EBED66-C1A8-4458-82C1-D551B7EDAA36}" type="presOf" srcId="{60CFE26B-E486-4CD0-BDA8-73CBD03D2AFC}" destId="{61A3D621-EA50-4828-AC79-EF2332E8D4B8}" srcOrd="0" destOrd="0" presId="urn:microsoft.com/office/officeart/2008/layout/VerticalCurvedList"/>
+    <dgm:cxn modelId="{5412A58E-1BB9-4F54-ABCB-1F7C5171D8E7}" type="presOf" srcId="{9A1DC17B-E84C-4D8A-8084-D20ED8F81CB1}" destId="{0ADAAB39-A182-43D9-852C-489E705B21FF}" srcOrd="0" destOrd="0" presId="urn:microsoft.com/office/officeart/2008/layout/VerticalCurvedList"/>
+    <dgm:cxn modelId="{D1FEC6D2-E3E5-4899-A1D8-6231D6F84E94}" type="presOf" srcId="{B3536099-D1EB-4060-811C-6A593A65315E}" destId="{EF5F15B3-D566-4388-95D8-8B5313029BDC}" srcOrd="0" destOrd="0" presId="urn:microsoft.com/office/officeart/2008/layout/VerticalCurvedList"/>
+    <dgm:cxn modelId="{B16AD1D9-4317-4314-ABDA-684A897E3834}" srcId="{B3536099-D1EB-4060-811C-6A593A65315E}" destId="{917C01E8-4329-4757-9483-E90393712708}" srcOrd="3" destOrd="0" parTransId="{1ECE408D-343F-4C4C-B798-88EB87A53110}" sibTransId="{4B34570D-F327-4E15-9901-7DA6E54BE925}"/>
+    <dgm:cxn modelId="{237FD3F5-21BE-44D7-B06C-303FB0906C2A}" srcId="{B3536099-D1EB-4060-811C-6A593A65315E}" destId="{60CFE26B-E486-4CD0-BDA8-73CBD03D2AFC}" srcOrd="1" destOrd="0" parTransId="{B6EB6869-2274-462D-B0E5-CBA4B4E2FAB1}" sibTransId="{1AE65E6A-7627-4D74-91EF-DAB3869A5A45}"/>
+    <dgm:cxn modelId="{22055D29-6217-442E-91DC-A3A78990A744}" type="presParOf" srcId="{EF5F15B3-D566-4388-95D8-8B5313029BDC}" destId="{97737C00-1FFF-412A-8A31-E7BA926522D3}" srcOrd="0" destOrd="0" presId="urn:microsoft.com/office/officeart/2008/layout/VerticalCurvedList"/>
+    <dgm:cxn modelId="{A7AFF97E-A7F7-49CF-A27A-FB3E81D558AE}" type="presParOf" srcId="{97737C00-1FFF-412A-8A31-E7BA926522D3}" destId="{AE493A57-9AF8-406F-9965-5AA09FE6BC2D}" srcOrd="0" destOrd="0" presId="urn:microsoft.com/office/officeart/2008/layout/VerticalCurvedList"/>
+    <dgm:cxn modelId="{83B284E7-3042-4104-A6F7-EB0C5ACAC519}" type="presParOf" srcId="{AE493A57-9AF8-406F-9965-5AA09FE6BC2D}" destId="{89738854-4FEB-401A-AA20-4BED704F23C2}" srcOrd="0" destOrd="0" presId="urn:microsoft.com/office/officeart/2008/layout/VerticalCurvedList"/>
+    <dgm:cxn modelId="{CD10951C-6A6B-421A-925D-8CAF1E32F745}" type="presParOf" srcId="{AE493A57-9AF8-406F-9965-5AA09FE6BC2D}" destId="{0D6C9981-95F4-413F-893D-E5721A8569ED}" srcOrd="1" destOrd="0" presId="urn:microsoft.com/office/officeart/2008/layout/VerticalCurvedList"/>
+    <dgm:cxn modelId="{FEFD44CA-FDBB-4D33-B371-B359C737B5E0}" type="presParOf" srcId="{AE493A57-9AF8-406F-9965-5AA09FE6BC2D}" destId="{CBB1FC68-89A5-4629-A6ED-D312DCD3441C}" srcOrd="2" destOrd="0" presId="urn:microsoft.com/office/officeart/2008/layout/VerticalCurvedList"/>
+    <dgm:cxn modelId="{B50195AD-1CB8-446F-ADD5-1A3256E31738}" type="presParOf" srcId="{AE493A57-9AF8-406F-9965-5AA09FE6BC2D}" destId="{DD4915F8-4A6C-4582-A255-B9DDC8C9A52F}" srcOrd="3" destOrd="0" presId="urn:microsoft.com/office/officeart/2008/layout/VerticalCurvedList"/>
+    <dgm:cxn modelId="{92E088FF-AA2C-412D-8E64-E9C8945BC8DC}" type="presParOf" srcId="{97737C00-1FFF-412A-8A31-E7BA926522D3}" destId="{0ADAAB39-A182-43D9-852C-489E705B21FF}" srcOrd="1" destOrd="0" presId="urn:microsoft.com/office/officeart/2008/layout/VerticalCurvedList"/>
+    <dgm:cxn modelId="{957FA12C-8697-4321-AD64-7699EFBBA65F}" type="presParOf" srcId="{97737C00-1FFF-412A-8A31-E7BA926522D3}" destId="{1B122F52-A49D-42A0-B968-152718817DCE}" srcOrd="2" destOrd="0" presId="urn:microsoft.com/office/officeart/2008/layout/VerticalCurvedList"/>
+    <dgm:cxn modelId="{93CAD949-82F1-4C66-B350-D9A822BAC1AE}" type="presParOf" srcId="{1B122F52-A49D-42A0-B968-152718817DCE}" destId="{42777FB5-804D-4F96-81C3-422F6C50FCCD}" srcOrd="0" destOrd="0" presId="urn:microsoft.com/office/officeart/2008/layout/VerticalCurvedList"/>
+    <dgm:cxn modelId="{7B60B6EA-8DBE-42E7-8565-1775B2C01A8E}" type="presParOf" srcId="{97737C00-1FFF-412A-8A31-E7BA926522D3}" destId="{61A3D621-EA50-4828-AC79-EF2332E8D4B8}" srcOrd="3" destOrd="0" presId="urn:microsoft.com/office/officeart/2008/layout/VerticalCurvedList"/>
+    <dgm:cxn modelId="{05659F52-DA6A-49B2-89F5-CF596325409C}" type="presParOf" srcId="{97737C00-1FFF-412A-8A31-E7BA926522D3}" destId="{52145350-B3AC-4C8C-B2BE-F1913FBC1613}" srcOrd="4" destOrd="0" presId="urn:microsoft.com/office/officeart/2008/layout/VerticalCurvedList"/>
+    <dgm:cxn modelId="{0D910312-B54B-4A11-A8EF-D7992740A322}" type="presParOf" srcId="{52145350-B3AC-4C8C-B2BE-F1913FBC1613}" destId="{1DD74152-A7FF-472E-A491-8A5282AA8645}" srcOrd="0" destOrd="0" presId="urn:microsoft.com/office/officeart/2008/layout/VerticalCurvedList"/>
+    <dgm:cxn modelId="{A694F37D-8DAE-4C3B-9819-5DAC3B159D20}" type="presParOf" srcId="{97737C00-1FFF-412A-8A31-E7BA926522D3}" destId="{84EFAEC6-C52D-4E6B-9153-7D0C8DFDF4B2}" srcOrd="5" destOrd="0" presId="urn:microsoft.com/office/officeart/2008/layout/VerticalCurvedList"/>
+    <dgm:cxn modelId="{96254C63-DC52-4942-AAEF-DA711FFBA4E5}" type="presParOf" srcId="{97737C00-1FFF-412A-8A31-E7BA926522D3}" destId="{6F1F20AA-423D-475E-8BF2-E7B9A25B58FD}" srcOrd="6" destOrd="0" presId="urn:microsoft.com/office/officeart/2008/layout/VerticalCurvedList"/>
+    <dgm:cxn modelId="{232F140B-92F1-4D97-BE91-40FA03A677B6}" type="presParOf" srcId="{6F1F20AA-423D-475E-8BF2-E7B9A25B58FD}" destId="{775CE82A-D325-4CAD-A3BC-3EC791A931C4}" srcOrd="0" destOrd="0" presId="urn:microsoft.com/office/officeart/2008/layout/VerticalCurvedList"/>
+    <dgm:cxn modelId="{D30D2B35-9236-43D6-8AA9-F75B6517D9FB}" type="presParOf" srcId="{97737C00-1FFF-412A-8A31-E7BA926522D3}" destId="{C5DBF723-D950-4828-A23E-EE900BB3BED7}" srcOrd="7" destOrd="0" presId="urn:microsoft.com/office/officeart/2008/layout/VerticalCurvedList"/>
+    <dgm:cxn modelId="{A6307F4E-F3F3-4E08-AD2C-78715408B4C2}" type="presParOf" srcId="{97737C00-1FFF-412A-8A31-E7BA926522D3}" destId="{B19A8F65-7649-4F75-8540-8B2D4D3AC894}" srcOrd="8" destOrd="0" presId="urn:microsoft.com/office/officeart/2008/layout/VerticalCurvedList"/>
+    <dgm:cxn modelId="{DBA81487-F80F-4234-B558-BAB7624C1222}" type="presParOf" srcId="{B19A8F65-7649-4F75-8540-8B2D4D3AC894}" destId="{D5517E26-2B30-4A8B-B5DA-BE952665A2E9}" srcOrd="0" destOrd="0" presId="urn:microsoft.com/office/officeart/2008/layout/VerticalCurvedList"/>
+  </dgm:cxnLst>
+  <dgm:bg/>
+  <dgm:whole/>
+  <dgm:extLst>
+    <a:ext uri="http://schemas.microsoft.com/office/drawing/2008/diagram">
+      <dsp:dataModelExt xmlns:dsp="http://schemas.microsoft.com/office/drawing/2008/diagram" relId="rId8" minVer="http://schemas.openxmlformats.org/drawingml/2006/diagram"/>
+    </a:ext>
+    <a:ext uri="{C62137D5-CB1D-491B-B009-E17868A290BF}">
+      <dgm14:recolorImg xmlns:dgm14="http://schemas.microsoft.com/office/drawing/2010/diagram" val="1"/>
+    </a:ext>
+  </dgm:extLst>
+</dgm:dataModel>
+</file>
+
+<file path=ppt/diagrams/drawing1.xml><?xml version="1.0" encoding="utf-8"?>
+<dsp:drawing xmlns:dgm="http://schemas.openxmlformats.org/drawingml/2006/diagram" xmlns:dsp="http://schemas.microsoft.com/office/drawing/2008/diagram" xmlns:a="http://schemas.openxmlformats.org/drawingml/2006/main">
+  <dsp:spTree>
+    <dsp:nvGrpSpPr>
+      <dsp:cNvPr id="0" name=""/>
+      <dsp:cNvGrpSpPr/>
+    </dsp:nvGrpSpPr>
+    <dsp:grpSpPr/>
+    <dsp:sp modelId="{0D6C9981-95F4-413F-893D-E5721A8569ED}">
+      <dsp:nvSpPr>
+        <dsp:cNvPr id="0" name=""/>
+        <dsp:cNvSpPr/>
+      </dsp:nvSpPr>
+      <dsp:spPr>
+        <a:xfrm>
+          <a:off x="-4957758" y="-759657"/>
+          <a:ext cx="5904535" cy="5904535"/>
+        </a:xfrm>
+        <a:prstGeom prst="blockArc">
+          <a:avLst>
+            <a:gd name="adj1" fmla="val 18900000"/>
+            <a:gd name="adj2" fmla="val 2700000"/>
+            <a:gd name="adj3" fmla="val 395"/>
+          </a:avLst>
+        </a:prstGeom>
+        <a:noFill/>
+        <a:ln w="25400" cap="flat" cmpd="sng" algn="ctr">
+          <a:solidFill>
+            <a:srgbClr val="9C1C26"/>
+          </a:solidFill>
+          <a:prstDash val="solid"/>
+        </a:ln>
+        <a:effectLst/>
+      </dsp:spPr>
+      <dsp:style>
+        <a:lnRef idx="2">
+          <a:scrgbClr r="0" g="0" b="0"/>
+        </a:lnRef>
+        <a:fillRef idx="0">
+          <a:schemeClr val="accent1">
+            <a:hueOff val="0"/>
+            <a:satOff val="0"/>
+            <a:lumOff val="0"/>
+            <a:alphaOff val="0"/>
+          </a:schemeClr>
+        </a:fillRef>
+        <a:effectRef idx="0">
+          <a:schemeClr val="accent1">
+            <a:hueOff val="0"/>
+            <a:satOff val="0"/>
+            <a:lumOff val="0"/>
+            <a:alphaOff val="0"/>
+          </a:schemeClr>
+        </a:effectRef>
+        <a:fontRef idx="minor">
+          <a:schemeClr val="tx1">
+            <a:hueOff val="0"/>
+            <a:satOff val="0"/>
+            <a:lumOff val="0"/>
+            <a:alphaOff val="0"/>
+          </a:schemeClr>
+        </a:fontRef>
+      </dsp:style>
+    </dsp:sp>
+    <dsp:sp modelId="{0ADAAB39-A182-43D9-852C-489E705B21FF}">
+      <dsp:nvSpPr>
+        <dsp:cNvPr id="0" name=""/>
+        <dsp:cNvSpPr/>
+      </dsp:nvSpPr>
+      <dsp:spPr>
+        <a:xfrm>
+          <a:off x="495785" y="337135"/>
+          <a:ext cx="6408457" cy="674622"/>
+        </a:xfrm>
+        <a:prstGeom prst="rect">
+          <a:avLst/>
+        </a:prstGeom>
+        <a:noFill/>
+        <a:ln w="25400" cap="flat" cmpd="sng" algn="ctr">
+          <a:solidFill>
+            <a:srgbClr val="9C1C26"/>
+          </a:solidFill>
+          <a:prstDash val="solid"/>
+        </a:ln>
+        <a:effectLst/>
+      </dsp:spPr>
+      <dsp:style>
+        <a:lnRef idx="2">
+          <a:scrgbClr r="0" g="0" b="0"/>
+        </a:lnRef>
+        <a:fillRef idx="1">
+          <a:scrgbClr r="0" g="0" b="0"/>
+        </a:fillRef>
+        <a:effectRef idx="0">
+          <a:schemeClr val="accent1">
+            <a:hueOff val="0"/>
+            <a:satOff val="0"/>
+            <a:lumOff val="0"/>
+            <a:alphaOff val="0"/>
+          </a:schemeClr>
+        </a:effectRef>
+        <a:fontRef idx="minor">
+          <a:schemeClr val="lt1"/>
+        </a:fontRef>
+      </dsp:style>
+      <dsp:txBody>
+        <a:bodyPr spcFirstLastPara="0" vert="horz" wrap="square" lIns="535481" tIns="50800" rIns="50800" bIns="50800" numCol="1" spcCol="1270" anchor="ctr" anchorCtr="0">
+          <a:noAutofit/>
+        </a:bodyPr>
+        <a:lstStyle/>
+        <a:p>
+          <a:pPr marL="0" lvl="0" indent="0" algn="r" defTabSz="889000">
+            <a:lnSpc>
+              <a:spcPct val="90000"/>
+            </a:lnSpc>
+            <a:spcBef>
+              <a:spcPct val="0"/>
+            </a:spcBef>
+            <a:spcAft>
+              <a:spcPct val="35000"/>
+            </a:spcAft>
+            <a:buNone/>
+          </a:pPr>
+          <a:r>
+            <a:rPr lang="en-GB" sz="2000" b="1" kern="1200" dirty="0">
+              <a:solidFill>
+                <a:sysClr val="windowText" lastClr="000000"/>
+              </a:solidFill>
+              <a:latin typeface="+mn-lt"/>
+              <a:ea typeface="+mn-ea"/>
+              <a:cs typeface="+mn-cs"/>
+            </a:rPr>
+            <a:t>Weighted loss function/ oversampling</a:t>
+          </a:r>
+          <a:endParaRPr lang="de-DE" sz="2000" b="1" kern="1200" dirty="0">
+            <a:solidFill>
+              <a:sysClr val="windowText" lastClr="000000"/>
+            </a:solidFill>
+            <a:latin typeface="+mn-lt"/>
+            <a:ea typeface="+mn-ea"/>
+            <a:cs typeface="+mn-cs"/>
+          </a:endParaRPr>
+        </a:p>
+      </dsp:txBody>
+      <dsp:txXfrm>
+        <a:off x="495785" y="337135"/>
+        <a:ext cx="6408457" cy="674622"/>
+      </dsp:txXfrm>
+    </dsp:sp>
+    <dsp:sp modelId="{42777FB5-804D-4F96-81C3-422F6C50FCCD}">
+      <dsp:nvSpPr>
+        <dsp:cNvPr id="0" name=""/>
+        <dsp:cNvSpPr/>
+      </dsp:nvSpPr>
+      <dsp:spPr>
+        <a:xfrm>
+          <a:off x="74147" y="252807"/>
+          <a:ext cx="843277" cy="843277"/>
+        </a:xfrm>
+        <a:prstGeom prst="ellipse">
+          <a:avLst/>
+        </a:prstGeom>
+        <a:solidFill>
+          <a:srgbClr val="9C1C26"/>
+        </a:solidFill>
+        <a:ln w="25400" cap="flat" cmpd="sng" algn="ctr">
+          <a:solidFill>
+            <a:srgbClr val="9C1C26"/>
+          </a:solidFill>
+          <a:prstDash val="solid"/>
+        </a:ln>
+        <a:effectLst/>
+      </dsp:spPr>
+      <dsp:style>
+        <a:lnRef idx="2">
+          <a:scrgbClr r="0" g="0" b="0"/>
+        </a:lnRef>
+        <a:fillRef idx="1">
+          <a:schemeClr val="lt1">
+            <a:hueOff val="0"/>
+            <a:satOff val="0"/>
+            <a:lumOff val="0"/>
+            <a:alphaOff val="0"/>
+          </a:schemeClr>
+        </a:fillRef>
+        <a:effectRef idx="0">
+          <a:schemeClr val="lt1">
+            <a:hueOff val="0"/>
+            <a:satOff val="0"/>
+            <a:lumOff val="0"/>
+            <a:alphaOff val="0"/>
+          </a:schemeClr>
+        </a:effectRef>
+        <a:fontRef idx="minor">
+          <a:schemeClr val="dk1">
+            <a:hueOff val="0"/>
+            <a:satOff val="0"/>
+            <a:lumOff val="0"/>
+            <a:alphaOff val="0"/>
+          </a:schemeClr>
+        </a:fontRef>
+      </dsp:style>
+    </dsp:sp>
+    <dsp:sp modelId="{61A3D621-EA50-4828-AC79-EF2332E8D4B8}">
+      <dsp:nvSpPr>
+        <dsp:cNvPr id="0" name=""/>
+        <dsp:cNvSpPr/>
+      </dsp:nvSpPr>
+      <dsp:spPr>
+        <a:xfrm>
+          <a:off x="882562" y="1349244"/>
+          <a:ext cx="6021680" cy="674622"/>
+        </a:xfrm>
+        <a:prstGeom prst="rect">
+          <a:avLst/>
+        </a:prstGeom>
+        <a:noFill/>
+        <a:ln w="25400" cap="flat" cmpd="sng" algn="ctr">
+          <a:solidFill>
+            <a:srgbClr val="9C1C26"/>
+          </a:solidFill>
+          <a:prstDash val="solid"/>
+        </a:ln>
+        <a:effectLst/>
+      </dsp:spPr>
+      <dsp:style>
+        <a:lnRef idx="2">
+          <a:scrgbClr r="0" g="0" b="0"/>
+        </a:lnRef>
+        <a:fillRef idx="1">
+          <a:scrgbClr r="0" g="0" b="0"/>
+        </a:fillRef>
+        <a:effectRef idx="0">
+          <a:schemeClr val="accent1">
+            <a:hueOff val="0"/>
+            <a:satOff val="0"/>
+            <a:lumOff val="0"/>
+            <a:alphaOff val="0"/>
+          </a:schemeClr>
+        </a:effectRef>
+        <a:fontRef idx="minor">
+          <a:schemeClr val="lt1"/>
+        </a:fontRef>
+      </dsp:style>
+      <dsp:txBody>
+        <a:bodyPr spcFirstLastPara="0" vert="horz" wrap="square" lIns="92444" tIns="92444" rIns="92444" bIns="92444" numCol="1" spcCol="1270" anchor="ctr" anchorCtr="0">
+          <a:noAutofit/>
+        </a:bodyPr>
+        <a:lstStyle/>
+        <a:p>
+          <a:pPr marL="0" lvl="0" indent="0" algn="r" defTabSz="889000" rtl="0" fontAlgn="base">
+            <a:lnSpc>
+              <a:spcPct val="90000"/>
+            </a:lnSpc>
+            <a:spcBef>
+              <a:spcPct val="0"/>
+            </a:spcBef>
+            <a:spcAft>
+              <a:spcPct val="35000"/>
+            </a:spcAft>
+            <a:buNone/>
+          </a:pPr>
+          <a:r>
+            <a:rPr lang="en-US" sz="2000" b="1" kern="1200" dirty="0">
+              <a:solidFill>
+                <a:sysClr val="windowText" lastClr="000000"/>
+              </a:solidFill>
+              <a:latin typeface="+mn-lt"/>
+              <a:ea typeface="+mn-ea"/>
+              <a:cs typeface="+mn-cs"/>
+            </a:rPr>
+            <a:t>Ignore background labels during training</a:t>
+          </a:r>
+          <a:endParaRPr lang="de-DE" sz="2000" b="1" kern="1200" dirty="0">
+            <a:solidFill>
+              <a:sysClr val="windowText" lastClr="000000"/>
+            </a:solidFill>
+            <a:latin typeface="+mn-lt"/>
+            <a:ea typeface="+mn-ea"/>
+            <a:cs typeface="+mn-cs"/>
+          </a:endParaRPr>
+        </a:p>
+      </dsp:txBody>
+      <dsp:txXfrm>
+        <a:off x="882562" y="1349244"/>
+        <a:ext cx="6021680" cy="674622"/>
+      </dsp:txXfrm>
+    </dsp:sp>
+    <dsp:sp modelId="{1DD74152-A7FF-472E-A491-8A5282AA8645}">
+      <dsp:nvSpPr>
+        <dsp:cNvPr id="0" name=""/>
+        <dsp:cNvSpPr/>
+      </dsp:nvSpPr>
+      <dsp:spPr>
+        <a:xfrm>
+          <a:off x="460923" y="1264916"/>
+          <a:ext cx="843277" cy="843277"/>
+        </a:xfrm>
+        <a:prstGeom prst="ellipse">
+          <a:avLst/>
+        </a:prstGeom>
+        <a:solidFill>
+          <a:srgbClr val="9C1C26"/>
+        </a:solidFill>
+        <a:ln w="25400" cap="flat" cmpd="sng" algn="ctr">
+          <a:solidFill>
+            <a:srgbClr val="9C1C26"/>
+          </a:solidFill>
+          <a:prstDash val="solid"/>
+        </a:ln>
+        <a:effectLst/>
+      </dsp:spPr>
+      <dsp:style>
+        <a:lnRef idx="2">
+          <a:scrgbClr r="0" g="0" b="0"/>
+        </a:lnRef>
+        <a:fillRef idx="1">
+          <a:schemeClr val="lt1">
+            <a:hueOff val="0"/>
+            <a:satOff val="0"/>
+            <a:lumOff val="0"/>
+            <a:alphaOff val="0"/>
+          </a:schemeClr>
+        </a:fillRef>
+        <a:effectRef idx="0">
+          <a:schemeClr val="lt1">
+            <a:hueOff val="0"/>
+            <a:satOff val="0"/>
+            <a:lumOff val="0"/>
+            <a:alphaOff val="0"/>
+          </a:schemeClr>
+        </a:effectRef>
+        <a:fontRef idx="minor">
+          <a:schemeClr val="dk1">
+            <a:hueOff val="0"/>
+            <a:satOff val="0"/>
+            <a:lumOff val="0"/>
+            <a:alphaOff val="0"/>
+          </a:schemeClr>
+        </a:fontRef>
+      </dsp:style>
+    </dsp:sp>
+    <dsp:sp modelId="{84EFAEC6-C52D-4E6B-9153-7D0C8DFDF4B2}">
+      <dsp:nvSpPr>
+        <dsp:cNvPr id="0" name=""/>
+        <dsp:cNvSpPr/>
+      </dsp:nvSpPr>
+      <dsp:spPr>
+        <a:xfrm>
+          <a:off x="882562" y="2361353"/>
+          <a:ext cx="6021680" cy="674622"/>
+        </a:xfrm>
+        <a:prstGeom prst="rect">
+          <a:avLst/>
+        </a:prstGeom>
+        <a:noFill/>
+        <a:ln w="25400" cap="flat" cmpd="sng" algn="ctr">
+          <a:solidFill>
+            <a:srgbClr val="9C1C26"/>
+          </a:solidFill>
+          <a:prstDash val="solid"/>
+        </a:ln>
+        <a:effectLst/>
+      </dsp:spPr>
+      <dsp:style>
+        <a:lnRef idx="2">
+          <a:scrgbClr r="0" g="0" b="0"/>
+        </a:lnRef>
+        <a:fillRef idx="1">
+          <a:scrgbClr r="0" g="0" b="0"/>
+        </a:fillRef>
+        <a:effectRef idx="0">
+          <a:schemeClr val="accent1">
+            <a:hueOff val="0"/>
+            <a:satOff val="0"/>
+            <a:lumOff val="0"/>
+            <a:alphaOff val="0"/>
+          </a:schemeClr>
+        </a:effectRef>
+        <a:fontRef idx="minor">
+          <a:schemeClr val="lt1"/>
+        </a:fontRef>
+      </dsp:style>
+      <dsp:txBody>
+        <a:bodyPr spcFirstLastPara="0" vert="horz" wrap="square" lIns="535481" tIns="50800" rIns="50800" bIns="50800" numCol="1" spcCol="1270" anchor="ctr" anchorCtr="0">
+          <a:noAutofit/>
+        </a:bodyPr>
+        <a:lstStyle/>
+        <a:p>
+          <a:pPr marL="0" lvl="0" indent="0" algn="r" defTabSz="889000">
+            <a:lnSpc>
+              <a:spcPct val="90000"/>
+            </a:lnSpc>
+            <a:spcBef>
+              <a:spcPct val="0"/>
+            </a:spcBef>
+            <a:spcAft>
+              <a:spcPct val="35000"/>
+            </a:spcAft>
+            <a:buNone/>
+          </a:pPr>
+          <a:r>
+            <a:rPr lang="en-GB" sz="2000" b="1" kern="1200" dirty="0">
+              <a:solidFill>
+                <a:sysClr val="windowText" lastClr="000000"/>
+              </a:solidFill>
+            </a:rPr>
+            <a:t>Loss still improving </a:t>
+          </a:r>
+          <a:r>
+            <a:rPr lang="en-GB" sz="2000" b="1" kern="1200" dirty="0">
+              <a:solidFill>
+                <a:sysClr val="windowText" lastClr="000000"/>
+              </a:solidFill>
+              <a:sym typeface="Wingdings" panose="05000000000000000000" pitchFamily="2" charset="2"/>
+            </a:rPr>
+            <a:t> longer training on GPUs</a:t>
+          </a:r>
+          <a:endParaRPr lang="de-DE" sz="2000" b="1" kern="1200" dirty="0">
+            <a:solidFill>
+              <a:sysClr val="windowText" lastClr="000000"/>
+            </a:solidFill>
+            <a:latin typeface="+mn-lt"/>
+            <a:ea typeface="+mn-ea"/>
+            <a:cs typeface="+mn-cs"/>
+          </a:endParaRPr>
+        </a:p>
+      </dsp:txBody>
+      <dsp:txXfrm>
+        <a:off x="882562" y="2361353"/>
+        <a:ext cx="6021680" cy="674622"/>
+      </dsp:txXfrm>
+    </dsp:sp>
+    <dsp:sp modelId="{775CE82A-D325-4CAD-A3BC-3EC791A931C4}">
+      <dsp:nvSpPr>
+        <dsp:cNvPr id="0" name=""/>
+        <dsp:cNvSpPr/>
+      </dsp:nvSpPr>
+      <dsp:spPr>
+        <a:xfrm>
+          <a:off x="460923" y="2277025"/>
+          <a:ext cx="843277" cy="843277"/>
+        </a:xfrm>
+        <a:prstGeom prst="ellipse">
+          <a:avLst/>
+        </a:prstGeom>
+        <a:solidFill>
+          <a:srgbClr val="9C1C26"/>
+        </a:solidFill>
+        <a:ln w="25400" cap="flat" cmpd="sng" algn="ctr">
+          <a:solidFill>
+            <a:srgbClr val="9C1C26"/>
+          </a:solidFill>
+          <a:prstDash val="solid"/>
+        </a:ln>
+        <a:effectLst/>
+      </dsp:spPr>
+      <dsp:style>
+        <a:lnRef idx="2">
+          <a:scrgbClr r="0" g="0" b="0"/>
+        </a:lnRef>
+        <a:fillRef idx="1">
+          <a:schemeClr val="lt1">
+            <a:hueOff val="0"/>
+            <a:satOff val="0"/>
+            <a:lumOff val="0"/>
+            <a:alphaOff val="0"/>
+          </a:schemeClr>
+        </a:fillRef>
+        <a:effectRef idx="0">
+          <a:schemeClr val="lt1">
+            <a:hueOff val="0"/>
+            <a:satOff val="0"/>
+            <a:lumOff val="0"/>
+            <a:alphaOff val="0"/>
+          </a:schemeClr>
+        </a:effectRef>
+        <a:fontRef idx="minor">
+          <a:schemeClr val="dk1">
+            <a:hueOff val="0"/>
+            <a:satOff val="0"/>
+            <a:lumOff val="0"/>
+            <a:alphaOff val="0"/>
+          </a:schemeClr>
+        </a:fontRef>
+      </dsp:style>
+    </dsp:sp>
+    <dsp:sp modelId="{C5DBF723-D950-4828-A23E-EE900BB3BED7}">
+      <dsp:nvSpPr>
+        <dsp:cNvPr id="0" name=""/>
+        <dsp:cNvSpPr/>
+      </dsp:nvSpPr>
+      <dsp:spPr>
+        <a:xfrm>
+          <a:off x="495785" y="3373462"/>
+          <a:ext cx="6408457" cy="674622"/>
+        </a:xfrm>
+        <a:prstGeom prst="rect">
+          <a:avLst/>
+        </a:prstGeom>
+        <a:noFill/>
+        <a:ln w="25400" cap="flat" cmpd="sng" algn="ctr">
+          <a:solidFill>
+            <a:srgbClr val="9C1C26"/>
+          </a:solidFill>
+          <a:prstDash val="solid"/>
+        </a:ln>
+        <a:effectLst/>
+      </dsp:spPr>
+      <dsp:style>
+        <a:lnRef idx="2">
+          <a:scrgbClr r="0" g="0" b="0"/>
+        </a:lnRef>
+        <a:fillRef idx="1">
+          <a:scrgbClr r="0" g="0" b="0"/>
+        </a:fillRef>
+        <a:effectRef idx="0">
+          <a:schemeClr val="accent1">
+            <a:hueOff val="0"/>
+            <a:satOff val="0"/>
+            <a:lumOff val="0"/>
+            <a:alphaOff val="0"/>
+          </a:schemeClr>
+        </a:effectRef>
+        <a:fontRef idx="minor">
+          <a:schemeClr val="lt1"/>
+        </a:fontRef>
+      </dsp:style>
+      <dsp:txBody>
+        <a:bodyPr spcFirstLastPara="0" vert="horz" wrap="square" lIns="535481" tIns="50800" rIns="50800" bIns="50800" numCol="1" spcCol="1270" anchor="ctr" anchorCtr="0">
+          <a:noAutofit/>
+        </a:bodyPr>
+        <a:lstStyle/>
+        <a:p>
+          <a:pPr marL="0" lvl="0" indent="0" algn="r" defTabSz="889000">
+            <a:lnSpc>
+              <a:spcPct val="90000"/>
+            </a:lnSpc>
+            <a:spcBef>
+              <a:spcPct val="0"/>
+            </a:spcBef>
+            <a:spcAft>
+              <a:spcPct val="35000"/>
+            </a:spcAft>
+            <a:buNone/>
+          </a:pPr>
+          <a:r>
+            <a:rPr lang="en-GB" sz="2000" b="1" kern="1200" dirty="0">
+              <a:solidFill>
+                <a:sysClr val="windowText" lastClr="000000"/>
+              </a:solidFill>
+            </a:rPr>
+            <a:t>Replacing the VGG-16 architecture with a </a:t>
+          </a:r>
+          <a:r>
+            <a:rPr lang="en-GB" sz="2000" b="1" kern="1200" dirty="0" err="1">
+              <a:solidFill>
+                <a:sysClr val="windowText" lastClr="000000"/>
+              </a:solidFill>
+            </a:rPr>
+            <a:t>ResNet</a:t>
+          </a:r>
+          <a:r>
+            <a:rPr lang="en-GB" sz="2000" b="1" kern="1200" dirty="0">
+              <a:solidFill>
+                <a:sysClr val="windowText" lastClr="000000"/>
+              </a:solidFill>
+            </a:rPr>
+            <a:t> Implementation</a:t>
+          </a:r>
+          <a:endParaRPr lang="de-DE" sz="2000" b="1" kern="1200" dirty="0">
+            <a:solidFill>
+              <a:sysClr val="windowText" lastClr="000000"/>
+            </a:solidFill>
+            <a:latin typeface="+mn-lt"/>
+            <a:ea typeface="+mn-ea"/>
+            <a:cs typeface="+mn-cs"/>
+          </a:endParaRPr>
+        </a:p>
+      </dsp:txBody>
+      <dsp:txXfrm>
+        <a:off x="495785" y="3373462"/>
+        <a:ext cx="6408457" cy="674622"/>
+      </dsp:txXfrm>
+    </dsp:sp>
+    <dsp:sp modelId="{D5517E26-2B30-4A8B-B5DA-BE952665A2E9}">
+      <dsp:nvSpPr>
+        <dsp:cNvPr id="0" name=""/>
+        <dsp:cNvSpPr/>
+      </dsp:nvSpPr>
+      <dsp:spPr>
+        <a:xfrm>
+          <a:off x="74147" y="3289134"/>
+          <a:ext cx="843277" cy="843277"/>
+        </a:xfrm>
+        <a:prstGeom prst="ellipse">
+          <a:avLst/>
+        </a:prstGeom>
+        <a:solidFill>
+          <a:srgbClr val="9C1C26"/>
+        </a:solidFill>
+        <a:ln w="25400" cap="flat" cmpd="sng" algn="ctr">
+          <a:solidFill>
+            <a:srgbClr val="9C1C26"/>
+          </a:solidFill>
+          <a:prstDash val="solid"/>
+        </a:ln>
+        <a:effectLst/>
+      </dsp:spPr>
+      <dsp:style>
+        <a:lnRef idx="2">
+          <a:scrgbClr r="0" g="0" b="0"/>
+        </a:lnRef>
+        <a:fillRef idx="1">
+          <a:schemeClr val="lt1">
+            <a:hueOff val="0"/>
+            <a:satOff val="0"/>
+            <a:lumOff val="0"/>
+            <a:alphaOff val="0"/>
+          </a:schemeClr>
+        </a:fillRef>
+        <a:effectRef idx="0">
+          <a:schemeClr val="lt1">
+            <a:hueOff val="0"/>
+            <a:satOff val="0"/>
+            <a:lumOff val="0"/>
+            <a:alphaOff val="0"/>
+          </a:schemeClr>
+        </a:effectRef>
+        <a:fontRef idx="minor">
+          <a:schemeClr val="dk1">
+            <a:hueOff val="0"/>
+            <a:satOff val="0"/>
+            <a:lumOff val="0"/>
+            <a:alphaOff val="0"/>
+          </a:schemeClr>
+        </a:fontRef>
+      </dsp:style>
+    </dsp:sp>
+  </dsp:spTree>
+</dsp:drawing>
+</file>
+
+<file path=ppt/diagrams/layout1.xml><?xml version="1.0" encoding="utf-8"?>
+<dgm:layoutDef xmlns:dgm="http://schemas.openxmlformats.org/drawingml/2006/diagram" xmlns:a="http://schemas.openxmlformats.org/drawingml/2006/main" uniqueId="urn:microsoft.com/office/officeart/2008/layout/VerticalCurvedList">
+  <dgm:title val=""/>
+  <dgm:desc val=""/>
+  <dgm:catLst>
+    <dgm:cat type="list" pri="20000"/>
+  </dgm:catLst>
+  <dgm:sampData>
+    <dgm:dataModel>
+      <dgm:ptLst>
+        <dgm:pt modelId="0" type="doc"/>
+        <dgm:pt modelId="1">
+          <dgm:prSet phldr="1"/>
+        </dgm:pt>
+        <dgm:pt modelId="2">
+          <dgm:prSet phldr="1"/>
+        </dgm:pt>
+        <dgm:pt modelId="3">
+          <dgm:prSet phldr="1"/>
+        </dgm:pt>
+      </dgm:ptLst>
+      <dgm:cxnLst>
+        <dgm:cxn modelId="4" srcId="0" destId="1" srcOrd="0" destOrd="0"/>
+        <dgm:cxn modelId="5" srcId="0" destId="2" srcOrd="1" destOrd="0"/>
+        <dgm:cxn modelId="6" srcId="0" destId="3" srcOrd="2" destOrd="0"/>
+      </dgm:cxnLst>
+      <dgm:bg/>
+      <dgm:whole/>
+    </dgm:dataModel>
+  </dgm:sampData>
+  <dgm:styleData>
+    <dgm:dataModel>
+      <dgm:ptLst>
+        <dgm:pt modelId="0" type="doc"/>
+        <dgm:pt modelId="1">
+          <dgm:prSet phldr="1"/>
+        </dgm:pt>
+        <dgm:pt modelId="2">
+          <dgm:prSet phldr="1"/>
+        </dgm:pt>
+      </dgm:ptLst>
+      <dgm:cxnLst>
+        <dgm:cxn modelId="3" srcId="0" destId="1" srcOrd="0" destOrd="0"/>
+        <dgm:cxn modelId="4" srcId="0" destId="2" srcOrd="1" destOrd="0"/>
+      </dgm:cxnLst>
+      <dgm:bg/>
+      <dgm:whole/>
+    </dgm:dataModel>
+  </dgm:styleData>
+  <dgm:clrData>
+    <dgm:dataModel>
+      <dgm:ptLst>
+        <dgm:pt modelId="0" type="doc"/>
+        <dgm:pt modelId="1">
+          <dgm:prSet phldr="1"/>
+        </dgm:pt>
+        <dgm:pt modelId="2">
+          <dgm:prSet phldr="1"/>
+        </dgm:pt>
+        <dgm:pt modelId="3">
+          <dgm:prSet phldr="1"/>
+        </dgm:pt>
+        <dgm:pt modelId="4">
+          <dgm:prSet phldr="1"/>
+        </dgm:pt>
+      </dgm:ptLst>
+      <dgm:cxnLst>
+        <dgm:cxn modelId="5" srcId="0" destId="1" srcOrd="0" destOrd="0"/>
+        <dgm:cxn modelId="6" srcId="0" destId="2" srcOrd="1" destOrd="0"/>
+        <dgm:cxn modelId="7" srcId="0" destId="3" srcOrd="2" destOrd="0"/>
+        <dgm:cxn modelId="8" srcId="0" destId="4" srcOrd="3" destOrd="0"/>
+      </dgm:cxnLst>
+      <dgm:bg/>
+      <dgm:whole/>
+    </dgm:dataModel>
+  </dgm:clrData>
+  <dgm:layoutNode name="Name0">
+    <dgm:varLst>
+      <dgm:chMax val="7"/>
+      <dgm:chPref val="7"/>
+      <dgm:dir/>
+    </dgm:varLst>
+    <dgm:alg type="composite"/>
+    <dgm:shape xmlns:r="http://schemas.openxmlformats.org/officeDocument/2006/relationships" r:blip="">
+      <dgm:adjLst/>
+    </dgm:shape>
+    <dgm:constrLst>
+      <dgm:constr type="w" for="ch" refType="h" refFor="ch" op="gte" fact="0.8"/>
+    </dgm:constrLst>
+    <dgm:layoutNode name="Name1">
+      <dgm:alg type="composite"/>
+      <dgm:shape xmlns:r="http://schemas.openxmlformats.org/officeDocument/2006/relationships" r:blip="">
+        <dgm:adjLst/>
+      </dgm:shape>
+      <dgm:choose name="Name2">
+        <dgm:if name="Name3" func="var" arg="dir" op="equ" val="norm">
+          <dgm:choose name="Name4">
+            <dgm:if name="Name5" axis="ch" ptType="node" func="cnt" op="equ" val="1">
+              <dgm:constrLst>
+                <dgm:constr type="h" for="ch" forName="cycle" refType="h"/>
+                <dgm:constr type="w" for="ch" forName="cycle" refType="h" refFor="ch" refForName="cycle" fact="0.26"/>
+                <dgm:constr type="l" for="ch" forName="cycle"/>
+                <dgm:constr type="ctrY" for="ch" forName="cycle" refType="h" fact="0.5"/>
+                <dgm:constr type="diam" for="ch" forName="cycle" refType="h" fact="1.344"/>
+                <dgm:constr type="h" for="ch" forName="accent_1" refType="h" fact="0.625"/>
+                <dgm:constr type="w" for="ch" forName="accent_1" refType="h" refFor="ch" refForName="accent_1" op="equ"/>
+                <dgm:constr type="ctrY" for="ch" forName="accent_1" refType="h" fact="0.5"/>
+                <dgm:constr type="ctrX" for="ch" forName="accent_1" refType="h" fact="0.2253"/>
+                <dgm:constr type="l" for="ch" forName="text_1" refType="ctrX" refFor="ch" refForName="accent_1"/>
+                <dgm:constr type="r" for="ch" forName="text_1" refType="w"/>
+                <dgm:constr type="w" for="ch" forName="text_1" refType="h" refFor="ch" refForName="text_1" op="gte"/>
+                <dgm:constr type="h" for="ch" forName="text_1" refType="h" refFor="ch" refForName="accent_1" fact="0.8"/>
+                <dgm:constr type="ctrY" for="ch" forName="text_1" refType="ctrY" refFor="ch" refForName="accent_1"/>
+                <dgm:constr type="lMarg" for="ch" forName="text_1" refType="w" refFor="ch" refForName="accent_1" fact="1.8"/>
+                <dgm:constr type="primFontSz" for="ch" ptType="node" op="equ" val="65"/>
+              </dgm:constrLst>
+            </dgm:if>
+            <dgm:if name="Name6" axis="ch" ptType="node" func="cnt" op="equ" val="2">
+              <dgm:constrLst>
+                <dgm:constr type="h" for="ch" forName="cycle" refType="h"/>
+                <dgm:constr type="w" for="ch" forName="cycle" refType="h" refFor="ch" refForName="cycle" fact="0.26"/>
+                <dgm:constr type="l" for="ch" forName="cycle"/>
+                <dgm:constr type="ctrY" for="ch" forName="cycle" refType="h" fact="0.5"/>
+                <dgm:constr type="diam" for="ch" forName="cycle" refType="h" fact="1.344"/>
+                <dgm:constr type="h" for="ch" forName="accent_1" refType="h" fact="0.3571"/>
+                <dgm:constr type="w" for="ch" forName="accent_1" refType="h" refFor="ch" refForName="accent_1" op="equ"/>
+                <dgm:constr type="ctrY" for="ch" forName="accent_1" refType="h" fact="0.2857"/>
+                <dgm:constr type="ctrX" for="ch" forName="accent_1" refType="h" fact="0.1891"/>
+                <dgm:constr type="l" for="ch" forName="text_1" refType="ctrX" refFor="ch" refForName="accent_1"/>
+                <dgm:constr type="r" for="ch" forName="text_1" refType="w"/>
+                <dgm:constr type="w" for="ch" forName="text_1" refType="h" refFor="ch" refForName="text_1" op="gte"/>
+                <dgm:constr type="h" for="ch" forName="text_1" refType="h" refFor="ch" refForName="accent_1" fact="0.8"/>
+                <dgm:constr type="ctrY" for="ch" forName="text_1" refType="ctrY" refFor="ch" refForName="accent_1"/>
+                <dgm:constr type="lMarg" for="ch" forName="text_1" refType="w" refFor="ch" refForName="accent_1" fact="1.8"/>
+                <dgm:constr type="h" for="ch" forName="accent_2" refType="h" fact="0.3571"/>
+                <dgm:constr type="w" for="ch" forName="accent_2" refType="h" refFor="ch" refForName="accent_2" op="equ"/>
+                <dgm:constr type="ctrY" for="ch" forName="accent_2" refType="h" fact="0.7143"/>
+                <dgm:constr type="ctrX" for="ch" forName="accent_2" refType="h" fact="0.1891"/>
+                <dgm:constr type="l" for="ch" forName="text_2" refType="ctrX" refFor="ch" refForName="accent_2"/>
+                <dgm:constr type="r" for="ch" forName="text_2" refType="w"/>
+                <dgm:constr type="w" for="ch" forName="text_2" refType="h" refFor="ch" refForName="text_2" op="gte"/>
+                <dgm:constr type="h" for="ch" forName="text_2" refType="h" refFor="ch" refForName="accent_2" fact="0.8"/>
+                <dgm:constr type="ctrY" for="ch" forName="text_2" refType="ctrY" refFor="ch" refForName="accent_2"/>
+                <dgm:constr type="lMarg" for="ch" forName="text_2" refType="w" refFor="ch" refForName="accent_2" fact="1.8"/>
+                <dgm:constr type="primFontSz" for="ch" ptType="node" op="equ" val="65"/>
+              </dgm:constrLst>
+            </dgm:if>
+            <dgm:if name="Name7" axis="ch" ptType="node" func="cnt" op="equ" val="3">
+              <dgm:constrLst>
+                <dgm:constr type="h" for="ch" forName="cycle" refType="h"/>
+                <dgm:constr type="w" for="ch" forName="cycle" refType="h" refFor="ch" refForName="cycle" fact="0.26"/>
+                <dgm:constr type="l" for="ch" forName="cycle"/>
+                <dgm:constr type="ctrY" for="ch" forName="cycle" refType="h" fact="0.5"/>
+                <dgm:constr type="diam" for="ch" forName="cycle" refType="h" fact="1.344"/>
+                <dgm:constr type="h" for="ch" forName="accent_1" refType="h" fact="0.25"/>
+                <dgm:constr type="w" for="ch" forName="accent_1" refType="h" refFor="ch" refForName="accent_1" op="equ"/>
+                <dgm:constr type="ctrY" for="ch" forName="accent_1" refType="h" fact="0.2"/>
+                <dgm:constr type="ctrX" for="ch" forName="accent_1" refType="h" fact="0.1526"/>
+                <dgm:constr type="l" for="ch" forName="text_1" refType="ctrX" refFor="ch" refForName="accent_1"/>
+                <dgm:constr type="r" for="ch" forName="text_1" refType="w"/>
+                <dgm:constr type="w" for="ch" forName="text_1" refType="h" refFor="ch" refForName="text_1" op="gte"/>
+                <dgm:constr type="h" for="ch" forName="text_1" refType="h" refFor="ch" refForName="accent_1" fact="0.8"/>
+                <dgm:constr type="ctrY" for="ch" forName="text_1" refType="ctrY" refFor="ch" refForName="accent_1"/>
+                <dgm:constr type="lMarg" for="ch" forName="text_1" refType="w" refFor="ch" refForName="accent_1" fact="1.8"/>
+                <dgm:constr type="h" for="ch" forName="accent_2" refType="h" fact="0.25"/>
+                <dgm:constr type="w" for="ch" forName="accent_2" refType="h" refFor="ch" refForName="accent_2" op="equ"/>
+                <dgm:constr type="ctrY" for="ch" forName="accent_2" refType="h" fact="0.5"/>
+                <dgm:constr type="ctrX" for="ch" forName="accent_2" refType="h" fact="0.2253"/>
+                <dgm:constr type="l" for="ch" forName="text_2" refType="ctrX" refFor="ch" refForName="accent_2"/>
+                <dgm:constr type="r" for="ch" forName="text_2" refType="w"/>
+                <dgm:constr type="w" for="ch" forName="text_2" refType="h" refFor="ch" refForName="text_2" op="gte"/>
+                <dgm:constr type="h" for="ch" forName="text_2" refType="h" refFor="ch" refForName="accent_2" fact="0.8"/>
+                <dgm:constr type="ctrY" for="ch" forName="text_2" refType="ctrY" refFor="ch" refForName="accent_2"/>
+                <dgm:constr type="lMarg" for="ch" forName="text_2" refType="w" refFor="ch" refForName="accent_2" fact="1.8"/>
+                <dgm:constr type="h" for="ch" forName="accent_3" refType="h" fact="0.25"/>
+                <dgm:constr type="w" for="ch" forName="accent_3" refType="h" refFor="ch" refForName="accent_3" op="equ"/>
+                <dgm:constr type="ctrY" for="ch" forName="accent_3" refType="h" fact="0.8"/>
+                <dgm:constr type="ctrX" for="ch" forName="accent_3" refType="h" fact="0.1526"/>
+                <dgm:constr type="l" for="ch" forName="text_3" refType="ctrX" refFor="ch" refForName="accent_3"/>
+                <dgm:constr type="r" for="ch" forName="text_3" refType="w"/>
+                <dgm:constr type="w" for="ch" forName="text_3" refType="h" refFor="ch" refForName="text_3" op="gte"/>
+                <dgm:constr type="h" for="ch" forName="text_3" refType="h" refFor="ch" refForName="accent_3" fact="0.8"/>
+                <dgm:constr type="ctrY" for="ch" forName="text_3" refType="ctrY" refFor="ch" refForName="accent_3"/>
+                <dgm:constr type="lMarg" for="ch" forName="text_3" refType="w" refFor="ch" refForName="accent_3" fact="1.8"/>
+                <dgm:constr type="primFontSz" for="ch" ptType="node" op="equ" val="65"/>
+              </dgm:constrLst>
+            </dgm:if>
+            <dgm:if name="Name8" axis="ch" ptType="node" func="cnt" op="equ" val="4">
+              <dgm:constrLst>
+                <dgm:constr type="h" for="ch" forName="cycle" refType="h"/>
+                <dgm:constr type="w" for="ch" forName="cycle" refType="h" refFor="ch" refForName="cycle" fact="0.26"/>
+                <dgm:constr type="l" for="ch" forName="cycle"/>
+                <dgm:constr type="ctrY" for="ch" forName="cycle" refType="h" fact="0.5"/>
+                <dgm:constr type="diam" for="ch" forName="cycle" refType="h" fact="1.344"/>
+                <dgm:constr type="h" for="ch" forName="accent_1" refType="h" fact="0.1923"/>
+                <dgm:constr type="w" for="ch" forName="accent_1" refType="h" refFor="ch" refForName="accent_1" op="equ"/>
+                <dgm:constr type="ctrY" for="ch" forName="accent_1" refType="h" fact="0.1538"/>
+                <dgm:constr type="ctrX" for="ch" forName="accent_1" refType="h" fact="0.1268"/>
+                <dgm:constr type="l" for="ch" forName="text_1" refType="ctrX" refFor="ch" refForName="accent_1"/>
+                <dgm:constr type="r" for="ch" forName="text_1" refType="w"/>
+                <dgm:constr type="w" for="ch" forName="text_1" refType="h" refFor="ch" refForName="text_1" op="gte"/>
+                <dgm:constr type="h" for="ch" forName="text_1" refType="h" refFor="ch" refForName="accent_1" fact="0.8"/>
+                <dgm:constr type="ctrY" for="ch" forName="text_1" refType="ctrY" refFor="ch" refForName="accent_1"/>
+                <dgm:constr type="lMarg" for="ch" forName="text_1" refType="w" refFor="ch" refForName="accent_1" fact="1.8"/>
+                <dgm:constr type="h" for="ch" forName="accent_2" refType="h" fact="0.1923"/>
+                <dgm:constr type="w" for="ch" forName="accent_2" refType="h" refFor="ch" refForName="accent_2" op="equ"/>
+                <dgm:constr type="ctrY" for="ch" forName="accent_2" refType="h" fact="0.3846"/>
+                <dgm:constr type="ctrX" for="ch" forName="accent_2" refType="h" fact="0.215"/>
+                <dgm:constr type="l" for="ch" forName="text_2" refType="ctrX" refFor="ch" refForName="accent_2"/>
+                <dgm:constr type="r" for="ch" forName="text_2" refType="w"/>
+                <dgm:constr type="w" for="ch" forName="text_2" refType="h" refFor="ch" refForName="text_2" op="gte"/>
+                <dgm:constr type="h" for="ch" forName="text_2" refType="h" refFor="ch" refForName="accent_2" fact="0.8"/>
+                <dgm:constr type="ctrY" for="ch" forName="text_2" refType="ctrY" refFor="ch" refForName="accent_2"/>
+                <dgm:constr type="lMarg" for="ch" forName="text_2" refType="w" refFor="ch" refForName="accent_2" fact="1.8"/>
+                <dgm:constr type="h" for="ch" forName="accent_3" refType="h" fact="0.1923"/>
+                <dgm:constr type="w" for="ch" forName="accent_3" refType="h" refFor="ch" refForName="accent_3" op="equ"/>
+                <dgm:constr type="ctrY" for="ch" forName="accent_3" refType="h" fact="0.6154"/>
+                <dgm:constr type="ctrX" for="ch" forName="accent_3" refType="h" fact="0.215"/>
+                <dgm:constr type="l" for="ch" forName="text_3" refType="ctrX" refFor="ch" refForName="accent_3"/>
+                <dgm:constr type="r" for="ch" forName="text_3" refType="w"/>
+                <dgm:constr type="w" for="ch" forName="text_3" refType="h" refFor="ch" refForName="text_3" op="gte"/>
+                <dgm:constr type="h" for="ch" forName="text_3" refType="h" refFor="ch" refForName="accent_3" fact="0.8"/>
+                <dgm:constr type="ctrY" for="ch" forName="text_3" refType="ctrY" refFor="ch" refForName="accent_3"/>
+                <dgm:constr type="lMarg" for="ch" forName="text_3" refType="w" refFor="ch" refForName="accent_3" fact="1.8"/>
+                <dgm:constr type="h" for="ch" forName="accent_4" refType="h" fact="0.1923"/>
+                <dgm:constr type="w" for="ch" forName="accent_4" refType="h" refFor="ch" refForName="accent_4" op="equ"/>
+                <dgm:constr type="ctrY" for="ch" forName="accent_4" refType="h" fact="0.8462"/>
+                <dgm:constr type="ctrX" for="ch" forName="accent_4" refType="h" fact="0.1268"/>
+                <dgm:constr type="l" for="ch" forName="text_4" refType="ctrX" refFor="ch" refForName="accent_4"/>
+                <dgm:constr type="r" for="ch" forName="text_4" refType="w"/>
+                <dgm:constr type="w" for="ch" forName="text_4" refType="h" refFor="ch" refForName="text_4" op="gte"/>
+                <dgm:constr type="h" for="ch" forName="text_4" refType="h" refFor="ch" refForName="accent_4" fact="0.8"/>
+                <dgm:constr type="ctrY" for="ch" forName="text_4" refType="ctrY" refFor="ch" refForName="accent_4"/>
+                <dgm:constr type="lMarg" for="ch" forName="text_4" refType="w" refFor="ch" refForName="accent_4" fact="1.8"/>
+                <dgm:constr type="primFontSz" for="ch" ptType="node" op="equ" val="65"/>
+              </dgm:constrLst>
+            </dgm:if>
+            <dgm:if name="Name9" axis="ch" ptType="node" func="cnt" op="equ" val="5">
+              <dgm:constrLst>
+                <dgm:constr type="h" for="ch" forName="cycle" refType="h"/>
+                <dgm:constr type="w" for="ch" forName="cycle" refType="h" refFor="ch" refForName="cycle" fact="0.26"/>
+                <dgm:constr type="l" for="ch" forName="cycle"/>
+                <dgm:constr type="ctrY" for="ch" forName="cycle" refType="h" fact="0.5"/>
+                <dgm:constr type="diam" for="ch" forName="cycle" refType="h" fact="1.344"/>
+                <dgm:constr type="h" for="ch" forName="accent_1" refType="h" fact="0.1563"/>
+                <dgm:constr type="w" for="ch" forName="accent_1" refType="h" refFor="ch" refForName="accent_1" op="equ"/>
+                <dgm:constr type="ctrY" for="ch" forName="accent_1" refType="h" fact="0.125"/>
+                <dgm:constr type="ctrX" for="ch" forName="accent_1" refType="h" fact="0.1082"/>
+                <dgm:constr type="l" for="ch" forName="text_1" refType="ctrX" refFor="ch" refForName="accent_1"/>
+                <dgm:constr type="r" for="ch" forName="text_1" refType="w"/>
+                <dgm:constr type="w" for="ch" forName="text_1" refType="h" refFor="ch" refForName="text_1" op="gte"/>
+                <dgm:constr type="h" for="ch" forName="text_1" refType="h" refFor="ch" refForName="accent_1" fact="0.8"/>
+                <dgm:constr type="ctrY" for="ch" forName="text_1" refType="ctrY" refFor="ch" refForName="accent_1"/>
+                <dgm:constr type="lMarg" for="ch" forName="text_1" refType="w" refFor="ch" refForName="accent_1" fact="1.8"/>
+                <dgm:constr type="h" for="ch" forName="accent_2" refType="h" fact="0.1563"/>
+                <dgm:constr type="w" for="ch" forName="accent_2" refType="h" refFor="ch" refForName="accent_2" op="equ"/>
+                <dgm:constr type="ctrY" for="ch" forName="accent_2" refType="h" fact="0.3125"/>
+                <dgm:constr type="ctrX" for="ch" forName="accent_2" refType="h" fact="0.1978"/>
+                <dgm:constr type="l" for="ch" forName="text_2" refType="ctrX" refFor="ch" refForName="accent_2"/>
+                <dgm:constr type="r" for="ch" forName="text_2" refType="w"/>
+                <dgm:constr type="w" for="ch" forName="text_2" refType="h" refFor="ch" refForName="text_2" op="gte"/>
+                <dgm:constr type="h" for="ch" forName="text_2" refType="h" refFor="ch" refForName="accent_2" fact="0.8"/>
+                <dgm:constr type="ctrY" for="ch" forName="text_2" refType="ctrY" refFor="ch" refForName="accent_2"/>
+                <dgm:constr type="lMarg" for="ch" forName="text_2" refType="w" refFor="ch" refForName="accent_2" fact="1.8"/>
+                <dgm:constr type="h" for="ch" forName="accent_3" refType="h" fact="0.1563"/>
+                <dgm:constr type="w" for="ch" forName="accent_3" refType="h" refFor="ch" refForName="accent_3" op="equ"/>
+                <dgm:constr type="ctrY" for="ch" forName="accent_3" refType="h" fact="0.5"/>
+                <dgm:constr type="ctrX" for="ch" forName="accent_3" refType="h" fact="0.2253"/>
+                <dgm:constr type="l" for="ch" forName="text_3" refType="ctrX" refFor="ch" refForName="accent_3"/>
+                <dgm:constr type="r" for="ch" forName="text_3" refType="w"/>
+                <dgm:constr type="w" for="ch" forName="text_3" refType="h" refFor="ch" refForName="text_3" op="gte"/>
+                <dgm:constr type="h" for="ch" forName="text_3" refType="h" refFor="ch" refForName="accent_3" fact="0.8"/>
+                <dgm:constr type="ctrY" for="ch" forName="text_3" refType="ctrY" refFor="ch" refForName="accent_3"/>
+                <dgm:constr type="lMarg" for="ch" forName="text_3" refType="w" refFor="ch" refForName="accent_3" fact="1.8"/>
+                <dgm:constr type="h" for="ch" forName="accent_4" refType="h" fact="0.1563"/>
+                <dgm:constr type="w" for="ch" forName="accent_4" refType="h" refFor="ch" refForName="accent_4" op="equ"/>
+                <dgm:constr type="ctrY" for="ch" forName="accent_4" refType="h" fact="0.6875"/>
+                <dgm:constr type="ctrX" for="ch" forName="accent_4" refType="h" fact="0.1978"/>
+                <dgm:constr type="l" for="ch" forName="text_4" refType="ctrX" refFor="ch" refForName="accent_4"/>
+                <dgm:constr type="r" for="ch" forName="text_4" refType="w"/>
+                <dgm:constr type="w" for="ch" forName="text_4" refType="h" refFor="ch" refForName="text_4" op="gte"/>
+                <dgm:constr type="h" for="ch" forName="text_4" refType="h" refFor="ch" refForName="accent_4" fact="0.8"/>
+                <dgm:constr type="ctrY" for="ch" forName="text_4" refType="ctrY" refFor="ch" refForName="accent_4"/>
+                <dgm:constr type="lMarg" for="ch" forName="text_4" refType="w" refFor="ch" refForName="accent_4" fact="1.8"/>
+                <dgm:constr type="h" for="ch" forName="accent_5" refType="h" fact="0.1563"/>
+                <dgm:constr type="w" for="ch" forName="accent_5" refType="h" refFor="ch" refForName="accent_5" op="equ"/>
+                <dgm:constr type="ctrY" for="ch" forName="accent_5" refType="h" fact="0.875"/>
+                <dgm:constr type="ctrX" for="ch" forName="accent_5" refType="h" fact="0.1082"/>
+                <dgm:constr type="l" for="ch" forName="text_5" refType="ctrX" refFor="ch" refForName="accent_5"/>
+                <dgm:constr type="r" for="ch" forName="text_5" refType="w"/>
+                <dgm:constr type="w" for="ch" forName="text_5" refType="h" refFor="ch" refForName="text_5" op="gte"/>
+                <dgm:constr type="h" for="ch" forName="text_5" refType="h" refFor="ch" refForName="accent_5" fact="0.8"/>
+                <dgm:constr type="ctrY" for="ch" forName="text_5" refType="ctrY" refFor="ch" refForName="accent_5"/>
+                <dgm:constr type="lMarg" for="ch" forName="text_5" refType="w" refFor="ch" refForName="accent_5" fact="1.8"/>
+                <dgm:constr type="primFontSz" for="ch" ptType="node" op="equ" val="65"/>
+              </dgm:constrLst>
+            </dgm:if>
+            <dgm:if name="Name10" axis="ch" ptType="node" func="cnt" op="equ" val="6">
+              <dgm:constrLst>
+                <dgm:constr type="h" for="ch" forName="cycle" refType="h"/>
+                <dgm:constr type="w" for="ch" forName="cycle" refType="h" refFor="ch" refForName="cycle" fact="0.26"/>
+                <dgm:constr type="l" for="ch" forName="cycle"/>
+                <dgm:constr type="ctrY" for="ch" forName="cycle" refType="h" fact="0.5"/>
+                <dgm:constr type="diam" for="ch" forName="cycle" refType="h" fact="1.344"/>
+                <dgm:constr type="h" for="ch" forName="accent_1" refType="h" fact="0.1316"/>
+                <dgm:constr type="w" for="ch" forName="accent_1" refType="h" refFor="ch" refForName="accent_1" op="equ"/>
+                <dgm:constr type="ctrY" for="ch" forName="accent_1" refType="h" fact="0.1053"/>
+                <dgm:constr type="ctrX" for="ch" forName="accent_1" refType="h" fact="0.0943"/>
+                <dgm:constr type="l" for="ch" forName="text_1" refType="ctrX" refFor="ch" refForName="accent_1"/>
+                <dgm:constr type="r" for="ch" forName="text_1" refType="w"/>
+                <dgm:constr type="w" for="ch" forName="text_1" refType="h" refFor="ch" refForName="text_1" op="gte"/>
+                <dgm:constr type="h" for="ch" forName="text_1" refType="h" refFor="ch" refForName="accent_1" fact="0.8"/>
+                <dgm:constr type="ctrY" for="ch" forName="text_1" refType="ctrY" refFor="ch" refForName="accent_1"/>
+                <dgm:constr type="lMarg" for="ch" forName="text_1" refType="w" refFor="ch" refForName="accent_1" fact="1.8"/>
+                <dgm:constr type="h" for="ch" forName="accent_2" refType="h" fact="0.1316"/>
+                <dgm:constr type="w" for="ch" forName="accent_2" refType="h" refFor="ch" refForName="accent_2" op="equ"/>
+                <dgm:constr type="ctrY" for="ch" forName="accent_2" refType="h" fact="0.2632"/>
+                <dgm:constr type="ctrX" for="ch" forName="accent_2" refType="h" fact="0.1809"/>
+                <dgm:constr type="l" for="ch" forName="text_2" refType="ctrX" refFor="ch" refForName="accent_2"/>
+                <dgm:constr type="r" for="ch" forName="text_2" refType="w"/>
+                <dgm:constr type="w" for="ch" forName="text_2" refType="h" refFor="ch" refForName="text_2" op="gte"/>
+                <dgm:constr type="h" for="ch" forName="text_2" refType="h" refFor="ch" refForName="accent_2" fact="0.8"/>
+                <dgm:constr type="ctrY" for="ch" forName="text_2" refType="ctrY" refFor="ch" refForName="accent_2"/>
+                <dgm:constr type="lMarg" for="ch" forName="text_2" refType="w" refFor="ch" refForName="accent_2" fact="1.8"/>
+                <dgm:constr type="h" for="ch" forName="accent_3" refType="h" fact="0.1316"/>
+                <dgm:constr type="w" for="ch" forName="accent_3" refType="h" refFor="ch" refForName="accent_3" op="equ"/>
+                <dgm:constr type="ctrY" for="ch" forName="accent_3" refType="h" fact="0.4211"/>
+                <dgm:constr type="ctrX" for="ch" forName="accent_3" refType="h" fact="0.2205"/>
+                <dgm:constr type="l" for="ch" forName="text_3" refType="ctrX" refFor="ch" refForName="accent_3"/>
+                <dgm:constr type="r" for="ch" forName="text_3" refType="w"/>
+                <dgm:constr type="w" for="ch" forName="text_3" refType="h" refFor="ch" refForName="text_3" op="gte"/>
+                <dgm:constr type="h" for="ch" forName="text_3" refType="h" refFor="ch" refForName="accent_3" fact="0.8"/>
+                <dgm:constr type="ctrY" for="ch" forName="text_3" refType="ctrY" refFor="ch" refForName="accent_3"/>
+                <dgm:constr type="lMarg" for="ch" forName="text_3" refType="w" refFor="ch" refForName="accent_3" fact="1.8"/>
+                <dgm:constr type="h" for="ch" forName="accent_4" refType="h" fact="0.1316"/>
+                <dgm:constr type="w" for="ch" forName="accent_4" refType="h" refFor="ch" refForName="accent_4" op="equ"/>
+                <dgm:constr type="ctrY" for="ch" forName="accent_4" refType="h" fact="0.5789"/>
+                <dgm:constr type="ctrX" for="ch" forName="accent_4" refType="h" fact="0.2205"/>
+                <dgm:constr type="l" for="ch" forName="text_4" refType="ctrX" refFor="ch" refForName="accent_4"/>
+                <dgm:constr type="r" for="ch" forName="text_4" refType="w"/>
+                <dgm:constr type="w" for="ch" forName="text_4" refType="h" refFor="ch" refForName="text_4" op="gte"/>
+                <dgm:constr type="h" for="ch" forName="text_4" refType="h" refFor="ch" refForName="accent_4" fact="0.8"/>
+                <dgm:constr type="ctrY" for="ch" forName="text_4" refType="ctrY" refFor="ch" refForName="accent_4"/>
+                <dgm:constr type="lMarg" for="ch" forName="text_4" refType="w" refFor="ch" refForName="accent_4" fact="1.8"/>
+                <dgm:constr type="h" for="ch" forName="accent_5" refType="h" fact="0.1316"/>
+                <dgm:constr type="w" for="ch" forName="accent_5" refType="h" refFor="ch" refForName="accent_5" op="equ"/>
+                <dgm:constr type="ctrY" for="ch" forName="accent_5" refType="h" fact="0.7368"/>
+                <dgm:constr type="ctrX" for="ch" forName="accent_5" refType="h" fact="0.1809"/>
+                <dgm:constr type="l" for="ch" forName="text_5" refType="ctrX" refFor="ch" refForName="accent_5"/>
+                <dgm:constr type="r" for="ch" forName="text_5" refType="w"/>
+                <dgm:constr type="w" for="ch" forName="text_5" refType="h" refFor="ch" refForName="text_5" op="gte"/>
+                <dgm:constr type="h" for="ch" forName="text_5" refType="h" refFor="ch" refForName="accent_5" fact="0.8"/>
+                <dgm:constr type="ctrY" for="ch" forName="text_5" refType="ctrY" refFor="ch" refForName="accent_5"/>
+                <dgm:constr type="lMarg" for="ch" forName="text_5" refType="w" refFor="ch" refForName="accent_5" fact="1.8"/>
+                <dgm:constr type="h" for="ch" forName="accent_6" refType="h" fact="0.1316"/>
+                <dgm:constr type="w" for="ch" forName="accent_6" refType="h" refFor="ch" refForName="accent_6" op="equ"/>
+                <dgm:constr type="ctrY" for="ch" forName="accent_6" refType="h" fact="0.8947"/>
+                <dgm:constr type="ctrX" for="ch" forName="accent_6" refType="h" fact="0.0943"/>
+                <dgm:constr type="l" for="ch" forName="text_6" refType="ctrX" refFor="ch" refForName="accent_6"/>
+                <dgm:constr type="r" for="ch" forName="text_6" refType="w"/>
+                <dgm:constr type="w" for="ch" forName="text_6" refType="h" refFor="ch" refForName="text_6" op="gte"/>
+                <dgm:constr type="h" for="ch" forName="text_6" refType="h" refFor="ch" refForName="accent_6" fact="0.8"/>
+                <dgm:constr type="ctrY" for="ch" forName="text_6" refType="ctrY" refFor="ch" refForName="accent_6"/>
+                <dgm:constr type="lMarg" for="ch" forName="text_6" refType="w" refFor="ch" refForName="accent_6" fact="1.8"/>
+                <dgm:constr type="primFontSz" for="ch" ptType="node" op="equ" val="65"/>
+              </dgm:constrLst>
+            </dgm:if>
+            <dgm:else name="Name11">
+              <dgm:constrLst>
+                <dgm:constr type="h" for="ch" forName="cycle" refType="h"/>
+                <dgm:constr type="w" for="ch" forName="cycle" refType="h" refFor="ch" refForName="cycle" fact="0.26"/>
+                <dgm:constr type="l" for="ch" forName="cycle"/>
+                <dgm:constr type="ctrY" for="ch" forName="cycle" refType="h" fact="0.5"/>
+                <dgm:constr type="diam" for="ch" forName="cycle" refType="h" fact="1.344"/>
+                <dgm:constr type="h" for="ch" forName="accent_1" refType="h" fact="0.1136"/>
+                <dgm:constr type="w" for="ch" forName="accent_1" refType="h" refFor="ch" refForName="accent_1" op="equ"/>
+                <dgm:constr type="ctrY" for="ch" forName="accent_1" refType="h" fact="0.0909"/>
+                <dgm:constr type="ctrX" for="ch" forName="accent_1" refType="h" fact="0.0835"/>
+                <dgm:constr type="l" for="ch" forName="text_1" refType="ctrX" refFor="ch" refForName="accent_1"/>
+                <dgm:constr type="r" for="ch" forName="text_1" refType="w"/>
+                <dgm:constr type="w" for="ch" forName="text_1" refType="h" refFor="ch" refForName="text_1" op="gte"/>
+                <dgm:constr type="h" for="ch" forName="text_1" refType="h" refFor="ch" refForName="accent_1" fact="0.8"/>
+                <dgm:constr type="ctrY" for="ch" forName="text_1" refType="ctrY" refFor="ch" refForName="accent_1"/>
+                <dgm:constr type="lMarg" for="ch" forName="text_1" refType="w" refFor="ch" refForName="accent_1" fact="1.8"/>
+                <dgm:constr type="h" for="ch" forName="accent_2" refType="h" fact="0.1136"/>
+                <dgm:constr type="w" for="ch" forName="accent_2" refType="h" refFor="ch" refForName="accent_2" op="equ"/>
+                <dgm:constr type="ctrY" for="ch" forName="accent_2" refType="h" fact="0.2273"/>
+                <dgm:constr type="ctrX" for="ch" forName="accent_2" refType="h" fact="0.1658"/>
+                <dgm:constr type="l" for="ch" forName="text_2" refType="ctrX" refFor="ch" refForName="accent_2"/>
+                <dgm:constr type="r" for="ch" forName="text_2" refType="w"/>
+                <dgm:constr type="w" for="ch" forName="text_2" refType="h" refFor="ch" refForName="text_2" op="gte"/>
+                <dgm:constr type="h" for="ch" forName="text_2" refType="h" refFor="ch" refForName="accent_2" fact="0.8"/>
+                <dgm:constr type="ctrY" for="ch" forName="text_2" refType="ctrY" refFor="ch" refForName="accent_2"/>
+                <dgm:constr type="lMarg" for="ch" forName="text_2" refType="w" refFor="ch" refForName="accent_2" fact="1.8"/>
+                <dgm:constr type="h" for="ch" forName="accent_3" refType="h" fact="0.1136"/>
+                <dgm:constr type="w" for="ch" forName="accent_3" refType="h" refFor="ch" refForName="accent_3" op="equ"/>
+                <dgm:constr type="ctrY" for="ch" forName="accent_3" refType="h" fact="0.3636"/>
+                <dgm:constr type="ctrX" for="ch" forName="accent_3" refType="h" fact="0.2109"/>
+                <dgm:constr type="l" for="ch" forName="text_3" refType="ctrX" refFor="ch" refForName="accent_3"/>
+                <dgm:constr type="r" for="ch" forName="text_3" refType="w"/>
+                <dgm:constr type="w" for="ch" forName="text_3" refType="h" refFor="ch" refForName="text_3" op="gte"/>
+                <dgm:constr type="h" for="ch" forName="text_3" refType="h" refFor="ch" refForName="accent_3" fact="0.8"/>
+                <dgm:constr type="ctrY" for="ch" forName="text_3" refType="ctrY" refFor="ch" refForName="accent_3"/>
+                <dgm:constr type="lMarg" for="ch" forName="text_3" refType="w" refFor="ch" refForName="accent_3" fact="1.8"/>
+                <dgm:constr type="h" for="ch" forName="accent_4" refType="h" fact="0.1136"/>
+                <dgm:constr type="w" for="ch" forName="accent_4" refType="h" refFor="ch" refForName="accent_4" op="equ"/>
+                <dgm:constr type="ctrY" for="ch" forName="accent_4" refType="h" fact="0.5"/>
+                <dgm:constr type="ctrX" for="ch" forName="accent_4" refType="h" fact="0.2253"/>
+                <dgm:constr type="l" for="ch" forName="text_4" refType="ctrX" refFor="ch" refForName="accent_4"/>
+                <dgm:constr type="r" for="ch" forName="text_4" refType="w"/>
+                <dgm:constr type="w" for="ch" forName="text_4" refType="h" refFor="ch" refForName="text_4" op="gte"/>
+                <dgm:constr type="h" for="ch" forName="text_4" refType="h" refFor="ch" refForName="accent_4" fact="0.8"/>
+                <dgm:constr type="ctrY" for="ch" forName="text_4" refType="ctrY" refFor="ch" refForName="accent_4"/>
+                <dgm:constr type="lMarg" for="ch" forName="text_4" refType="w" refFor="ch" refForName="accent_4" fact="1.8"/>
+                <dgm:constr type="h" for="ch" forName="accent_5" refType="h" fact="0.1136"/>
+                <dgm:constr type="w" for="ch" forName="accent_5" refType="h" refFor="ch" refForName="accent_5" op="equ"/>
+                <dgm:constr type="ctrY" for="ch" forName="accent_5" refType="h" fact="0.6364"/>
+                <dgm:constr type="ctrX" for="ch" forName="accent_5" refType="h" fact="0.2109"/>
+                <dgm:constr type="l" for="ch" forName="text_5" refType="ctrX" refFor="ch" refForName="accent_5"/>
+                <dgm:constr type="r" for="ch" forName="text_5" refType="w"/>
+                <dgm:constr type="w" for="ch" forName="text_5" refType="h" refFor="ch" refForName="text_5" op="gte"/>
+                <dgm:constr type="h" for="ch" forName="text_5" refType="h" refFor="ch" refForName="accent_5" fact="0.8"/>
+                <dgm:constr type="ctrY" for="ch" forName="text_5" refType="ctrY" refFor="ch" refForName="accent_5"/>
+                <dgm:constr type="lMarg" for="ch" forName="text_5" refType="w" refFor="ch" refForName="accent_5" fact="1.8"/>
+                <dgm:constr type="h" for="ch" forName="accent_6" refType="h" fact="0.1136"/>
+                <dgm:constr type="w" for="ch" forName="accent_6" refType="h" refFor="ch" refForName="accent_6" op="equ"/>
+                <dgm:constr type="ctrY" for="ch" forName="accent_6" refType="h" fact="0.7727"/>
+                <dgm:constr type="ctrX" for="ch" forName="accent_6" refType="h" fact="0.1658"/>
+                <dgm:constr type="l" for="ch" forName="text_6" refType="ctrX" refFor="ch" refForName="accent_6"/>
+                <dgm:constr type="r" for="ch" forName="text_6" refType="w"/>
+                <dgm:constr type="w" for="ch" forName="text_6" refType="h" refFor="ch" refForName="text_6" op="gte"/>
+                <dgm:constr type="h" for="ch" forName="text_6" refType="h" refFor="ch" refForName="accent_6" fact="0.8"/>
+                <dgm:constr type="ctrY" for="ch" forName="text_6" refType="ctrY" refFor="ch" refForName="accent_6"/>
+                <dgm:constr type="lMarg" for="ch" forName="text_6" refType="w" refFor="ch" refForName="accent_6" fact="1.8"/>
+                <dgm:constr type="h" for="ch" forName="accent_7" refType="h" fact="0.1136"/>
+                <dgm:constr type="w" for="ch" forName="accent_7" refType="h" refFor="ch" refForName="accent_7" op="equ"/>
+                <dgm:constr type="ctrY" for="ch" forName="accent_7" refType="h" fact="0.9091"/>
+                <dgm:constr type="ctrX" for="ch" forName="accent_7" refType="h" fact="0.0835"/>
+                <dgm:constr type="l" for="ch" forName="text_7" refType="ctrX" refFor="ch" refForName="accent_7"/>
+                <dgm:constr type="r" for="ch" forName="text_7" refType="w"/>
+                <dgm:constr type="w" for="ch" forName="text_7" refType="h" refFor="ch" refForName="text_7" op="gte"/>
+                <dgm:constr type="h" for="ch" forName="text_7" refType="h" refFor="ch" refForName="accent_7" fact="0.8"/>
+                <dgm:constr type="ctrY" for="ch" forName="text_7" refType="ctrY" refFor="ch" refForName="accent_7"/>
+                <dgm:constr type="lMarg" for="ch" forName="text_7" refType="w" refFor="ch" refForName="accent_7" fact="1.8"/>
+                <dgm:constr type="primFontSz" for="ch" ptType="node" op="equ" val="65"/>
+              </dgm:constrLst>
+            </dgm:else>
+          </dgm:choose>
+        </dgm:if>
+        <dgm:else name="Name12">
+          <dgm:choose name="Name13">
+            <dgm:if name="Name14" axis="ch" ptType="node" func="cnt" op="equ" val="1">
+              <dgm:constrLst>
+                <dgm:constr type="h" for="ch" forName="cycle" refType="h"/>
+                <dgm:constr type="w" for="ch" forName="cycle" refType="h" refFor="ch" refForName="cycle" fact="0.26"/>
+                <dgm:constr type="r" for="ch" forName="cycle" refType="w"/>
+                <dgm:constr type="ctrY" for="ch" forName="cycle" refType="h" fact="0.5"/>
+                <dgm:constr type="diam" for="ch" forName="cycle" refType="h" fact="1.344"/>
+                <dgm:constr type="h" for="ch" forName="accent_1" refType="h" fact="0.625"/>
+                <dgm:constr type="w" for="ch" forName="accent_1" refType="h" refFor="ch" refForName="accent_1" op="equ"/>
+                <dgm:constr type="ctrY" for="ch" forName="accent_1" refType="h" fact="0.5"/>
+                <dgm:constr type="ctrX" for="ch" forName="accent_1" refType="w"/>
+                <dgm:constr type="ctrXOff" for="ch" forName="accent_1" refType="h" fact="-0.2253"/>
+                <dgm:constr type="r" for="ch" forName="text_1" refType="ctrX" refFor="ch" refForName="accent_1"/>
+                <dgm:constr type="rOff" for="ch" forName="text_1" refType="ctrXOff" refFor="ch" refForName="accent_1"/>
+                <dgm:constr type="l" for="ch" forName="text_1"/>
+                <dgm:constr type="w" for="ch" forName="text_1" refType="h" refFor="ch" refForName="text_1" op="gte"/>
+                <dgm:constr type="h" for="ch" forName="text_1" refType="h" refFor="ch" refForName="accent_1" fact="0.8"/>
+                <dgm:constr type="ctrY" for="ch" forName="text_1" refType="ctrY" refFor="ch" refForName="accent_1"/>
+                <dgm:constr type="rMarg" for="ch" forName="text_1" refType="w" refFor="ch" refForName="accent_1" fact="1.8"/>
+                <dgm:constr type="primFontSz" for="ch" ptType="node" op="equ" val="65"/>
+              </dgm:constrLst>
+            </dgm:if>
+            <dgm:if name="Name15" axis="ch" ptType="node" func="cnt" op="equ" val="2">
+              <dgm:constrLst>
+                <dgm:constr type="h" for="ch" forName="cycle" refType="h"/>
+                <dgm:constr type="w" for="ch" forName="cycle" refType="h" refFor="ch" refForName="cycle" fact="0.26"/>
+                <dgm:constr type="r" for="ch" forName="cycle" refType="w"/>
+                <dgm:constr type="ctrY" for="ch" forName="cycle" refType="h" fact="0.5"/>
+                <dgm:constr type="diam" for="ch" forName="cycle" refType="h" fact="1.344"/>
+                <dgm:constr type="h" for="ch" forName="accent_1" refType="h" fact="0.3571"/>
+                <dgm:constr type="w" for="ch" forName="accent_1" refType="h" refFor="ch" refForName="accent_1" op="equ"/>
+                <dgm:constr type="ctrY" for="ch" forName="accent_1" refType="h" fact="0.2857"/>
+                <dgm:constr type="ctrX" for="ch" forName="accent_1" refType="w"/>
+                <dgm:constr type="ctrXOff" for="ch" forName="accent_1" refType="h" fact="-0.1891"/>
+                <dgm:constr type="r" for="ch" forName="text_1" refType="ctrX" refFor="ch" refForName="accent_1"/>
+                <dgm:constr type="rOff" for="ch" forName="text_1" refType="ctrXOff" refFor="ch" refForName="accent_1"/>
+                <dgm:constr type="l" for="ch" forName="text_1"/>
+                <dgm:constr type="w" for="ch" forName="text_1" refType="h" refFor="ch" refForName="text_1" op="gte"/>
+                <dgm:constr type="h" for="ch" forName="text_1" refType="h" refFor="ch" refForName="accent_1" fact="0.8"/>
+                <dgm:constr type="ctrY" for="ch" forName="text_1" refType="ctrY" refFor="ch" refForName="accent_1"/>
+                <dgm:constr type="rMarg" for="ch" forName="text_1" refType="w" refFor="ch" refForName="accent_1" fact="1.8"/>
+                <dgm:constr type="h" for="ch" forName="accent_2" refType="h" fact="0.3571"/>
+                <dgm:constr type="w" for="ch" forName="accent_2" refType="h" refFor="ch" refForName="accent_2" op="equ"/>
+                <dgm:constr type="ctrY" for="ch" forName="accent_2" refType="h" fact="0.7143"/>
+                <dgm:constr type="ctrX" for="ch" forName="accent_2" refType="w"/>
+                <dgm:constr type="ctrXOff" for="ch" forName="accent_2" refType="h" fact="-0.1891"/>
+                <dgm:constr type="r" for="ch" forName="text_2" refType="ctrX" refFor="ch" refForName="accent_2"/>
+                <dgm:constr type="rOff" for="ch" forName="text_2" refType="ctrXOff" refFor="ch" refForName="accent_2"/>
+                <dgm:constr type="l" for="ch" forName="text_2"/>
+                <dgm:constr type="w" for="ch" forName="text_2" refType="h" refFor="ch" refForName="text_2" op="gte"/>
+                <dgm:constr type="h" for="ch" forName="text_2" refType="h" refFor="ch" refForName="accent_2" fact="0.8"/>
+                <dgm:constr type="ctrY" for="ch" forName="text_2" refType="ctrY" refFor="ch" refForName="accent_2"/>
+                <dgm:constr type="rMarg" for="ch" forName="text_2" refType="w" refFor="ch" refForName="accent_2" fact="1.8"/>
+                <dgm:constr type="primFontSz" for="ch" ptType="node" op="equ" val="65"/>
+              </dgm:constrLst>
+            </dgm:if>
+            <dgm:if name="Name16" axis="ch" ptType="node" func="cnt" op="equ" val="3">
+              <dgm:constrLst>
+                <dgm:constr type="h" for="ch" forName="cycle" refType="h"/>
+                <dgm:constr type="w" for="ch" forName="cycle" refType="h" refFor="ch" refForName="cycle" fact="0.26"/>
+                <dgm:constr type="r" for="ch" forName="cycle" refType="w"/>
+                <dgm:constr type="ctrY" for="ch" forName="cycle" refType="h" fact="0.5"/>
+                <dgm:constr type="diam" for="ch" forName="cycle" refType="h" fact="1.344"/>
+                <dgm:constr type="h" for="ch" forName="accent_1" refType="h" fact="0.25"/>
+                <dgm:constr type="w" for="ch" forName="accent_1" refType="h" refFor="ch" refForName="accent_1" op="equ"/>
+                <dgm:constr type="ctrY" for="ch" forName="accent_1" refType="h" fact="0.2"/>
+                <dgm:constr type="ctrX" for="ch" forName="accent_1" refType="w"/>
+                <dgm:constr type="ctrXOff" for="ch" forName="accent_1" refType="h" fact="-0.1526"/>
+                <dgm:constr type="r" for="ch" forName="text_1" refType="ctrX" refFor="ch" refForName="accent_1"/>
+                <dgm:constr type="rOff" for="ch" forName="text_1" refType="ctrXOff" refFor="ch" refForName="accent_1"/>
+                <dgm:constr type="l" for="ch" forName="text_1"/>
+                <dgm:constr type="w" for="ch" forName="text_1" refType="h" refFor="ch" refForName="text_1" op="gte"/>
+                <dgm:constr type="h" for="ch" forName="text_1" refType="h" refFor="ch" refForName="accent_1" fact="0.8"/>
+                <dgm:constr type="ctrY" for="ch" forName="text_1" refType="ctrY" refFor="ch" refForName="accent_1"/>
+                <dgm:constr type="rMarg" for="ch" forName="text_1" refType="w" refFor="ch" refForName="accent_1" fact="1.8"/>
+                <dgm:constr type="h" for="ch" forName="accent_2" refType="h" fact="0.25"/>
+                <dgm:constr type="w" for="ch" forName="accent_2" refType="h" refFor="ch" refForName="accent_2" op="equ"/>
+                <dgm:constr type="ctrY" for="ch" forName="accent_2" refType="h" fact="0.5"/>
+                <dgm:constr type="ctrX" for="ch" forName="accent_2" refType="w"/>
+                <dgm:constr type="ctrXOff" for="ch" forName="accent_2" refType="h" fact="-0.2253"/>
+                <dgm:constr type="r" for="ch" forName="text_2" refType="ctrX" refFor="ch" refForName="accent_2"/>
+                <dgm:constr type="rOff" for="ch" forName="text_2" refType="ctrXOff" refFor="ch" refForName="accent_2"/>
+                <dgm:constr type="l" for="ch" forName="text_2"/>
+                <dgm:constr type="w" for="ch" forName="text_2" refType="h" refFor="ch" refForName="text_2" op="gte"/>
+                <dgm:constr type="h" for="ch" forName="text_2" refType="h" refFor="ch" refForName="accent_2" fact="0.8"/>
+                <dgm:constr type="ctrY" for="ch" forName="text_2" refType="ctrY" refFor="ch" refForName="accent_2"/>
+                <dgm:constr type="rMarg" for="ch" forName="text_2" refType="w" refFor="ch" refForName="accent_2" fact="1.8"/>
+                <dgm:constr type="h" for="ch" forName="accent_3" refType="h" fact="0.25"/>
+                <dgm:constr type="w" for="ch" forName="accent_3" refType="h" refFor="ch" refForName="accent_3" op="equ"/>
+                <dgm:constr type="ctrY" for="ch" forName="accent_3" refType="h" fact="0.8"/>
+                <dgm:constr type="ctrX" for="ch" forName="accent_3" refType="w"/>
+                <dgm:constr type="ctrXOff" for="ch" forName="accent_3" refType="h" fact="-0.1526"/>
+                <dgm:constr type="r" for="ch" forName="text_3" refType="ctrX" refFor="ch" refForName="accent_3"/>
+                <dgm:constr type="rOff" for="ch" forName="text_3" refType="ctrXOff" refFor="ch" refForName="accent_3"/>
+                <dgm:constr type="l" for="ch" forName="text_3"/>
+                <dgm:constr type="w" for="ch" forName="text_3" refType="h" refFor="ch" refForName="text_3" op="gte"/>
+                <dgm:constr type="h" for="ch" forName="text_3" refType="h" refFor="ch" refForName="accent_3" fact="0.8"/>
+                <dgm:constr type="ctrY" for="ch" forName="text_3" refType="ctrY" refFor="ch" refForName="accent_3"/>
+                <dgm:constr type="rMarg" for="ch" forName="text_3" refType="w" refFor="ch" refForName="accent_3" fact="1.8"/>
+                <dgm:constr type="primFontSz" for="ch" ptType="node" op="equ" val="65"/>
+              </dgm:constrLst>
+            </dgm:if>
+            <dgm:if name="Name17" axis="ch" ptType="node" func="cnt" op="equ" val="4">
+              <dgm:constrLst>
+                <dgm:constr type="h" for="ch" forName="cycle" refType="h"/>
+                <dgm:constr type="w" for="ch" forName="cycle" refType="h" refFor="ch" refForName="cycle" fact="0.26"/>
+                <dgm:constr type="r" for="ch" forName="cycle" refType="w"/>
+                <dgm:constr type="ctrY" for="ch" forName="cycle" refType="h" fact="0.5"/>
+                <dgm:constr type="diam" for="ch" forName="cycle" refType="h" fact="1.344"/>
+                <dgm:constr type="h" for="ch" forName="accent_1" refType="h" fact="0.1923"/>
+                <dgm:constr type="w" for="ch" forName="accent_1" refType="h" refFor="ch" refForName="accent_1" op="equ"/>
+                <dgm:constr type="ctrY" for="ch" forName="accent_1" refType="h" fact="0.1538"/>
+                <dgm:constr type="ctrX" for="ch" forName="accent_1" refType="w"/>
+                <dgm:constr type="ctrXOff" for="ch" forName="accent_1" refType="h" fact="-0.1268"/>
+                <dgm:constr type="r" for="ch" forName="text_1" refType="ctrX" refFor="ch" refForName="accent_1"/>
+                <dgm:constr type="rOff" for="ch" forName="text_1" refType="ctrXOff" refFor="ch" refForName="accent_1"/>
+                <dgm:constr type="l" for="ch" forName="text_1"/>
+                <dgm:constr type="w" for="ch" forName="text_1" refType="h" refFor="ch" refForName="text_1" op="gte"/>
+                <dgm:constr type="h" for="ch" forName="text_1" refType="h" refFor="ch" refForName="accent_1" fact="0.8"/>
+                <dgm:constr type="ctrY" for="ch" forName="text_1" refType="ctrY" refFor="ch" refForName="accent_1"/>
+                <dgm:constr type="rMarg" for="ch" forName="text_1" refType="w" refFor="ch" refForName="accent_1" fact="1.8"/>
+                <dgm:constr type="h" for="ch" forName="accent_2" refType="h" fact="0.1923"/>
+                <dgm:constr type="w" for="ch" forName="accent_2" refType="h" refFor="ch" refForName="accent_2" op="equ"/>
+                <dgm:constr type="ctrY" for="ch" forName="accent_2" refType="h" fact="0.3846"/>
+                <dgm:constr type="ctrX" for="ch" forName="accent_2" refType="w"/>
+                <dgm:constr type="ctrXOff" for="ch" forName="accent_2" refType="h" fact="-0.215"/>
+                <dgm:constr type="r" for="ch" forName="text_2" refType="ctrX" refFor="ch" refForName="accent_2"/>
+                <dgm:constr type="rOff" for="ch" forName="text_2" refType="ctrXOff" refFor="ch" refForName="accent_2"/>
+                <dgm:constr type="l" for="ch" forName="text_2"/>
+                <dgm:constr type="w" for="ch" forName="text_2" refType="h" refFor="ch" refForName="text_2" op="gte"/>
+                <dgm:constr type="h" for="ch" forName="text_2" refType="h" refFor="ch" refForName="accent_2" fact="0.8"/>
+                <dgm:constr type="ctrY" for="ch" forName="text_2" refType="ctrY" refFor="ch" refForName="accent_2"/>
+                <dgm:constr type="rMarg" for="ch" forName="text_2" refType="w" refFor="ch" refForName="accent_2" fact="1.8"/>
+                <dgm:constr type="h" for="ch" forName="accent_3" refType="h" fact="0.1923"/>
+                <dgm:constr type="w" for="ch" forName="accent_3" refType="h" refFor="ch" refForName="accent_3" op="equ"/>
+                <dgm:constr type="ctrY" for="ch" forName="accent_3" refType="h" fact="0.6154"/>
+                <dgm:constr type="ctrX" for="ch" forName="accent_3" refType="w"/>
+                <dgm:constr type="ctrXOff" for="ch" forName="accent_3" refType="h" fact="-0.215"/>
+                <dgm:constr type="r" for="ch" forName="text_3" refType="ctrX" refFor="ch" refForName="accent_3"/>
+                <dgm:constr type="rOff" for="ch" forName="text_3" refType="ctrXOff" refFor="ch" refForName="accent_3"/>
+                <dgm:constr type="l" for="ch" forName="text_3"/>
+                <dgm:constr type="w" for="ch" forName="text_3" refType="h" refFor="ch" refForName="text_3" op="gte"/>
+                <dgm:constr type="h" for="ch" forName="text_3" refType="h" refFor="ch" refForName="accent_3" fact="0.8"/>
+                <dgm:constr type="ctrY" for="ch" forName="text_3" refType="ctrY" refFor="ch" refForName="accent_3"/>
+                <dgm:constr type="rMarg" for="ch" forName="text_3" refType="w" refFor="ch" refForName="accent_3" fact="1.8"/>
+                <dgm:constr type="h" for="ch" forName="accent_4" refType="h" fact="0.1923"/>
+                <dgm:constr type="w" for="ch" forName="accent_4" refType="h" refFor="ch" refForName="accent_4" op="equ"/>
+                <dgm:constr type="ctrY" for="ch" forName="accent_4" refType="h" fact="0.8462"/>
+                <dgm:constr type="ctrX" for="ch" forName="accent_4" refType="w"/>
+                <dgm:constr type="ctrXOff" for="ch" forName="accent_4" refType="h" fact="-0.1268"/>
+                <dgm:constr type="r" for="ch" forName="text_4" refType="ctrX" refFor="ch" refForName="accent_4"/>
+                <dgm:constr type="rOff" for="ch" forName="text_4" refType="ctrXOff" refFor="ch" refForName="accent_4"/>
+                <dgm:constr type="l" for="ch" forName="text_4"/>
+                <dgm:constr type="w" for="ch" forName="text_4" refType="h" refFor="ch" refForName="text_4" op="gte"/>
+                <dgm:constr type="h" for="ch" forName="text_4" refType="h" refFor="ch" refForName="accent_4" fact="0.8"/>
+                <dgm:constr type="ctrY" for="ch" forName="text_4" refType="ctrY" refFor="ch" refForName="accent_4"/>
+                <dgm:constr type="rMarg" for="ch" forName="text_4" refType="w" refFor="ch" refForName="accent_4" fact="1.8"/>
+                <dgm:constr type="primFontSz" for="ch" ptType="node" op="equ" val="65"/>
+              </dgm:constrLst>
+            </dgm:if>
+            <dgm:if name="Name18" axis="ch" ptType="node" func="cnt" op="equ" val="5">
+              <dgm:constrLst>
+                <dgm:constr type="h" for="ch" forName="cycle" refType="h"/>
+                <dgm:constr type="w" for="ch" forName="cycle" refType="h" refFor="ch" refForName="cycle" fact="0.26"/>
+                <dgm:constr type="r" for="ch" forName="cycle" refType="w"/>
+                <dgm:constr type="ctrY" for="ch" forName="cycle" refType="h" fact="0.5"/>
+                <dgm:constr type="diam" for="ch" forName="cycle" refType="h" fact="1.344"/>
+                <dgm:constr type="h" for="ch" forName="accent_1" refType="h" fact="0.1563"/>
+                <dgm:constr type="w" for="ch" forName="accent_1" refType="h" refFor="ch" refForName="accent_1" op="equ"/>
+                <dgm:constr type="ctrY" for="ch" forName="accent_1" refType="h" fact="0.125"/>
+                <dgm:constr type="ctrX" for="ch" forName="accent_1" refType="w"/>
+                <dgm:constr type="ctrXOff" for="ch" forName="accent_1" refType="h" fact="-0.1082"/>
+                <dgm:constr type="r" for="ch" forName="text_1" refType="ctrX" refFor="ch" refForName="accent_1"/>
+                <dgm:constr type="rOff" for="ch" forName="text_1" refType="ctrXOff" refFor="ch" refForName="accent_1"/>
+                <dgm:constr type="l" for="ch" forName="text_1"/>
+                <dgm:constr type="w" for="ch" forName="text_1" refType="h" refFor="ch" refForName="text_1" op="gte"/>
+                <dgm:constr type="h" for="ch" forName="text_1" refType="h" refFor="ch" refForName="accent_1" fact="0.8"/>
+                <dgm:constr type="ctrY" for="ch" forName="text_1" refType="ctrY" refFor="ch" refForName="accent_1"/>
+                <dgm:constr type="rMarg" for="ch" forName="text_1" refType="w" refFor="ch" refForName="accent_1" fact="1.8"/>
+                <dgm:constr type="h" for="ch" forName="accent_2" refType="h" fact="0.1563"/>
+                <dgm:constr type="w" for="ch" forName="accent_2" refType="h" refFor="ch" refForName="accent_2" op="equ"/>
+                <dgm:constr type="ctrY" for="ch" forName="accent_2" refType="h" fact="0.3125"/>
+                <dgm:constr type="ctrX" for="ch" forName="accent_2" refType="w"/>
+                <dgm:constr type="ctrXOff" for="ch" forName="accent_2" refType="h" fact="-0.1978"/>
+                <dgm:constr type="r" for="ch" forName="text_2" refType="ctrX" refFor="ch" refForName="accent_2"/>
+                <dgm:constr type="rOff" for="ch" forName="text_2" refType="ctrXOff" refFor="ch" refForName="accent_2"/>
+                <dgm:constr type="l" for="ch" forName="text_2"/>
+                <dgm:constr type="w" for="ch" forName="text_2" refType="h" refFor="ch" refForName="text_2" op="gte"/>
+                <dgm:constr type="h" for="ch" forName="text_2" refType="h" refFor="ch" refForName="accent_2" fact="0.8"/>
+                <dgm:constr type="ctrY" for="ch" forName="text_2" refType="ctrY" refFor="ch" refForName="accent_2"/>
+                <dgm:constr type="rMarg" for="ch" forName="text_2" refType="w" refFor="ch" refForName="accent_2" fact="1.8"/>
+                <dgm:constr type="h" for="ch" forName="accent_3" refType="h" fact="0.1563"/>
+                <dgm:constr type="w" for="ch" forName="accent_3" refType="h" refFor="ch" refForName="accent_3" op="equ"/>
+                <dgm:constr type="ctrY" for="ch" forName="accent_3" refType="h" fact="0.5"/>
+                <dgm:constr type="ctrX" for="ch" forName="accent_3" refType="w"/>
+                <dgm:constr type="ctrXOff" for="ch" forName="accent_3" refType="h" fact="-0.2253"/>
+                <dgm:constr type="r" for="ch" forName="text_3" refType="ctrX" refFor="ch" refForName="accent_3"/>
+                <dgm:constr type="rOff" for="ch" forName="text_3" refType="ctrXOff" refFor="ch" refForName="accent_3"/>
+                <dgm:constr type="l" for="ch" forName="text_3"/>
+                <dgm:constr type="w" for="ch" forName="text_3" refType="h" refFor="ch" refForName="text_3" op="gte"/>
+                <dgm:constr type="h" for="ch" forName="text_3" refType="h" refFor="ch" refForName="accent_3" fact="0.8"/>
+                <dgm:constr type="ctrY" for="ch" forName="text_3" refType="ctrY" refFor="ch" refForName="accent_3"/>
+                <dgm:constr type="rMarg" for="ch" forName="text_3" refType="w" refFor="ch" refForName="accent_3" fact="1.8"/>
+                <dgm:constr type="h" for="ch" forName="accent_4" refType="h" fact="0.1563"/>
+                <dgm:constr type="w" for="ch" forName="accent_4" refType="h" refFor="ch" refForName="accent_4" op="equ"/>
+                <dgm:constr type="ctrY" for="ch" forName="accent_4" refType="h" fact="0.6875"/>
+                <dgm:constr type="ctrX" for="ch" forName="accent_4" refType="w"/>
+                <dgm:constr type="ctrXOff" for="ch" forName="accent_4" refType="h" fact="-0.1978"/>
+                <dgm:constr type="r" for="ch" forName="text_4" refType="ctrX" refFor="ch" refForName="accent_4"/>
+                <dgm:constr type="rOff" for="ch" forName="text_4" refType="ctrXOff" refFor="ch" refForName="accent_4"/>
+                <dgm:constr type="l" for="ch" forName="text_4"/>
+                <dgm:constr type="w" for="ch" forName="text_4" refType="h" refFor="ch" refForName="text_4" op="gte"/>
+                <dgm:constr type="h" for="ch" forName="text_4" refType="h" refFor="ch" refForName="accent_4" fact="0.8"/>
+                <dgm:constr type="ctrY" for="ch" forName="text_4" refType="ctrY" refFor="ch" refForName="accent_4"/>
+                <dgm:constr type="rMarg" for="ch" forName="text_4" refType="w" refFor="ch" refForName="accent_4" fact="1.8"/>
+                <dgm:constr type="h" for="ch" forName="accent_5" refType="h" fact="0.1563"/>
+                <dgm:constr type="w" for="ch" forName="accent_5" refType="h" refFor="ch" refForName="accent_5" op="equ"/>
+                <dgm:constr type="ctrY" for="ch" forName="accent_5" refType="h" fact="0.875"/>
+                <dgm:constr type="ctrX" for="ch" forName="accent_5" refType="w"/>
+                <dgm:constr type="ctrXOff" for="ch" forName="accent_5" refType="h" fact="-0.1082"/>
+                <dgm:constr type="r" for="ch" forName="text_5" refType="ctrX" refFor="ch" refForName="accent_5"/>
+                <dgm:constr type="rOff" for="ch" forName="text_5" refType="ctrXOff" refFor="ch" refForName="accent_5"/>
+                <dgm:constr type="l" for="ch" forName="text_5"/>
+                <dgm:constr type="w" for="ch" forName="text_5" refType="h" refFor="ch" refForName="text_5" op="gte"/>
+                <dgm:constr type="h" for="ch" forName="text_5" refType="h" refFor="ch" refForName="accent_5" fact="0.8"/>
+                <dgm:constr type="ctrY" for="ch" forName="text_5" refType="ctrY" refFor="ch" refForName="accent_5"/>
+                <dgm:constr type="rMarg" for="ch" forName="text_5" refType="w" refFor="ch" refForName="accent_5" fact="1.8"/>
+                <dgm:constr type="primFontSz" for="ch" ptType="node" op="equ" val="65"/>
+              </dgm:constrLst>
+            </dgm:if>
+            <dgm:if name="Name19" axis="ch" ptType="node" func="cnt" op="equ" val="6">
+              <dgm:constrLst>
+                <dgm:constr type="h" for="ch" forName="cycle" refType="h"/>
+                <dgm:constr type="w" for="ch" forName="cycle" refType="h" refFor="ch" refForName="cycle" fact="0.26"/>
+                <dgm:constr type="r" for="ch" forName="cycle" refType="w"/>
+                <dgm:constr type="ctrY" for="ch" forName="cycle" refType="h" fact="0.5"/>
+                <dgm:constr type="diam" for="ch" forName="cycle" refType="h" fact="1.344"/>
+                <dgm:constr type="h" for="ch" forName="accent_1" refType="h" fact="0.1316"/>
+                <dgm:constr type="w" for="ch" forName="accent_1" refType="h" refFor="ch" refForName="accent_1" op="equ"/>
+                <dgm:constr type="ctrY" for="ch" forName="accent_1" refType="h" fact="0.1053"/>
+                <dgm:constr type="ctrX" for="ch" forName="accent_1" refType="w"/>
+                <dgm:constr type="ctrXOff" for="ch" forName="accent_1" refType="h" fact="-0.0943"/>
+                <dgm:constr type="r" for="ch" forName="text_1" refType="ctrX" refFor="ch" refForName="accent_1"/>
+                <dgm:constr type="rOff" for="ch" forName="text_1" refType="ctrXOff" refFor="ch" refForName="accent_1"/>
+                <dgm:constr type="l" for="ch" forName="text_1"/>
+                <dgm:constr type="w" for="ch" forName="text_1" refType="h" refFor="ch" refForName="text_1" op="gte"/>
+                <dgm:constr type="h" for="ch" forName="text_1" refType="h" refFor="ch" refForName="accent_1" fact="0.8"/>
+                <dgm:constr type="ctrY" for="ch" forName="text_1" refType="ctrY" refFor="ch" refForName="accent_1"/>
+                <dgm:constr type="rMarg" for="ch" forName="text_1" refType="w" refFor="ch" refForName="accent_1" fact="1.8"/>
+                <dgm:constr type="h" for="ch" forName="accent_2" refType="h" fact="0.1316"/>
+                <dgm:constr type="w" for="ch" forName="accent_2" refType="h" refFor="ch" refForName="accent_2" op="equ"/>
+                <dgm:constr type="ctrY" for="ch" forName="accent_2" refType="h" fact="0.2632"/>
+                <dgm:constr type="ctrX" for="ch" forName="accent_2" refType="w"/>
+                <dgm:constr type="ctrXOff" for="ch" forName="accent_2" refType="h" fact="-0.1809"/>
+                <dgm:constr type="r" for="ch" forName="text_2" refType="ctrX" refFor="ch" refForName="accent_2"/>
+                <dgm:constr type="rOff" for="ch" forName="text_2" refType="ctrXOff" refFor="ch" refForName="accent_2"/>
+                <dgm:constr type="l" for="ch" forName="text_2"/>
+                <dgm:constr type="w" for="ch" forName="text_2" refType="h" refFor="ch" refForName="text_2" op="gte"/>
+                <dgm:constr type="h" for="ch" forName="text_2" refType="h" refFor="ch" refForName="accent_2" fact="0.8"/>
+                <dgm:constr type="ctrY" for="ch" forName="text_2" refType="ctrY" refFor="ch" refForName="accent_2"/>
+                <dgm:constr type="rMarg" for="ch" forName="text_2" refType="w" refFor="ch" refForName="accent_2" fact="1.8"/>
+                <dgm:constr type="h" for="ch" forName="accent_3" refType="h" fact="0.1316"/>
+                <dgm:constr type="w" for="ch" forName="accent_3" refType="h" refFor="ch" refForName="accent_3" op="equ"/>
+                <dgm:constr type="ctrY" for="ch" forName="accent_3" refType="h" fact="0.4211"/>
+                <dgm:constr type="ctrX" for="ch" forName="accent_3" refType="w"/>
+                <dgm:constr type="ctrXOff" for="ch" forName="accent_3" refType="h" fact="-0.2205"/>
+                <dgm:constr type="r" for="ch" forName="text_3" refType="ctrX" refFor="ch" refForName="accent_3"/>
+                <dgm:constr type="rOff" for="ch" forName="text_3" refType="ctrXOff" refFor="ch" refForName="accent_3"/>
+                <dgm:constr type="l" for="ch" forName="text_3"/>
+                <dgm:constr type="w" for="ch" forName="text_3" refType="h" refFor="ch" refForName="text_3" op="gte"/>
+                <dgm:constr type="h" for="ch" forName="text_3" refType="h" refFor="ch" refForName="accent_3" fact="0.8"/>
+                <dgm:constr type="ctrY" for="ch" forName="text_3" refType="ctrY" refFor="ch" refForName="accent_3"/>
+                <dgm:constr type="rMarg" for="ch" forName="text_3" refType="w" refFor="ch" refForName="accent_3" fact="1.8"/>
+                <dgm:constr type="h" for="ch" forName="accent_4" refType="h" fact="0.1316"/>
+                <dgm:constr type="w" for="ch" forName="accent_4" refType="h" refFor="ch" refForName="accent_4" op="equ"/>
+                <dgm:constr type="ctrY" for="ch" forName="accent_4" refType="h" fact="0.5789"/>
+                <dgm:constr type="ctrX" for="ch" forName="accent_4" refType="w"/>
+                <dgm:constr type="ctrXOff" for="ch" forName="accent_4" refType="h" fact="-0.2205"/>
+                <dgm:constr type="r" for="ch" forName="text_4" refType="ctrX" refFor="ch" refForName="accent_4"/>
+                <dgm:constr type="rOff" for="ch" forName="text_4" refType="ctrXOff" refFor="ch" refForName="accent_4"/>
+                <dgm:constr type="l" for="ch" forName="text_4"/>
+                <dgm:constr type="w" for="ch" forName="text_4" refType="h" refFor="ch" refForName="text_4" op="gte"/>
+                <dgm:constr type="h" for="ch" forName="text_4" refType="h" refFor="ch" refForName="accent_4" fact="0.8"/>
+                <dgm:constr type="ctrY" for="ch" forName="text_4" refType="ctrY" refFor="ch" refForName="accent_4"/>
+                <dgm:constr type="rMarg" for="ch" forName="text_4" refType="w" refFor="ch" refForName="accent_4" fact="1.8"/>
+                <dgm:constr type="h" for="ch" forName="accent_5" refType="h" fact="0.1316"/>
+                <dgm:constr type="w" for="ch" forName="accent_5" refType="h" refFor="ch" refForName="accent_5" op="equ"/>
+                <dgm:constr type="ctrY" for="ch" forName="accent_5" refType="h" fact="0.7368"/>
+                <dgm:constr type="ctrX" for="ch" forName="accent_5" refType="w"/>
+                <dgm:constr type="ctrXOff" for="ch" forName="accent_5" refType="h" fact="-0.1809"/>
+                <dgm:constr type="r" for="ch" forName="text_5" refType="ctrX" refFor="ch" refForName="accent_5"/>
+                <dgm:constr type="rOff" for="ch" forName="text_5" refType="ctrXOff" refFor="ch" refForName="accent_5"/>
+                <dgm:constr type="l" for="ch" forName="text_5"/>
+                <dgm:constr type="w" for="ch" forName="text_5" refType="h" refFor="ch" refForName="text_5" op="gte"/>
+                <dgm:constr type="h" for="ch" forName="text_5" refType="h" refFor="ch" refForName="accent_5" fact="0.8"/>
+                <dgm:constr type="ctrY" for="ch" forName="text_5" refType="ctrY" refFor="ch" refForName="accent_5"/>
+                <dgm:constr type="rMarg" for="ch" forName="text_5" refType="w" refFor="ch" refForName="accent_5" fact="1.8"/>
+                <dgm:constr type="h" for="ch" forName="accent_6" refType="h" fact="0.1316"/>
+                <dgm:constr type="w" for="ch" forName="accent_6" refType="h" refFor="ch" refForName="accent_6" op="equ"/>
+                <dgm:constr type="ctrY" for="ch" forName="accent_6" refType="h" fact="0.8947"/>
+                <dgm:constr type="ctrX" for="ch" forName="accent_6" refType="w"/>
+                <dgm:constr type="ctrXOff" for="ch" forName="accent_6" refType="h" fact="-0.0943"/>
+                <dgm:constr type="r" for="ch" forName="text_6" refType="ctrX" refFor="ch" refForName="accent_6"/>
+                <dgm:constr type="rOff" for="ch" forName="text_6" refType="ctrXOff" refFor="ch" refForName="accent_6"/>
+                <dgm:constr type="l" for="ch" forName="text_6"/>
+                <dgm:constr type="w" for="ch" forName="text_6" refType="h" refFor="ch" refForName="text_6" op="gte"/>
+                <dgm:constr type="h" for="ch" forName="text_6" refType="h" refFor="ch" refForName="accent_6" fact="0.8"/>
+                <dgm:constr type="ctrY" for="ch" forName="text_6" refType="ctrY" refFor="ch" refForName="accent_6"/>
+                <dgm:constr type="rMarg" for="ch" forName="text_6" refType="w" refFor="ch" refForName="accent_6" fact="1.8"/>
+                <dgm:constr type="primFontSz" for="ch" ptType="node" op="equ" val="65"/>
+              </dgm:constrLst>
+            </dgm:if>
+            <dgm:else name="Name20">
+              <dgm:constrLst>
+                <dgm:constr type="h" for="ch" forName="cycle" refType="h"/>
+                <dgm:constr type="w" for="ch" forName="cycle" refType="h" refFor="ch" refForName="cycle" fact="0.26"/>
+                <dgm:constr type="r" for="ch" forName="cycle" refType="w"/>
+                <dgm:constr type="ctrY" for="ch" forName="cycle" refType="h" fact="0.5"/>
+                <dgm:constr type="diam" for="ch" forName="cycle" refType="h" fact="1.344"/>
+                <dgm:constr type="h" for="ch" forName="accent_1" refType="h" fact="0.1136"/>
+                <dgm:constr type="w" for="ch" forName="accent_1" refType="h" refFor="ch" refForName="accent_1" op="equ"/>
+                <dgm:constr type="ctrY" for="ch" forName="accent_1" refType="h" fact="0.0909"/>
+                <dgm:constr type="ctrX" for="ch" forName="accent_1" refType="w"/>
+                <dgm:constr type="ctrXOff" for="ch" forName="accent_1" refType="h" fact="-0.0835"/>
+                <dgm:constr type="r" for="ch" forName="text_1" refType="ctrX" refFor="ch" refForName="accent_1"/>
+                <dgm:constr type="rOff" for="ch" forName="text_1" refType="ctrXOff" refFor="ch" refForName="accent_1"/>
+                <dgm:constr type="l" for="ch" forName="text_1"/>
+                <dgm:constr type="w" for="ch" forName="text_1" refType="h" refFor="ch" refForName="text_1" op="gte"/>
+                <dgm:constr type="h" for="ch" forName="text_1" refType="h" refFor="ch" refForName="accent_1" fact="0.8"/>
+                <dgm:constr type="ctrY" for="ch" forName="text_1" refType="ctrY" refFor="ch" refForName="accent_1"/>
+                <dgm:constr type="rMarg" for="ch" forName="text_1" refType="w" refFor="ch" refForName="accent_1" fact="1.8"/>
+                <dgm:constr type="h" for="ch" forName="accent_2" refType="h" fact="0.1136"/>
+                <dgm:constr type="w" for="ch" forName="accent_2" refType="h" refFor="ch" refForName="accent_2" op="equ"/>
+                <dgm:constr type="ctrY" for="ch" forName="accent_2" refType="h" fact="0.2273"/>
+                <dgm:constr type="ctrX" for="ch" forName="accent_2" refType="w"/>
+                <dgm:constr type="ctrXOff" for="ch" forName="accent_2" refType="h" fact="-0.1658"/>
+                <dgm:constr type="r" for="ch" forName="text_2" refType="ctrX" refFor="ch" refForName="accent_2"/>
+                <dgm:constr type="rOff" for="ch" forName="text_2" refType="ctrXOff" refFor="ch" refForName="accent_2"/>
+                <dgm:constr type="l" for="ch" forName="text_2"/>
+                <dgm:constr type="w" for="ch" forName="text_2" refType="h" refFor="ch" refForName="text_2" op="gte"/>
+                <dgm:constr type="h" for="ch" forName="text_2" refType="h" refFor="ch" refForName="accent_2" fact="0.8"/>
+                <dgm:constr type="ctrY" for="ch" forName="text_2" refType="ctrY" refFor="ch" refForName="accent_2"/>
+                <dgm:constr type="rMarg" for="ch" forName="text_2" refType="w" refFor="ch" refForName="accent_2" fact="1.8"/>
+                <dgm:constr type="h" for="ch" forName="accent_3" refType="h" fact="0.1136"/>
+                <dgm:constr type="w" for="ch" forName="accent_3" refType="h" refFor="ch" refForName="accent_3" op="equ"/>
+                <dgm:constr type="ctrY" for="ch" forName="accent_3" refType="h" fact="0.3636"/>
+                <dgm:constr type="ctrX" for="ch" forName="accent_3" refType="w"/>
+                <dgm:constr type="ctrXOff" for="ch" forName="accent_3" refType="h" fact="-0.2109"/>
+                <dgm:constr type="r" for="ch" forName="text_3" refType="ctrX" refFor="ch" refForName="accent_3"/>
+                <dgm:constr type="rOff" for="ch" forName="text_3" refType="ctrXOff" refFor="ch" refForName="accent_3"/>
+                <dgm:constr type="l" for="ch" forName="text_3"/>
+                <dgm:constr type="w" for="ch" forName="text_3" refType="h" refFor="ch" refForName="text_3" op="gte"/>
+                <dgm:constr type="h" for="ch" forName="text_3" refType="h" refFor="ch" refForName="accent_3" fact="0.8"/>
+                <dgm:constr type="ctrY" for="ch" forName="text_3" refType="ctrY" refFor="ch" refForName="accent_3"/>
+                <dgm:constr type="rMarg" for="ch" forName="text_3" refType="w" refFor="ch" refForName="accent_3" fact="1.8"/>
+                <dgm:constr type="h" for="ch" forName="accent_4" refType="h" fact="0.1136"/>
+                <dgm:constr type="w" for="ch" forName="accent_4" refType="h" refFor="ch" refForName="accent_4" op="equ"/>
+                <dgm:constr type="ctrY" for="ch" forName="accent_4" refType="h" fact="0.5"/>
+                <dgm:constr type="ctrX" for="ch" forName="accent_4" refType="w"/>
+                <dgm:constr type="ctrXOff" for="ch" forName="accent_4" refType="h" fact="-0.2253"/>
+                <dgm:constr type="r" for="ch" forName="text_4" refType="ctrX" refFor="ch" refForName="accent_4"/>
+                <dgm:constr type="rOff" for="ch" forName="text_4" refType="ctrXOff" refFor="ch" refForName="accent_4"/>
+                <dgm:constr type="l" for="ch" forName="text_4"/>
+                <dgm:constr type="w" for="ch" forName="text_4" refType="h" refFor="ch" refForName="text_4" op="gte"/>
+                <dgm:constr type="h" for="ch" forName="text_4" refType="h" refFor="ch" refForName="accent_4" fact="0.8"/>
+                <dgm:constr type="ctrY" for="ch" forName="text_4" refType="ctrY" refFor="ch" refForName="accent_4"/>
+                <dgm:constr type="rMarg" for="ch" forName="text_4" refType="w" refFor="ch" refForName="accent_4" fact="1.8"/>
+                <dgm:constr type="h" for="ch" forName="accent_5" refType="h" fact="0.1136"/>
+                <dgm:constr type="w" for="ch" forName="accent_5" refType="h" refFor="ch" refForName="accent_5" op="equ"/>
+                <dgm:constr type="ctrY" for="ch" forName="accent_5" refType="h" fact="0.6364"/>
+                <dgm:constr type="ctrX" for="ch" forName="accent_5" refType="w"/>
+                <dgm:constr type="ctrXOff" for="ch" forName="accent_5" refType="h" fact="-0.2109"/>
+                <dgm:constr type="r" for="ch" forName="text_5" refType="ctrX" refFor="ch" refForName="accent_5"/>
+                <dgm:constr type="rOff" for="ch" forName="text_5" refType="ctrXOff" refFor="ch" refForName="accent_5"/>
+                <dgm:constr type="l" for="ch" forName="text_5"/>
+                <dgm:constr type="w" for="ch" forName="text_5" refType="h" refFor="ch" refForName="text_5" op="gte"/>
+                <dgm:constr type="h" for="ch" forName="text_5" refType="h" refFor="ch" refForName="accent_5" fact="0.8"/>
+                <dgm:constr type="ctrY" for="ch" forName="text_5" refType="ctrY" refFor="ch" refForName="accent_5"/>
+                <dgm:constr type="rMarg" for="ch" forName="text_5" refType="w" refFor="ch" refForName="accent_5" fact="1.8"/>
+                <dgm:constr type="h" for="ch" forName="accent_6" refType="h" fact="0.1136"/>
+                <dgm:constr type="w" for="ch" forName="accent_6" refType="h" refFor="ch" refForName="accent_6" op="equ"/>
+                <dgm:constr type="ctrY" for="ch" forName="accent_6" refType="h" fact="0.7727"/>
+                <dgm:constr type="ctrX" for="ch" forName="accent_6" refType="w"/>
+                <dgm:constr type="ctrXOff" for="ch" forName="accent_6" refType="h" fact="-0.1658"/>
+                <dgm:constr type="r" for="ch" forName="text_6" refType="ctrX" refFor="ch" refForName="accent_6"/>
+                <dgm:constr type="rOff" for="ch" forName="text_6" refType="ctrXOff" refFor="ch" refForName="accent_6"/>
+                <dgm:constr type="l" for="ch" forName="text_6"/>
+                <dgm:constr type="w" for="ch" forName="text_6" refType="h" refFor="ch" refForName="text_6" op="gte"/>
+                <dgm:constr type="h" for="ch" forName="text_6" refType="h" refFor="ch" refForName="accent_6" fact="0.8"/>
+                <dgm:constr type="ctrY" for="ch" forName="text_6" refType="ctrY" refFor="ch" refForName="accent_6"/>
+                <dgm:constr type="rMarg" for="ch" forName="text_6" refType="w" refFor="ch" refForName="accent_6" fact="1.8"/>
+                <dgm:constr type="h" for="ch" forName="accent_7" refType="h" fact="0.1136"/>
+                <dgm:constr type="w" for="ch" forName="accent_7" refType="h" refFor="ch" refForName="accent_7" op="equ"/>
+                <dgm:constr type="ctrY" for="ch" forName="accent_7" refType="h" fact="0.9091"/>
+                <dgm:constr type="ctrX" for="ch" forName="accent_7" refType="w"/>
+                <dgm:constr type="ctrXOff" for="ch" forName="accent_7" refType="h" fact="-0.0835"/>
+                <dgm:constr type="r" for="ch" forName="text_7" refType="ctrX" refFor="ch" refForName="accent_7"/>
+                <dgm:constr type="rOff" for="ch" forName="text_7" refType="ctrXOff" refFor="ch" refForName="accent_7"/>
+                <dgm:constr type="l" for="ch" forName="text_7"/>
+                <dgm:constr type="w" for="ch" forName="text_7" refType="h" refFor="ch" refForName="text_7" op="gte"/>
+                <dgm:constr type="h" for="ch" forName="text_7" refType="h" refFor="ch" refForName="accent_7" fact="0.8"/>
+                <dgm:constr type="ctrY" for="ch" forName="text_7" refType="ctrY" refFor="ch" refForName="accent_7"/>
+                <dgm:constr type="rMarg" for="ch" forName="text_7" refType="w" refFor="ch" refForName="accent_7" fact="1.8"/>
+                <dgm:constr type="primFontSz" for="ch" ptType="node" op="equ" val="65"/>
+              </dgm:constrLst>
+            </dgm:else>
+          </dgm:choose>
+        </dgm:else>
+      </dgm:choose>
+      <dgm:layoutNode name="cycle">
+        <dgm:choose name="Name21">
+          <dgm:if name="Name22" func="var" arg="dir" op="equ" val="norm">
+            <dgm:alg type="cycle">
+              <dgm:param type="stAng" val="45"/>
+              <dgm:param type="spanAng" val="90"/>
+            </dgm:alg>
+          </dgm:if>
+          <dgm:else name="Name23">
+            <dgm:alg type="cycle">
+              <dgm:param type="stAng" val="225"/>
+              <dgm:param type="spanAng" val="90"/>
+            </dgm:alg>
+          </dgm:else>
+        </dgm:choose>
+        <dgm:shape xmlns:r="http://schemas.openxmlformats.org/officeDocument/2006/relationships" r:blip="">
+          <dgm:adjLst/>
+        </dgm:shape>
+        <dgm:presOf/>
+        <dgm:constrLst>
+          <dgm:constr type="w" for="ch" val="1"/>
+          <dgm:constr type="h" for="ch" val="1"/>
+          <dgm:constr type="diam" for="ch" forName="conn" refType="diam"/>
+        </dgm:constrLst>
+        <dgm:layoutNode name="srcNode">
+          <dgm:alg type="sp"/>
+          <dgm:shape xmlns:r="http://schemas.openxmlformats.org/officeDocument/2006/relationships" type="rect" r:blip="" hideGeom="1">
+            <dgm:adjLst/>
+          </dgm:shape>
+          <dgm:presOf/>
+        </dgm:layoutNode>
+        <dgm:layoutNode name="conn" styleLbl="parChTrans1D2">
+          <dgm:alg type="conn">
+            <dgm:param type="connRout" val="curve"/>
+            <dgm:param type="srcNode" val="srcNode"/>
+            <dgm:param type="dstNode" val="dstNode"/>
+            <dgm:param type="begPts" val="ctr"/>
+            <dgm:param type="endPts" val="ctr"/>
+            <dgm:param type="endSty" val="noArr"/>
+          </dgm:alg>
+          <dgm:shape xmlns:r="http://schemas.openxmlformats.org/officeDocument/2006/relationships" type="conn" r:blip="">
+            <dgm:adjLst/>
+          </dgm:shape>
+          <dgm:presOf axis="desOrSelf" ptType="sibTrans" hideLastTrans="0" st="0" cnt="1"/>
+          <dgm:constrLst>
+            <dgm:constr type="begPad"/>
+            <dgm:constr type="endPad"/>
+          </dgm:constrLst>
+        </dgm:layoutNode>
+        <dgm:layoutNode name="extraNode">
+          <dgm:alg type="sp"/>
+          <dgm:shape xmlns:r="http://schemas.openxmlformats.org/officeDocument/2006/relationships" type="rect" r:blip="" hideGeom="1">
+            <dgm:adjLst/>
+          </dgm:shape>
+          <dgm:presOf/>
+        </dgm:layoutNode>
+        <dgm:layoutNode name="dstNode">
+          <dgm:alg type="sp"/>
+          <dgm:shape xmlns:r="http://schemas.openxmlformats.org/officeDocument/2006/relationships" type="rect" r:blip="" hideGeom="1">
+            <dgm:adjLst/>
+          </dgm:shape>
+          <dgm:presOf/>
+        </dgm:layoutNode>
+      </dgm:layoutNode>
+      <dgm:forEach name="wrapper" axis="self" ptType="parTrans">
+        <dgm:forEach name="wrapper2" axis="self" ptType="sibTrans" st="2">
+          <dgm:forEach name="accentRepeat" axis="self">
+            <dgm:layoutNode name="accentRepeatNode" styleLbl="solidFgAcc1">
+              <dgm:alg type="sp"/>
+              <dgm:shape xmlns:r="http://schemas.openxmlformats.org/officeDocument/2006/relationships" type="ellipse" r:blip="">
+                <dgm:adjLst/>
+              </dgm:shape>
+              <dgm:presOf/>
+            </dgm:layoutNode>
+          </dgm:forEach>
+        </dgm:forEach>
+      </dgm:forEach>
+      <dgm:forEach name="Name24" axis="ch" ptType="node" cnt="1">
+        <dgm:layoutNode name="text_1" styleLbl="node1">
+          <dgm:varLst>
+            <dgm:bulletEnabled val="1"/>
+          </dgm:varLst>
+          <dgm:choose name="Name25">
+            <dgm:if name="Name26" func="var" arg="dir" op="equ" val="norm">
+              <dgm:alg type="tx">
+                <dgm:param type="parTxLTRAlign" val="l"/>
+                <dgm:param type="shpTxLTRAlignCh" val="l"/>
+                <dgm:param type="parTxRTLAlign" val="l"/>
+                <dgm:param type="shpTxRTLAlignCh" val="l"/>
+              </dgm:alg>
+            </dgm:if>
+            <dgm:else name="Name27">
+              <dgm:alg type="tx">
+                <dgm:param type="parTxLTRAlign" val="r"/>
+                <dgm:param type="shpTxLTRAlignCh" val="r"/>
+                <dgm:param type="parTxRTLAlign" val="r"/>
+                <dgm:param type="shpTxRTLAlignCh" val="r"/>
+              </dgm:alg>
+            </dgm:else>
+          </dgm:choose>
+          <dgm:shape xmlns:r="http://schemas.openxmlformats.org/officeDocument/2006/relationships" type="rect" r:blip="">
+            <dgm:adjLst/>
+          </dgm:shape>
+          <dgm:presOf axis="desOrSelf" ptType="node"/>
+          <dgm:constrLst>
+            <dgm:constr type="primFontSz" val="65"/>
+            <dgm:constr type="lMarg" refType="primFontSz" fact="0.2"/>
+            <dgm:constr type="rMarg" refType="primFontSz" fact="0.2"/>
+            <dgm:constr type="tMarg" refType="primFontSz" fact="0.2"/>
+            <dgm:constr type="bMarg" refType="primFontSz" fact="0.2"/>
+          </dgm:constrLst>
+          <dgm:ruleLst>
+            <dgm:rule type="primFontSz" val="5" fact="NaN" max="NaN"/>
+          </dgm:ruleLst>
+        </dgm:layoutNode>
+        <dgm:layoutNode name="accent_1">
+          <dgm:alg type="sp"/>
+          <dgm:shape xmlns:r="http://schemas.openxmlformats.org/officeDocument/2006/relationships" r:blip="">
+            <dgm:adjLst/>
+          </dgm:shape>
+          <dgm:presOf/>
+          <dgm:constrLst/>
+          <dgm:forEach name="Name28" ref="accentRepeat"/>
+        </dgm:layoutNode>
+      </dgm:forEach>
+      <dgm:forEach name="Name29" axis="ch" ptType="node" st="2" cnt="1">
+        <dgm:layoutNode name="text_2" styleLbl="node1">
+          <dgm:varLst>
+            <dgm:bulletEnabled val="1"/>
+          </dgm:varLst>
+          <dgm:choose name="Name30">
+            <dgm:if name="Name31" func="var" arg="dir" op="equ" val="norm">
+              <dgm:alg type="tx">
+                <dgm:param type="parTxLTRAlign" val="l"/>
+                <dgm:param type="shpTxLTRAlignCh" val="l"/>
+                <dgm:param type="parTxRTLAlign" val="l"/>
+                <dgm:param type="shpTxRTLAlignCh" val="l"/>
+              </dgm:alg>
+            </dgm:if>
+            <dgm:else name="Name32">
+              <dgm:alg type="tx">
+                <dgm:param type="parTxLTRAlign" val="r"/>
+                <dgm:param type="shpTxLTRAlignCh" val="r"/>
+                <dgm:param type="parTxRTLAlign" val="r"/>
+                <dgm:param type="shpTxRTLAlignCh" val="r"/>
+              </dgm:alg>
+            </dgm:else>
+          </dgm:choose>
+          <dgm:shape xmlns:r="http://schemas.openxmlformats.org/officeDocument/2006/relationships" type="rect" r:blip="">
+            <dgm:adjLst/>
+          </dgm:shape>
+          <dgm:presOf axis="desOrSelf" ptType="node"/>
+          <dgm:constrLst>
+            <dgm:constr type="primFontSz" val="65"/>
+            <dgm:constr type="lMarg" refType="primFontSz" fact="0.2"/>
+            <dgm:constr type="rMarg" refType="primFontSz" fact="0.2"/>
+            <dgm:constr type="tMarg" refType="primFontSz" fact="0.2"/>
+            <dgm:constr type="bMarg" refType="primFontSz" fact="0.2"/>
+          </dgm:constrLst>
+          <dgm:ruleLst>
+            <dgm:rule type="primFontSz" val="5" fact="NaN" max="NaN"/>
+          </dgm:ruleLst>
+        </dgm:layoutNode>
+        <dgm:layoutNode name="accent_2">
+          <dgm:alg type="sp"/>
+          <dgm:shape xmlns:r="http://schemas.openxmlformats.org/officeDocument/2006/relationships" r:blip="">
+            <dgm:adjLst/>
+          </dgm:shape>
+          <dgm:presOf/>
+          <dgm:constrLst/>
+          <dgm:forEach name="Name33" ref="accentRepeat"/>
+        </dgm:layoutNode>
+      </dgm:forEach>
+      <dgm:forEach name="Name34" axis="ch" ptType="node" st="3" cnt="1">
+        <dgm:layoutNode name="text_3" styleLbl="node1">
+          <dgm:varLst>
+            <dgm:bulletEnabled val="1"/>
+          </dgm:varLst>
+          <dgm:choose name="Name35">
+            <dgm:if name="Name36" func="var" arg="dir" op="equ" val="norm">
+              <dgm:alg type="tx">
+                <dgm:param type="parTxLTRAlign" val="l"/>
+                <dgm:param type="shpTxLTRAlignCh" val="l"/>
+                <dgm:param type="parTxRTLAlign" val="l"/>
+                <dgm:param type="shpTxRTLAlignCh" val="l"/>
+              </dgm:alg>
+            </dgm:if>
+            <dgm:else name="Name37">
+              <dgm:alg type="tx">
+                <dgm:param type="parTxLTRAlign" val="r"/>
+                <dgm:param type="shpTxLTRAlignCh" val="r"/>
+                <dgm:param type="parTxRTLAlign" val="r"/>
+                <dgm:param type="shpTxRTLAlignCh" val="r"/>
+              </dgm:alg>
+            </dgm:else>
+          </dgm:choose>
+          <dgm:shape xmlns:r="http://schemas.openxmlformats.org/officeDocument/2006/relationships" type="rect" r:blip="">
+            <dgm:adjLst/>
+          </dgm:shape>
+          <dgm:presOf axis="desOrSelf" ptType="node"/>
+          <dgm:constrLst>
+            <dgm:constr type="primFontSz" val="65"/>
+            <dgm:constr type="lMarg" refType="primFontSz" fact="0.2"/>
+            <dgm:constr type="rMarg" refType="primFontSz" fact="0.2"/>
+            <dgm:constr type="tMarg" refType="primFontSz" fact="0.2"/>
+            <dgm:constr type="bMarg" refType="primFontSz" fact="0.2"/>
+          </dgm:constrLst>
+          <dgm:ruleLst>
+            <dgm:rule type="primFontSz" val="5" fact="NaN" max="NaN"/>
+          </dgm:ruleLst>
+        </dgm:layoutNode>
+        <dgm:layoutNode name="accent_3">
+          <dgm:alg type="sp"/>
+          <dgm:shape xmlns:r="http://schemas.openxmlformats.org/officeDocument/2006/relationships" r:blip="">
+            <dgm:adjLst/>
+          </dgm:shape>
+          <dgm:presOf/>
+          <dgm:constrLst/>
+          <dgm:forEach name="Name38" ref="accentRepeat"/>
+        </dgm:layoutNode>
+      </dgm:forEach>
+      <dgm:forEach name="Name39" axis="ch" ptType="node" st="4" cnt="1">
+        <dgm:layoutNode name="text_4" styleLbl="node1">
+          <dgm:varLst>
+            <dgm:bulletEnabled val="1"/>
+          </dgm:varLst>
+          <dgm:choose name="Name40">
+            <dgm:if name="Name41" func="var" arg="dir" op="equ" val="norm">
+              <dgm:alg type="tx">
+                <dgm:param type="parTxLTRAlign" val="l"/>
+                <dgm:param type="shpTxLTRAlignCh" val="l"/>
+                <dgm:param type="parTxRTLAlign" val="l"/>
+                <dgm:param type="shpTxRTLAlignCh" val="l"/>
+              </dgm:alg>
+            </dgm:if>
+            <dgm:else name="Name42">
+              <dgm:alg type="tx">
+                <dgm:param type="parTxLTRAlign" val="r"/>
+                <dgm:param type="shpTxLTRAlignCh" val="r"/>
+                <dgm:param type="parTxRTLAlign" val="r"/>
+                <dgm:param type="shpTxRTLAlignCh" val="r"/>
+              </dgm:alg>
+            </dgm:else>
+          </dgm:choose>
+          <dgm:shape xmlns:r="http://schemas.openxmlformats.org/officeDocument/2006/relationships" type="rect" r:blip="">
+            <dgm:adjLst/>
+          </dgm:shape>
+          <dgm:presOf axis="desOrSelf" ptType="node"/>
+          <dgm:constrLst>
+            <dgm:constr type="primFontSz" val="65"/>
+            <dgm:constr type="lMarg" refType="primFontSz" fact="0.2"/>
+            <dgm:constr type="rMarg" refType="primFontSz" fact="0.2"/>
+            <dgm:constr type="tMarg" refType="primFontSz" fact="0.2"/>
+            <dgm:constr type="bMarg" refType="primFontSz" fact="0.2"/>
+          </dgm:constrLst>
+          <dgm:ruleLst>
+            <dgm:rule type="primFontSz" val="5" fact="NaN" max="NaN"/>
+          </dgm:ruleLst>
+        </dgm:layoutNode>
+        <dgm:layoutNode name="accent_4">
+          <dgm:alg type="sp"/>
+          <dgm:shape xmlns:r="http://schemas.openxmlformats.org/officeDocument/2006/relationships" r:blip="">
+            <dgm:adjLst/>
+          </dgm:shape>
+          <dgm:presOf/>
+          <dgm:constrLst/>
+          <dgm:forEach name="Name43" ref="accentRepeat"/>
+        </dgm:layoutNode>
+      </dgm:forEach>
+      <dgm:forEach name="Name44" axis="ch" ptType="node" st="5" cnt="1">
+        <dgm:layoutNode name="text_5" styleLbl="node1">
+          <dgm:varLst>
+            <dgm:bulletEnabled val="1"/>
+          </dgm:varLst>
+          <dgm:choose name="Name45">
+            <dgm:if name="Name46" func="var" arg="dir" op="equ" val="norm">
+              <dgm:alg type="tx">
+                <dgm:param type="parTxLTRAlign" val="l"/>
+                <dgm:param type="shpTxLTRAlignCh" val="l"/>
+                <dgm:param type="parTxRTLAlign" val="l"/>
+                <dgm:param type="shpTxRTLAlignCh" val="l"/>
+              </dgm:alg>
+            </dgm:if>
+            <dgm:else name="Name47">
+              <dgm:alg type="tx">
+                <dgm:param type="parTxLTRAlign" val="r"/>
+                <dgm:param type="shpTxLTRAlignCh" val="r"/>
+                <dgm:param type="parTxRTLAlign" val="r"/>
+                <dgm:param type="shpTxRTLAlignCh" val="r"/>
+              </dgm:alg>
+            </dgm:else>
+          </dgm:choose>
+          <dgm:shape xmlns:r="http://schemas.openxmlformats.org/officeDocument/2006/relationships" type="rect" r:blip="">
+            <dgm:adjLst/>
+          </dgm:shape>
+          <dgm:presOf axis="desOrSelf" ptType="node"/>
+          <dgm:constrLst>
+            <dgm:constr type="primFontSz" val="65"/>
+            <dgm:constr type="lMarg" refType="primFontSz" fact="0.2"/>
+            <dgm:constr type="rMarg" refType="primFontSz" fact="0.2"/>
+            <dgm:constr type="tMarg" refType="primFontSz" fact="0.2"/>
+            <dgm:constr type="bMarg" refType="primFontSz" fact="0.2"/>
+          </dgm:constrLst>
+          <dgm:ruleLst>
+            <dgm:rule type="primFontSz" val="5" fact="NaN" max="NaN"/>
+          </dgm:ruleLst>
+        </dgm:layoutNode>
+        <dgm:layoutNode name="accent_5">
+          <dgm:alg type="sp"/>
+          <dgm:shape xmlns:r="http://schemas.openxmlformats.org/officeDocument/2006/relationships" r:blip="">
+            <dgm:adjLst/>
+          </dgm:shape>
+          <dgm:presOf/>
+          <dgm:constrLst/>
+          <dgm:forEach name="Name48" ref="accentRepeat"/>
+        </dgm:layoutNode>
+      </dgm:forEach>
+      <dgm:forEach name="Name49" axis="ch" ptType="node" st="6" cnt="1">
+        <dgm:layoutNode name="text_6" styleLbl="node1">
+          <dgm:varLst>
+            <dgm:bulletEnabled val="1"/>
+          </dgm:varLst>
+          <dgm:choose name="Name50">
+            <dgm:if name="Name51" func="var" arg="dir" op="equ" val="norm">
+              <dgm:alg type="tx">
+                <dgm:param type="parTxLTRAlign" val="l"/>
+                <dgm:param type="shpTxLTRAlignCh" val="l"/>
+                <dgm:param type="parTxRTLAlign" val="l"/>
+                <dgm:param type="shpTxRTLAlignCh" val="l"/>
+              </dgm:alg>
+            </dgm:if>
+            <dgm:else name="Name52">
+              <dgm:alg type="tx">
+                <dgm:param type="parTxLTRAlign" val="r"/>
+                <dgm:param type="shpTxLTRAlignCh" val="r"/>
+                <dgm:param type="parTxRTLAlign" val="r"/>
+                <dgm:param type="shpTxRTLAlignCh" val="r"/>
+              </dgm:alg>
+            </dgm:else>
+          </dgm:choose>
+          <dgm:shape xmlns:r="http://schemas.openxmlformats.org/officeDocument/2006/relationships" type="rect" r:blip="">
+            <dgm:adjLst/>
+          </dgm:shape>
+          <dgm:presOf axis="desOrSelf" ptType="node"/>
+          <dgm:constrLst>
+            <dgm:constr type="primFontSz" val="65"/>
+            <dgm:constr type="lMarg" refType="primFontSz" fact="0.2"/>
+            <dgm:constr type="rMarg" refType="primFontSz" fact="0.2"/>
+            <dgm:constr type="tMarg" refType="primFontSz" fact="0.2"/>
+            <dgm:constr type="bMarg" refType="primFontSz" fact="0.2"/>
+          </dgm:constrLst>
+          <dgm:ruleLst>
+            <dgm:rule type="primFontSz" val="5" fact="NaN" max="NaN"/>
+          </dgm:ruleLst>
+        </dgm:layoutNode>
+        <dgm:layoutNode name="accent_6">
+          <dgm:alg type="sp"/>
+          <dgm:shape xmlns:r="http://schemas.openxmlformats.org/officeDocument/2006/relationships" r:blip="">
+            <dgm:adjLst/>
+          </dgm:shape>
+          <dgm:presOf/>
+          <dgm:constrLst/>
+          <dgm:forEach name="Name53" ref="accentRepeat"/>
+        </dgm:layoutNode>
+      </dgm:forEach>
+      <dgm:forEach name="Name54" axis="ch" ptType="node" st="7" cnt="1">
+        <dgm:layoutNode name="text_7" styleLbl="node1">
+          <dgm:varLst>
+            <dgm:bulletEnabled val="1"/>
+          </dgm:varLst>
+          <dgm:choose name="Name55">
+            <dgm:if name="Name56" func="var" arg="dir" op="equ" val="norm">
+              <dgm:alg type="tx">
+                <dgm:param type="parTxLTRAlign" val="l"/>
+                <dgm:param type="shpTxLTRAlignCh" val="l"/>
+                <dgm:param type="parTxRTLAlign" val="l"/>
+                <dgm:param type="shpTxRTLAlignCh" val="l"/>
+              </dgm:alg>
+            </dgm:if>
+            <dgm:else name="Name57">
+              <dgm:alg type="tx">
+                <dgm:param type="parTxLTRAlign" val="r"/>
+                <dgm:param type="shpTxLTRAlignCh" val="r"/>
+                <dgm:param type="parTxRTLAlign" val="r"/>
+                <dgm:param type="shpTxRTLAlignCh" val="r"/>
+              </dgm:alg>
+            </dgm:else>
+          </dgm:choose>
+          <dgm:shape xmlns:r="http://schemas.openxmlformats.org/officeDocument/2006/relationships" type="rect" r:blip="">
+            <dgm:adjLst/>
+          </dgm:shape>
+          <dgm:presOf axis="desOrSelf" ptType="node"/>
+          <dgm:constrLst>
+            <dgm:constr type="primFontSz" val="65"/>
+            <dgm:constr type="lMarg" refType="primFontSz" fact="0.2"/>
+            <dgm:constr type="rMarg" refType="primFontSz" fact="0.2"/>
+            <dgm:constr type="tMarg" refType="primFontSz" fact="0.2"/>
+            <dgm:constr type="bMarg" refType="primFontSz" fact="0.2"/>
+          </dgm:constrLst>
+          <dgm:ruleLst>
+            <dgm:rule type="primFontSz" val="5" fact="NaN" max="NaN"/>
+          </dgm:ruleLst>
+        </dgm:layoutNode>
+        <dgm:layoutNode name="accent_7">
+          <dgm:alg type="sp"/>
+          <dgm:shape xmlns:r="http://schemas.openxmlformats.org/officeDocument/2006/relationships" r:blip="">
+            <dgm:adjLst/>
+          </dgm:shape>
+          <dgm:presOf/>
+          <dgm:constrLst/>
+          <dgm:forEach name="Name58" ref="accentRepeat"/>
+        </dgm:layoutNode>
+      </dgm:forEach>
+    </dgm:layoutNode>
+  </dgm:layoutNode>
+</dgm:layoutDef>
+</file>
+
+<file path=ppt/diagrams/quickStyle1.xml><?xml version="1.0" encoding="utf-8"?>
+<dgm:styleDef xmlns:dgm="http://schemas.openxmlformats.org/drawingml/2006/diagram" xmlns:a="http://schemas.openxmlformats.org/drawingml/2006/main" uniqueId="urn:microsoft.com/office/officeart/2005/8/quickstyle/simple1">
+  <dgm:title val=""/>
+  <dgm:desc val=""/>
+  <dgm:catLst>
+    <dgm:cat type="simple" pri="10100"/>
+  </dgm:catLst>
+  <dgm:scene3d>
+    <a:camera prst="orthographicFront"/>
+    <a:lightRig rig="threePt" dir="t"/>
+  </dgm:scene3d>
+  <dgm:styleLbl name="node0">
+    <dgm:scene3d>
+      <a:camera prst="orthographicFront"/>
+      <a:lightRig rig="threePt" dir="t"/>
+    </dgm:scene3d>
+    <dgm:sp3d/>
+    <dgm:txPr/>
+    <dgm:style>
+      <a:lnRef idx="2">
+        <a:scrgbClr r="0" g="0" b="0"/>
+      </a:lnRef>
+      <a:fillRef idx="1">
+        <a:scrgbClr r="0" g="0" b="0"/>
+      </a:fillRef>
+      <a:effectRef idx="0">
+        <a:scrgbClr r="0" g="0" b="0"/>
+      </a:effectRef>
+      <a:fontRef idx="minor">
+        <a:schemeClr val="lt1"/>
+      </a:fontRef>
+    </dgm:style>
+  </dgm:styleLbl>
+  <dgm:styleLbl name="lnNode1">
+    <dgm:scene3d>
+      <a:camera prst="orthographicFront"/>
+      <a:lightRig rig="threePt" dir="t"/>
+    </dgm:scene3d>
+    <dgm:sp3d/>
+    <dgm:txPr/>
+    <dgm:style>
+      <a:lnRef idx="2">
+        <a:scrgbClr r="0" g="0" b="0"/>
+      </a:lnRef>
+      <a:fillRef idx="1">
+        <a:scrgbClr r="0" g="0" b="0"/>
+      </a:fillRef>
+      <a:effectRef idx="0">
+        <a:scrgbClr r="0" g="0" b="0"/>
+      </a:effectRef>
+      <a:fontRef idx="minor">
+        <a:schemeClr val="lt1"/>
+      </a:fontRef>
+    </dgm:style>
+  </dgm:styleLbl>
+  <dgm:styleLbl name="vennNode1">
+    <dgm:scene3d>
+      <a:camera prst="orthographicFront"/>
+      <a:lightRig rig="threePt" dir="t"/>
+    </dgm:scene3d>
+    <dgm:sp3d/>
+    <dgm:txPr/>
+    <dgm:style>
+      <a:lnRef idx="2">
+        <a:scrgbClr r="0" g="0" b="0"/>
+      </a:lnRef>
+      <a:fillRef idx="1">
+        <a:scrgbClr r="0" g="0" b="0"/>
+      </a:fillRef>
+      <a:effectRef idx="0">
+        <a:scrgbClr r="0" g="0" b="0"/>
+      </a:effectRef>
+      <a:fontRef idx="minor">
+        <a:schemeClr val="tx1"/>
+      </a:fontRef>
+    </dgm:style>
+  </dgm:styleLbl>
+  <dgm:styleLbl name="alignNode1">
+    <dgm:scene3d>
+      <a:camera prst="orthographicFront"/>
+      <a:lightRig rig="threePt" dir="t"/>
+    </dgm:scene3d>
+    <dgm:sp3d/>
+    <dgm:txPr/>
+    <dgm:style>
+      <a:lnRef idx="2">
+        <a:scrgbClr r="0" g="0" b="0"/>
+      </a:lnRef>
+      <a:fillRef idx="1">
+        <a:scrgbClr r="0" g="0" b="0"/>
+      </a:fillRef>
+      <a:effectRef idx="0">
+        <a:scrgbClr r="0" g="0" b="0"/>
+      </a:effectRef>
+      <a:fontRef idx="minor">
+        <a:schemeClr val="lt1"/>
+      </a:fontRef>
+    </dgm:style>
+  </dgm:styleLbl>
+  <dgm:styleLbl name="node1">
+    <dgm:scene3d>
+      <a:camera prst="orthographicFront"/>
+      <a:lightRig rig="threePt" dir="t"/>
+    </dgm:scene3d>
+    <dgm:sp3d/>
+    <dgm:txPr/>
+    <dgm:style>
+      <a:lnRef idx="2">
+        <a:scrgbClr r="0" g="0" b="0"/>
+      </a:lnRef>
+      <a:fillRef idx="1">
+        <a:scrgbClr r="0" g="0" b="0"/>
+      </a:fillRef>
+      <a:effectRef idx="0">
+        <a:scrgbClr r="0" g="0" b="0"/>
+      </a:effectRef>
+      <a:fontRef idx="minor">
+        <a:schemeClr val="lt1"/>
+      </a:fontRef>
+    </dgm:style>
+  </dgm:styleLbl>
+  <dgm:styleLbl name="node2">
+    <dgm:scene3d>
+      <a:camera prst="orthographicFront"/>
+      <a:lightRig rig="threePt" dir="t"/>
+    </dgm:scene3d>
+    <dgm:sp3d/>
+    <dgm:txPr/>
+    <dgm:style>
+      <a:lnRef idx="2">
+        <a:scrgbClr r="0" g="0" b="0"/>
+      </a:lnRef>
+      <a:fillRef idx="1">
+        <a:scrgbClr r="0" g="0" b="0"/>
+      </a:fillRef>
+      <a:effectRef idx="0">
+        <a:scrgbClr r="0" g="0" b="0"/>
+      </a:effectRef>
+      <a:fontRef idx="minor">
+        <a:schemeClr val="lt1"/>
+      </a:fontRef>
+    </dgm:style>
+  </dgm:styleLbl>
+  <dgm:styleLbl name="node3">
+    <dgm:scene3d>
+      <a:camera prst="orthographicFront"/>
+      <a:lightRig rig="threePt" dir="t"/>
+    </dgm:scene3d>
+    <dgm:sp3d/>
+    <dgm:txPr/>
+    <dgm:style>
+      <a:lnRef idx="2">
+        <a:scrgbClr r="0" g="0" b="0"/>
+      </a:lnRef>
+      <a:fillRef idx="1">
+        <a:scrgbClr r="0" g="0" b="0"/>
+      </a:fillRef>
+      <a:effectRef idx="0">
+        <a:scrgbClr r="0" g="0" b="0"/>
+      </a:effectRef>
+      <a:fontRef idx="minor">
+        <a:schemeClr val="lt1"/>
+      </a:fontRef>
+    </dgm:style>
+  </dgm:styleLbl>
+  <dgm:styleLbl name="node4">
+    <dgm:scene3d>
+      <a:camera prst="orthographicFront"/>
+      <a:lightRig rig="threePt" dir="t"/>
+    </dgm:scene3d>
+    <dgm:sp3d/>
+    <dgm:txPr/>
+    <dgm:style>
+      <a:lnRef idx="2">
+        <a:scrgbClr r="0" g="0" b="0"/>
+      </a:lnRef>
+      <a:fillRef idx="1">
+        <a:scrgbClr r="0" g="0" b="0"/>
+      </a:fillRef>
+      <a:effectRef idx="0">
+        <a:scrgbClr r="0" g="0" b="0"/>
+      </a:effectRef>
+      <a:fontRef idx="minor">
+        <a:schemeClr val="lt1"/>
+      </a:fontRef>
+    </dgm:style>
+  </dgm:styleLbl>
+  <dgm:styleLbl name="fgImgPlace1">
+    <dgm:scene3d>
+      <a:camera prst="orthographicFront"/>
+      <a:lightRig rig="threePt" dir="t"/>
+    </dgm:scene3d>
+    <dgm:sp3d/>
+    <dgm:txPr/>
+    <dgm:style>
+      <a:lnRef idx="2">
+        <a:scrgbClr r="0" g="0" b="0"/>
+      </a:lnRef>
+      <a:fillRef idx="1">
+        <a:scrgbClr r="0" g="0" b="0"/>
+      </a:fillRef>
+      <a:effectRef idx="0">
+        <a:scrgbClr r="0" g="0" b="0"/>
+      </a:effectRef>
+      <a:fontRef idx="minor"/>
+    </dgm:style>
+  </dgm:styleLbl>
+  <dgm:styleLbl name="alignImgPlace1">
+    <dgm:scene3d>
+      <a:camera prst="orthographicFront"/>
+      <a:lightRig rig="threePt" dir="t"/>
+    </dgm:scene3d>
+    <dgm:sp3d/>
+    <dgm:txPr/>
+    <dgm:style>
+      <a:lnRef idx="2">
+        <a:scrgbClr r="0" g="0" b="0"/>
+      </a:lnRef>
+      <a:fillRef idx="1">
+        <a:scrgbClr r="0" g="0" b="0"/>
+      </a:fillRef>
+      <a:effectRef idx="0">
+        <a:scrgbClr r="0" g="0" b="0"/>
+      </a:effectRef>
+      <a:fontRef idx="minor"/>
+    </dgm:style>
+  </dgm:styleLbl>
+  <dgm:styleLbl name="bgImgPlace1">
+    <dgm:scene3d>
+      <a:camera prst="orthographicFront"/>
+      <a:lightRig rig="threePt" dir="t"/>
+    </dgm:scene3d>
+    <dgm:sp3d/>
+    <dgm:txPr/>
+    <dgm:style>
+      <a:lnRef idx="2">
+        <a:scrgbClr r="0" g="0" b="0"/>
+      </a:lnRef>
+      <a:fillRef idx="1">
+        <a:scrgbClr r="0" g="0" b="0"/>
+      </a:fillRef>
+      <a:effectRef idx="0">
+        <a:scrgbClr r="0" g="0" b="0"/>
+      </a:effectRef>
+      <a:fontRef idx="minor"/>
+    </dgm:style>
+  </dgm:styleLbl>
+  <dgm:styleLbl name="sibTrans2D1">
+    <dgm:scene3d>
+      <a:camera prst="orthographicFront"/>
+      <a:lightRig rig="threePt" dir="t"/>
+    </dgm:scene3d>
+    <dgm:sp3d/>
+    <dgm:txPr/>
+    <dgm:style>
+      <a:lnRef idx="0">
+        <a:scrgbClr r="0" g="0" b="0"/>
+      </a:lnRef>
+      <a:fillRef idx="1">
+        <a:scrgbClr r="0" g="0" b="0"/>
+      </a:fillRef>
+      <a:effectRef idx="0">
+        <a:scrgbClr r="0" g="0" b="0"/>
+      </a:effectRef>
+      <a:fontRef idx="minor">
+        <a:schemeClr val="lt1"/>
+      </a:fontRef>
+    </dgm:style>
+  </dgm:styleLbl>
+  <dgm:styleLbl name="fgSibTrans2D1">
+    <dgm:scene3d>
+      <a:camera prst="orthographicFront"/>
+      <a:lightRig rig="threePt" dir="t"/>
+    </dgm:scene3d>
+    <dgm:sp3d/>
+    <dgm:txPr/>
+    <dgm:style>
+      <a:lnRef idx="0">
+        <a:scrgbClr r="0" g="0" b="0"/>
+      </a:lnRef>
+      <a:fillRef idx="1">
+        <a:scrgbClr r="0" g="0" b="0"/>
+      </a:fillRef>
+      <a:effectRef idx="0">
+        <a:scrgbClr r="0" g="0" b="0"/>
+      </a:effectRef>
+      <a:fontRef idx="minor">
+        <a:schemeClr val="lt1"/>
+      </a:fontRef>
+    </dgm:style>
+  </dgm:styleLbl>
+  <dgm:styleLbl name="bgSibTrans2D1">
+    <dgm:scene3d>
+      <a:camera prst="orthographicFront"/>
+      <a:lightRig rig="threePt" dir="t"/>
+    </dgm:scene3d>
+    <dgm:sp3d/>
+    <dgm:txPr/>
+    <dgm:style>
+      <a:lnRef idx="0">
+        <a:scrgbClr r="0" g="0" b="0"/>
+      </a:lnRef>
+      <a:fillRef idx="1">
+        <a:scrgbClr r="0" g="0" b="0"/>
+      </a:fillRef>
+      <a:effectRef idx="0">
+        <a:scrgbClr r="0" g="0" b="0"/>
+      </a:effectRef>
+      <a:fontRef idx="minor">
+        <a:schemeClr val="lt1"/>
+      </a:fontRef>
+    </dgm:style>
+  </dgm:styleLbl>
+  <dgm:styleLbl name="sibTrans1D1">
+    <dgm:scene3d>
+      <a:camera prst="orthographicFront"/>
+      <a:lightRig rig="threePt" dir="t"/>
+    </dgm:scene3d>
+    <dgm:sp3d/>
+    <dgm:txPr/>
+    <dgm:style>
+      <a:lnRef idx="1">
+        <a:scrgbClr r="0" g="0" b="0"/>
+      </a:lnRef>
+      <a:fillRef idx="0">
+        <a:scrgbClr r="0" g="0" b="0"/>
+      </a:fillRef>
+      <a:effectRef idx="0">
+        <a:scrgbClr r="0" g="0" b="0"/>
+      </a:effectRef>
+      <a:fontRef idx="minor"/>
+    </dgm:style>
+  </dgm:styleLbl>
+  <dgm:styleLbl name="callout">
+    <dgm:scene3d>
+      <a:camera prst="orthographicFront"/>
+      <a:lightRig rig="threePt" dir="t"/>
+    </dgm:scene3d>
+    <dgm:sp3d/>
+    <dgm:txPr/>
+    <dgm:style>
+      <a:lnRef idx="2">
+        <a:scrgbClr r="0" g="0" b="0"/>
+      </a:lnRef>
+      <a:fillRef idx="1">
+        <a:scrgbClr r="0" g="0" b="0"/>
+      </a:fillRef>
+      <a:effectRef idx="0">
+        <a:scrgbClr r="0" g="0" b="0"/>
+      </a:effectRef>
+      <a:fontRef idx="minor"/>
+    </dgm:style>
+  </dgm:styleLbl>
+  <dgm:styleLbl name="asst0">
+    <dgm:scene3d>
+      <a:camera prst="orthographicFront"/>
+      <a:lightRig rig="threePt" dir="t"/>
+    </dgm:scene3d>
+    <dgm:sp3d/>
+    <dgm:txPr/>
+    <dgm:style>
+      <a:lnRef idx="2">
+        <a:scrgbClr r="0" g="0" b="0"/>
+      </a:lnRef>
+      <a:fillRef idx="1">
+        <a:scrgbClr r="0" g="0" b="0"/>
+      </a:fillRef>
+      <a:effectRef idx="0">
+        <a:scrgbClr r="0" g="0" b="0"/>
+      </a:effectRef>
+      <a:fontRef idx="minor">
+        <a:schemeClr val="lt1"/>
+      </a:fontRef>
+    </dgm:style>
+  </dgm:styleLbl>
+  <dgm:styleLbl name="asst1">
+    <dgm:scene3d>
+      <a:camera prst="orthographicFront"/>
+      <a:lightRig rig="threePt" dir="t"/>
+    </dgm:scene3d>
+    <dgm:sp3d/>
+    <dgm:txPr/>
+    <dgm:style>
+      <a:lnRef idx="2">
+        <a:scrgbClr r="0" g="0" b="0"/>
+      </a:lnRef>
+      <a:fillRef idx="1">
+        <a:scrgbClr r="0" g="0" b="0"/>
+      </a:fillRef>
+      <a:effectRef idx="0">
+        <a:scrgbClr r="0" g="0" b="0"/>
+      </a:effectRef>
+      <a:fontRef idx="minor">
+        <a:schemeClr val="lt1"/>
+      </a:fontRef>
+    </dgm:style>
+  </dgm:styleLbl>
+  <dgm:styleLbl name="asst2">
+    <dgm:scene3d>
+      <a:camera prst="orthographicFront"/>
+      <a:lightRig rig="threePt" dir="t"/>
+    </dgm:scene3d>
+    <dgm:sp3d/>
+    <dgm:txPr/>
+    <dgm:style>
+      <a:lnRef idx="2">
+        <a:scrgbClr r="0" g="0" b="0"/>
+      </a:lnRef>
+      <a:fillRef idx="1">
+        <a:scrgbClr r="0" g="0" b="0"/>
+      </a:fillRef>
+      <a:effectRef idx="0">
+        <a:scrgbClr r="0" g="0" b="0"/>
+      </a:effectRef>
+      <a:fontRef idx="minor">
+        <a:schemeClr val="lt1"/>
+      </a:fontRef>
+    </dgm:style>
+  </dgm:styleLbl>
+  <dgm:styleLbl name="asst3">
+    <dgm:scene3d>
+      <a:camera prst="orthographicFront"/>
+      <a:lightRig rig="threePt" dir="t"/>
+    </dgm:scene3d>
+    <dgm:sp3d/>
+    <dgm:txPr/>
+    <dgm:style>
+      <a:lnRef idx="2">
+        <a:scrgbClr r="0" g="0" b="0"/>
+      </a:lnRef>
+      <a:fillRef idx="1">
+        <a:scrgbClr r="0" g="0" b="0"/>
+      </a:fillRef>
+      <a:effectRef idx="0">
+        <a:scrgbClr r="0" g="0" b="0"/>
+      </a:effectRef>
+      <a:fontRef idx="minor">
+        <a:schemeClr val="lt1"/>
+      </a:fontRef>
+    </dgm:style>
+  </dgm:styleLbl>
+  <dgm:styleLbl name="asst4">
+    <dgm:scene3d>
+      <a:camera prst="orthographicFront"/>
+      <a:lightRig rig="threePt" dir="t"/>
+    </dgm:scene3d>
+    <dgm:sp3d/>
+    <dgm:txPr/>
+    <dgm:style>
+      <a:lnRef idx="2">
+        <a:scrgbClr r="0" g="0" b="0"/>
+      </a:lnRef>
+      <a:fillRef idx="1">
+        <a:scrgbClr r="0" g="0" b="0"/>
+      </a:fillRef>
+      <a:effectRef idx="0">
+        <a:scrgbClr r="0" g="0" b="0"/>
+      </a:effectRef>
+      <a:fontRef idx="minor">
+        <a:schemeClr val="lt1"/>
+      </a:fontRef>
+    </dgm:style>
+  </dgm:styleLbl>
+  <dgm:styleLbl name="parChTrans2D1">
+    <dgm:scene3d>
+      <a:camera prst="orthographicFront"/>
+      <a:lightRig rig="threePt" dir="t"/>
+    </dgm:scene3d>
+    <dgm:sp3d/>
+    <dgm:txPr/>
+    <dgm:style>
+      <a:lnRef idx="2">
+        <a:scrgbClr r="0" g="0" b="0"/>
+      </a:lnRef>
+      <a:fillRef idx="1">
+        <a:scrgbClr r="0" g="0" b="0"/>
+      </a:fillRef>
+      <a:effectRef idx="0">
+        <a:scrgbClr r="0" g="0" b="0"/>
+      </a:effectRef>
+      <a:fontRef idx="minor">
+        <a:schemeClr val="lt1"/>
+      </a:fontRef>
+    </dgm:style>
+  </dgm:styleLbl>
+  <dgm:styleLbl name="parChTrans2D2">
+    <dgm:scene3d>
+      <a:camera prst="orthographicFront"/>
+      <a:lightRig rig="threePt" dir="t"/>
+    </dgm:scene3d>
+    <dgm:sp3d/>
+    <dgm:txPr/>
+    <dgm:style>
+      <a:lnRef idx="2">
+        <a:scrgbClr r="0" g="0" b="0"/>
+      </a:lnRef>
+      <a:fillRef idx="1">
+        <a:scrgbClr r="0" g="0" b="0"/>
+      </a:fillRef>
+      <a:effectRef idx="0">
+        <a:scrgbClr r="0" g="0" b="0"/>
+      </a:effectRef>
+      <a:fontRef idx="minor">
+        <a:schemeClr val="lt1"/>
+      </a:fontRef>
+    </dgm:style>
+  </dgm:styleLbl>
+  <dgm:styleLbl name="parChTrans2D3">
+    <dgm:scene3d>
+      <a:camera prst="orthographicFront"/>
+      <a:lightRig rig="threePt" dir="t"/>
+    </dgm:scene3d>
+    <dgm:sp3d/>
+    <dgm:txPr/>
+    <dgm:style>
+      <a:lnRef idx="2">
+        <a:scrgbClr r="0" g="0" b="0"/>
+      </a:lnRef>
+      <a:fillRef idx="1">
+        <a:scrgbClr r="0" g="0" b="0"/>
+      </a:fillRef>
+      <a:effectRef idx="0">
+        <a:scrgbClr r="0" g="0" b="0"/>
+      </a:effectRef>
+      <a:fontRef idx="minor">
+        <a:schemeClr val="lt1"/>
+      </a:fontRef>
+    </dgm:style>
+  </dgm:styleLbl>
+  <dgm:styleLbl name="parChTrans2D4">
+    <dgm:scene3d>
+      <a:camera prst="orthographicFront"/>
+      <a:lightRig rig="threePt" dir="t"/>
+    </dgm:scene3d>
+    <dgm:sp3d/>
+    <dgm:txPr/>
+    <dgm:style>
+      <a:lnRef idx="2">
+        <a:scrgbClr r="0" g="0" b="0"/>
+      </a:lnRef>
+      <a:fillRef idx="1">
+        <a:scrgbClr r="0" g="0" b="0"/>
+      </a:fillRef>
+      <a:effectRef idx="0">
+        <a:scrgbClr r="0" g="0" b="0"/>
+      </a:effectRef>
+      <a:fontRef idx="minor">
+        <a:schemeClr val="lt1"/>
+      </a:fontRef>
+    </dgm:style>
+  </dgm:styleLbl>
+  <dgm:styleLbl name="parChTrans1D1">
+    <dgm:scene3d>
+      <a:camera prst="orthographicFront"/>
+      <a:lightRig rig="threePt" dir="t"/>
+    </dgm:scene3d>
+    <dgm:sp3d/>
+    <dgm:txPr/>
+    <dgm:style>
+      <a:lnRef idx="2">
+        <a:scrgbClr r="0" g="0" b="0"/>
+      </a:lnRef>
+      <a:fillRef idx="0">
+        <a:scrgbClr r="0" g="0" b="0"/>
+      </a:fillRef>
+      <a:effectRef idx="0">
+        <a:scrgbClr r="0" g="0" b="0"/>
+      </a:effectRef>
+      <a:fontRef idx="minor"/>
+    </dgm:style>
+  </dgm:styleLbl>
+  <dgm:styleLbl name="parChTrans1D2">
+    <dgm:scene3d>
+      <a:camera prst="orthographicFront"/>
+      <a:lightRig rig="threePt" dir="t"/>
+    </dgm:scene3d>
+    <dgm:sp3d/>
+    <dgm:txPr/>
+    <dgm:style>
+      <a:lnRef idx="2">
+        <a:scrgbClr r="0" g="0" b="0"/>
+      </a:lnRef>
+      <a:fillRef idx="0">
+        <a:scrgbClr r="0" g="0" b="0"/>
+      </a:fillRef>
+      <a:effectRef idx="0">
+        <a:scrgbClr r="0" g="0" b="0"/>
+      </a:effectRef>
+      <a:fontRef idx="minor"/>
+    </dgm:style>
+  </dgm:styleLbl>
+  <dgm:styleLbl name="parChTrans1D3">
+    <dgm:scene3d>
+      <a:camera prst="orthographicFront"/>
+      <a:lightRig rig="threePt" dir="t"/>
+    </dgm:scene3d>
+    <dgm:sp3d/>
+    <dgm:txPr/>
+    <dgm:style>
+      <a:lnRef idx="2">
+        <a:scrgbClr r="0" g="0" b="0"/>
+      </a:lnRef>
+      <a:fillRef idx="0">
+        <a:scrgbClr r="0" g="0" b="0"/>
+      </a:fillRef>
+      <a:effectRef idx="0">
+        <a:scrgbClr r="0" g="0" b="0"/>
+      </a:effectRef>
+      <a:fontRef idx="minor"/>
+    </dgm:style>
+  </dgm:styleLbl>
+  <dgm:styleLbl name="parChTrans1D4">
+    <dgm:scene3d>
+      <a:camera prst="orthographicFront"/>
+      <a:lightRig rig="threePt" dir="t"/>
+    </dgm:scene3d>
+    <dgm:sp3d/>
+    <dgm:txPr/>
+    <dgm:style>
+      <a:lnRef idx="2">
+        <a:scrgbClr r="0" g="0" b="0"/>
+      </a:lnRef>
+      <a:fillRef idx="0">
+        <a:scrgbClr r="0" g="0" b="0"/>
+      </a:fillRef>
+      <a:effectRef idx="0">
+        <a:scrgbClr r="0" g="0" b="0"/>
+      </a:effectRef>
+      <a:fontRef idx="minor"/>
+    </dgm:style>
+  </dgm:styleLbl>
+  <dgm:styleLbl name="fgAcc1">
+    <dgm:scene3d>
+      <a:camera prst="orthographicFront"/>
+      <a:lightRig rig="threePt" dir="t"/>
+    </dgm:scene3d>
+    <dgm:sp3d/>
+    <dgm:txPr/>
+    <dgm:style>
+      <a:lnRef idx="2">
+        <a:scrgbClr r="0" g="0" b="0"/>
+      </a:lnRef>
+      <a:fillRef idx="1">
+        <a:scrgbClr r="0" g="0" b="0"/>
+      </a:fillRef>
+      <a:effectRef idx="0">
+        <a:scrgbClr r="0" g="0" b="0"/>
+      </a:effectRef>
+      <a:fontRef idx="minor"/>
+    </dgm:style>
+  </dgm:styleLbl>
+  <dgm:styleLbl name="conFgAcc1">
+    <dgm:scene3d>
+      <a:camera prst="orthographicFront"/>
+      <a:lightRig rig="threePt" dir="t"/>
+    </dgm:scene3d>
+    <dgm:sp3d/>
+    <dgm:txPr/>
+    <dgm:style>
+      <a:lnRef idx="2">
+        <a:scrgbClr r="0" g="0" b="0"/>
+      </a:lnRef>
+      <a:fillRef idx="1">
+        <a:scrgbClr r="0" g="0" b="0"/>
+      </a:fillRef>
+      <a:effectRef idx="0">
+        <a:scrgbClr r="0" g="0" b="0"/>
+      </a:effectRef>
+      <a:fontRef idx="minor"/>
+    </dgm:style>
+  </dgm:styleLbl>
+  <dgm:styleLbl name="alignAcc1">
+    <dgm:scene3d>
+      <a:camera prst="orthographicFront"/>
+      <a:lightRig rig="threePt" dir="t"/>
+    </dgm:scene3d>
+    <dgm:sp3d/>
+    <dgm:txPr/>
+    <dgm:style>
+      <a:lnRef idx="2">
+        <a:scrgbClr r="0" g="0" b="0"/>
+      </a:lnRef>
+      <a:fillRef idx="1">
+        <a:scrgbClr r="0" g="0" b="0"/>
+      </a:fillRef>
+      <a:effectRef idx="0">
+        <a:scrgbClr r="0" g="0" b="0"/>
+      </a:effectRef>
+      <a:fontRef idx="minor"/>
+    </dgm:style>
+  </dgm:styleLbl>
+  <dgm:styleLbl name="trAlignAcc1">
+    <dgm:scene3d>
+      <a:camera prst="orthographicFront"/>
+      <a:lightRig rig="threePt" dir="t"/>
+    </dgm:scene3d>
+    <dgm:sp3d/>
+    <dgm:txPr/>
+    <dgm:style>
+      <a:lnRef idx="1">
+        <a:scrgbClr r="0" g="0" b="0"/>
+      </a:lnRef>
+      <a:fillRef idx="1">
+        <a:scrgbClr r="0" g="0" b="0"/>
+      </a:fillRef>
+      <a:effectRef idx="0">
+        <a:scrgbClr r="0" g="0" b="0"/>
+      </a:effectRef>
+      <a:fontRef idx="minor"/>
+    </dgm:style>
+  </dgm:styleLbl>
+  <dgm:styleLbl name="bgAcc1">
+    <dgm:scene3d>
+      <a:camera prst="orthographicFront"/>
+      <a:lightRig rig="threePt" dir="t"/>
+    </dgm:scene3d>
+    <dgm:sp3d/>
+    <dgm:txPr/>
+    <dgm:style>
+      <a:lnRef idx="2">
+        <a:scrgbClr r="0" g="0" b="0"/>
+      </a:lnRef>
+      <a:fillRef idx="1">
+        <a:scrgbClr r="0" g="0" b="0"/>
+      </a:fillRef>
+      <a:effectRef idx="0">
+        <a:scrgbClr r="0" g="0" b="0"/>
+      </a:effectRef>
+      <a:fontRef idx="minor"/>
+    </dgm:style>
+  </dgm:styleLbl>
+  <dgm:styleLbl name="solidFgAcc1">
+    <dgm:scene3d>
+      <a:camera prst="orthographicFront"/>
+      <a:lightRig rig="threePt" dir="t"/>
+    </dgm:scene3d>
+    <dgm:sp3d/>
+    <dgm:txPr/>
+    <dgm:style>
+      <a:lnRef idx="2">
+        <a:scrgbClr r="0" g="0" b="0"/>
+      </a:lnRef>
+      <a:fillRef idx="1">
+        <a:scrgbClr r="0" g="0" b="0"/>
+      </a:fillRef>
+      <a:effectRef idx="0">
+        <a:scrgbClr r="0" g="0" b="0"/>
+      </a:effectRef>
+      <a:fontRef idx="minor"/>
+    </dgm:style>
+  </dgm:styleLbl>
+  <dgm:styleLbl name="solidAlignAcc1">
+    <dgm:scene3d>
+      <a:camera prst="orthographicFront"/>
+      <a:lightRig rig="threePt" dir="t"/>
+    </dgm:scene3d>
+    <dgm:sp3d/>
+    <dgm:txPr/>
+    <dgm:style>
+      <a:lnRef idx="2">
+        <a:scrgbClr r="0" g="0" b="0"/>
+      </a:lnRef>
+      <a:fillRef idx="1">
+        <a:scrgbClr r="0" g="0" b="0"/>
+      </a:fillRef>
+      <a:effectRef idx="0">
+        <a:scrgbClr r="0" g="0" b="0"/>
+      </a:effectRef>
+      <a:fontRef idx="minor"/>
+    </dgm:style>
+  </dgm:styleLbl>
+  <dgm:styleLbl name="solidBgAcc1">
+    <dgm:scene3d>
+      <a:camera prst="orthographicFront"/>
+      <a:lightRig rig="threePt" dir="t"/>
+    </dgm:scene3d>
+    <dgm:sp3d/>
+    <dgm:txPr/>
+    <dgm:style>
+      <a:lnRef idx="2">
+        <a:scrgbClr r="0" g="0" b="0"/>
+      </a:lnRef>
+      <a:fillRef idx="1">
+        <a:scrgbClr r="0" g="0" b="0"/>
+      </a:fillRef>
+      <a:effectRef idx="0">
+        <a:scrgbClr r="0" g="0" b="0"/>
+      </a:effectRef>
+      <a:fontRef idx="minor"/>
+    </dgm:style>
+  </dgm:styleLbl>
+  <dgm:styleLbl name="fgAccFollowNode1">
+    <dgm:scene3d>
+      <a:camera prst="orthographicFront"/>
+      <a:lightRig rig="threePt" dir="t"/>
+    </dgm:scene3d>
+    <dgm:sp3d/>
+    <dgm:txPr/>
+    <dgm:style>
+      <a:lnRef idx="2">
+        <a:scrgbClr r="0" g="0" b="0"/>
+      </a:lnRef>
+      <a:fillRef idx="1">
+        <a:scrgbClr r="0" g="0" b="0"/>
+      </a:fillRef>
+      <a:effectRef idx="0">
+        <a:scrgbClr r="0" g="0" b="0"/>
+      </a:effectRef>
+      <a:fontRef idx="minor"/>
+    </dgm:style>
+  </dgm:styleLbl>
+  <dgm:styleLbl name="alignAccFollowNode1">
+    <dgm:scene3d>
+      <a:camera prst="orthographicFront"/>
+      <a:lightRig rig="threePt" dir="t"/>
+    </dgm:scene3d>
+    <dgm:sp3d/>
+    <dgm:txPr/>
+    <dgm:style>
+      <a:lnRef idx="2">
+        <a:scrgbClr r="0" g="0" b="0"/>
+      </a:lnRef>
+      <a:fillRef idx="1">
+        <a:scrgbClr r="0" g="0" b="0"/>
+      </a:fillRef>
+      <a:effectRef idx="0">
+        <a:scrgbClr r="0" g="0" b="0"/>
+      </a:effectRef>
+      <a:fontRef idx="minor"/>
+    </dgm:style>
+  </dgm:styleLbl>
+  <dgm:styleLbl name="bgAccFollowNode1">
+    <dgm:scene3d>
+      <a:camera prst="orthographicFront"/>
+      <a:lightRig rig="threePt" dir="t"/>
+    </dgm:scene3d>
+    <dgm:sp3d/>
+    <dgm:txPr/>
+    <dgm:style>
+      <a:lnRef idx="2">
+        <a:scrgbClr r="0" g="0" b="0"/>
+      </a:lnRef>
+      <a:fillRef idx="1">
+        <a:scrgbClr r="0" g="0" b="0"/>
+      </a:fillRef>
+      <a:effectRef idx="0">
+        <a:scrgbClr r="0" g="0" b="0"/>
+      </a:effectRef>
+      <a:fontRef idx="minor"/>
+    </dgm:style>
+  </dgm:styleLbl>
+  <dgm:styleLbl name="fgAcc0">
+    <dgm:scene3d>
+      <a:camera prst="orthographicFront"/>
+      <a:lightRig rig="threePt" dir="t"/>
+    </dgm:scene3d>
+    <dgm:sp3d/>
+    <dgm:txPr/>
+    <dgm:style>
+      <a:lnRef idx="2">
+        <a:scrgbClr r="0" g="0" b="0"/>
+      </a:lnRef>
+      <a:fillRef idx="1">
+        <a:scrgbClr r="0" g="0" b="0"/>
+      </a:fillRef>
+      <a:effectRef idx="0">
+        <a:scrgbClr r="0" g="0" b="0"/>
+      </a:effectRef>
+      <a:fontRef idx="minor"/>
+    </dgm:style>
+  </dgm:styleLbl>
+  <dgm:styleLbl name="fgAcc2">
+    <dgm:scene3d>
+      <a:camera prst="orthographicFront"/>
+      <a:lightRig rig="threePt" dir="t"/>
+    </dgm:scene3d>
+    <dgm:sp3d/>
+    <dgm:txPr/>
+    <dgm:style>
+      <a:lnRef idx="2">
+        <a:scrgbClr r="0" g="0" b="0"/>
+      </a:lnRef>
+      <a:fillRef idx="1">
+        <a:scrgbClr r="0" g="0" b="0"/>
+      </a:fillRef>
+      <a:effectRef idx="0">
+        <a:scrgbClr r="0" g="0" b="0"/>
+      </a:effectRef>
+      <a:fontRef idx="minor"/>
+    </dgm:style>
+  </dgm:styleLbl>
+  <dgm:styleLbl name="fgAcc3">
+    <dgm:scene3d>
+      <a:camera prst="orthographicFront"/>
+      <a:lightRig rig="threePt" dir="t"/>
+    </dgm:scene3d>
+    <dgm:sp3d/>
+    <dgm:txPr/>
+    <dgm:style>
+      <a:lnRef idx="2">
+        <a:scrgbClr r="0" g="0" b="0"/>
+      </a:lnRef>
+      <a:fillRef idx="1">
+        <a:scrgbClr r="0" g="0" b="0"/>
+      </a:fillRef>
+      <a:effectRef idx="0">
+        <a:scrgbClr r="0" g="0" b="0"/>
+      </a:effectRef>
+      <a:fontRef idx="minor"/>
+    </dgm:style>
+  </dgm:styleLbl>
+  <dgm:styleLbl name="fgAcc4">
+    <dgm:scene3d>
+      <a:camera prst="orthographicFront"/>
+      <a:lightRig rig="threePt" dir="t"/>
+    </dgm:scene3d>
+    <dgm:sp3d/>
+    <dgm:txPr/>
+    <dgm:style>
+      <a:lnRef idx="2">
+        <a:scrgbClr r="0" g="0" b="0"/>
+      </a:lnRef>
+      <a:fillRef idx="1">
+        <a:scrgbClr r="0" g="0" b="0"/>
+      </a:fillRef>
+      <a:effectRef idx="0">
+        <a:scrgbClr r="0" g="0" b="0"/>
+      </a:effectRef>
+      <a:fontRef idx="minor"/>
+    </dgm:style>
+  </dgm:styleLbl>
+  <dgm:styleLbl name="bgShp">
+    <dgm:scene3d>
+      <a:camera prst="orthographicFront"/>
+      <a:lightRig rig="threePt" dir="t"/>
+    </dgm:scene3d>
+    <dgm:sp3d/>
+    <dgm:txPr/>
+    <dgm:style>
+      <a:lnRef idx="0">
+        <a:scrgbClr r="0" g="0" b="0"/>
+      </a:lnRef>
+      <a:fillRef idx="1">
+        <a:scrgbClr r="0" g="0" b="0"/>
+      </a:fillRef>
+      <a:effectRef idx="0">
+        <a:scrgbClr r="0" g="0" b="0"/>
+      </a:effectRef>
+      <a:fontRef idx="minor"/>
+    </dgm:style>
+  </dgm:styleLbl>
+  <dgm:styleLbl name="dkBgShp">
+    <dgm:scene3d>
+      <a:camera prst="orthographicFront"/>
+      <a:lightRig rig="threePt" dir="t"/>
+    </dgm:scene3d>
+    <dgm:sp3d/>
+    <dgm:txPr/>
+    <dgm:style>
+      <a:lnRef idx="0">
+        <a:scrgbClr r="0" g="0" b="0"/>
+      </a:lnRef>
+      <a:fillRef idx="1">
+        <a:scrgbClr r="0" g="0" b="0"/>
+      </a:fillRef>
+      <a:effectRef idx="0">
+        <a:scrgbClr r="0" g="0" b="0"/>
+      </a:effectRef>
+      <a:fontRef idx="minor"/>
+    </dgm:style>
+  </dgm:styleLbl>
+  <dgm:styleLbl name="trBgShp">
+    <dgm:scene3d>
+      <a:camera prst="orthographicFront"/>
+      <a:lightRig rig="threePt" dir="t"/>
+    </dgm:scene3d>
+    <dgm:sp3d/>
+    <dgm:txPr/>
+    <dgm:style>
+      <a:lnRef idx="0">
+        <a:scrgbClr r="0" g="0" b="0"/>
+      </a:lnRef>
+      <a:fillRef idx="1">
+        <a:scrgbClr r="0" g="0" b="0"/>
+      </a:fillRef>
+      <a:effectRef idx="0">
+        <a:scrgbClr r="0" g="0" b="0"/>
+      </a:effectRef>
+      <a:fontRef idx="minor"/>
+    </dgm:style>
+  </dgm:styleLbl>
+  <dgm:styleLbl name="fgShp">
+    <dgm:scene3d>
+      <a:camera prst="orthographicFront"/>
+      <a:lightRig rig="threePt" dir="t"/>
+    </dgm:scene3d>
+    <dgm:sp3d/>
+    <dgm:txPr/>
+    <dgm:style>
+      <a:lnRef idx="2">
+        <a:scrgbClr r="0" g="0" b="0"/>
+      </a:lnRef>
+      <a:fillRef idx="1">
+        <a:scrgbClr r="0" g="0" b="0"/>
+      </a:fillRef>
+      <a:effectRef idx="0">
+        <a:scrgbClr r="0" g="0" b="0"/>
+      </a:effectRef>
+      <a:fontRef idx="minor"/>
+    </dgm:style>
+  </dgm:styleLbl>
+  <dgm:styleLbl name="revTx">
+    <dgm:scene3d>
+      <a:camera prst="orthographicFront"/>
+      <a:lightRig rig="threePt" dir="t"/>
+    </dgm:scene3d>
+    <dgm:sp3d/>
+    <dgm:txPr/>
+    <dgm:style>
+      <a:lnRef idx="0">
+        <a:scrgbClr r="0" g="0" b="0"/>
+      </a:lnRef>
+      <a:fillRef idx="0">
+        <a:scrgbClr r="0" g="0" b="0"/>
+      </a:fillRef>
+      <a:effectRef idx="0">
+        <a:scrgbClr r="0" g="0" b="0"/>
+      </a:effectRef>
+      <a:fontRef idx="minor"/>
+    </dgm:style>
+  </dgm:styleLbl>
+</dgm:styleDef>
 </file>
 
 <file path=ppt/handoutMasters/handoutMaster1.xml><?xml version="1.0" encoding="utf-8"?>
@@ -8160,7 +12638,7 @@
           <a:p>
             <a:fld id="{192F92C5-70AA-4E01-BF62-189D1393A1FB}" type="datetime4">
               <a:rPr lang="de-DE" smtClean="0"/>
-              <a:t>23. August 2018</a:t>
+              <a:t>9. September 2018</a:t>
             </a:fld>
             <a:endParaRPr lang="de-DE"/>
           </a:p>
@@ -8262,7 +12740,7 @@
             <a:fld id="{C7CC2173-B0D1-45F1-9D54-E33B7353DA19}" type="slidenum">
               <a:rPr lang="de-DE"/>
               <a:pPr/>
-              <a:t>‹#›</a:t>
+              <a:t>‹Nr.›</a:t>
             </a:fld>
             <a:endParaRPr lang="de-DE"/>
           </a:p>
@@ -8543,7 +13021,7 @@
           <a:p>
             <a:fld id="{E8994A15-46CE-431D-A8C5-CECB78E6D643}" type="datetime4">
               <a:rPr lang="de-DE" smtClean="0"/>
-              <a:t>23. August 2018</a:t>
+              <a:t>9. September 2018</a:t>
             </a:fld>
             <a:endParaRPr lang="de-DE"/>
           </a:p>
@@ -8752,7 +13230,7 @@
             <a:fld id="{C36AA9A4-5D0B-4134-89A6-D8B9DAA4F25C}" type="slidenum">
               <a:rPr lang="de-DE"/>
               <a:pPr/>
-              <a:t>‹#›</a:t>
+              <a:t>‹Nr.›</a:t>
             </a:fld>
             <a:endParaRPr lang="de-DE"/>
           </a:p>
@@ -9177,7 +13655,7 @@
           <a:p>
             <a:fld id="{E8994A15-46CE-431D-A8C5-CECB78E6D643}" type="datetime4">
               <a:rPr lang="de-DE" smtClean="0"/>
-              <a:t>23. August 2018</a:t>
+              <a:t>9. September 2018</a:t>
             </a:fld>
             <a:endParaRPr lang="de-DE"/>
           </a:p>
@@ -9393,7 +13871,7 @@
           <a:p>
             <a:fld id="{E8994A15-46CE-431D-A8C5-CECB78E6D643}" type="datetime4">
               <a:rPr lang="de-DE" smtClean="0"/>
-              <a:t>23. August 2018</a:t>
+              <a:t>9. September 2018</a:t>
             </a:fld>
             <a:endParaRPr lang="de-DE"/>
           </a:p>
@@ -9571,7 +14049,7 @@
           <a:p>
             <a:fld id="{E8994A15-46CE-431D-A8C5-CECB78E6D643}" type="datetime4">
               <a:rPr lang="de-DE" smtClean="0"/>
-              <a:t>23. August 2018</a:t>
+              <a:t>9. September 2018</a:t>
             </a:fld>
             <a:endParaRPr lang="de-DE"/>
           </a:p>
@@ -9621,7 +14099,7 @@
             <a:fld id="{C36AA9A4-5D0B-4134-89A6-D8B9DAA4F25C}" type="slidenum">
               <a:rPr lang="de-DE" smtClean="0"/>
               <a:pPr/>
-              <a:t>3</a:t>
+              <a:t>4</a:t>
             </a:fld>
             <a:endParaRPr lang="de-DE"/>
           </a:p>
@@ -9641,6 +14119,345 @@
 </file>
 
 <file path=ppt/notesSlides/notesSlide4.xml><?xml version="1.0" encoding="utf-8"?>
+<p:notes xmlns:a="http://schemas.openxmlformats.org/drawingml/2006/main" xmlns:r="http://schemas.openxmlformats.org/officeDocument/2006/relationships" xmlns:p="http://schemas.openxmlformats.org/presentationml/2006/main">
+  <p:cSld>
+    <p:spTree>
+      <p:nvGrpSpPr>
+        <p:cNvPr id="1" name=""/>
+        <p:cNvGrpSpPr/>
+        <p:nvPr/>
+      </p:nvGrpSpPr>
+      <p:grpSpPr>
+        <a:xfrm>
+          <a:off x="0" y="0"/>
+          <a:ext cx="0" cy="0"/>
+          <a:chOff x="0" y="0"/>
+          <a:chExt cx="0" cy="0"/>
+        </a:xfrm>
+      </p:grpSpPr>
+      <p:sp>
+        <p:nvSpPr>
+          <p:cNvPr id="2" name="Folienbildplatzhalter 1"/>
+          <p:cNvSpPr>
+            <a:spLocks noGrp="1" noRot="1" noChangeAspect="1"/>
+          </p:cNvSpPr>
+          <p:nvPr>
+            <p:ph type="sldImg"/>
+          </p:nvPr>
+        </p:nvSpPr>
+        <p:spPr>
+          <a:xfrm>
+            <a:off x="1371600" y="923925"/>
+            <a:ext cx="4095750" cy="3071813"/>
+          </a:xfrm>
+        </p:spPr>
+      </p:sp>
+      <p:sp>
+        <p:nvSpPr>
+          <p:cNvPr id="3" name="Notizenplatzhalter 2"/>
+          <p:cNvSpPr>
+            <a:spLocks noGrp="1"/>
+          </p:cNvSpPr>
+          <p:nvPr>
+            <p:ph type="body" idx="1"/>
+          </p:nvPr>
+        </p:nvSpPr>
+        <p:spPr/>
+        <p:txBody>
+          <a:bodyPr/>
+          <a:lstStyle/>
+          <a:p>
+            <a:pPr marL="342900" indent="-342900">
+              <a:buFont typeface="Arial" panose="020B0604020202020204" pitchFamily="34" charset="0"/>
+              <a:buChar char="•"/>
+            </a:pPr>
+            <a:r>
+              <a:rPr lang="en-US" sz="2000" dirty="0"/>
+              <a:t>Smaller objects are more difficult to classify</a:t>
+            </a:r>
+          </a:p>
+          <a:p>
+            <a:pPr marL="342900" indent="-342900">
+              <a:buFont typeface="Arial" panose="020B0604020202020204" pitchFamily="34" charset="0"/>
+              <a:buChar char="•"/>
+            </a:pPr>
+            <a:r>
+              <a:rPr lang="en-US" sz="2000" dirty="0"/>
+              <a:t>Vehicles are mistaken for each other</a:t>
+            </a:r>
+            <a:endParaRPr lang="en-GB" sz="2000" dirty="0"/>
+          </a:p>
+          <a:p>
+            <a:pPr marL="342900" indent="-342900">
+              <a:buFont typeface="Arial" panose="020B0604020202020204" pitchFamily="34" charset="0"/>
+              <a:buChar char="•"/>
+            </a:pPr>
+            <a:r>
+              <a:rPr lang="en-GB" sz="2000" dirty="0"/>
+              <a:t>Sampling makes it harder to learn infrequent classes (e.g.  pole)</a:t>
+            </a:r>
+            <a:endParaRPr lang="en-GB" sz="2000" dirty="0">
+              <a:sym typeface="Wingdings" panose="05000000000000000000" pitchFamily="2" charset="2"/>
+            </a:endParaRPr>
+          </a:p>
+          <a:p>
+            <a:pPr marL="342900" indent="-342900">
+              <a:buFont typeface="Arial" panose="020B0604020202020204" pitchFamily="34" charset="0"/>
+              <a:buChar char="•"/>
+            </a:pPr>
+            <a:r>
+              <a:rPr lang="en-GB" sz="2000" dirty="0">
+                <a:sym typeface="Wingdings" panose="05000000000000000000" pitchFamily="2" charset="2"/>
+              </a:rPr>
+              <a:t>Categorical detection works well</a:t>
+            </a:r>
+          </a:p>
+        </p:txBody>
+      </p:sp>
+      <p:sp>
+        <p:nvSpPr>
+          <p:cNvPr id="4" name="Datumsplatzhalter 3"/>
+          <p:cNvSpPr>
+            <a:spLocks noGrp="1"/>
+          </p:cNvSpPr>
+          <p:nvPr>
+            <p:ph type="dt" idx="10"/>
+          </p:nvPr>
+        </p:nvSpPr>
+        <p:spPr/>
+        <p:txBody>
+          <a:bodyPr/>
+          <a:lstStyle/>
+          <a:p>
+            <a:fld id="{E8994A15-46CE-431D-A8C5-CECB78E6D643}" type="datetime4">
+              <a:rPr lang="de-DE" smtClean="0"/>
+              <a:t>9. September 2018</a:t>
+            </a:fld>
+            <a:endParaRPr lang="de-DE"/>
+          </a:p>
+        </p:txBody>
+      </p:sp>
+      <p:sp>
+        <p:nvSpPr>
+          <p:cNvPr id="5" name="Fußzeilenplatzhalter 4"/>
+          <p:cNvSpPr>
+            <a:spLocks noGrp="1"/>
+          </p:cNvSpPr>
+          <p:nvPr>
+            <p:ph type="ftr" sz="quarter" idx="11"/>
+          </p:nvPr>
+        </p:nvSpPr>
+        <p:spPr/>
+        <p:txBody>
+          <a:bodyPr/>
+          <a:lstStyle/>
+          <a:p>
+            <a:r>
+              <a:rPr lang="de-DE"/>
+              <a:t>|  </a:t>
+            </a:r>
+          </a:p>
+        </p:txBody>
+      </p:sp>
+      <p:sp>
+        <p:nvSpPr>
+          <p:cNvPr id="6" name="Foliennummernplatzhalter 5"/>
+          <p:cNvSpPr>
+            <a:spLocks noGrp="1"/>
+          </p:cNvSpPr>
+          <p:nvPr>
+            <p:ph type="sldNum" sz="quarter" idx="12"/>
+          </p:nvPr>
+        </p:nvSpPr>
+        <p:spPr/>
+        <p:txBody>
+          <a:bodyPr/>
+          <a:lstStyle/>
+          <a:p>
+            <a:r>
+              <a:rPr lang="de-DE"/>
+              <a:t>|  </a:t>
+            </a:r>
+            <a:fld id="{C36AA9A4-5D0B-4134-89A6-D8B9DAA4F25C}" type="slidenum">
+              <a:rPr lang="de-DE" smtClean="0"/>
+              <a:pPr/>
+              <a:t>6</a:t>
+            </a:fld>
+            <a:endParaRPr lang="de-DE"/>
+          </a:p>
+        </p:txBody>
+      </p:sp>
+    </p:spTree>
+    <p:extLst>
+      <p:ext uri="{BB962C8B-B14F-4D97-AF65-F5344CB8AC3E}">
+        <p14:creationId xmlns:p14="http://schemas.microsoft.com/office/powerpoint/2010/main" val="37006580"/>
+      </p:ext>
+    </p:extLst>
+  </p:cSld>
+  <p:clrMapOvr>
+    <a:masterClrMapping/>
+  </p:clrMapOvr>
+</p:notes>
+</file>
+
+<file path=ppt/notesSlides/notesSlide5.xml><?xml version="1.0" encoding="utf-8"?>
+<p:notes xmlns:a="http://schemas.openxmlformats.org/drawingml/2006/main" xmlns:r="http://schemas.openxmlformats.org/officeDocument/2006/relationships" xmlns:p="http://schemas.openxmlformats.org/presentationml/2006/main">
+  <p:cSld>
+    <p:spTree>
+      <p:nvGrpSpPr>
+        <p:cNvPr id="1" name=""/>
+        <p:cNvGrpSpPr/>
+        <p:nvPr/>
+      </p:nvGrpSpPr>
+      <p:grpSpPr>
+        <a:xfrm>
+          <a:off x="0" y="0"/>
+          <a:ext cx="0" cy="0"/>
+          <a:chOff x="0" y="0"/>
+          <a:chExt cx="0" cy="0"/>
+        </a:xfrm>
+      </p:grpSpPr>
+      <p:sp>
+        <p:nvSpPr>
+          <p:cNvPr id="2" name="Folienbildplatzhalter 1"/>
+          <p:cNvSpPr>
+            <a:spLocks noGrp="1" noRot="1" noChangeAspect="1"/>
+          </p:cNvSpPr>
+          <p:nvPr>
+            <p:ph type="sldImg"/>
+          </p:nvPr>
+        </p:nvSpPr>
+        <p:spPr>
+          <a:xfrm>
+            <a:off x="1371600" y="923925"/>
+            <a:ext cx="4095750" cy="3071813"/>
+          </a:xfrm>
+        </p:spPr>
+      </p:sp>
+      <p:sp>
+        <p:nvSpPr>
+          <p:cNvPr id="3" name="Notizenplatzhalter 2"/>
+          <p:cNvSpPr>
+            <a:spLocks noGrp="1"/>
+          </p:cNvSpPr>
+          <p:nvPr>
+            <p:ph type="body" idx="1"/>
+          </p:nvPr>
+        </p:nvSpPr>
+        <p:spPr/>
+        <p:txBody>
+          <a:bodyPr/>
+          <a:lstStyle/>
+          <a:p>
+            <a:pPr marL="171450" indent="-171450">
+              <a:buFont typeface="Arial" panose="020B0604020202020204" pitchFamily="34" charset="0"/>
+              <a:buChar char="•"/>
+            </a:pPr>
+            <a:r>
+              <a:rPr lang="en-US" dirty="0"/>
+              <a:t>Resizing of input images reduces size of small objects </a:t>
+            </a:r>
+          </a:p>
+          <a:p>
+            <a:pPr marL="171450" indent="-171450">
+              <a:buFont typeface="Arial" panose="020B0604020202020204" pitchFamily="34" charset="0"/>
+              <a:buChar char="•"/>
+            </a:pPr>
+            <a:r>
+              <a:rPr lang="en-US" dirty="0"/>
+              <a:t>Occlusion and number of objects influence prediction quality</a:t>
+            </a:r>
+            <a:endParaRPr lang="de-DE" dirty="0"/>
+          </a:p>
+        </p:txBody>
+      </p:sp>
+      <p:sp>
+        <p:nvSpPr>
+          <p:cNvPr id="4" name="Datumsplatzhalter 3"/>
+          <p:cNvSpPr>
+            <a:spLocks noGrp="1"/>
+          </p:cNvSpPr>
+          <p:nvPr>
+            <p:ph type="dt" idx="10"/>
+          </p:nvPr>
+        </p:nvSpPr>
+        <p:spPr/>
+        <p:txBody>
+          <a:bodyPr/>
+          <a:lstStyle/>
+          <a:p>
+            <a:fld id="{E8994A15-46CE-431D-A8C5-CECB78E6D643}" type="datetime4">
+              <a:rPr lang="de-DE" smtClean="0"/>
+              <a:t>9. September 2018</a:t>
+            </a:fld>
+            <a:endParaRPr lang="de-DE"/>
+          </a:p>
+        </p:txBody>
+      </p:sp>
+      <p:sp>
+        <p:nvSpPr>
+          <p:cNvPr id="5" name="Fußzeilenplatzhalter 4"/>
+          <p:cNvSpPr>
+            <a:spLocks noGrp="1"/>
+          </p:cNvSpPr>
+          <p:nvPr>
+            <p:ph type="ftr" sz="quarter" idx="11"/>
+          </p:nvPr>
+        </p:nvSpPr>
+        <p:spPr/>
+        <p:txBody>
+          <a:bodyPr/>
+          <a:lstStyle/>
+          <a:p>
+            <a:r>
+              <a:rPr lang="de-DE"/>
+              <a:t>|  </a:t>
+            </a:r>
+          </a:p>
+        </p:txBody>
+      </p:sp>
+      <p:sp>
+        <p:nvSpPr>
+          <p:cNvPr id="6" name="Foliennummernplatzhalter 5"/>
+          <p:cNvSpPr>
+            <a:spLocks noGrp="1"/>
+          </p:cNvSpPr>
+          <p:nvPr>
+            <p:ph type="sldNum" sz="quarter" idx="12"/>
+          </p:nvPr>
+        </p:nvSpPr>
+        <p:spPr/>
+        <p:txBody>
+          <a:bodyPr/>
+          <a:lstStyle/>
+          <a:p>
+            <a:r>
+              <a:rPr lang="de-DE"/>
+              <a:t>|  </a:t>
+            </a:r>
+            <a:fld id="{C36AA9A4-5D0B-4134-89A6-D8B9DAA4F25C}" type="slidenum">
+              <a:rPr lang="de-DE" smtClean="0"/>
+              <a:pPr/>
+              <a:t>7</a:t>
+            </a:fld>
+            <a:endParaRPr lang="de-DE"/>
+          </a:p>
+        </p:txBody>
+      </p:sp>
+    </p:spTree>
+    <p:extLst>
+      <p:ext uri="{BB962C8B-B14F-4D97-AF65-F5344CB8AC3E}">
+        <p14:creationId xmlns:p14="http://schemas.microsoft.com/office/powerpoint/2010/main" val="2513772241"/>
+      </p:ext>
+    </p:extLst>
+  </p:cSld>
+  <p:clrMapOvr>
+    <a:masterClrMapping/>
+  </p:clrMapOvr>
+</p:notes>
+</file>
+
+<file path=ppt/notesSlides/notesSlide6.xml><?xml version="1.0" encoding="utf-8"?>
 <p:notes xmlns:a="http://schemas.openxmlformats.org/drawingml/2006/main" xmlns:r="http://schemas.openxmlformats.org/officeDocument/2006/relationships" xmlns:p="http://schemas.openxmlformats.org/presentationml/2006/main">
   <p:cSld>
     <p:spTree>
@@ -9710,7 +14527,7 @@
           <a:p>
             <a:fld id="{E8994A15-46CE-431D-A8C5-CECB78E6D643}" type="datetime4">
               <a:rPr lang="de-DE" smtClean="0"/>
-              <a:t>23. August 2018</a:t>
+              <a:t>9. September 2018</a:t>
             </a:fld>
             <a:endParaRPr lang="de-DE"/>
           </a:p>
@@ -9760,7 +14577,7 @@
             <a:fld id="{C36AA9A4-5D0B-4134-89A6-D8B9DAA4F25C}" type="slidenum">
               <a:rPr lang="de-DE" smtClean="0"/>
               <a:pPr/>
-              <a:t>8</a:t>
+              <a:t>9</a:t>
             </a:fld>
             <a:endParaRPr lang="de-DE"/>
           </a:p>
@@ -10321,7 +15138,7 @@
             <a:fld id="{7812E5F0-C840-4E3E-8B69-E11FA2979DCD}" type="slidenum">
               <a:rPr lang="en-GB" smtClean="0"/>
               <a:pPr/>
-              <a:t>‹#›</a:t>
+              <a:t>‹Nr.›</a:t>
             </a:fld>
             <a:endParaRPr lang="en-GB" dirty="0"/>
           </a:p>
@@ -10493,7 +15310,7 @@
             <a:fld id="{7812E5F0-C840-4E3E-8B69-E11FA2979DCD}" type="slidenum">
               <a:rPr lang="en-GB" smtClean="0"/>
               <a:pPr/>
-              <a:t>‹#›</a:t>
+              <a:t>‹Nr.›</a:t>
             </a:fld>
             <a:endParaRPr lang="en-GB" dirty="0"/>
           </a:p>
@@ -10759,7 +15576,7 @@
             <a:fld id="{7812E5F0-C840-4E3E-8B69-E11FA2979DCD}" type="slidenum">
               <a:rPr lang="en-GB" smtClean="0"/>
               <a:pPr/>
-              <a:t>‹#›</a:t>
+              <a:t>‹Nr.›</a:t>
             </a:fld>
             <a:endParaRPr lang="en-GB" dirty="0"/>
           </a:p>
@@ -10857,7 +15674,7 @@
             <a:fld id="{7812E5F0-C840-4E3E-8B69-E11FA2979DCD}" type="slidenum">
               <a:rPr lang="en-GB" smtClean="0"/>
               <a:pPr/>
-              <a:t>‹#›</a:t>
+              <a:t>‹Nr.›</a:t>
             </a:fld>
             <a:endParaRPr lang="en-GB" dirty="0"/>
           </a:p>
@@ -10933,7 +15750,7 @@
             <a:fld id="{7812E5F0-C840-4E3E-8B69-E11FA2979DCD}" type="slidenum">
               <a:rPr lang="en-GB" smtClean="0"/>
               <a:pPr/>
-              <a:t>‹#›</a:t>
+              <a:t>‹Nr.›</a:t>
             </a:fld>
             <a:endParaRPr lang="en-GB" dirty="0"/>
           </a:p>
@@ -11185,7 +16002,7 @@
             <a:fld id="{7812E5F0-C840-4E3E-8B69-E11FA2979DCD}" type="slidenum">
               <a:rPr lang="en-GB" smtClean="0"/>
               <a:pPr/>
-              <a:t>‹#›</a:t>
+              <a:t>‹Nr.›</a:t>
             </a:fld>
             <a:endParaRPr lang="en-GB" dirty="0"/>
           </a:p>
@@ -11421,7 +16238,7 @@
             <a:fld id="{7812E5F0-C840-4E3E-8B69-E11FA2979DCD}" type="slidenum">
               <a:rPr lang="en-GB" smtClean="0"/>
               <a:pPr/>
-              <a:t>‹#›</a:t>
+              <a:t>‹Nr.›</a:t>
             </a:fld>
             <a:endParaRPr lang="en-GB" dirty="0"/>
           </a:p>
@@ -11931,7 +16748,7 @@
             <a:fld id="{7812E5F0-C840-4E3E-8B69-E11FA2979DCD}" type="slidenum">
               <a:rPr lang="en-GB" smtClean="0"/>
               <a:pPr/>
-              <a:t>‹#›</a:t>
+              <a:t>‹Nr.›</a:t>
             </a:fld>
             <a:endParaRPr lang="en-GB" dirty="0"/>
           </a:p>
@@ -12392,6 +17209,10 @@
           <a:lstStyle/>
           <a:p>
             <a:r>
+              <a:rPr lang="de-DE" sz="3200" dirty="0"/>
+              <a:t>Pixellevel </a:t>
+            </a:r>
+            <a:r>
               <a:rPr lang="de-DE" sz="3200" dirty="0" err="1"/>
               <a:t>Semantic</a:t>
             </a:r>
@@ -12459,6 +17280,49 @@
           </a:prstGeom>
         </p:spPr>
       </p:pic>
+      <p:sp>
+        <p:nvSpPr>
+          <p:cNvPr id="4" name="Textfeld 3">
+            <a:extLst>
+              <a:ext uri="{FF2B5EF4-FFF2-40B4-BE49-F238E27FC236}">
+                <a16:creationId xmlns:a16="http://schemas.microsoft.com/office/drawing/2014/main" id="{88C560E4-5190-4A25-A0D8-E4593D158895}"/>
+              </a:ext>
+            </a:extLst>
+          </p:cNvPr>
+          <p:cNvSpPr txBox="1"/>
+          <p:nvPr/>
+        </p:nvSpPr>
+        <p:spPr>
+          <a:xfrm>
+            <a:off x="5832573" y="5703729"/>
+            <a:ext cx="1633903" cy="246221"/>
+          </a:xfrm>
+          <a:prstGeom prst="rect">
+            <a:avLst/>
+          </a:prstGeom>
+          <a:noFill/>
+        </p:spPr>
+        <p:txBody>
+          <a:bodyPr wrap="square" rtlCol="0">
+            <a:spAutoFit/>
+          </a:bodyPr>
+          <a:lstStyle/>
+          <a:p>
+            <a:r>
+              <a:rPr lang="de-DE" sz="1000" dirty="0"/>
+              <a:t>Marius </a:t>
+            </a:r>
+            <a:r>
+              <a:rPr lang="de-DE" sz="1000" dirty="0" err="1"/>
+              <a:t>Cordts</a:t>
+            </a:r>
+            <a:r>
+              <a:rPr lang="de-DE" sz="1000" dirty="0"/>
+              <a:t> et al., 2016</a:t>
+            </a:r>
+          </a:p>
+        </p:txBody>
+      </p:sp>
     </p:spTree>
     <p:extLst>
       <p:ext uri="{BB962C8B-B14F-4D97-AF65-F5344CB8AC3E}">
@@ -12491,10 +17355,10 @@
       </p:grpSpPr>
       <p:sp>
         <p:nvSpPr>
-          <p:cNvPr id="2" name="Title 1">
+          <p:cNvPr id="3" name="Title 2">
             <a:extLst>
               <a:ext uri="{FF2B5EF4-FFF2-40B4-BE49-F238E27FC236}">
-                <a16:creationId xmlns:a16="http://schemas.microsoft.com/office/drawing/2014/main" id="{A4A138C0-EAF4-474B-9FA5-5691CB1A050C}"/>
+                <a16:creationId xmlns:a16="http://schemas.microsoft.com/office/drawing/2014/main" id="{9C2D8BE1-0B63-4513-80C3-BCB65016B060}"/>
               </a:ext>
             </a:extLst>
           </p:cNvPr>
@@ -12503,6 +17367,9 @@
           </p:cNvSpPr>
           <p:nvPr>
             <p:ph type="title"/>
+            <p:custDataLst>
+              <p:tags r:id="rId2"/>
+            </p:custDataLst>
           </p:nvPr>
         </p:nvSpPr>
         <p:spPr/>
@@ -12512,7 +17379,11 @@
           <a:p>
             <a:r>
               <a:rPr lang="de-DE" dirty="0"/>
-              <a:t>Image Sources</a:t>
+              <a:t>B</a:t>
+            </a:r>
+            <a:r>
+              <a:rPr lang="en-GB" dirty="0" err="1"/>
+              <a:t>ibliography</a:t>
             </a:r>
             <a:endParaRPr lang="en-GB" dirty="0"/>
           </a:p>
@@ -12520,10 +17391,10 @@
       </p:sp>
       <p:sp>
         <p:nvSpPr>
-          <p:cNvPr id="3" name="Content Placeholder 2">
+          <p:cNvPr id="2" name="Content Placeholder 1">
             <a:extLst>
               <a:ext uri="{FF2B5EF4-FFF2-40B4-BE49-F238E27FC236}">
-                <a16:creationId xmlns:a16="http://schemas.microsoft.com/office/drawing/2014/main" id="{B6AE3E2A-B038-4BC9-87E6-042A0E0F01F6}"/>
+                <a16:creationId xmlns:a16="http://schemas.microsoft.com/office/drawing/2014/main" id="{FBAC2960-A02D-4ABE-A976-641941904839}"/>
               </a:ext>
             </a:extLst>
           </p:cNvPr>
@@ -12534,61 +17405,307 @@
             <p:ph idx="1"/>
           </p:nvPr>
         </p:nvSpPr>
-        <p:spPr/>
+        <p:spPr>
+          <a:xfrm>
+            <a:off x="360000" y="1620001"/>
+            <a:ext cx="8676496" cy="3825224"/>
+          </a:xfrm>
+        </p:spPr>
         <p:txBody>
-          <a:bodyPr/>
+          <a:bodyPr anchor="ctr"/>
           <a:lstStyle/>
           <a:p>
-            <a:pPr marL="457200" indent="-457200">
-              <a:buAutoNum type="arabicParenR"/>
+            <a:pPr marL="342900" indent="-342900">
+              <a:buFont typeface="Arial" panose="020B0604020202020204" pitchFamily="34" charset="0"/>
+              <a:buChar char="•"/>
             </a:pPr>
             <a:r>
-              <a:rPr lang="de-DE" dirty="0" err="1"/>
-              <a:t>CityScapes</a:t>
-            </a:r>
-            <a:r>
-              <a:rPr lang="de-DE" dirty="0"/>
-              <a:t> Dataset: Darmstadt</a:t>
+              <a:rPr lang="de-DE" sz="1400" dirty="0" err="1"/>
+              <a:t>Cordts</a:t>
+            </a:r>
+            <a:r>
+              <a:rPr lang="de-DE" sz="1400" dirty="0"/>
+              <a:t>, Marius; </a:t>
+            </a:r>
+            <a:r>
+              <a:rPr lang="de-DE" sz="1400" dirty="0" err="1"/>
+              <a:t>Omran</a:t>
+            </a:r>
+            <a:r>
+              <a:rPr lang="de-DE" sz="1400" dirty="0"/>
+              <a:t>, Mohamed; Ramos, Sebastian; Rehfeld, Timo; Enzweiler, Markus; </a:t>
+            </a:r>
+            <a:r>
+              <a:rPr lang="de-DE" sz="1400" dirty="0" err="1"/>
+              <a:t>Benenson</a:t>
+            </a:r>
+            <a:r>
+              <a:rPr lang="de-DE" sz="1400" dirty="0"/>
+              <a:t>, Rodrigo et al.: The </a:t>
+            </a:r>
+            <a:r>
+              <a:rPr lang="de-DE" sz="1400" dirty="0" err="1"/>
+              <a:t>Cityscapes</a:t>
+            </a:r>
+            <a:r>
+              <a:rPr lang="de-DE" sz="1400" dirty="0"/>
+              <a:t> Dataset </a:t>
+            </a:r>
+            <a:r>
+              <a:rPr lang="de-DE" sz="1400" dirty="0" err="1"/>
+              <a:t>for</a:t>
+            </a:r>
+            <a:r>
+              <a:rPr lang="de-DE" sz="1400" dirty="0"/>
+              <a:t> </a:t>
+            </a:r>
+            <a:r>
+              <a:rPr lang="de-DE" sz="1400" dirty="0" err="1"/>
+              <a:t>Semantic</a:t>
+            </a:r>
+            <a:r>
+              <a:rPr lang="de-DE" sz="1400" dirty="0"/>
+              <a:t> Urban Scene Understanding. </a:t>
+            </a:r>
+            <a:r>
+              <a:rPr lang="de-DE" sz="1400" dirty="0" err="1"/>
+              <a:t>Available</a:t>
+            </a:r>
+            <a:r>
+              <a:rPr lang="de-DE" sz="1400" dirty="0"/>
+              <a:t> online at http://arxiv.org/pdf/1604.01685v2.</a:t>
             </a:r>
           </a:p>
           <a:p>
-            <a:pPr marL="457200" indent="-457200">
-              <a:buAutoNum type="arabicParenR"/>
+            <a:pPr marL="342900" indent="-342900">
+              <a:buFont typeface="Arial" panose="020B0604020202020204" pitchFamily="34" charset="0"/>
+              <a:buChar char="•"/>
             </a:pPr>
-            <a:r>
-              <a:rPr lang="de-DE" dirty="0"/>
-              <a:t>Robot: </a:t>
-            </a:r>
-            <a:r>
-              <a:rPr lang="de-DE" dirty="0">
-                <a:hlinkClick r:id="rId2"/>
-              </a:rPr>
-              <a:t>https://zumalo.com/wp-content/uploads/2017/05/ai-and-robotics-3252.jpg</a:t>
-            </a:r>
-            <a:r>
-              <a:rPr lang="de-DE" dirty="0"/>
-              <a:t>; Street Scene: </a:t>
-            </a:r>
-            <a:r>
-              <a:rPr lang="de-DE" dirty="0">
-                <a:hlinkClick r:id="rId3"/>
-              </a:rPr>
-              <a:t>https://www.volvocars.com/intl/buy/explore/intellisafe/autonomous-driving</a:t>
-            </a:r>
-            <a:r>
-              <a:rPr lang="de-DE" dirty="0"/>
+            <a:endParaRPr lang="de-DE" sz="1400" dirty="0"/>
+          </a:p>
+          <a:p>
+            <a:pPr marL="342900" indent="-342900">
+              <a:buFont typeface="Arial" panose="020B0604020202020204" pitchFamily="34" charset="0"/>
+              <a:buChar char="•"/>
+            </a:pPr>
+            <a:r>
+              <a:rPr lang="de-DE" sz="1400" dirty="0" err="1"/>
+              <a:t>Shaoguo</a:t>
+            </a:r>
+            <a:r>
+              <a:rPr lang="de-DE" sz="1400" dirty="0"/>
+              <a:t> Cui, Lei Mao, </a:t>
+            </a:r>
+            <a:r>
+              <a:rPr lang="de-DE" sz="1400" dirty="0" err="1"/>
+              <a:t>Jingfeng</a:t>
+            </a:r>
+            <a:r>
+              <a:rPr lang="de-DE" sz="1400" dirty="0"/>
+              <a:t> Jiang, Chang Liu, and </a:t>
+            </a:r>
+            <a:r>
+              <a:rPr lang="de-DE" sz="1400" dirty="0" err="1"/>
+              <a:t>Shuyu</a:t>
+            </a:r>
+            <a:r>
+              <a:rPr lang="de-DE" sz="1400" dirty="0"/>
               <a:t> </a:t>
             </a:r>
-            <a:endParaRPr lang="en-GB" dirty="0"/>
+            <a:r>
+              <a:rPr lang="de-DE" sz="1400" dirty="0" err="1"/>
+              <a:t>Xiong</a:t>
+            </a:r>
+            <a:r>
+              <a:rPr lang="de-DE" sz="1400" dirty="0"/>
+              <a:t>, “</a:t>
+            </a:r>
+            <a:r>
+              <a:rPr lang="de-DE" sz="1400" dirty="0" err="1"/>
+              <a:t>Automatic</a:t>
+            </a:r>
+            <a:r>
+              <a:rPr lang="de-DE" sz="1400" dirty="0"/>
+              <a:t> </a:t>
+            </a:r>
+            <a:r>
+              <a:rPr lang="de-DE" sz="1400" dirty="0" err="1"/>
+              <a:t>Semantic</a:t>
+            </a:r>
+            <a:r>
+              <a:rPr lang="de-DE" sz="1400" dirty="0"/>
+              <a:t> Segmentation </a:t>
+            </a:r>
+            <a:r>
+              <a:rPr lang="de-DE" sz="1400" dirty="0" err="1"/>
+              <a:t>of</a:t>
+            </a:r>
+            <a:r>
+              <a:rPr lang="de-DE" sz="1400" dirty="0"/>
+              <a:t> Brain </a:t>
+            </a:r>
+            <a:r>
+              <a:rPr lang="de-DE" sz="1400" dirty="0" err="1"/>
+              <a:t>Gliomas</a:t>
+            </a:r>
+            <a:r>
+              <a:rPr lang="de-DE" sz="1400" dirty="0"/>
+              <a:t> </a:t>
+            </a:r>
+            <a:r>
+              <a:rPr lang="de-DE" sz="1400" dirty="0" err="1"/>
+              <a:t>from</a:t>
+            </a:r>
+            <a:r>
+              <a:rPr lang="de-DE" sz="1400" dirty="0"/>
+              <a:t> MRI Images </a:t>
+            </a:r>
+            <a:r>
+              <a:rPr lang="de-DE" sz="1400" dirty="0" err="1"/>
+              <a:t>Using</a:t>
+            </a:r>
+            <a:r>
+              <a:rPr lang="de-DE" sz="1400" dirty="0"/>
+              <a:t> a Deep </a:t>
+            </a:r>
+            <a:r>
+              <a:rPr lang="de-DE" sz="1400" dirty="0" err="1"/>
+              <a:t>Cascaded</a:t>
+            </a:r>
+            <a:r>
+              <a:rPr lang="de-DE" sz="1400" dirty="0"/>
+              <a:t> </a:t>
+            </a:r>
+            <a:r>
+              <a:rPr lang="de-DE" sz="1400" dirty="0" err="1"/>
+              <a:t>Neural</a:t>
+            </a:r>
+            <a:r>
+              <a:rPr lang="de-DE" sz="1400" dirty="0"/>
+              <a:t> Network,” Journal </a:t>
+            </a:r>
+            <a:r>
+              <a:rPr lang="de-DE" sz="1400" dirty="0" err="1"/>
+              <a:t>of</a:t>
+            </a:r>
+            <a:r>
+              <a:rPr lang="de-DE" sz="1400" dirty="0"/>
+              <a:t> </a:t>
+            </a:r>
+            <a:r>
+              <a:rPr lang="de-DE" sz="1400" dirty="0" err="1"/>
+              <a:t>Healthcare</a:t>
+            </a:r>
+            <a:r>
+              <a:rPr lang="de-DE" sz="1400" dirty="0"/>
+              <a:t> Engineering, vol. 2018, </a:t>
+            </a:r>
+            <a:r>
+              <a:rPr lang="de-DE" sz="1400" dirty="0" err="1"/>
+              <a:t>Article</a:t>
+            </a:r>
+            <a:r>
+              <a:rPr lang="de-DE" sz="1400" dirty="0"/>
+              <a:t> ID 4940593, 14 </a:t>
+            </a:r>
+            <a:r>
+              <a:rPr lang="de-DE" sz="1400" dirty="0" err="1"/>
+              <a:t>pages</a:t>
+            </a:r>
+            <a:r>
+              <a:rPr lang="de-DE" sz="1400" dirty="0"/>
+              <a:t>, 2018. https://doi.org/10.1155/2018/4940593</a:t>
+            </a:r>
+          </a:p>
+          <a:p>
+            <a:pPr marL="342900" indent="-342900">
+              <a:buFont typeface="Arial" panose="020B0604020202020204" pitchFamily="34" charset="0"/>
+              <a:buChar char="•"/>
+            </a:pPr>
+            <a:endParaRPr lang="de-DE" sz="1400" dirty="0"/>
+          </a:p>
+          <a:p>
+            <a:pPr marL="342900" indent="-342900">
+              <a:buFont typeface="Arial" panose="020B0604020202020204" pitchFamily="34" charset="0"/>
+              <a:buChar char="•"/>
+            </a:pPr>
+            <a:r>
+              <a:rPr lang="de-DE" sz="1400" dirty="0" err="1"/>
+              <a:t>Bansal</a:t>
+            </a:r>
+            <a:r>
+              <a:rPr lang="de-DE" sz="1400" dirty="0"/>
+              <a:t>, </a:t>
+            </a:r>
+            <a:r>
+              <a:rPr lang="de-DE" sz="1400" dirty="0" err="1"/>
+              <a:t>Aayush</a:t>
+            </a:r>
+            <a:r>
+              <a:rPr lang="de-DE" sz="1400" dirty="0"/>
+              <a:t>; Chen, </a:t>
+            </a:r>
+            <a:r>
+              <a:rPr lang="de-DE" sz="1400" dirty="0" err="1"/>
+              <a:t>Xinlei</a:t>
+            </a:r>
+            <a:r>
+              <a:rPr lang="de-DE" sz="1400" dirty="0"/>
+              <a:t>; Russell, Bryan; Gupta, </a:t>
+            </a:r>
+            <a:r>
+              <a:rPr lang="de-DE" sz="1400" dirty="0" err="1"/>
+              <a:t>Abhinav</a:t>
+            </a:r>
+            <a:r>
+              <a:rPr lang="de-DE" sz="1400" dirty="0"/>
+              <a:t>; </a:t>
+            </a:r>
+            <a:r>
+              <a:rPr lang="de-DE" sz="1400" dirty="0" err="1"/>
+              <a:t>Ramanan</a:t>
+            </a:r>
+            <a:r>
+              <a:rPr lang="de-DE" sz="1400" dirty="0"/>
+              <a:t>, Deva: </a:t>
+            </a:r>
+            <a:r>
+              <a:rPr lang="de-DE" sz="1400" dirty="0" err="1"/>
+              <a:t>PixelNet</a:t>
+            </a:r>
+            <a:r>
+              <a:rPr lang="de-DE" sz="1400" dirty="0"/>
+              <a:t>. </a:t>
+            </a:r>
+            <a:r>
+              <a:rPr lang="de-DE" sz="1400" dirty="0" err="1"/>
+              <a:t>Towards</a:t>
+            </a:r>
+            <a:r>
+              <a:rPr lang="de-DE" sz="1400" dirty="0"/>
+              <a:t> a General Pixel-level Architecture. </a:t>
+            </a:r>
+            <a:r>
+              <a:rPr lang="de-DE" sz="1400" dirty="0" err="1"/>
+              <a:t>Available</a:t>
+            </a:r>
+            <a:r>
+              <a:rPr lang="de-DE" sz="1400" dirty="0"/>
+              <a:t> online at http://arxiv.org/pdf/1609.06694v1.</a:t>
+            </a:r>
+            <a:r>
+              <a:rPr lang="en-GB" sz="1400" dirty="0"/>
+              <a:t> </a:t>
+            </a:r>
           </a:p>
         </p:txBody>
       </p:sp>
       <p:sp>
         <p:nvSpPr>
-          <p:cNvPr id="4" name="Slide Number Placeholder 3">
+          <p:cNvPr id="43" name="Slide Number Placeholder 42">
             <a:extLst>
               <a:ext uri="{FF2B5EF4-FFF2-40B4-BE49-F238E27FC236}">
-                <a16:creationId xmlns:a16="http://schemas.microsoft.com/office/drawing/2014/main" id="{056581CC-7D5E-43DA-B596-DBEDD0ACFCCD}"/>
+                <a16:creationId xmlns:a16="http://schemas.microsoft.com/office/drawing/2014/main" id="{27BE2B68-2686-4444-AB71-B5A69405B167}"/>
               </a:ext>
             </a:extLst>
           </p:cNvPr>
@@ -12614,9 +17731,12 @@
         </p:txBody>
       </p:sp>
     </p:spTree>
+    <p:custDataLst>
+      <p:tags r:id="rId1"/>
+    </p:custDataLst>
     <p:extLst>
       <p:ext uri="{BB962C8B-B14F-4D97-AF65-F5344CB8AC3E}">
-        <p14:creationId xmlns:p14="http://schemas.microsoft.com/office/powerpoint/2010/main" val="2919533714"/>
+        <p14:creationId xmlns:p14="http://schemas.microsoft.com/office/powerpoint/2010/main" val="3978346460"/>
       </p:ext>
     </p:extLst>
   </p:cSld>
@@ -12718,8 +17838,8 @@
         </p:nvSpPr>
         <p:spPr>
           <a:xfrm>
-            <a:off x="330724" y="1620000"/>
-            <a:ext cx="8242891" cy="944904"/>
+            <a:off x="450554" y="1582636"/>
+            <a:ext cx="8242891" cy="1087378"/>
           </a:xfrm>
           <a:custGeom>
             <a:avLst/>
@@ -12862,12 +17982,12 @@
               <a:buNone/>
             </a:pPr>
             <a:r>
-              <a:rPr lang="en-US" sz="1600" b="1" kern="1200" dirty="0">
+              <a:rPr lang="en-US" sz="2000" b="1" kern="1200" dirty="0">
                 <a:sym typeface="Wingdings" panose="05000000000000000000" pitchFamily="2" charset="2"/>
               </a:rPr>
               <a:t>Semantic Segmentation</a:t>
             </a:r>
-            <a:endParaRPr lang="en-GB" sz="1600" b="1" kern="1200" dirty="0"/>
+            <a:endParaRPr lang="en-GB" sz="2000" b="1" kern="1200" dirty="0"/>
           </a:p>
           <a:p>
             <a:pPr marL="0" lvl="1" algn="ctr" defTabSz="488950">
@@ -12879,59 +17999,90 @@
               </a:spcAft>
             </a:pPr>
             <a:r>
-              <a:rPr lang="en-GB" sz="1600" dirty="0"/>
-              <a:t>attempts to partition the image into semantically meaningful parts in order to classify each part</a:t>
-            </a:r>
-            <a:endParaRPr lang="en-GB" sz="1600" kern="1200" dirty="0"/>
+              <a:rPr lang="en-GB" sz="2000" dirty="0"/>
+              <a:t>Partition the image into semantically meaningful parts in order to classify each part</a:t>
+            </a:r>
+            <a:endParaRPr lang="en-GB" sz="2000" kern="1200" dirty="0"/>
+          </a:p>
+        </p:txBody>
+      </p:sp>
+      <p:sp>
+        <p:nvSpPr>
+          <p:cNvPr id="12" name="Textfeld 11">
+            <a:extLst>
+              <a:ext uri="{FF2B5EF4-FFF2-40B4-BE49-F238E27FC236}">
+                <a16:creationId xmlns:a16="http://schemas.microsoft.com/office/drawing/2014/main" id="{CF390D70-243C-4C79-BE26-01BBEE966977}"/>
+              </a:ext>
+            </a:extLst>
+          </p:cNvPr>
+          <p:cNvSpPr txBox="1"/>
+          <p:nvPr/>
+        </p:nvSpPr>
+        <p:spPr>
+          <a:xfrm>
+            <a:off x="677789" y="2877912"/>
+            <a:ext cx="2454051" cy="769441"/>
+          </a:xfrm>
+          <a:prstGeom prst="rect">
+            <a:avLst/>
+          </a:prstGeom>
+          <a:noFill/>
+        </p:spPr>
+        <p:txBody>
+          <a:bodyPr wrap="square" rtlCol="0">
+            <a:spAutoFit/>
+          </a:bodyPr>
+          <a:lstStyle/>
+          <a:p>
+            <a:r>
+              <a:rPr lang="en-US" sz="2200" dirty="0"/>
+              <a:t>Automatic Cancer Segmentation</a:t>
+            </a:r>
+            <a:endParaRPr lang="de-DE" sz="2200" dirty="0"/>
           </a:p>
         </p:txBody>
       </p:sp>
       <p:pic>
         <p:nvPicPr>
-          <p:cNvPr id="10" name="Content Placeholder 9" descr="A picture containing object, wall, indoor&#10;&#10;Description generated with high confidence">
+          <p:cNvPr id="16" name="Grafik 15">
             <a:extLst>
               <a:ext uri="{FF2B5EF4-FFF2-40B4-BE49-F238E27FC236}">
-                <a16:creationId xmlns:a16="http://schemas.microsoft.com/office/drawing/2014/main" id="{D332F8E4-EB26-4438-8DCB-FFC3AC298D16}"/>
+                <a16:creationId xmlns:a16="http://schemas.microsoft.com/office/drawing/2014/main" id="{4823DE27-B6D1-44C5-B2EB-6D790E10FBCE}"/>
               </a:ext>
             </a:extLst>
           </p:cNvPr>
           <p:cNvPicPr>
-            <a:picLocks noGrp="1" noChangeAspect="1"/>
+            <a:picLocks noChangeAspect="1"/>
           </p:cNvPicPr>
-          <p:nvPr>
-            <p:ph idx="1"/>
-          </p:nvPr>
+          <p:nvPr/>
         </p:nvPicPr>
         <p:blipFill>
-          <a:blip r:embed="rId5">
-            <a:extLst>
-              <a:ext uri="{28A0092B-C50C-407E-A947-70E740481C1C}">
-                <a14:useLocalDpi xmlns:a14="http://schemas.microsoft.com/office/drawing/2010/main" val="0"/>
-              </a:ext>
-            </a:extLst>
-          </a:blip>
+          <a:blip r:embed="rId5"/>
           <a:stretch>
             <a:fillRect/>
           </a:stretch>
         </p:blipFill>
         <p:spPr>
           <a:xfrm>
-            <a:off x="570384" y="2737292"/>
-            <a:ext cx="2849487" cy="3595781"/>
+            <a:off x="3131840" y="2708920"/>
+            <a:ext cx="5075957" cy="1234063"/>
           </a:xfrm>
+          <a:prstGeom prst="rect">
+            <a:avLst/>
+          </a:prstGeom>
         </p:spPr>
       </p:pic>
       <p:pic>
         <p:nvPicPr>
-          <p:cNvPr id="14" name="Picture 13" descr="A car driving on a city street filled with lots of traffic&#10;&#10;Description generated with very high confidence">
+          <p:cNvPr id="1028" name="Picture 4" descr="Cityscapes Dataset: Example Ulm">
             <a:extLst>
               <a:ext uri="{FF2B5EF4-FFF2-40B4-BE49-F238E27FC236}">
-                <a16:creationId xmlns:a16="http://schemas.microsoft.com/office/drawing/2014/main" id="{EFA3F2A2-0165-466C-8E3C-E1F10291E38E}"/>
+                <a16:creationId xmlns:a16="http://schemas.microsoft.com/office/drawing/2014/main" id="{4EA1F33A-1C20-4F93-89C7-9F1BB3032C0F}"/>
               </a:ext>
             </a:extLst>
           </p:cNvPr>
           <p:cNvPicPr>
-            <a:picLocks noChangeAspect="1"/>
+            <a:picLocks noChangeAspect="1" noChangeArrowheads="1"/>
           </p:cNvPicPr>
           <p:nvPr/>
         </p:nvPicPr>
@@ -12943,20 +18094,149 @@
               </a:ext>
             </a:extLst>
           </a:blip>
+          <a:srcRect/>
           <a:stretch>
             <a:fillRect/>
           </a:stretch>
         </p:blipFill>
-        <p:spPr>
+        <p:spPr bwMode="auto">
           <a:xfrm>
-            <a:off x="5138190" y="2737292"/>
-            <a:ext cx="3428011" cy="3428011"/>
+            <a:off x="3131840" y="4195368"/>
+            <a:ext cx="4283968" cy="2133803"/>
           </a:xfrm>
           <a:prstGeom prst="rect">
             <a:avLst/>
           </a:prstGeom>
+          <a:noFill/>
+          <a:extLst>
+            <a:ext uri="{909E8E84-426E-40DD-AFC4-6F175D3DCCD1}">
+              <a14:hiddenFill xmlns:a14="http://schemas.microsoft.com/office/drawing/2010/main">
+                <a:solidFill>
+                  <a:srgbClr val="FFFFFF"/>
+                </a:solidFill>
+              </a14:hiddenFill>
+            </a:ext>
+          </a:extLst>
         </p:spPr>
       </p:pic>
+      <p:sp>
+        <p:nvSpPr>
+          <p:cNvPr id="21" name="Textfeld 20">
+            <a:extLst>
+              <a:ext uri="{FF2B5EF4-FFF2-40B4-BE49-F238E27FC236}">
+                <a16:creationId xmlns:a16="http://schemas.microsoft.com/office/drawing/2014/main" id="{FD434367-00C0-4383-B06D-814B47A89049}"/>
+              </a:ext>
+            </a:extLst>
+          </p:cNvPr>
+          <p:cNvSpPr txBox="1"/>
+          <p:nvPr/>
+        </p:nvSpPr>
+        <p:spPr>
+          <a:xfrm>
+            <a:off x="358775" y="5046825"/>
+            <a:ext cx="2801117" cy="430887"/>
+          </a:xfrm>
+          <a:prstGeom prst="rect">
+            <a:avLst/>
+          </a:prstGeom>
+          <a:noFill/>
+        </p:spPr>
+        <p:txBody>
+          <a:bodyPr wrap="square" rtlCol="0">
+            <a:spAutoFit/>
+          </a:bodyPr>
+          <a:lstStyle/>
+          <a:p>
+            <a:r>
+              <a:rPr lang="en-US" sz="2200" dirty="0"/>
+              <a:t>Autonomous Driving</a:t>
+            </a:r>
+            <a:endParaRPr lang="de-DE" sz="2200" dirty="0"/>
+          </a:p>
+        </p:txBody>
+      </p:sp>
+      <p:sp>
+        <p:nvSpPr>
+          <p:cNvPr id="2" name="Textfeld 1">
+            <a:extLst>
+              <a:ext uri="{FF2B5EF4-FFF2-40B4-BE49-F238E27FC236}">
+                <a16:creationId xmlns:a16="http://schemas.microsoft.com/office/drawing/2014/main" id="{AA3C6570-F6C4-43DE-9B68-09CD0EA36B25}"/>
+              </a:ext>
+            </a:extLst>
+          </p:cNvPr>
+          <p:cNvSpPr txBox="1"/>
+          <p:nvPr/>
+        </p:nvSpPr>
+        <p:spPr>
+          <a:xfrm>
+            <a:off x="7365012" y="5965005"/>
+            <a:ext cx="1556075" cy="400110"/>
+          </a:xfrm>
+          <a:prstGeom prst="rect">
+            <a:avLst/>
+          </a:prstGeom>
+          <a:noFill/>
+        </p:spPr>
+        <p:txBody>
+          <a:bodyPr wrap="square" rtlCol="0">
+            <a:spAutoFit/>
+          </a:bodyPr>
+          <a:lstStyle/>
+          <a:p>
+            <a:r>
+              <a:rPr lang="de-DE" sz="1000" dirty="0"/>
+              <a:t>Marius </a:t>
+            </a:r>
+            <a:r>
+              <a:rPr lang="de-DE" sz="1000" dirty="0" err="1"/>
+              <a:t>Cordts</a:t>
+            </a:r>
+            <a:r>
+              <a:rPr lang="de-DE" sz="1000" dirty="0"/>
+              <a:t> et al., 2016</a:t>
+            </a:r>
+          </a:p>
+        </p:txBody>
+      </p:sp>
+      <p:sp>
+        <p:nvSpPr>
+          <p:cNvPr id="10" name="Textfeld 9">
+            <a:extLst>
+              <a:ext uri="{FF2B5EF4-FFF2-40B4-BE49-F238E27FC236}">
+                <a16:creationId xmlns:a16="http://schemas.microsoft.com/office/drawing/2014/main" id="{41AF83B1-10E7-4693-A352-3049E19D98DC}"/>
+              </a:ext>
+            </a:extLst>
+          </p:cNvPr>
+          <p:cNvSpPr txBox="1"/>
+          <p:nvPr/>
+        </p:nvSpPr>
+        <p:spPr>
+          <a:xfrm>
+            <a:off x="6719484" y="3883753"/>
+            <a:ext cx="1650863" cy="246221"/>
+          </a:xfrm>
+          <a:prstGeom prst="rect">
+            <a:avLst/>
+          </a:prstGeom>
+          <a:noFill/>
+        </p:spPr>
+        <p:txBody>
+          <a:bodyPr wrap="square" rtlCol="0">
+            <a:spAutoFit/>
+          </a:bodyPr>
+          <a:lstStyle/>
+          <a:p>
+            <a:r>
+              <a:rPr lang="de-DE" sz="1000" dirty="0" err="1"/>
+              <a:t>Shaoguo</a:t>
+            </a:r>
+            <a:r>
+              <a:rPr lang="de-DE" sz="1000" dirty="0"/>
+              <a:t> Cui et al., 2018 </a:t>
+            </a:r>
+          </a:p>
+        </p:txBody>
+      </p:sp>
     </p:spTree>
     <p:custDataLst>
       <p:tags r:id="rId1"/>
@@ -12974,6 +18254,327 @@
 </file>
 
 <file path=ppt/slides/slide3.xml><?xml version="1.0" encoding="utf-8"?>
+<p:sld xmlns:a="http://schemas.openxmlformats.org/drawingml/2006/main" xmlns:r="http://schemas.openxmlformats.org/officeDocument/2006/relationships" xmlns:p="http://schemas.openxmlformats.org/presentationml/2006/main">
+  <p:cSld>
+    <p:spTree>
+      <p:nvGrpSpPr>
+        <p:cNvPr id="1" name=""/>
+        <p:cNvGrpSpPr/>
+        <p:nvPr/>
+      </p:nvGrpSpPr>
+      <p:grpSpPr>
+        <a:xfrm>
+          <a:off x="0" y="0"/>
+          <a:ext cx="0" cy="0"/>
+          <a:chOff x="0" y="0"/>
+          <a:chExt cx="0" cy="0"/>
+        </a:xfrm>
+      </p:grpSpPr>
+      <p:sp>
+        <p:nvSpPr>
+          <p:cNvPr id="2" name="Titel 1">
+            <a:extLst>
+              <a:ext uri="{FF2B5EF4-FFF2-40B4-BE49-F238E27FC236}">
+                <a16:creationId xmlns:a16="http://schemas.microsoft.com/office/drawing/2014/main" id="{D5FB7085-F281-465F-806B-908CA5496179}"/>
+              </a:ext>
+            </a:extLst>
+          </p:cNvPr>
+          <p:cNvSpPr>
+            <a:spLocks noGrp="1"/>
+          </p:cNvSpPr>
+          <p:nvPr>
+            <p:ph type="title"/>
+          </p:nvPr>
+        </p:nvSpPr>
+        <p:spPr/>
+        <p:txBody>
+          <a:bodyPr/>
+          <a:lstStyle/>
+          <a:p>
+            <a:r>
+              <a:rPr lang="en-US" dirty="0" err="1"/>
+              <a:t>CityScapes</a:t>
+            </a:r>
+            <a:r>
+              <a:rPr lang="en-US" dirty="0"/>
+              <a:t>: Dataset Overview</a:t>
+            </a:r>
+            <a:endParaRPr lang="de-DE" dirty="0"/>
+          </a:p>
+        </p:txBody>
+      </p:sp>
+      <p:sp>
+        <p:nvSpPr>
+          <p:cNvPr id="3" name="Inhaltsplatzhalter 2">
+            <a:extLst>
+              <a:ext uri="{FF2B5EF4-FFF2-40B4-BE49-F238E27FC236}">
+                <a16:creationId xmlns:a16="http://schemas.microsoft.com/office/drawing/2014/main" id="{638893F0-CC97-4A61-A658-AD66F9C7D65F}"/>
+              </a:ext>
+            </a:extLst>
+          </p:cNvPr>
+          <p:cNvSpPr>
+            <a:spLocks noGrp="1"/>
+          </p:cNvSpPr>
+          <p:nvPr>
+            <p:ph idx="1"/>
+          </p:nvPr>
+        </p:nvSpPr>
+        <p:spPr>
+          <a:xfrm>
+            <a:off x="360000" y="1620000"/>
+            <a:ext cx="3894996" cy="4479943"/>
+          </a:xfrm>
+        </p:spPr>
+        <p:txBody>
+          <a:bodyPr anchor="ctr"/>
+          <a:lstStyle/>
+          <a:p>
+            <a:pPr marL="342900" indent="-342900">
+              <a:lnSpc>
+                <a:spcPct val="100000"/>
+              </a:lnSpc>
+              <a:buFont typeface="Arial" panose="020B0604020202020204" pitchFamily="34" charset="0"/>
+              <a:buChar char="•"/>
+            </a:pPr>
+            <a:r>
+              <a:rPr lang="en-US" sz="2200" dirty="0"/>
+              <a:t>5000 fine annotated images of street scenes (2950 for training)</a:t>
+            </a:r>
+          </a:p>
+          <a:p>
+            <a:pPr marL="342900" indent="-342900">
+              <a:lnSpc>
+                <a:spcPct val="100000"/>
+              </a:lnSpc>
+              <a:buFont typeface="Arial" panose="020B0604020202020204" pitchFamily="34" charset="0"/>
+              <a:buChar char="•"/>
+            </a:pPr>
+            <a:endParaRPr lang="en-US" sz="2200" dirty="0"/>
+          </a:p>
+          <a:p>
+            <a:pPr marL="342900" indent="-342900">
+              <a:lnSpc>
+                <a:spcPct val="100000"/>
+              </a:lnSpc>
+              <a:buFont typeface="Arial" panose="020B0604020202020204" pitchFamily="34" charset="0"/>
+              <a:buChar char="•"/>
+            </a:pPr>
+            <a:r>
+              <a:rPr lang="en-US" sz="2200" dirty="0"/>
+              <a:t>50 different cities, primarily in Germany</a:t>
+            </a:r>
+          </a:p>
+          <a:p>
+            <a:pPr marL="342900" indent="-342900">
+              <a:lnSpc>
+                <a:spcPct val="100000"/>
+              </a:lnSpc>
+              <a:buFont typeface="Arial" panose="020B0604020202020204" pitchFamily="34" charset="0"/>
+              <a:buChar char="•"/>
+            </a:pPr>
+            <a:endParaRPr lang="en-US" sz="2200" dirty="0"/>
+          </a:p>
+          <a:p>
+            <a:pPr marL="342900" indent="-342900">
+              <a:lnSpc>
+                <a:spcPct val="100000"/>
+              </a:lnSpc>
+              <a:buFont typeface="Arial" panose="020B0604020202020204" pitchFamily="34" charset="0"/>
+              <a:buChar char="•"/>
+            </a:pPr>
+            <a:r>
+              <a:rPr lang="en-US" sz="2200" dirty="0"/>
+              <a:t>34 labels (19 considered while training/ evaluation)</a:t>
+            </a:r>
+          </a:p>
+          <a:p>
+            <a:pPr marL="342900" indent="-342900">
+              <a:lnSpc>
+                <a:spcPct val="100000"/>
+              </a:lnSpc>
+              <a:buFont typeface="Arial" panose="020B0604020202020204" pitchFamily="34" charset="0"/>
+              <a:buChar char="•"/>
+            </a:pPr>
+            <a:endParaRPr lang="en-US" sz="2200" dirty="0"/>
+          </a:p>
+          <a:p>
+            <a:pPr marL="342900" indent="-342900">
+              <a:lnSpc>
+                <a:spcPct val="100000"/>
+              </a:lnSpc>
+              <a:buFont typeface="Arial" panose="020B0604020202020204" pitchFamily="34" charset="0"/>
+              <a:buChar char="•"/>
+            </a:pPr>
+            <a:r>
+              <a:rPr lang="en-US" sz="2200" dirty="0"/>
+              <a:t>Aspect ratio 2:1 (2048x1024)</a:t>
+            </a:r>
+          </a:p>
+        </p:txBody>
+      </p:sp>
+      <p:sp>
+        <p:nvSpPr>
+          <p:cNvPr id="4" name="Foliennummernplatzhalter 3">
+            <a:extLst>
+              <a:ext uri="{FF2B5EF4-FFF2-40B4-BE49-F238E27FC236}">
+                <a16:creationId xmlns:a16="http://schemas.microsoft.com/office/drawing/2014/main" id="{7F1D99A9-F3ED-43FC-A908-0B9716A260D0}"/>
+              </a:ext>
+            </a:extLst>
+          </p:cNvPr>
+          <p:cNvSpPr>
+            <a:spLocks noGrp="1"/>
+          </p:cNvSpPr>
+          <p:nvPr>
+            <p:ph type="sldNum" sz="quarter" idx="4"/>
+          </p:nvPr>
+        </p:nvSpPr>
+        <p:spPr/>
+        <p:txBody>
+          <a:bodyPr/>
+          <a:lstStyle/>
+          <a:p>
+            <a:fld id="{7812E5F0-C840-4E3E-8B69-E11FA2979DCD}" type="slidenum">
+              <a:rPr lang="en-GB" smtClean="0"/>
+              <a:pPr/>
+              <a:t>3</a:t>
+            </a:fld>
+            <a:endParaRPr lang="en-GB" dirty="0"/>
+          </a:p>
+        </p:txBody>
+      </p:sp>
+      <p:sp>
+        <p:nvSpPr>
+          <p:cNvPr id="5" name="Textfeld 4">
+            <a:extLst>
+              <a:ext uri="{FF2B5EF4-FFF2-40B4-BE49-F238E27FC236}">
+                <a16:creationId xmlns:a16="http://schemas.microsoft.com/office/drawing/2014/main" id="{D214C26E-5B16-4BC2-B559-7999E115C7DC}"/>
+              </a:ext>
+            </a:extLst>
+          </p:cNvPr>
+          <p:cNvSpPr txBox="1"/>
+          <p:nvPr/>
+        </p:nvSpPr>
+        <p:spPr>
+          <a:xfrm>
+            <a:off x="5137373" y="5024789"/>
+            <a:ext cx="3899123" cy="492443"/>
+          </a:xfrm>
+          <a:prstGeom prst="rect">
+            <a:avLst/>
+          </a:prstGeom>
+          <a:noFill/>
+        </p:spPr>
+        <p:txBody>
+          <a:bodyPr wrap="square" rtlCol="0">
+            <a:spAutoFit/>
+          </a:bodyPr>
+          <a:lstStyle/>
+          <a:p>
+            <a:r>
+              <a:rPr lang="en-US" sz="2600" dirty="0">
+                <a:sym typeface="Wingdings" panose="05000000000000000000" pitchFamily="2" charset="2"/>
+              </a:rPr>
+              <a:t>uneven class distribution</a:t>
+            </a:r>
+            <a:endParaRPr lang="de-DE" sz="2600" dirty="0"/>
+          </a:p>
+        </p:txBody>
+      </p:sp>
+      <p:sp>
+        <p:nvSpPr>
+          <p:cNvPr id="6" name="Pfeil: nach rechts 5">
+            <a:extLst>
+              <a:ext uri="{FF2B5EF4-FFF2-40B4-BE49-F238E27FC236}">
+                <a16:creationId xmlns:a16="http://schemas.microsoft.com/office/drawing/2014/main" id="{A857A692-2ABC-4119-A732-1BF6E83124A2}"/>
+              </a:ext>
+            </a:extLst>
+          </p:cNvPr>
+          <p:cNvSpPr/>
+          <p:nvPr/>
+        </p:nvSpPr>
+        <p:spPr>
+          <a:xfrm>
+            <a:off x="4273277" y="5050340"/>
+            <a:ext cx="864096" cy="441340"/>
+          </a:xfrm>
+          <a:prstGeom prst="rightArrow">
+            <a:avLst/>
+          </a:prstGeom>
+        </p:spPr>
+        <p:style>
+          <a:lnRef idx="2">
+            <a:schemeClr val="accent1">
+              <a:shade val="50000"/>
+            </a:schemeClr>
+          </a:lnRef>
+          <a:fillRef idx="1">
+            <a:schemeClr val="accent1"/>
+          </a:fillRef>
+          <a:effectRef idx="0">
+            <a:schemeClr val="accent1"/>
+          </a:effectRef>
+          <a:fontRef idx="minor">
+            <a:schemeClr val="lt1"/>
+          </a:fontRef>
+        </p:style>
+        <p:txBody>
+          <a:bodyPr rot="0" spcFirstLastPara="0" vertOverflow="overflow" horzOverflow="overflow" vert="horz" wrap="square" lIns="91440" tIns="45720" rIns="91440" bIns="45720" numCol="1" spcCol="0" rtlCol="0" fromWordArt="0" anchor="ctr" anchorCtr="0" forceAA="0" compatLnSpc="1">
+            <a:prstTxWarp prst="textNoShape">
+              <a:avLst/>
+            </a:prstTxWarp>
+            <a:noAutofit/>
+          </a:bodyPr>
+          <a:lstStyle/>
+          <a:p>
+            <a:pPr algn="ctr"/>
+            <a:endParaRPr lang="de-DE"/>
+          </a:p>
+        </p:txBody>
+      </p:sp>
+      <p:pic>
+        <p:nvPicPr>
+          <p:cNvPr id="7" name="Grafik 6">
+            <a:extLst>
+              <a:ext uri="{FF2B5EF4-FFF2-40B4-BE49-F238E27FC236}">
+                <a16:creationId xmlns:a16="http://schemas.microsoft.com/office/drawing/2014/main" id="{EAA79900-E607-471B-ACF3-E143B4352DA0}"/>
+              </a:ext>
+            </a:extLst>
+          </p:cNvPr>
+          <p:cNvPicPr>
+            <a:picLocks noChangeAspect="1"/>
+          </p:cNvPicPr>
+          <p:nvPr/>
+        </p:nvPicPr>
+        <p:blipFill>
+          <a:blip r:embed="rId2"/>
+          <a:stretch>
+            <a:fillRect/>
+          </a:stretch>
+        </p:blipFill>
+        <p:spPr>
+          <a:xfrm>
+            <a:off x="4250176" y="1620000"/>
+            <a:ext cx="4685509" cy="3285242"/>
+          </a:xfrm>
+          <a:prstGeom prst="rect">
+            <a:avLst/>
+          </a:prstGeom>
+        </p:spPr>
+      </p:pic>
+    </p:spTree>
+    <p:extLst>
+      <p:ext uri="{BB962C8B-B14F-4D97-AF65-F5344CB8AC3E}">
+        <p14:creationId xmlns:p14="http://schemas.microsoft.com/office/powerpoint/2010/main" val="387480593"/>
+      </p:ext>
+    </p:extLst>
+  </p:cSld>
+  <p:clrMapOvr>
+    <a:masterClrMapping/>
+  </p:clrMapOvr>
+</p:sld>
+</file>
+
+<file path=ppt/slides/slide4.xml><?xml version="1.0" encoding="utf-8"?>
 <p:sld xmlns:a="http://schemas.openxmlformats.org/drawingml/2006/main" xmlns:r="http://schemas.openxmlformats.org/officeDocument/2006/relationships" xmlns:p="http://schemas.openxmlformats.org/presentationml/2006/main">
   <p:cSld>
     <p:spTree>
@@ -13018,7 +18619,10 @@
               <a:rPr lang="en-GB" dirty="0" err="1"/>
               <a:t>PixelNet</a:t>
             </a:r>
-            <a:endParaRPr lang="en-GB" dirty="0"/>
+            <a:r>
+              <a:rPr lang="en-GB" dirty="0"/>
+              <a:t>: Architecture</a:t>
+            </a:r>
           </a:p>
         </p:txBody>
       </p:sp>
@@ -13092,7 +18696,7 @@
             <a:fld id="{7812E5F0-C840-4E3E-8B69-E11FA2979DCD}" type="slidenum">
               <a:rPr lang="en-GB" smtClean="0"/>
               <a:pPr/>
-              <a:t>3</a:t>
+              <a:t>4</a:t>
             </a:fld>
             <a:endParaRPr lang="en-GB" dirty="0"/>
           </a:p>
@@ -13114,7 +18718,7 @@
         </p:nvSpPr>
         <p:spPr bwMode="auto">
           <a:xfrm>
-            <a:off x="554226" y="3807735"/>
+            <a:off x="554226" y="3833339"/>
             <a:ext cx="338554" cy="338554"/>
           </a:xfrm>
           <a:prstGeom prst="rect">
@@ -13168,7 +18772,7 @@
         <p:spPr>
           <a:xfrm>
             <a:off x="986428" y="3802561"/>
-            <a:ext cx="6825932" cy="338554"/>
+            <a:ext cx="7587188" cy="400110"/>
           </a:xfrm>
           <a:prstGeom prst="rect">
             <a:avLst/>
@@ -13182,46 +18786,42 @@
           <a:lstStyle/>
           <a:p>
             <a:r>
-              <a:rPr lang="de-DE" sz="1600" dirty="0"/>
+              <a:rPr lang="de-DE" sz="2000" dirty="0"/>
               <a:t>Input </a:t>
             </a:r>
             <a:r>
-              <a:rPr lang="de-DE" sz="1600" dirty="0" err="1"/>
+              <a:rPr lang="de-DE" sz="2000" dirty="0" err="1"/>
               <a:t>image</a:t>
             </a:r>
             <a:r>
-              <a:rPr lang="de-DE" sz="1600" dirty="0"/>
+              <a:rPr lang="de-DE" sz="2000" dirty="0"/>
               <a:t> </a:t>
             </a:r>
             <a:r>
-              <a:rPr lang="de-DE" sz="1600" dirty="0" err="1"/>
+              <a:rPr lang="de-DE" sz="2000" dirty="0" err="1"/>
               <a:t>fed</a:t>
             </a:r>
             <a:r>
-              <a:rPr lang="de-DE" sz="1600" dirty="0"/>
+              <a:rPr lang="de-DE" sz="2000" dirty="0"/>
               <a:t> </a:t>
             </a:r>
             <a:r>
-              <a:rPr lang="de-DE" sz="1600" dirty="0" err="1"/>
+              <a:rPr lang="de-DE" sz="2000" dirty="0" err="1"/>
               <a:t>into</a:t>
             </a:r>
             <a:r>
-              <a:rPr lang="de-DE" sz="1600" dirty="0"/>
-              <a:t> VGG </a:t>
-            </a:r>
-            <a:r>
-              <a:rPr lang="de-DE" sz="1600" dirty="0" err="1"/>
-              <a:t>convolutional</a:t>
-            </a:r>
-            <a:r>
-              <a:rPr lang="de-DE" sz="1600" dirty="0"/>
+              <a:rPr lang="de-DE" sz="2000" dirty="0"/>
               <a:t> </a:t>
             </a:r>
             <a:r>
-              <a:rPr lang="de-DE" sz="1600" dirty="0" err="1"/>
-              <a:t>layers</a:t>
-            </a:r>
-            <a:endParaRPr lang="en-GB" sz="1600" dirty="0"/>
+              <a:rPr lang="de-DE" sz="2000" dirty="0" err="1"/>
+              <a:t>pretrained</a:t>
+            </a:r>
+            <a:r>
+              <a:rPr lang="de-DE" sz="2000" dirty="0"/>
+              <a:t> VGG16</a:t>
+            </a:r>
+            <a:endParaRPr lang="en-GB" sz="2000" dirty="0"/>
           </a:p>
         </p:txBody>
       </p:sp>
@@ -13241,7 +18841,7 @@
         </p:nvSpPr>
         <p:spPr bwMode="auto">
           <a:xfrm>
-            <a:off x="554380" y="4287750"/>
+            <a:off x="554380" y="4317981"/>
             <a:ext cx="338400" cy="338400"/>
           </a:xfrm>
           <a:prstGeom prst="rect">
@@ -13295,7 +18895,7 @@
         <p:spPr>
           <a:xfrm>
             <a:off x="986428" y="4287203"/>
-            <a:ext cx="6825932" cy="338554"/>
+            <a:ext cx="7692434" cy="707886"/>
           </a:xfrm>
           <a:prstGeom prst="rect">
             <a:avLst/>
@@ -13309,58 +18909,64 @@
           <a:lstStyle/>
           <a:p>
             <a:r>
-              <a:rPr lang="de-DE" sz="1600" dirty="0" err="1"/>
-              <a:t>Hypercolumn</a:t>
-            </a:r>
-            <a:r>
-              <a:rPr lang="de-DE" sz="1600" dirty="0"/>
+              <a:rPr lang="de-DE" sz="2000" dirty="0" err="1"/>
+              <a:t>Extraction</a:t>
+            </a:r>
+            <a:r>
+              <a:rPr lang="de-DE" sz="2000" dirty="0"/>
               <a:t> </a:t>
             </a:r>
             <a:r>
-              <a:rPr lang="de-DE" sz="1600" dirty="0" err="1"/>
-              <a:t>descriptor</a:t>
-            </a:r>
-            <a:r>
-              <a:rPr lang="de-DE" sz="1600" dirty="0"/>
-              <a:t>: </a:t>
-            </a:r>
-            <a:r>
-              <a:rPr lang="de-DE" sz="1600" dirty="0" err="1"/>
-              <a:t>extracted</a:t>
-            </a:r>
-            <a:r>
-              <a:rPr lang="de-DE" sz="1600" dirty="0"/>
+              <a:rPr lang="de-DE" sz="2000" dirty="0" err="1"/>
+              <a:t>of</a:t>
+            </a:r>
+            <a:r>
+              <a:rPr lang="de-DE" sz="2000" dirty="0"/>
               <a:t> </a:t>
             </a:r>
             <a:r>
-              <a:rPr lang="de-DE" sz="1600" dirty="0" err="1"/>
+              <a:rPr lang="de-DE" sz="2000" dirty="0" err="1"/>
+              <a:t>hypercolumn</a:t>
+            </a:r>
+            <a:r>
+              <a:rPr lang="de-DE" sz="2000" dirty="0"/>
+              <a:t> </a:t>
+            </a:r>
+            <a:r>
+              <a:rPr lang="de-DE" sz="2000" dirty="0" err="1"/>
               <a:t>features</a:t>
             </a:r>
             <a:r>
-              <a:rPr lang="de-DE" sz="1600" dirty="0"/>
+              <a:rPr lang="de-DE" sz="2000" dirty="0"/>
               <a:t> </a:t>
             </a:r>
             <a:r>
-              <a:rPr lang="de-DE" sz="1600" dirty="0" err="1"/>
-              <a:t>from</a:t>
-            </a:r>
-            <a:r>
-              <a:rPr lang="de-DE" sz="1600" dirty="0"/>
+              <a:rPr lang="de-DE" sz="2000" dirty="0" err="1"/>
+              <a:t>for</a:t>
+            </a:r>
+            <a:r>
+              <a:rPr lang="de-DE" sz="2000" dirty="0"/>
               <a:t> </a:t>
             </a:r>
             <a:r>
-              <a:rPr lang="de-DE" sz="1600" dirty="0" err="1"/>
+              <a:rPr lang="de-DE" sz="2000" dirty="0" err="1"/>
               <a:t>each</a:t>
             </a:r>
             <a:r>
-              <a:rPr lang="de-DE" sz="1600" dirty="0"/>
-              <a:t> VGG </a:t>
-            </a:r>
-            <a:r>
-              <a:rPr lang="de-DE" sz="1600" dirty="0" err="1"/>
-              <a:t>layer</a:t>
-            </a:r>
-            <a:endParaRPr lang="en-GB" sz="1600" dirty="0"/>
+              <a:rPr lang="de-DE" sz="2000" dirty="0"/>
+              <a:t> Pixel</a:t>
+            </a:r>
+          </a:p>
+          <a:p>
+            <a:r>
+              <a:rPr lang="en-US" sz="2000" dirty="0"/>
+              <a:t>(during training a small subset of pixels is randomly sampled</a:t>
+            </a:r>
+            <a:r>
+              <a:rPr lang="de-DE" sz="2000" dirty="0"/>
+              <a:t>)</a:t>
+            </a:r>
+            <a:endParaRPr lang="en-GB" sz="2000" dirty="0"/>
           </a:p>
         </p:txBody>
       </p:sp>
@@ -13380,7 +18986,7 @@
         </p:nvSpPr>
         <p:spPr bwMode="auto">
           <a:xfrm>
-            <a:off x="554380" y="4766175"/>
+            <a:off x="554380" y="5054928"/>
             <a:ext cx="338400" cy="338400"/>
           </a:xfrm>
           <a:prstGeom prst="rect">
@@ -13433,8 +19039,8 @@
         </p:nvSpPr>
         <p:spPr>
           <a:xfrm>
-            <a:off x="986428" y="4766021"/>
-            <a:ext cx="6825932" cy="338554"/>
+            <a:off x="986428" y="5020657"/>
+            <a:ext cx="7329988" cy="400110"/>
           </a:xfrm>
           <a:prstGeom prst="rect">
             <a:avLst/>
@@ -13448,22 +19054,58 @@
           <a:lstStyle/>
           <a:p>
             <a:r>
-              <a:rPr lang="de-DE" sz="1600" dirty="0" err="1"/>
-              <a:t>Multilayer</a:t>
-            </a:r>
-            <a:r>
-              <a:rPr lang="de-DE" sz="1600" dirty="0"/>
+              <a:rPr lang="de-DE" sz="2000" dirty="0"/>
+              <a:t>MLP </a:t>
+            </a:r>
+            <a:r>
+              <a:rPr lang="de-DE" sz="2000" dirty="0" err="1"/>
+              <a:t>predicts</a:t>
+            </a:r>
+            <a:r>
+              <a:rPr lang="de-DE" sz="2000" dirty="0"/>
               <a:t> </a:t>
             </a:r>
             <a:r>
-              <a:rPr lang="de-DE" sz="1600" dirty="0" err="1"/>
-              <a:t>perceptron</a:t>
-            </a:r>
-            <a:r>
-              <a:rPr lang="de-DE" sz="1600" dirty="0"/>
+              <a:rPr lang="de-DE" sz="2000" dirty="0" err="1"/>
+              <a:t>label</a:t>
+            </a:r>
+            <a:r>
+              <a:rPr lang="de-DE" sz="2000" dirty="0"/>
               <a:t> </a:t>
             </a:r>
-            <a:endParaRPr lang="en-GB" sz="1600" dirty="0"/>
+            <a:r>
+              <a:rPr lang="de-DE" sz="2000" dirty="0" err="1"/>
+              <a:t>for</a:t>
+            </a:r>
+            <a:r>
+              <a:rPr lang="de-DE" sz="2000" dirty="0"/>
+              <a:t> </a:t>
+            </a:r>
+            <a:r>
+              <a:rPr lang="de-DE" sz="2000" dirty="0" err="1"/>
+              <a:t>each</a:t>
+            </a:r>
+            <a:r>
+              <a:rPr lang="de-DE" sz="2000" dirty="0"/>
+              <a:t> </a:t>
+            </a:r>
+            <a:r>
+              <a:rPr lang="de-DE" sz="2000" dirty="0" err="1"/>
+              <a:t>particular</a:t>
+            </a:r>
+            <a:r>
+              <a:rPr lang="de-DE" sz="2000" dirty="0"/>
+              <a:t> </a:t>
+            </a:r>
+            <a:r>
+              <a:rPr lang="de-DE" sz="2000" dirty="0" err="1"/>
+              <a:t>hypercolumn</a:t>
+            </a:r>
+            <a:r>
+              <a:rPr lang="de-DE" sz="2000" dirty="0"/>
+              <a:t> feature  </a:t>
+            </a:r>
+            <a:endParaRPr lang="en-GB" sz="2000" dirty="0"/>
           </a:p>
         </p:txBody>
       </p:sp>
@@ -13483,7 +19125,7 @@
         </p:nvSpPr>
         <p:spPr bwMode="auto">
           <a:xfrm>
-            <a:off x="554380" y="5250663"/>
+            <a:off x="554226" y="5536000"/>
             <a:ext cx="338400" cy="338400"/>
           </a:xfrm>
           <a:prstGeom prst="rect">
@@ -13536,8 +19178,8 @@
         </p:nvSpPr>
         <p:spPr>
           <a:xfrm>
-            <a:off x="986428" y="5250509"/>
-            <a:ext cx="6825932" cy="338554"/>
+            <a:off x="986428" y="5505145"/>
+            <a:ext cx="6825932" cy="400110"/>
           </a:xfrm>
           <a:prstGeom prst="rect">
             <a:avLst/>
@@ -13551,90 +19193,75 @@
           <a:lstStyle/>
           <a:p>
             <a:r>
-              <a:rPr lang="de-DE" sz="1600" dirty="0"/>
+              <a:rPr lang="de-DE" sz="2000" dirty="0"/>
               <a:t>Output: </a:t>
             </a:r>
             <a:r>
-              <a:rPr lang="de-DE" sz="1600" dirty="0" err="1"/>
+              <a:rPr lang="de-DE" sz="2000" dirty="0" err="1"/>
               <a:t>class</a:t>
             </a:r>
             <a:r>
-              <a:rPr lang="de-DE" sz="1600" dirty="0"/>
+              <a:rPr lang="de-DE" sz="2000" dirty="0"/>
               <a:t> </a:t>
             </a:r>
             <a:r>
-              <a:rPr lang="de-DE" sz="1600" dirty="0" err="1"/>
-              <a:t>labels</a:t>
-            </a:r>
-            <a:endParaRPr lang="en-GB" sz="1600" dirty="0"/>
+              <a:rPr lang="de-DE" sz="2000" dirty="0" err="1"/>
+              <a:t>label</a:t>
+            </a:r>
+            <a:r>
+              <a:rPr lang="de-DE" sz="2000" dirty="0"/>
+              <a:t> </a:t>
+            </a:r>
+            <a:r>
+              <a:rPr lang="de-DE" sz="2000" dirty="0" err="1"/>
+              <a:t>for</a:t>
+            </a:r>
+            <a:r>
+              <a:rPr lang="de-DE" sz="2000" dirty="0"/>
+              <a:t> </a:t>
+            </a:r>
+            <a:r>
+              <a:rPr lang="de-DE" sz="2000" dirty="0" err="1"/>
+              <a:t>each</a:t>
+            </a:r>
+            <a:r>
+              <a:rPr lang="de-DE" sz="2000" dirty="0"/>
+              <a:t> </a:t>
+            </a:r>
+            <a:r>
+              <a:rPr lang="de-DE" sz="2000" dirty="0" err="1"/>
+              <a:t>input</a:t>
+            </a:r>
+            <a:r>
+              <a:rPr lang="de-DE" sz="2000" dirty="0"/>
+              <a:t> </a:t>
+            </a:r>
+            <a:r>
+              <a:rPr lang="de-DE" sz="2000" dirty="0" err="1"/>
+              <a:t>pixel</a:t>
+            </a:r>
+            <a:r>
+              <a:rPr lang="de-DE" sz="2000" dirty="0"/>
+              <a:t> </a:t>
+            </a:r>
+            <a:r>
+              <a:rPr lang="de-DE" sz="2000" dirty="0" err="1"/>
+              <a:t>of</a:t>
+            </a:r>
+            <a:r>
+              <a:rPr lang="de-DE" sz="2000" dirty="0"/>
+              <a:t> MLP </a:t>
+            </a:r>
+            <a:endParaRPr lang="en-GB" sz="2000" dirty="0"/>
           </a:p>
         </p:txBody>
       </p:sp>
       <p:sp>
         <p:nvSpPr>
-          <p:cNvPr id="146" name="Arrow: Right 145">
+          <p:cNvPr id="13" name="Textfeld 12">
             <a:extLst>
               <a:ext uri="{FF2B5EF4-FFF2-40B4-BE49-F238E27FC236}">
-                <a16:creationId xmlns:a16="http://schemas.microsoft.com/office/drawing/2014/main" id="{0CF12605-321F-4C13-B647-285B4DBFC862}"/>
-              </a:ext>
-            </a:extLst>
-          </p:cNvPr>
-          <p:cNvSpPr/>
-          <p:nvPr/>
-        </p:nvSpPr>
-        <p:spPr>
-          <a:xfrm>
-            <a:off x="372467" y="5833199"/>
-            <a:ext cx="432049" cy="360040"/>
-          </a:xfrm>
-          <a:prstGeom prst="rightArrow">
-            <a:avLst/>
-          </a:prstGeom>
-          <a:solidFill>
-            <a:srgbClr val="9C1C26"/>
-          </a:solidFill>
-          <a:ln>
-            <a:solidFill>
-              <a:srgbClr val="9C1C26"/>
-            </a:solidFill>
-          </a:ln>
-        </p:spPr>
-        <p:style>
-          <a:lnRef idx="2">
-            <a:schemeClr val="accent1">
-              <a:shade val="50000"/>
-            </a:schemeClr>
-          </a:lnRef>
-          <a:fillRef idx="1">
-            <a:schemeClr val="accent1"/>
-          </a:fillRef>
-          <a:effectRef idx="0">
-            <a:schemeClr val="accent1"/>
-          </a:effectRef>
-          <a:fontRef idx="minor">
-            <a:schemeClr val="lt1"/>
-          </a:fontRef>
-        </p:style>
-        <p:txBody>
-          <a:bodyPr rot="0" spcFirstLastPara="0" vertOverflow="overflow" horzOverflow="overflow" vert="horz" wrap="square" lIns="91440" tIns="45720" rIns="91440" bIns="45720" numCol="1" spcCol="0" rtlCol="0" fromWordArt="0" anchor="ctr" anchorCtr="0" forceAA="0" compatLnSpc="1">
-            <a:prstTxWarp prst="textNoShape">
-              <a:avLst/>
-            </a:prstTxWarp>
-            <a:noAutofit/>
-          </a:bodyPr>
-          <a:lstStyle/>
-          <a:p>
-            <a:pPr algn="ctr"/>
-            <a:endParaRPr lang="de-DE"/>
-          </a:p>
-        </p:txBody>
-      </p:sp>
-      <p:sp>
-        <p:nvSpPr>
-          <p:cNvPr id="147" name="TextBox 146">
-            <a:extLst>
-              <a:ext uri="{FF2B5EF4-FFF2-40B4-BE49-F238E27FC236}">
-                <a16:creationId xmlns:a16="http://schemas.microsoft.com/office/drawing/2014/main" id="{C2419776-09DA-441B-A4E5-DC290C742D97}"/>
+                <a16:creationId xmlns:a16="http://schemas.microsoft.com/office/drawing/2014/main" id="{EB93FFBF-66D9-4D57-89BD-024EC4ED7F5C}"/>
               </a:ext>
             </a:extLst>
           </p:cNvPr>
@@ -13643,8 +19270,8 @@
         </p:nvSpPr>
         <p:spPr>
           <a:xfrm>
-            <a:off x="804516" y="5734997"/>
-            <a:ext cx="8087964" cy="584775"/>
+            <a:off x="7092280" y="3619587"/>
+            <a:ext cx="1705911" cy="246221"/>
           </a:xfrm>
           <a:prstGeom prst="rect">
             <a:avLst/>
@@ -13658,22 +19285,20 @@
           <a:lstStyle/>
           <a:p>
             <a:r>
-              <a:rPr lang="en-GB" sz="1600" i="1" dirty="0">
-                <a:sym typeface="Wingdings" panose="05000000000000000000" pitchFamily="2" charset="2"/>
-              </a:rPr>
-              <a:t>As semantic segmentation is useful for autonomous driving issues, </a:t>
-            </a:r>
-            <a:r>
-              <a:rPr lang="en-GB" sz="1600" i="1" dirty="0" err="1">
-                <a:sym typeface="Wingdings" panose="05000000000000000000" pitchFamily="2" charset="2"/>
-              </a:rPr>
-              <a:t>PixelNet</a:t>
-            </a:r>
-            <a:r>
-              <a:rPr lang="en-GB" sz="1600" i="1" dirty="0">
-                <a:sym typeface="Wingdings" panose="05000000000000000000" pitchFamily="2" charset="2"/>
-              </a:rPr>
-              <a:t> might be a useful network</a:t>
+              <a:rPr lang="de-DE" sz="1000" dirty="0" err="1"/>
+              <a:t>Aayush</a:t>
+            </a:r>
+            <a:r>
+              <a:rPr lang="de-DE" sz="1000" dirty="0"/>
+              <a:t> </a:t>
+            </a:r>
+            <a:r>
+              <a:rPr lang="de-DE" sz="1000" dirty="0" err="1"/>
+              <a:t>Bansal</a:t>
+            </a:r>
+            <a:r>
+              <a:rPr lang="de-DE" sz="1000" dirty="0"/>
+              <a:t> et al., 2016</a:t>
             </a:r>
           </a:p>
         </p:txBody>
@@ -13685,509 +19310,6 @@
     <p:extLst>
       <p:ext uri="{BB962C8B-B14F-4D97-AF65-F5344CB8AC3E}">
         <p14:creationId xmlns:p14="http://schemas.microsoft.com/office/powerpoint/2010/main" val="1523692286"/>
-      </p:ext>
-    </p:extLst>
-  </p:cSld>
-  <p:clrMapOvr>
-    <a:masterClrMapping/>
-  </p:clrMapOvr>
-  <p:timing>
-    <p:tnLst>
-      <p:par>
-        <p:cTn id="1" dur="indefinite" restart="never" nodeType="tmRoot">
-          <p:childTnLst>
-            <p:seq concurrent="1" nextAc="seek">
-              <p:cTn id="2" dur="indefinite" nodeType="mainSeq">
-                <p:childTnLst>
-                  <p:par>
-                    <p:cTn id="3" fill="hold">
-                      <p:stCondLst>
-                        <p:cond delay="indefinite"/>
-                      </p:stCondLst>
-                      <p:childTnLst>
-                        <p:par>
-                          <p:cTn id="4" fill="hold">
-                            <p:stCondLst>
-                              <p:cond delay="0"/>
-                            </p:stCondLst>
-                            <p:childTnLst>
-                              <p:par>
-                                <p:cTn id="5" presetID="1" presetClass="entr" presetSubtype="0" fill="hold" grpId="0" nodeType="clickEffect">
-                                  <p:stCondLst>
-                                    <p:cond delay="0"/>
-                                  </p:stCondLst>
-                                  <p:childTnLst>
-                                    <p:set>
-                                      <p:cBhvr>
-                                        <p:cTn id="6" dur="1" fill="hold">
-                                          <p:stCondLst>
-                                            <p:cond delay="0"/>
-                                          </p:stCondLst>
-                                        </p:cTn>
-                                        <p:tgtEl>
-                                          <p:spTgt spid="146"/>
-                                        </p:tgtEl>
-                                        <p:attrNameLst>
-                                          <p:attrName>style.visibility</p:attrName>
-                                        </p:attrNameLst>
-                                      </p:cBhvr>
-                                      <p:to>
-                                        <p:strVal val="visible"/>
-                                      </p:to>
-                                    </p:set>
-                                  </p:childTnLst>
-                                </p:cTn>
-                              </p:par>
-                              <p:par>
-                                <p:cTn id="7" presetID="1" presetClass="entr" presetSubtype="0" fill="hold" grpId="0" nodeType="withEffect">
-                                  <p:stCondLst>
-                                    <p:cond delay="0"/>
-                                  </p:stCondLst>
-                                  <p:childTnLst>
-                                    <p:set>
-                                      <p:cBhvr>
-                                        <p:cTn id="8" dur="1" fill="hold">
-                                          <p:stCondLst>
-                                            <p:cond delay="0"/>
-                                          </p:stCondLst>
-                                        </p:cTn>
-                                        <p:tgtEl>
-                                          <p:spTgt spid="147"/>
-                                        </p:tgtEl>
-                                        <p:attrNameLst>
-                                          <p:attrName>style.visibility</p:attrName>
-                                        </p:attrNameLst>
-                                      </p:cBhvr>
-                                      <p:to>
-                                        <p:strVal val="visible"/>
-                                      </p:to>
-                                    </p:set>
-                                  </p:childTnLst>
-                                </p:cTn>
-                              </p:par>
-                            </p:childTnLst>
-                          </p:cTn>
-                        </p:par>
-                      </p:childTnLst>
-                    </p:cTn>
-                  </p:par>
-                </p:childTnLst>
-              </p:cTn>
-              <p:prevCondLst>
-                <p:cond evt="onPrev" delay="0">
-                  <p:tgtEl>
-                    <p:sldTgt/>
-                  </p:tgtEl>
-                </p:cond>
-              </p:prevCondLst>
-              <p:nextCondLst>
-                <p:cond evt="onNext" delay="0">
-                  <p:tgtEl>
-                    <p:sldTgt/>
-                  </p:tgtEl>
-                </p:cond>
-              </p:nextCondLst>
-            </p:seq>
-          </p:childTnLst>
-        </p:cTn>
-      </p:par>
-    </p:tnLst>
-    <p:bldLst>
-      <p:bldP spid="146" grpId="0" animBg="1"/>
-      <p:bldP spid="147" grpId="0"/>
-    </p:bldLst>
-  </p:timing>
-</p:sld>
-</file>
-
-<file path=ppt/slides/slide4.xml><?xml version="1.0" encoding="utf-8"?>
-<p:sld xmlns:a="http://schemas.openxmlformats.org/drawingml/2006/main" xmlns:r="http://schemas.openxmlformats.org/officeDocument/2006/relationships" xmlns:p="http://schemas.openxmlformats.org/presentationml/2006/main">
-  <p:cSld>
-    <p:spTree>
-      <p:nvGrpSpPr>
-        <p:cNvPr id="1" name=""/>
-        <p:cNvGrpSpPr/>
-        <p:nvPr/>
-      </p:nvGrpSpPr>
-      <p:grpSpPr>
-        <a:xfrm>
-          <a:off x="0" y="0"/>
-          <a:ext cx="0" cy="0"/>
-          <a:chOff x="0" y="0"/>
-          <a:chExt cx="0" cy="0"/>
-        </a:xfrm>
-      </p:grpSpPr>
-      <p:sp>
-        <p:nvSpPr>
-          <p:cNvPr id="3" name="Title 2">
-            <a:extLst>
-              <a:ext uri="{FF2B5EF4-FFF2-40B4-BE49-F238E27FC236}">
-                <a16:creationId xmlns:a16="http://schemas.microsoft.com/office/drawing/2014/main" id="{9C2D8BE1-0B63-4513-80C3-BCB65016B060}"/>
-              </a:ext>
-            </a:extLst>
-          </p:cNvPr>
-          <p:cNvSpPr>
-            <a:spLocks noGrp="1"/>
-          </p:cNvSpPr>
-          <p:nvPr>
-            <p:ph type="title"/>
-            <p:custDataLst>
-              <p:tags r:id="rId2"/>
-            </p:custDataLst>
-          </p:nvPr>
-        </p:nvSpPr>
-        <p:spPr/>
-        <p:txBody>
-          <a:bodyPr/>
-          <a:lstStyle/>
-          <a:p>
-            <a:r>
-              <a:rPr lang="en-GB" dirty="0"/>
-              <a:t>Our approach</a:t>
-            </a:r>
-          </a:p>
-        </p:txBody>
-      </p:sp>
-      <p:sp>
-        <p:nvSpPr>
-          <p:cNvPr id="43" name="Slide Number Placeholder 42">
-            <a:extLst>
-              <a:ext uri="{FF2B5EF4-FFF2-40B4-BE49-F238E27FC236}">
-                <a16:creationId xmlns:a16="http://schemas.microsoft.com/office/drawing/2014/main" id="{27BE2B68-2686-4444-AB71-B5A69405B167}"/>
-              </a:ext>
-            </a:extLst>
-          </p:cNvPr>
-          <p:cNvSpPr>
-            <a:spLocks noGrp="1"/>
-          </p:cNvSpPr>
-          <p:nvPr>
-            <p:ph type="sldNum" sz="quarter" idx="4"/>
-          </p:nvPr>
-        </p:nvSpPr>
-        <p:spPr/>
-        <p:txBody>
-          <a:bodyPr/>
-          <a:lstStyle/>
-          <a:p>
-            <a:fld id="{7812E5F0-C840-4E3E-8B69-E11FA2979DCD}" type="slidenum">
-              <a:rPr lang="en-GB" smtClean="0"/>
-              <a:pPr/>
-              <a:t>4</a:t>
-            </a:fld>
-            <a:endParaRPr lang="en-GB" dirty="0"/>
-          </a:p>
-        </p:txBody>
-      </p:sp>
-      <p:sp>
-        <p:nvSpPr>
-          <p:cNvPr id="5" name="Richtungspfeil 7">
-            <a:extLst>
-              <a:ext uri="{FF2B5EF4-FFF2-40B4-BE49-F238E27FC236}">
-                <a16:creationId xmlns:a16="http://schemas.microsoft.com/office/drawing/2014/main" id="{D89F7CEB-42A6-40BD-BCE4-02EDE70A1AE4}"/>
-              </a:ext>
-            </a:extLst>
-          </p:cNvPr>
-          <p:cNvSpPr/>
-          <p:nvPr>
-            <p:custDataLst>
-              <p:tags r:id="rId3"/>
-            </p:custDataLst>
-          </p:nvPr>
-        </p:nvSpPr>
-        <p:spPr bwMode="auto">
-          <a:xfrm rot="5400000">
-            <a:off x="1620776" y="474726"/>
-            <a:ext cx="1509712" cy="3960688"/>
-          </a:xfrm>
-          <a:prstGeom prst="homePlate">
-            <a:avLst>
-              <a:gd name="adj" fmla="val 16924"/>
-            </a:avLst>
-          </a:prstGeom>
-          <a:solidFill>
-            <a:srgbClr val="FFFFFF">
-              <a:lumMod val="100000"/>
-            </a:srgbClr>
-          </a:solidFill>
-          <a:ln w="9525">
-            <a:solidFill>
-              <a:srgbClr val="9C1C26"/>
-            </a:solidFill>
-            <a:miter lim="800000"/>
-            <a:headEnd/>
-            <a:tailEnd/>
-          </a:ln>
-          <a:effectLst/>
-        </p:spPr>
-        <p:txBody>
-          <a:bodyPr vert="vert270" lIns="90000" tIns="46800" rIns="90000" bIns="46800" anchor="ctr"/>
-          <a:lstStyle/>
-          <a:p>
-            <a:pPr algn="ctr">
-              <a:spcBef>
-                <a:spcPct val="0"/>
-              </a:spcBef>
-              <a:spcAft>
-                <a:spcPct val="0"/>
-              </a:spcAft>
-              <a:buClrTx/>
-            </a:pPr>
-            <a:r>
-              <a:rPr lang="de-DE" b="1" dirty="0">
-                <a:latin typeface="Arial" panose="020B0604020202020204" pitchFamily="34" charset="0"/>
-              </a:rPr>
-              <a:t>I</a:t>
-            </a:r>
-            <a:r>
-              <a:rPr lang="en-GB" b="1" dirty="0" err="1">
-                <a:latin typeface="Arial" panose="020B0604020202020204" pitchFamily="34" charset="0"/>
-              </a:rPr>
-              <a:t>mplementing</a:t>
-            </a:r>
-            <a:r>
-              <a:rPr lang="en-GB" b="1" dirty="0">
-                <a:latin typeface="Arial" panose="020B0604020202020204" pitchFamily="34" charset="0"/>
-              </a:rPr>
-              <a:t> </a:t>
-            </a:r>
-            <a:r>
-              <a:rPr lang="en-GB" b="1" dirty="0" err="1">
-                <a:latin typeface="Arial" panose="020B0604020202020204" pitchFamily="34" charset="0"/>
-              </a:rPr>
-              <a:t>PixelNet</a:t>
-            </a:r>
-            <a:r>
-              <a:rPr lang="en-GB" b="1" dirty="0">
-                <a:latin typeface="Arial" panose="020B0604020202020204" pitchFamily="34" charset="0"/>
-              </a:rPr>
-              <a:t> with </a:t>
-            </a:r>
-            <a:r>
-              <a:rPr lang="en-GB" b="1" dirty="0" err="1">
-                <a:latin typeface="Arial" panose="020B0604020202020204" pitchFamily="34" charset="0"/>
-              </a:rPr>
-              <a:t>Tensorflow</a:t>
-            </a:r>
-            <a:endParaRPr lang="en-GB" b="1" dirty="0">
-              <a:latin typeface="Arial" panose="020B0604020202020204" pitchFamily="34" charset="0"/>
-            </a:endParaRPr>
-          </a:p>
-        </p:txBody>
-      </p:sp>
-      <p:sp>
-        <p:nvSpPr>
-          <p:cNvPr id="6" name="Eingekerbter Richtungspfeil 8">
-            <a:extLst>
-              <a:ext uri="{FF2B5EF4-FFF2-40B4-BE49-F238E27FC236}">
-                <a16:creationId xmlns:a16="http://schemas.microsoft.com/office/drawing/2014/main" id="{285B4E53-7DA1-40C6-88AC-CE93F75C6A42}"/>
-              </a:ext>
-            </a:extLst>
-          </p:cNvPr>
-          <p:cNvSpPr/>
-          <p:nvPr>
-            <p:custDataLst>
-              <p:tags r:id="rId4"/>
-            </p:custDataLst>
-          </p:nvPr>
-        </p:nvSpPr>
-        <p:spPr bwMode="auto">
-          <a:xfrm rot="5400000">
-            <a:off x="1624744" y="3140934"/>
-            <a:ext cx="1501775" cy="3960688"/>
-          </a:xfrm>
-          <a:prstGeom prst="chevron">
-            <a:avLst>
-              <a:gd name="adj" fmla="val 16917"/>
-            </a:avLst>
-          </a:prstGeom>
-          <a:solidFill>
-            <a:srgbClr val="FFFFFF">
-              <a:lumMod val="100000"/>
-            </a:srgbClr>
-          </a:solidFill>
-          <a:ln w="9525">
-            <a:solidFill>
-              <a:srgbClr val="9C1C26"/>
-            </a:solidFill>
-            <a:miter lim="800000"/>
-            <a:headEnd/>
-            <a:tailEnd/>
-          </a:ln>
-          <a:effectLst/>
-        </p:spPr>
-        <p:txBody>
-          <a:bodyPr vert="vert270" lIns="90000" tIns="46800" rIns="90000" bIns="46800" anchor="ctr"/>
-          <a:lstStyle/>
-          <a:p>
-            <a:pPr algn="ctr"/>
-            <a:r>
-              <a:rPr lang="en-GB" b="1" dirty="0">
-                <a:latin typeface="Arial" panose="020B0604020202020204" pitchFamily="34" charset="0"/>
-              </a:rPr>
-              <a:t>Training </a:t>
-            </a:r>
-            <a:r>
-              <a:rPr lang="en-GB" b="1">
-                <a:latin typeface="Arial" panose="020B0604020202020204" pitchFamily="34" charset="0"/>
-              </a:rPr>
-              <a:t>the network</a:t>
-            </a:r>
-            <a:endParaRPr lang="en-GB" b="1" dirty="0">
-              <a:latin typeface="Arial" panose="020B0604020202020204" pitchFamily="34" charset="0"/>
-            </a:endParaRPr>
-          </a:p>
-        </p:txBody>
-      </p:sp>
-      <p:sp>
-        <p:nvSpPr>
-          <p:cNvPr id="7" name="Eingekerbter Richtungspfeil 10">
-            <a:extLst>
-              <a:ext uri="{FF2B5EF4-FFF2-40B4-BE49-F238E27FC236}">
-                <a16:creationId xmlns:a16="http://schemas.microsoft.com/office/drawing/2014/main" id="{982C8841-E88D-4BC9-83FB-C9AD409ECEF6}"/>
-              </a:ext>
-            </a:extLst>
-          </p:cNvPr>
-          <p:cNvSpPr/>
-          <p:nvPr>
-            <p:custDataLst>
-              <p:tags r:id="rId5"/>
-            </p:custDataLst>
-          </p:nvPr>
-        </p:nvSpPr>
-        <p:spPr bwMode="auto">
-          <a:xfrm rot="5400000">
-            <a:off x="1624744" y="1809815"/>
-            <a:ext cx="1501775" cy="3960688"/>
-          </a:xfrm>
-          <a:prstGeom prst="chevron">
-            <a:avLst>
-              <a:gd name="adj" fmla="val 16917"/>
-            </a:avLst>
-          </a:prstGeom>
-          <a:solidFill>
-            <a:srgbClr val="FFFFFF">
-              <a:lumMod val="100000"/>
-            </a:srgbClr>
-          </a:solidFill>
-          <a:ln w="9525">
-            <a:solidFill>
-              <a:srgbClr val="9C1C26"/>
-            </a:solidFill>
-            <a:miter lim="800000"/>
-            <a:headEnd/>
-            <a:tailEnd/>
-          </a:ln>
-          <a:effectLst/>
-        </p:spPr>
-        <p:txBody>
-          <a:bodyPr vert="vert270" lIns="90000" tIns="46800" rIns="90000" bIns="46800" anchor="ctr"/>
-          <a:lstStyle/>
-          <a:p>
-            <a:pPr algn="ctr"/>
-            <a:r>
-              <a:rPr lang="de-DE" b="1" dirty="0">
-                <a:latin typeface="Arial" panose="020B0604020202020204" pitchFamily="34" charset="0"/>
-              </a:rPr>
-              <a:t>Feed </a:t>
-            </a:r>
-            <a:r>
-              <a:rPr lang="de-DE" b="1" dirty="0" err="1">
-                <a:latin typeface="Arial" panose="020B0604020202020204" pitchFamily="34" charset="0"/>
-              </a:rPr>
-              <a:t>Cityscapes</a:t>
-            </a:r>
-            <a:r>
-              <a:rPr lang="de-DE" b="1" dirty="0">
-                <a:latin typeface="Arial" panose="020B0604020202020204" pitchFamily="34" charset="0"/>
-              </a:rPr>
-              <a:t> Dataset </a:t>
-            </a:r>
-            <a:r>
-              <a:rPr lang="de-DE" b="1" dirty="0" err="1">
-                <a:latin typeface="Arial" panose="020B0604020202020204" pitchFamily="34" charset="0"/>
-              </a:rPr>
-              <a:t>into</a:t>
-            </a:r>
-            <a:r>
-              <a:rPr lang="de-DE" b="1" dirty="0">
-                <a:latin typeface="Arial" panose="020B0604020202020204" pitchFamily="34" charset="0"/>
-              </a:rPr>
-              <a:t> </a:t>
-            </a:r>
-            <a:r>
-              <a:rPr lang="de-DE" b="1" dirty="0" err="1">
-                <a:latin typeface="Arial" panose="020B0604020202020204" pitchFamily="34" charset="0"/>
-              </a:rPr>
-              <a:t>PixelNet</a:t>
-            </a:r>
-            <a:endParaRPr lang="en-GB" b="1" dirty="0">
-              <a:latin typeface="Arial" panose="020B0604020202020204" pitchFamily="34" charset="0"/>
-            </a:endParaRPr>
-          </a:p>
-        </p:txBody>
-      </p:sp>
-      <p:sp>
-        <p:nvSpPr>
-          <p:cNvPr id="11" name="Rectangle 10">
-            <a:extLst>
-              <a:ext uri="{FF2B5EF4-FFF2-40B4-BE49-F238E27FC236}">
-                <a16:creationId xmlns:a16="http://schemas.microsoft.com/office/drawing/2014/main" id="{DA8843A0-7C75-4D9C-8F94-99D6AC8F589A}"/>
-              </a:ext>
-            </a:extLst>
-          </p:cNvPr>
-          <p:cNvSpPr/>
-          <p:nvPr/>
-        </p:nvSpPr>
-        <p:spPr>
-          <a:xfrm>
-            <a:off x="4860032" y="1700214"/>
-            <a:ext cx="3888680" cy="4171951"/>
-          </a:xfrm>
-          <a:prstGeom prst="rect">
-            <a:avLst/>
-          </a:prstGeom>
-        </p:spPr>
-        <p:style>
-          <a:lnRef idx="2">
-            <a:schemeClr val="accent1">
-              <a:shade val="50000"/>
-            </a:schemeClr>
-          </a:lnRef>
-          <a:fillRef idx="1">
-            <a:schemeClr val="accent1"/>
-          </a:fillRef>
-          <a:effectRef idx="0">
-            <a:schemeClr val="accent1"/>
-          </a:effectRef>
-          <a:fontRef idx="minor">
-            <a:schemeClr val="lt1"/>
-          </a:fontRef>
-        </p:style>
-        <p:txBody>
-          <a:bodyPr rot="0" spcFirstLastPara="0" vertOverflow="overflow" horzOverflow="overflow" vert="horz" wrap="square" lIns="91440" tIns="45720" rIns="91440" bIns="45720" numCol="1" spcCol="0" rtlCol="0" fromWordArt="0" anchor="ctr" anchorCtr="0" forceAA="0" compatLnSpc="1">
-            <a:prstTxWarp prst="textNoShape">
-              <a:avLst/>
-            </a:prstTxWarp>
-            <a:noAutofit/>
-          </a:bodyPr>
-          <a:lstStyle/>
-          <a:p>
-            <a:pPr algn="ctr"/>
-            <a:r>
-              <a:rPr lang="de-DE" dirty="0"/>
-              <a:t>Output-Bild</a:t>
-            </a:r>
-            <a:endParaRPr lang="en-GB" dirty="0"/>
-          </a:p>
-        </p:txBody>
-      </p:sp>
-    </p:spTree>
-    <p:custDataLst>
-      <p:tags r:id="rId1"/>
-    </p:custDataLst>
-    <p:extLst>
-      <p:ext uri="{BB962C8B-B14F-4D97-AF65-F5344CB8AC3E}">
-        <p14:creationId xmlns:p14="http://schemas.microsoft.com/office/powerpoint/2010/main" val="963920442"/>
       </p:ext>
     </p:extLst>
   </p:cSld>
@@ -14240,33 +19362,8 @@
           <a:p>
             <a:r>
               <a:rPr lang="en-GB" dirty="0"/>
-              <a:t>Results</a:t>
-            </a:r>
-          </a:p>
-        </p:txBody>
-      </p:sp>
-      <p:sp>
-        <p:nvSpPr>
-          <p:cNvPr id="2" name="Content Placeholder 1">
-            <a:extLst>
-              <a:ext uri="{FF2B5EF4-FFF2-40B4-BE49-F238E27FC236}">
-                <a16:creationId xmlns:a16="http://schemas.microsoft.com/office/drawing/2014/main" id="{FBAC2960-A02D-4ABE-A976-641941904839}"/>
-              </a:ext>
-            </a:extLst>
-          </p:cNvPr>
-          <p:cNvSpPr>
-            <a:spLocks noGrp="1"/>
-          </p:cNvSpPr>
-          <p:nvPr>
-            <p:ph idx="1"/>
-          </p:nvPr>
-        </p:nvSpPr>
-        <p:spPr/>
-        <p:txBody>
-          <a:bodyPr/>
-          <a:lstStyle/>
-          <a:p>
-            <a:endParaRPr lang="en-GB" dirty="0"/>
+              <a:t>Our work</a:t>
+            </a:r>
           </a:p>
         </p:txBody>
       </p:sp>
@@ -14300,13 +19397,322 @@
           </a:p>
         </p:txBody>
       </p:sp>
+      <p:sp>
+        <p:nvSpPr>
+          <p:cNvPr id="5" name="Richtungspfeil 7">
+            <a:extLst>
+              <a:ext uri="{FF2B5EF4-FFF2-40B4-BE49-F238E27FC236}">
+                <a16:creationId xmlns:a16="http://schemas.microsoft.com/office/drawing/2014/main" id="{D89F7CEB-42A6-40BD-BCE4-02EDE70A1AE4}"/>
+              </a:ext>
+            </a:extLst>
+          </p:cNvPr>
+          <p:cNvSpPr/>
+          <p:nvPr>
+            <p:custDataLst>
+              <p:tags r:id="rId3"/>
+            </p:custDataLst>
+          </p:nvPr>
+        </p:nvSpPr>
+        <p:spPr bwMode="auto">
+          <a:xfrm rot="5400000">
+            <a:off x="4031643" y="-1865891"/>
+            <a:ext cx="1080714" cy="8178328"/>
+          </a:xfrm>
+          <a:prstGeom prst="homePlate">
+            <a:avLst>
+              <a:gd name="adj" fmla="val 16924"/>
+            </a:avLst>
+          </a:prstGeom>
+          <a:solidFill>
+            <a:srgbClr val="FFFFFF">
+              <a:lumMod val="100000"/>
+            </a:srgbClr>
+          </a:solidFill>
+          <a:ln w="9525">
+            <a:solidFill>
+              <a:srgbClr val="9C1C26"/>
+            </a:solidFill>
+            <a:miter lim="800000"/>
+            <a:headEnd/>
+            <a:tailEnd/>
+          </a:ln>
+          <a:effectLst/>
+        </p:spPr>
+        <p:txBody>
+          <a:bodyPr vert="vert270" lIns="90000" tIns="46800" rIns="90000" bIns="46800" anchor="ctr"/>
+          <a:lstStyle/>
+          <a:p>
+            <a:pPr algn="ctr">
+              <a:spcBef>
+                <a:spcPct val="0"/>
+              </a:spcBef>
+              <a:spcAft>
+                <a:spcPct val="0"/>
+              </a:spcAft>
+              <a:buClrTx/>
+            </a:pPr>
+            <a:r>
+              <a:rPr lang="de-DE" b="1" dirty="0">
+                <a:latin typeface="Arial" panose="020B0604020202020204" pitchFamily="34" charset="0"/>
+              </a:rPr>
+              <a:t>I</a:t>
+            </a:r>
+            <a:r>
+              <a:rPr lang="en-GB" b="1" dirty="0" err="1">
+                <a:latin typeface="Arial" panose="020B0604020202020204" pitchFamily="34" charset="0"/>
+              </a:rPr>
+              <a:t>mplementing</a:t>
+            </a:r>
+            <a:r>
+              <a:rPr lang="en-GB" b="1" dirty="0">
+                <a:latin typeface="Arial" panose="020B0604020202020204" pitchFamily="34" charset="0"/>
+              </a:rPr>
+              <a:t> </a:t>
+            </a:r>
+            <a:r>
+              <a:rPr lang="en-GB" b="1" dirty="0" err="1">
+                <a:latin typeface="Arial" panose="020B0604020202020204" pitchFamily="34" charset="0"/>
+              </a:rPr>
+              <a:t>PixelNet</a:t>
+            </a:r>
+            <a:r>
+              <a:rPr lang="en-GB" b="1" dirty="0">
+                <a:latin typeface="Arial" panose="020B0604020202020204" pitchFamily="34" charset="0"/>
+              </a:rPr>
+              <a:t> with </a:t>
+            </a:r>
+            <a:r>
+              <a:rPr lang="en-GB" b="1" dirty="0" err="1">
+                <a:latin typeface="Arial" panose="020B0604020202020204" pitchFamily="34" charset="0"/>
+              </a:rPr>
+              <a:t>Tensorflow</a:t>
+            </a:r>
+            <a:r>
+              <a:rPr lang="en-GB" b="1" dirty="0">
+                <a:latin typeface="Arial" panose="020B0604020202020204" pitchFamily="34" charset="0"/>
+              </a:rPr>
+              <a:t> from scratch</a:t>
+            </a:r>
+          </a:p>
+        </p:txBody>
+      </p:sp>
+      <p:sp>
+        <p:nvSpPr>
+          <p:cNvPr id="6" name="Eingekerbter Richtungspfeil 8">
+            <a:extLst>
+              <a:ext uri="{FF2B5EF4-FFF2-40B4-BE49-F238E27FC236}">
+                <a16:creationId xmlns:a16="http://schemas.microsoft.com/office/drawing/2014/main" id="{285B4E53-7DA1-40C6-88AC-CE93F75C6A42}"/>
+              </a:ext>
+            </a:extLst>
+          </p:cNvPr>
+          <p:cNvSpPr/>
+          <p:nvPr>
+            <p:custDataLst>
+              <p:tags r:id="rId4"/>
+            </p:custDataLst>
+          </p:nvPr>
+        </p:nvSpPr>
+        <p:spPr bwMode="auto">
+          <a:xfrm rot="5400000">
+            <a:off x="4031642" y="285458"/>
+            <a:ext cx="1080716" cy="8178328"/>
+          </a:xfrm>
+          <a:prstGeom prst="chevron">
+            <a:avLst>
+              <a:gd name="adj" fmla="val 16917"/>
+            </a:avLst>
+          </a:prstGeom>
+          <a:solidFill>
+            <a:srgbClr val="FFFFFF">
+              <a:lumMod val="100000"/>
+            </a:srgbClr>
+          </a:solidFill>
+          <a:ln w="9525">
+            <a:solidFill>
+              <a:srgbClr val="9C1C26"/>
+            </a:solidFill>
+            <a:miter lim="800000"/>
+            <a:headEnd/>
+            <a:tailEnd/>
+          </a:ln>
+          <a:effectLst/>
+        </p:spPr>
+        <p:txBody>
+          <a:bodyPr vert="vert270" lIns="90000" tIns="46800" rIns="90000" bIns="46800" anchor="ctr"/>
+          <a:lstStyle/>
+          <a:p>
+            <a:pPr algn="ctr"/>
+            <a:r>
+              <a:rPr lang="en-US" b="1" dirty="0">
+                <a:latin typeface="Arial" panose="020B0604020202020204" pitchFamily="34" charset="0"/>
+              </a:rPr>
+              <a:t>Training and tuning </a:t>
+            </a:r>
+            <a:r>
+              <a:rPr lang="en-US" b="1" dirty="0" err="1">
+                <a:latin typeface="Arial" panose="020B0604020202020204" pitchFamily="34" charset="0"/>
+              </a:rPr>
+              <a:t>PixelNet</a:t>
+            </a:r>
+            <a:r>
+              <a:rPr lang="en-US" b="1" dirty="0">
+                <a:latin typeface="Arial" panose="020B0604020202020204" pitchFamily="34" charset="0"/>
+              </a:rPr>
+              <a:t> on </a:t>
+            </a:r>
+            <a:r>
+              <a:rPr lang="en-US" b="1" dirty="0" err="1">
+                <a:latin typeface="Arial" panose="020B0604020202020204" pitchFamily="34" charset="0"/>
+              </a:rPr>
+              <a:t>CityScapes</a:t>
+            </a:r>
+            <a:r>
+              <a:rPr lang="en-US" b="1" dirty="0">
+                <a:latin typeface="Arial" panose="020B0604020202020204" pitchFamily="34" charset="0"/>
+              </a:rPr>
+              <a:t> dataset</a:t>
+            </a:r>
+          </a:p>
+        </p:txBody>
+      </p:sp>
+      <p:sp>
+        <p:nvSpPr>
+          <p:cNvPr id="7" name="Eingekerbter Richtungspfeil 10">
+            <a:extLst>
+              <a:ext uri="{FF2B5EF4-FFF2-40B4-BE49-F238E27FC236}">
+                <a16:creationId xmlns:a16="http://schemas.microsoft.com/office/drawing/2014/main" id="{982C8841-E88D-4BC9-83FB-C9AD409ECEF6}"/>
+              </a:ext>
+            </a:extLst>
+          </p:cNvPr>
+          <p:cNvSpPr/>
+          <p:nvPr>
+            <p:custDataLst>
+              <p:tags r:id="rId5"/>
+            </p:custDataLst>
+          </p:nvPr>
+        </p:nvSpPr>
+        <p:spPr bwMode="auto">
+          <a:xfrm rot="5400000">
+            <a:off x="4031643" y="-795258"/>
+            <a:ext cx="1080714" cy="8178329"/>
+          </a:xfrm>
+          <a:prstGeom prst="chevron">
+            <a:avLst>
+              <a:gd name="adj" fmla="val 16917"/>
+            </a:avLst>
+          </a:prstGeom>
+          <a:solidFill>
+            <a:srgbClr val="FFFFFF">
+              <a:lumMod val="100000"/>
+            </a:srgbClr>
+          </a:solidFill>
+          <a:ln w="9525">
+            <a:solidFill>
+              <a:srgbClr val="9C1C26"/>
+            </a:solidFill>
+            <a:miter lim="800000"/>
+            <a:headEnd/>
+            <a:tailEnd/>
+          </a:ln>
+          <a:effectLst/>
+        </p:spPr>
+        <p:txBody>
+          <a:bodyPr vert="vert270" lIns="90000" tIns="46800" rIns="90000" bIns="46800" anchor="ctr"/>
+          <a:lstStyle/>
+          <a:p>
+            <a:pPr algn="ctr"/>
+            <a:r>
+              <a:rPr lang="en-US" b="1" dirty="0">
+                <a:latin typeface="Arial" panose="020B0604020202020204" pitchFamily="34" charset="0"/>
+              </a:rPr>
+              <a:t>Implementing training and evaluation environment</a:t>
+            </a:r>
+          </a:p>
+        </p:txBody>
+      </p:sp>
+      <p:sp>
+        <p:nvSpPr>
+          <p:cNvPr id="10" name="Eingekerbter Richtungspfeil 10">
+            <a:extLst>
+              <a:ext uri="{FF2B5EF4-FFF2-40B4-BE49-F238E27FC236}">
+                <a16:creationId xmlns:a16="http://schemas.microsoft.com/office/drawing/2014/main" id="{5586C73A-81A4-4C46-B465-E3059CB391C7}"/>
+              </a:ext>
+            </a:extLst>
+          </p:cNvPr>
+          <p:cNvSpPr/>
+          <p:nvPr>
+            <p:custDataLst>
+              <p:tags r:id="rId6"/>
+            </p:custDataLst>
+          </p:nvPr>
+        </p:nvSpPr>
+        <p:spPr bwMode="auto">
+          <a:xfrm rot="5400000">
+            <a:off x="4031643" y="1366174"/>
+            <a:ext cx="1080714" cy="8178328"/>
+          </a:xfrm>
+          <a:prstGeom prst="chevron">
+            <a:avLst>
+              <a:gd name="adj" fmla="val 16917"/>
+            </a:avLst>
+          </a:prstGeom>
+          <a:solidFill>
+            <a:srgbClr val="FFFFFF">
+              <a:lumMod val="100000"/>
+            </a:srgbClr>
+          </a:solidFill>
+          <a:ln w="9525">
+            <a:solidFill>
+              <a:srgbClr val="9C1C26"/>
+            </a:solidFill>
+            <a:miter lim="800000"/>
+            <a:headEnd/>
+            <a:tailEnd/>
+          </a:ln>
+          <a:effectLst/>
+        </p:spPr>
+        <p:txBody>
+          <a:bodyPr vert="vert270" lIns="90000" tIns="46800" rIns="90000" bIns="46800" anchor="ctr"/>
+          <a:lstStyle/>
+          <a:p>
+            <a:pPr algn="ctr"/>
+            <a:r>
+              <a:rPr lang="de-DE" b="1" dirty="0">
+                <a:latin typeface="Arial" panose="020B0604020202020204" pitchFamily="34" charset="0"/>
+              </a:rPr>
+              <a:t>Evaluation </a:t>
+            </a:r>
+            <a:r>
+              <a:rPr lang="de-DE" b="1" dirty="0" err="1">
+                <a:latin typeface="Arial" panose="020B0604020202020204" pitchFamily="34" charset="0"/>
+              </a:rPr>
+              <a:t>of</a:t>
+            </a:r>
+            <a:r>
+              <a:rPr lang="de-DE" b="1" dirty="0">
+                <a:latin typeface="Arial" panose="020B0604020202020204" pitchFamily="34" charset="0"/>
+              </a:rPr>
+              <a:t> </a:t>
+            </a:r>
+            <a:r>
+              <a:rPr lang="de-DE" b="1" dirty="0" err="1">
+                <a:latin typeface="Arial" panose="020B0604020202020204" pitchFamily="34" charset="0"/>
+              </a:rPr>
+              <a:t>results</a:t>
+            </a:r>
+            <a:endParaRPr lang="de-DE" b="1" dirty="0">
+              <a:latin typeface="Arial" panose="020B0604020202020204" pitchFamily="34" charset="0"/>
+            </a:endParaRPr>
+          </a:p>
+        </p:txBody>
+      </p:sp>
     </p:spTree>
     <p:custDataLst>
       <p:tags r:id="rId1"/>
     </p:custDataLst>
     <p:extLst>
       <p:ext uri="{BB962C8B-B14F-4D97-AF65-F5344CB8AC3E}">
-        <p14:creationId xmlns:p14="http://schemas.microsoft.com/office/powerpoint/2010/main" val="144609425"/>
+        <p14:creationId xmlns:p14="http://schemas.microsoft.com/office/powerpoint/2010/main" val="963920442"/>
       </p:ext>
     </p:extLst>
   </p:cSld>
@@ -14359,33 +19765,8 @@
           <a:p>
             <a:r>
               <a:rPr lang="en-GB" dirty="0"/>
-              <a:t>Results(2)</a:t>
-            </a:r>
-          </a:p>
-        </p:txBody>
-      </p:sp>
-      <p:sp>
-        <p:nvSpPr>
-          <p:cNvPr id="2" name="Content Placeholder 1">
-            <a:extLst>
-              <a:ext uri="{FF2B5EF4-FFF2-40B4-BE49-F238E27FC236}">
-                <a16:creationId xmlns:a16="http://schemas.microsoft.com/office/drawing/2014/main" id="{FBAC2960-A02D-4ABE-A976-641941904839}"/>
-              </a:ext>
-            </a:extLst>
-          </p:cNvPr>
-          <p:cNvSpPr>
-            <a:spLocks noGrp="1"/>
-          </p:cNvSpPr>
-          <p:nvPr>
-            <p:ph idx="1"/>
-          </p:nvPr>
-        </p:nvSpPr>
-        <p:spPr/>
-        <p:txBody>
-          <a:bodyPr/>
-          <a:lstStyle/>
-          <a:p>
-            <a:endParaRPr lang="en-GB" dirty="0"/>
+              <a:t>Results: Confusion matrix</a:t>
+            </a:r>
           </a:p>
         </p:txBody>
       </p:sp>
@@ -14419,13 +19800,146 @@
           </a:p>
         </p:txBody>
       </p:sp>
+      <p:pic>
+        <p:nvPicPr>
+          <p:cNvPr id="7" name="Grafik 6">
+            <a:extLst>
+              <a:ext uri="{FF2B5EF4-FFF2-40B4-BE49-F238E27FC236}">
+                <a16:creationId xmlns:a16="http://schemas.microsoft.com/office/drawing/2014/main" id="{7A5539BA-5266-4F2D-BC21-C52D59611CD5}"/>
+              </a:ext>
+            </a:extLst>
+          </p:cNvPr>
+          <p:cNvPicPr>
+            <a:picLocks noChangeAspect="1"/>
+          </p:cNvPicPr>
+          <p:nvPr/>
+        </p:nvPicPr>
+        <p:blipFill>
+          <a:blip r:embed="rId5"/>
+          <a:stretch>
+            <a:fillRect/>
+          </a:stretch>
+        </p:blipFill>
+        <p:spPr>
+          <a:xfrm>
+            <a:off x="223449" y="1490543"/>
+            <a:ext cx="6912767" cy="4838938"/>
+          </a:xfrm>
+          <a:prstGeom prst="rect">
+            <a:avLst/>
+          </a:prstGeom>
+        </p:spPr>
+      </p:pic>
+      <p:sp>
+        <p:nvSpPr>
+          <p:cNvPr id="8" name="Textfeld 7">
+            <a:extLst>
+              <a:ext uri="{FF2B5EF4-FFF2-40B4-BE49-F238E27FC236}">
+                <a16:creationId xmlns:a16="http://schemas.microsoft.com/office/drawing/2014/main" id="{6D93E7AD-E7DA-4158-A324-C5A7D04B1AC3}"/>
+              </a:ext>
+            </a:extLst>
+          </p:cNvPr>
+          <p:cNvSpPr txBox="1"/>
+          <p:nvPr/>
+        </p:nvSpPr>
+        <p:spPr>
+          <a:xfrm>
+            <a:off x="6732240" y="2274838"/>
+            <a:ext cx="2520280" cy="2308324"/>
+          </a:xfrm>
+          <a:prstGeom prst="rect">
+            <a:avLst/>
+          </a:prstGeom>
+          <a:noFill/>
+        </p:spPr>
+        <p:txBody>
+          <a:bodyPr wrap="square" rtlCol="0" anchor="ctr">
+            <a:spAutoFit/>
+          </a:bodyPr>
+          <a:lstStyle/>
+          <a:p>
+            <a:r>
+              <a:rPr lang="en-US" b="1" dirty="0"/>
+              <a:t>Training:</a:t>
+            </a:r>
+          </a:p>
+          <a:p>
+            <a:r>
+              <a:rPr lang="en-US" dirty="0"/>
+              <a:t>Mean </a:t>
+            </a:r>
+            <a:r>
+              <a:rPr lang="en-US" dirty="0" err="1"/>
+              <a:t>IoU</a:t>
+            </a:r>
+            <a:r>
+              <a:rPr lang="en-US" dirty="0"/>
+              <a:t>: 73.95%</a:t>
+            </a:r>
+          </a:p>
+          <a:p>
+            <a:endParaRPr lang="en-US" dirty="0"/>
+          </a:p>
+          <a:p>
+            <a:r>
+              <a:rPr lang="en-US" b="1" dirty="0"/>
+              <a:t>Validation:</a:t>
+            </a:r>
+          </a:p>
+          <a:p>
+            <a:r>
+              <a:rPr lang="en-US" dirty="0"/>
+              <a:t>Mean </a:t>
+            </a:r>
+            <a:r>
+              <a:rPr lang="en-US" dirty="0" err="1"/>
+              <a:t>IoU</a:t>
+            </a:r>
+            <a:r>
+              <a:rPr lang="en-US" dirty="0"/>
+              <a:t>: 43.2%</a:t>
+            </a:r>
+          </a:p>
+          <a:p>
+            <a:r>
+              <a:rPr lang="en-US" dirty="0"/>
+              <a:t>Weighted </a:t>
+            </a:r>
+            <a:r>
+              <a:rPr lang="en-US" dirty="0" err="1"/>
+              <a:t>IoU</a:t>
+            </a:r>
+            <a:r>
+              <a:rPr lang="en-US" dirty="0"/>
+              <a:t>: 59.2%</a:t>
+            </a:r>
+          </a:p>
+          <a:p>
+            <a:r>
+              <a:rPr lang="en-US" dirty="0"/>
+              <a:t>Category </a:t>
+            </a:r>
+            <a:r>
+              <a:rPr lang="en-US" dirty="0" err="1"/>
+              <a:t>IoU</a:t>
+            </a:r>
+            <a:r>
+              <a:rPr lang="en-US" dirty="0"/>
+              <a:t>: 69.9%</a:t>
+            </a:r>
+          </a:p>
+          <a:p>
+            <a:endParaRPr lang="en-US" dirty="0"/>
+          </a:p>
+        </p:txBody>
+      </p:sp>
     </p:spTree>
     <p:custDataLst>
       <p:tags r:id="rId1"/>
     </p:custDataLst>
     <p:extLst>
       <p:ext uri="{BB962C8B-B14F-4D97-AF65-F5344CB8AC3E}">
-        <p14:creationId xmlns:p14="http://schemas.microsoft.com/office/powerpoint/2010/main" val="1621430994"/>
+        <p14:creationId xmlns:p14="http://schemas.microsoft.com/office/powerpoint/2010/main" val="144609425"/>
       </p:ext>
     </p:extLst>
   </p:cSld>
@@ -14436,6 +19950,338 @@
 </file>
 
 <file path=ppt/slides/slide7.xml><?xml version="1.0" encoding="utf-8"?>
+<p:sld xmlns:a="http://schemas.openxmlformats.org/drawingml/2006/main" xmlns:r="http://schemas.openxmlformats.org/officeDocument/2006/relationships" xmlns:p="http://schemas.openxmlformats.org/presentationml/2006/main">
+  <p:cSld>
+    <p:spTree>
+      <p:nvGrpSpPr>
+        <p:cNvPr id="1" name=""/>
+        <p:cNvGrpSpPr/>
+        <p:nvPr/>
+      </p:nvGrpSpPr>
+      <p:grpSpPr>
+        <a:xfrm>
+          <a:off x="0" y="0"/>
+          <a:ext cx="0" cy="0"/>
+          <a:chOff x="0" y="0"/>
+          <a:chExt cx="0" cy="0"/>
+        </a:xfrm>
+      </p:grpSpPr>
+      <p:sp>
+        <p:nvSpPr>
+          <p:cNvPr id="2" name="Titel 1">
+            <a:extLst>
+              <a:ext uri="{FF2B5EF4-FFF2-40B4-BE49-F238E27FC236}">
+                <a16:creationId xmlns:a16="http://schemas.microsoft.com/office/drawing/2014/main" id="{CD0AC56D-294F-4AB8-9019-FAE963594353}"/>
+              </a:ext>
+            </a:extLst>
+          </p:cNvPr>
+          <p:cNvSpPr>
+            <a:spLocks noGrp="1"/>
+          </p:cNvSpPr>
+          <p:nvPr>
+            <p:ph type="title"/>
+          </p:nvPr>
+        </p:nvSpPr>
+        <p:spPr/>
+        <p:txBody>
+          <a:bodyPr/>
+          <a:lstStyle/>
+          <a:p>
+            <a:r>
+              <a:rPr lang="en-US" dirty="0"/>
+              <a:t>Results: Examples</a:t>
+            </a:r>
+            <a:endParaRPr lang="de-DE" dirty="0"/>
+          </a:p>
+        </p:txBody>
+      </p:sp>
+      <p:sp>
+        <p:nvSpPr>
+          <p:cNvPr id="4" name="Foliennummernplatzhalter 3">
+            <a:extLst>
+              <a:ext uri="{FF2B5EF4-FFF2-40B4-BE49-F238E27FC236}">
+                <a16:creationId xmlns:a16="http://schemas.microsoft.com/office/drawing/2014/main" id="{68D705E0-7DFA-413E-A211-C6A7D99AC41D}"/>
+              </a:ext>
+            </a:extLst>
+          </p:cNvPr>
+          <p:cNvSpPr>
+            <a:spLocks noGrp="1"/>
+          </p:cNvSpPr>
+          <p:nvPr>
+            <p:ph type="sldNum" sz="quarter" idx="4"/>
+          </p:nvPr>
+        </p:nvSpPr>
+        <p:spPr/>
+        <p:txBody>
+          <a:bodyPr/>
+          <a:lstStyle/>
+          <a:p>
+            <a:fld id="{7812E5F0-C840-4E3E-8B69-E11FA2979DCD}" type="slidenum">
+              <a:rPr lang="en-GB" smtClean="0"/>
+              <a:pPr/>
+              <a:t>7</a:t>
+            </a:fld>
+            <a:endParaRPr lang="en-GB" dirty="0"/>
+          </a:p>
+        </p:txBody>
+      </p:sp>
+      <p:pic>
+        <p:nvPicPr>
+          <p:cNvPr id="5" name="Grafik 4">
+            <a:extLst>
+              <a:ext uri="{FF2B5EF4-FFF2-40B4-BE49-F238E27FC236}">
+                <a16:creationId xmlns:a16="http://schemas.microsoft.com/office/drawing/2014/main" id="{8FB569DA-4DE1-4C02-A4C0-4174BA0D852C}"/>
+              </a:ext>
+            </a:extLst>
+          </p:cNvPr>
+          <p:cNvPicPr>
+            <a:picLocks noChangeAspect="1"/>
+          </p:cNvPicPr>
+          <p:nvPr/>
+        </p:nvPicPr>
+        <p:blipFill>
+          <a:blip r:embed="rId3"/>
+          <a:stretch>
+            <a:fillRect/>
+          </a:stretch>
+        </p:blipFill>
+        <p:spPr>
+          <a:xfrm>
+            <a:off x="424942" y="1625579"/>
+            <a:ext cx="3030043" cy="3030043"/>
+          </a:xfrm>
+          <a:prstGeom prst="rect">
+            <a:avLst/>
+          </a:prstGeom>
+        </p:spPr>
+      </p:pic>
+      <p:pic>
+        <p:nvPicPr>
+          <p:cNvPr id="7" name="Grafik 6">
+            <a:extLst>
+              <a:ext uri="{FF2B5EF4-FFF2-40B4-BE49-F238E27FC236}">
+                <a16:creationId xmlns:a16="http://schemas.microsoft.com/office/drawing/2014/main" id="{505B47F8-9EE1-4C55-9E33-55219B263EAC}"/>
+              </a:ext>
+            </a:extLst>
+          </p:cNvPr>
+          <p:cNvPicPr>
+            <a:picLocks noChangeAspect="1"/>
+          </p:cNvPicPr>
+          <p:nvPr/>
+        </p:nvPicPr>
+        <p:blipFill>
+          <a:blip r:embed="rId4" cstate="print">
+            <a:extLst>
+              <a:ext uri="{28A0092B-C50C-407E-A947-70E740481C1C}">
+                <a14:useLocalDpi xmlns:a14="http://schemas.microsoft.com/office/drawing/2010/main" val="0"/>
+              </a:ext>
+            </a:extLst>
+          </a:blip>
+          <a:stretch>
+            <a:fillRect/>
+          </a:stretch>
+        </p:blipFill>
+        <p:spPr>
+          <a:xfrm>
+            <a:off x="424942" y="4653797"/>
+            <a:ext cx="3030042" cy="1515022"/>
+          </a:xfrm>
+          <a:prstGeom prst="rect">
+            <a:avLst/>
+          </a:prstGeom>
+        </p:spPr>
+      </p:pic>
+      <p:sp>
+        <p:nvSpPr>
+          <p:cNvPr id="9" name="Textfeld 8">
+            <a:extLst>
+              <a:ext uri="{FF2B5EF4-FFF2-40B4-BE49-F238E27FC236}">
+                <a16:creationId xmlns:a16="http://schemas.microsoft.com/office/drawing/2014/main" id="{E04D0DBD-1F6A-412C-B993-A8FDA64494BF}"/>
+              </a:ext>
+            </a:extLst>
+          </p:cNvPr>
+          <p:cNvSpPr txBox="1"/>
+          <p:nvPr/>
+        </p:nvSpPr>
+        <p:spPr>
+          <a:xfrm>
+            <a:off x="3449278" y="2206965"/>
+            <a:ext cx="2262409" cy="369332"/>
+          </a:xfrm>
+          <a:prstGeom prst="rect">
+            <a:avLst/>
+          </a:prstGeom>
+          <a:noFill/>
+        </p:spPr>
+        <p:txBody>
+          <a:bodyPr wrap="square" rtlCol="0">
+            <a:spAutoFit/>
+          </a:bodyPr>
+          <a:lstStyle/>
+          <a:p>
+            <a:pPr algn="ctr"/>
+            <a:r>
+              <a:rPr lang="en-US" dirty="0"/>
+              <a:t>Input Image</a:t>
+            </a:r>
+            <a:endParaRPr lang="de-DE" dirty="0"/>
+          </a:p>
+        </p:txBody>
+      </p:sp>
+      <p:sp>
+        <p:nvSpPr>
+          <p:cNvPr id="10" name="Textfeld 9">
+            <a:extLst>
+              <a:ext uri="{FF2B5EF4-FFF2-40B4-BE49-F238E27FC236}">
+                <a16:creationId xmlns:a16="http://schemas.microsoft.com/office/drawing/2014/main" id="{F20D19D6-E73F-4AAD-8B21-8ECFAF655334}"/>
+              </a:ext>
+            </a:extLst>
+          </p:cNvPr>
+          <p:cNvSpPr txBox="1"/>
+          <p:nvPr/>
+        </p:nvSpPr>
+        <p:spPr>
+          <a:xfrm>
+            <a:off x="3449278" y="3713687"/>
+            <a:ext cx="2269542" cy="369332"/>
+          </a:xfrm>
+          <a:prstGeom prst="rect">
+            <a:avLst/>
+          </a:prstGeom>
+          <a:noFill/>
+        </p:spPr>
+        <p:txBody>
+          <a:bodyPr wrap="square" rtlCol="0">
+            <a:spAutoFit/>
+          </a:bodyPr>
+          <a:lstStyle/>
+          <a:p>
+            <a:pPr algn="ctr"/>
+            <a:r>
+              <a:rPr lang="en-US" dirty="0"/>
+              <a:t>Prediction</a:t>
+            </a:r>
+            <a:endParaRPr lang="de-DE" dirty="0"/>
+          </a:p>
+        </p:txBody>
+      </p:sp>
+      <p:sp>
+        <p:nvSpPr>
+          <p:cNvPr id="11" name="Textfeld 10">
+            <a:extLst>
+              <a:ext uri="{FF2B5EF4-FFF2-40B4-BE49-F238E27FC236}">
+                <a16:creationId xmlns:a16="http://schemas.microsoft.com/office/drawing/2014/main" id="{B4069969-DFD3-4FCC-8AFA-4835DE0918B4}"/>
+              </a:ext>
+            </a:extLst>
+          </p:cNvPr>
+          <p:cNvSpPr txBox="1"/>
+          <p:nvPr/>
+        </p:nvSpPr>
+        <p:spPr>
+          <a:xfrm>
+            <a:off x="3445897" y="5224926"/>
+            <a:ext cx="2263835" cy="369332"/>
+          </a:xfrm>
+          <a:prstGeom prst="rect">
+            <a:avLst/>
+          </a:prstGeom>
+          <a:noFill/>
+        </p:spPr>
+        <p:txBody>
+          <a:bodyPr wrap="square" rtlCol="0">
+            <a:spAutoFit/>
+          </a:bodyPr>
+          <a:lstStyle/>
+          <a:p>
+            <a:pPr algn="ctr"/>
+            <a:r>
+              <a:rPr lang="en-US" dirty="0"/>
+              <a:t>Ground Truth</a:t>
+            </a:r>
+            <a:endParaRPr lang="de-DE" dirty="0"/>
+          </a:p>
+        </p:txBody>
+      </p:sp>
+      <p:pic>
+        <p:nvPicPr>
+          <p:cNvPr id="18" name="Grafik 17">
+            <a:extLst>
+              <a:ext uri="{FF2B5EF4-FFF2-40B4-BE49-F238E27FC236}">
+                <a16:creationId xmlns:a16="http://schemas.microsoft.com/office/drawing/2014/main" id="{8317A779-9B05-4612-9128-F850713E0666}"/>
+              </a:ext>
+            </a:extLst>
+          </p:cNvPr>
+          <p:cNvPicPr>
+            <a:picLocks noChangeAspect="1"/>
+          </p:cNvPicPr>
+          <p:nvPr/>
+        </p:nvPicPr>
+        <p:blipFill>
+          <a:blip r:embed="rId5"/>
+          <a:stretch>
+            <a:fillRect/>
+          </a:stretch>
+        </p:blipFill>
+        <p:spPr>
+          <a:xfrm>
+            <a:off x="5718820" y="1638392"/>
+            <a:ext cx="3028218" cy="3028218"/>
+          </a:xfrm>
+          <a:prstGeom prst="rect">
+            <a:avLst/>
+          </a:prstGeom>
+        </p:spPr>
+      </p:pic>
+      <p:pic>
+        <p:nvPicPr>
+          <p:cNvPr id="20" name="Grafik 19">
+            <a:extLst>
+              <a:ext uri="{FF2B5EF4-FFF2-40B4-BE49-F238E27FC236}">
+                <a16:creationId xmlns:a16="http://schemas.microsoft.com/office/drawing/2014/main" id="{5FABB146-EC33-45DA-A110-7E8184BB01B0}"/>
+              </a:ext>
+            </a:extLst>
+          </p:cNvPr>
+          <p:cNvPicPr>
+            <a:picLocks noChangeAspect="1"/>
+          </p:cNvPicPr>
+          <p:nvPr/>
+        </p:nvPicPr>
+        <p:blipFill>
+          <a:blip r:embed="rId6" cstate="print">
+            <a:extLst>
+              <a:ext uri="{28A0092B-C50C-407E-A947-70E740481C1C}">
+                <a14:useLocalDpi xmlns:a14="http://schemas.microsoft.com/office/drawing/2010/main" val="0"/>
+              </a:ext>
+            </a:extLst>
+          </a:blip>
+          <a:stretch>
+            <a:fillRect/>
+          </a:stretch>
+        </p:blipFill>
+        <p:spPr>
+          <a:xfrm>
+            <a:off x="5718420" y="4653797"/>
+            <a:ext cx="3030044" cy="1515022"/>
+          </a:xfrm>
+          <a:prstGeom prst="rect">
+            <a:avLst/>
+          </a:prstGeom>
+        </p:spPr>
+      </p:pic>
+    </p:spTree>
+    <p:extLst>
+      <p:ext uri="{BB962C8B-B14F-4D97-AF65-F5344CB8AC3E}">
+        <p14:creationId xmlns:p14="http://schemas.microsoft.com/office/powerpoint/2010/main" val="1861594437"/>
+      </p:ext>
+    </p:extLst>
+  </p:cSld>
+  <p:clrMapOvr>
+    <a:masterClrMapping/>
+  </p:clrMapOvr>
+</p:sld>
+</file>
+
+<file path=ppt/slides/slide8.xml><?xml version="1.0" encoding="utf-8"?>
 <p:sld xmlns:a="http://schemas.openxmlformats.org/drawingml/2006/main" xmlns:r="http://schemas.openxmlformats.org/officeDocument/2006/relationships" xmlns:p="http://schemas.openxmlformats.org/presentationml/2006/main">
   <p:cSld>
     <p:spTree>
@@ -14485,704 +20331,6 @@
       </p:sp>
       <p:sp>
         <p:nvSpPr>
-          <p:cNvPr id="4" name="Block Arc 3">
-            <a:extLst>
-              <a:ext uri="{FF2B5EF4-FFF2-40B4-BE49-F238E27FC236}">
-                <a16:creationId xmlns:a16="http://schemas.microsoft.com/office/drawing/2014/main" id="{C4BF589C-98C5-4461-86A4-D2E22F80BC5A}"/>
-              </a:ext>
-            </a:extLst>
-          </p:cNvPr>
-          <p:cNvSpPr/>
-          <p:nvPr/>
-        </p:nvSpPr>
-        <p:spPr>
-          <a:xfrm>
-            <a:off x="-4704542" y="884259"/>
-            <a:ext cx="6031819" cy="6031819"/>
-          </a:xfrm>
-          <a:prstGeom prst="blockArc">
-            <a:avLst>
-              <a:gd name="adj1" fmla="val 18900000"/>
-              <a:gd name="adj2" fmla="val 2700000"/>
-              <a:gd name="adj3" fmla="val 358"/>
-            </a:avLst>
-          </a:prstGeom>
-          <a:ln>
-            <a:solidFill>
-              <a:srgbClr val="9C1C26"/>
-            </a:solidFill>
-          </a:ln>
-        </p:spPr>
-        <p:style>
-          <a:lnRef idx="2">
-            <a:scrgbClr r="0" g="0" b="0"/>
-          </a:lnRef>
-          <a:fillRef idx="0">
-            <a:schemeClr val="accent1">
-              <a:hueOff val="0"/>
-              <a:satOff val="0"/>
-              <a:lumOff val="0"/>
-              <a:alphaOff val="0"/>
-            </a:schemeClr>
-          </a:fillRef>
-          <a:effectRef idx="0">
-            <a:schemeClr val="accent1">
-              <a:hueOff val="0"/>
-              <a:satOff val="0"/>
-              <a:lumOff val="0"/>
-              <a:alphaOff val="0"/>
-            </a:schemeClr>
-          </a:effectRef>
-          <a:fontRef idx="minor">
-            <a:schemeClr val="tx1">
-              <a:hueOff val="0"/>
-              <a:satOff val="0"/>
-              <a:lumOff val="0"/>
-              <a:alphaOff val="0"/>
-            </a:schemeClr>
-          </a:fontRef>
-        </p:style>
-      </p:sp>
-      <p:sp>
-        <p:nvSpPr>
-          <p:cNvPr id="5" name="Freeform: Shape 4">
-            <a:extLst>
-              <a:ext uri="{FF2B5EF4-FFF2-40B4-BE49-F238E27FC236}">
-                <a16:creationId xmlns:a16="http://schemas.microsoft.com/office/drawing/2014/main" id="{FE77C7A0-C25A-4593-BBF0-99DA4BDF05BE}"/>
-              </a:ext>
-            </a:extLst>
-          </p:cNvPr>
-          <p:cNvSpPr/>
-          <p:nvPr/>
-        </p:nvSpPr>
-        <p:spPr>
-          <a:xfrm>
-            <a:off x="982243" y="2067242"/>
-            <a:ext cx="7530088" cy="895985"/>
-          </a:xfrm>
-          <a:custGeom>
-            <a:avLst/>
-            <a:gdLst>
-              <a:gd name="connsiteX0" fmla="*/ 0 w 7530088"/>
-              <a:gd name="connsiteY0" fmla="*/ 0 h 895985"/>
-              <a:gd name="connsiteX1" fmla="*/ 7530088 w 7530088"/>
-              <a:gd name="connsiteY1" fmla="*/ 0 h 895985"/>
-              <a:gd name="connsiteX2" fmla="*/ 7530088 w 7530088"/>
-              <a:gd name="connsiteY2" fmla="*/ 895985 h 895985"/>
-              <a:gd name="connsiteX3" fmla="*/ 0 w 7530088"/>
-              <a:gd name="connsiteY3" fmla="*/ 895985 h 895985"/>
-              <a:gd name="connsiteX4" fmla="*/ 0 w 7530088"/>
-              <a:gd name="connsiteY4" fmla="*/ 0 h 895985"/>
-            </a:gdLst>
-            <a:ahLst/>
-            <a:cxnLst>
-              <a:cxn ang="0">
-                <a:pos x="connsiteX0" y="connsiteY0"/>
-              </a:cxn>
-              <a:cxn ang="0">
-                <a:pos x="connsiteX1" y="connsiteY1"/>
-              </a:cxn>
-              <a:cxn ang="0">
-                <a:pos x="connsiteX2" y="connsiteY2"/>
-              </a:cxn>
-              <a:cxn ang="0">
-                <a:pos x="connsiteX3" y="connsiteY3"/>
-              </a:cxn>
-              <a:cxn ang="0">
-                <a:pos x="connsiteX4" y="connsiteY4"/>
-              </a:cxn>
-            </a:cxnLst>
-            <a:rect l="l" t="t" r="r" b="b"/>
-            <a:pathLst>
-              <a:path w="7530088" h="895985">
-                <a:moveTo>
-                  <a:pt x="0" y="0"/>
-                </a:moveTo>
-                <a:lnTo>
-                  <a:pt x="7530088" y="0"/>
-                </a:lnTo>
-                <a:lnTo>
-                  <a:pt x="7530088" y="895985"/>
-                </a:lnTo>
-                <a:lnTo>
-                  <a:pt x="0" y="895985"/>
-                </a:lnTo>
-                <a:lnTo>
-                  <a:pt x="0" y="0"/>
-                </a:lnTo>
-                <a:close/>
-              </a:path>
-            </a:pathLst>
-          </a:custGeom>
-          <a:noFill/>
-          <a:ln>
-            <a:solidFill>
-              <a:srgbClr val="9C1C26"/>
-            </a:solidFill>
-          </a:ln>
-        </p:spPr>
-        <p:style>
-          <a:lnRef idx="2">
-            <a:scrgbClr r="0" g="0" b="0"/>
-          </a:lnRef>
-          <a:fillRef idx="1">
-            <a:scrgbClr r="0" g="0" b="0"/>
-          </a:fillRef>
-          <a:effectRef idx="0">
-            <a:schemeClr val="accent1">
-              <a:hueOff val="0"/>
-              <a:satOff val="0"/>
-              <a:lumOff val="0"/>
-              <a:alphaOff val="0"/>
-            </a:schemeClr>
-          </a:effectRef>
-          <a:fontRef idx="minor">
-            <a:schemeClr val="lt1"/>
-          </a:fontRef>
-        </p:style>
-        <p:txBody>
-          <a:bodyPr spcFirstLastPara="0" vert="horz" wrap="square" lIns="92444" tIns="92444" rIns="92444" bIns="92444" numCol="1" spcCol="1270" anchor="t" anchorCtr="0">
-            <a:noAutofit/>
-          </a:bodyPr>
-          <a:lstStyle/>
-          <a:p>
-            <a:pPr marL="0" lvl="0" indent="0" algn="r" defTabSz="889000" rtl="0" fontAlgn="base">
-              <a:lnSpc>
-                <a:spcPct val="90000"/>
-              </a:lnSpc>
-              <a:spcBef>
-                <a:spcPct val="0"/>
-              </a:spcBef>
-              <a:spcAft>
-                <a:spcPct val="35000"/>
-              </a:spcAft>
-              <a:buNone/>
-            </a:pPr>
-            <a:r>
-              <a:rPr lang="en-GB" sz="2000" b="1" kern="1200" dirty="0">
-                <a:solidFill>
-                  <a:sysClr val="windowText" lastClr="000000"/>
-                </a:solidFill>
-                <a:latin typeface="+mn-lt"/>
-                <a:ea typeface="+mn-ea"/>
-                <a:cs typeface="+mn-cs"/>
-              </a:rPr>
-              <a:t>Replacing the VGG-16 architecture with a </a:t>
-            </a:r>
-            <a:r>
-              <a:rPr lang="en-GB" sz="2000" b="1" kern="1200" dirty="0" err="1">
-                <a:solidFill>
-                  <a:sysClr val="windowText" lastClr="000000"/>
-                </a:solidFill>
-                <a:latin typeface="+mn-lt"/>
-                <a:ea typeface="+mn-ea"/>
-                <a:cs typeface="+mn-cs"/>
-              </a:rPr>
-              <a:t>ResNet</a:t>
-            </a:r>
-            <a:r>
-              <a:rPr lang="en-GB" sz="2000" b="1" kern="1200" dirty="0">
-                <a:solidFill>
-                  <a:sysClr val="windowText" lastClr="000000"/>
-                </a:solidFill>
-                <a:latin typeface="+mn-lt"/>
-                <a:ea typeface="+mn-ea"/>
-                <a:cs typeface="+mn-cs"/>
-              </a:rPr>
-              <a:t> implementation</a:t>
-            </a:r>
-          </a:p>
-        </p:txBody>
-      </p:sp>
-      <p:sp>
-        <p:nvSpPr>
-          <p:cNvPr id="7" name="Oval 6">
-            <a:extLst>
-              <a:ext uri="{FF2B5EF4-FFF2-40B4-BE49-F238E27FC236}">
-                <a16:creationId xmlns:a16="http://schemas.microsoft.com/office/drawing/2014/main" id="{13C0C859-D94D-4C74-B6D5-D0871A7E6B5B}"/>
-              </a:ext>
-            </a:extLst>
-          </p:cNvPr>
-          <p:cNvSpPr/>
-          <p:nvPr/>
-        </p:nvSpPr>
-        <p:spPr>
-          <a:xfrm>
-            <a:off x="422253" y="1955244"/>
-            <a:ext cx="1119981" cy="1119981"/>
-          </a:xfrm>
-          <a:prstGeom prst="ellipse">
-            <a:avLst/>
-          </a:prstGeom>
-          <a:solidFill>
-            <a:srgbClr val="9C1C26"/>
-          </a:solidFill>
-          <a:ln>
-            <a:solidFill>
-              <a:srgbClr val="9C1C26"/>
-            </a:solidFill>
-          </a:ln>
-        </p:spPr>
-        <p:style>
-          <a:lnRef idx="2">
-            <a:scrgbClr r="0" g="0" b="0"/>
-          </a:lnRef>
-          <a:fillRef idx="1">
-            <a:schemeClr val="lt1">
-              <a:hueOff val="0"/>
-              <a:satOff val="0"/>
-              <a:lumOff val="0"/>
-              <a:alphaOff val="0"/>
-            </a:schemeClr>
-          </a:fillRef>
-          <a:effectRef idx="0">
-            <a:schemeClr val="lt1">
-              <a:hueOff val="0"/>
-              <a:satOff val="0"/>
-              <a:lumOff val="0"/>
-              <a:alphaOff val="0"/>
-            </a:schemeClr>
-          </a:effectRef>
-          <a:fontRef idx="minor">
-            <a:schemeClr val="dk1">
-              <a:hueOff val="0"/>
-              <a:satOff val="0"/>
-              <a:lumOff val="0"/>
-              <a:alphaOff val="0"/>
-            </a:schemeClr>
-          </a:fontRef>
-        </p:style>
-      </p:sp>
-      <p:sp>
-        <p:nvSpPr>
-          <p:cNvPr id="8" name="Freeform: Shape 7">
-            <a:extLst>
-              <a:ext uri="{FF2B5EF4-FFF2-40B4-BE49-F238E27FC236}">
-                <a16:creationId xmlns:a16="http://schemas.microsoft.com/office/drawing/2014/main" id="{B407A3A1-D5C9-49CD-BCFF-860F21EBE961}"/>
-              </a:ext>
-            </a:extLst>
-          </p:cNvPr>
-          <p:cNvSpPr/>
-          <p:nvPr/>
-        </p:nvSpPr>
-        <p:spPr>
-          <a:xfrm>
-            <a:off x="1307934" y="3411220"/>
-            <a:ext cx="7204397" cy="895985"/>
-          </a:xfrm>
-          <a:custGeom>
-            <a:avLst/>
-            <a:gdLst>
-              <a:gd name="connsiteX0" fmla="*/ 0 w 7204397"/>
-              <a:gd name="connsiteY0" fmla="*/ 0 h 895985"/>
-              <a:gd name="connsiteX1" fmla="*/ 7204397 w 7204397"/>
-              <a:gd name="connsiteY1" fmla="*/ 0 h 895985"/>
-              <a:gd name="connsiteX2" fmla="*/ 7204397 w 7204397"/>
-              <a:gd name="connsiteY2" fmla="*/ 895985 h 895985"/>
-              <a:gd name="connsiteX3" fmla="*/ 0 w 7204397"/>
-              <a:gd name="connsiteY3" fmla="*/ 895985 h 895985"/>
-              <a:gd name="connsiteX4" fmla="*/ 0 w 7204397"/>
-              <a:gd name="connsiteY4" fmla="*/ 0 h 895985"/>
-            </a:gdLst>
-            <a:ahLst/>
-            <a:cxnLst>
-              <a:cxn ang="0">
-                <a:pos x="connsiteX0" y="connsiteY0"/>
-              </a:cxn>
-              <a:cxn ang="0">
-                <a:pos x="connsiteX1" y="connsiteY1"/>
-              </a:cxn>
-              <a:cxn ang="0">
-                <a:pos x="connsiteX2" y="connsiteY2"/>
-              </a:cxn>
-              <a:cxn ang="0">
-                <a:pos x="connsiteX3" y="connsiteY3"/>
-              </a:cxn>
-              <a:cxn ang="0">
-                <a:pos x="connsiteX4" y="connsiteY4"/>
-              </a:cxn>
-            </a:cxnLst>
-            <a:rect l="l" t="t" r="r" b="b"/>
-            <a:pathLst>
-              <a:path w="7204397" h="895985">
-                <a:moveTo>
-                  <a:pt x="0" y="0"/>
-                </a:moveTo>
-                <a:lnTo>
-                  <a:pt x="7204397" y="0"/>
-                </a:lnTo>
-                <a:lnTo>
-                  <a:pt x="7204397" y="895985"/>
-                </a:lnTo>
-                <a:lnTo>
-                  <a:pt x="0" y="895985"/>
-                </a:lnTo>
-                <a:lnTo>
-                  <a:pt x="0" y="0"/>
-                </a:lnTo>
-                <a:close/>
-              </a:path>
-            </a:pathLst>
-          </a:custGeom>
-          <a:noFill/>
-          <a:ln>
-            <a:solidFill>
-              <a:srgbClr val="9C1C26"/>
-            </a:solidFill>
-          </a:ln>
-        </p:spPr>
-        <p:style>
-          <a:lnRef idx="2">
-            <a:scrgbClr r="0" g="0" b="0"/>
-          </a:lnRef>
-          <a:fillRef idx="1">
-            <a:scrgbClr r="0" g="0" b="0"/>
-          </a:fillRef>
-          <a:effectRef idx="0">
-            <a:schemeClr val="accent1">
-              <a:hueOff val="0"/>
-              <a:satOff val="0"/>
-              <a:lumOff val="0"/>
-              <a:alphaOff val="0"/>
-            </a:schemeClr>
-          </a:effectRef>
-          <a:fontRef idx="minor">
-            <a:schemeClr val="lt1"/>
-          </a:fontRef>
-        </p:style>
-        <p:txBody>
-          <a:bodyPr spcFirstLastPara="0" vert="horz" wrap="square" lIns="92444" tIns="92444" rIns="92444" bIns="92444" numCol="1" spcCol="1270" anchor="t" anchorCtr="0">
-            <a:noAutofit/>
-          </a:bodyPr>
-          <a:lstStyle/>
-          <a:p>
-            <a:pPr algn="r" defTabSz="889000">
-              <a:lnSpc>
-                <a:spcPct val="90000"/>
-              </a:lnSpc>
-              <a:spcAft>
-                <a:spcPct val="35000"/>
-              </a:spcAft>
-            </a:pPr>
-            <a:r>
-              <a:rPr lang="de-DE" sz="2000" b="1" dirty="0" err="1">
-                <a:solidFill>
-                  <a:sysClr val="windowText" lastClr="000000"/>
-                </a:solidFill>
-              </a:rPr>
-              <a:t>Apply</a:t>
-            </a:r>
-            <a:r>
-              <a:rPr lang="de-DE" sz="2000" b="1" dirty="0">
-                <a:solidFill>
-                  <a:sysClr val="windowText" lastClr="000000"/>
-                </a:solidFill>
-              </a:rPr>
-              <a:t> network </a:t>
-            </a:r>
-            <a:r>
-              <a:rPr lang="de-DE" sz="2000" b="1" dirty="0" err="1">
-                <a:solidFill>
-                  <a:sysClr val="windowText" lastClr="000000"/>
-                </a:solidFill>
-              </a:rPr>
-              <a:t>to</a:t>
-            </a:r>
-            <a:r>
-              <a:rPr lang="de-DE" sz="2000" b="1" dirty="0">
-                <a:solidFill>
-                  <a:sysClr val="windowText" lastClr="000000"/>
-                </a:solidFill>
-              </a:rPr>
-              <a:t> </a:t>
-            </a:r>
-            <a:r>
-              <a:rPr lang="de-DE" sz="2000" b="1" dirty="0" err="1">
-                <a:solidFill>
-                  <a:sysClr val="windowText" lastClr="000000"/>
-                </a:solidFill>
-              </a:rPr>
-              <a:t>other</a:t>
-            </a:r>
-            <a:r>
-              <a:rPr lang="de-DE" sz="2000" b="1" dirty="0">
-                <a:solidFill>
-                  <a:sysClr val="windowText" lastClr="000000"/>
-                </a:solidFill>
-              </a:rPr>
-              <a:t> </a:t>
-            </a:r>
-            <a:r>
-              <a:rPr lang="de-DE" sz="2000" b="1" err="1">
-                <a:solidFill>
-                  <a:sysClr val="windowText" lastClr="000000"/>
-                </a:solidFill>
-              </a:rPr>
-              <a:t>use</a:t>
-            </a:r>
-            <a:r>
-              <a:rPr lang="de-DE" sz="2000" b="1">
-                <a:solidFill>
-                  <a:sysClr val="windowText" lastClr="000000"/>
-                </a:solidFill>
-              </a:rPr>
-              <a:t> cases</a:t>
-            </a:r>
-            <a:endParaRPr lang="en-GB" sz="2000" b="1" dirty="0">
-              <a:solidFill>
-                <a:sysClr val="windowText" lastClr="000000"/>
-              </a:solidFill>
-            </a:endParaRPr>
-          </a:p>
-        </p:txBody>
-      </p:sp>
-      <p:sp>
-        <p:nvSpPr>
-          <p:cNvPr id="9" name="Oval 8">
-            <a:extLst>
-              <a:ext uri="{FF2B5EF4-FFF2-40B4-BE49-F238E27FC236}">
-                <a16:creationId xmlns:a16="http://schemas.microsoft.com/office/drawing/2014/main" id="{E5596A3A-430F-4ADC-A695-ADC89132365E}"/>
-              </a:ext>
-            </a:extLst>
-          </p:cNvPr>
-          <p:cNvSpPr/>
-          <p:nvPr/>
-        </p:nvSpPr>
-        <p:spPr>
-          <a:xfrm>
-            <a:off x="747943" y="3299221"/>
-            <a:ext cx="1119981" cy="1119981"/>
-          </a:xfrm>
-          <a:prstGeom prst="ellipse">
-            <a:avLst/>
-          </a:prstGeom>
-          <a:solidFill>
-            <a:srgbClr val="9C1C26"/>
-          </a:solidFill>
-          <a:ln>
-            <a:solidFill>
-              <a:srgbClr val="9C1C26"/>
-            </a:solidFill>
-          </a:ln>
-        </p:spPr>
-        <p:style>
-          <a:lnRef idx="2">
-            <a:scrgbClr r="0" g="0" b="0"/>
-          </a:lnRef>
-          <a:fillRef idx="1">
-            <a:schemeClr val="lt1">
-              <a:hueOff val="0"/>
-              <a:satOff val="0"/>
-              <a:lumOff val="0"/>
-              <a:alphaOff val="0"/>
-            </a:schemeClr>
-          </a:fillRef>
-          <a:effectRef idx="0">
-            <a:schemeClr val="lt1">
-              <a:hueOff val="0"/>
-              <a:satOff val="0"/>
-              <a:lumOff val="0"/>
-              <a:alphaOff val="0"/>
-            </a:schemeClr>
-          </a:effectRef>
-          <a:fontRef idx="minor">
-            <a:schemeClr val="dk1">
-              <a:hueOff val="0"/>
-              <a:satOff val="0"/>
-              <a:lumOff val="0"/>
-              <a:alphaOff val="0"/>
-            </a:schemeClr>
-          </a:fontRef>
-        </p:style>
-      </p:sp>
-      <p:sp>
-        <p:nvSpPr>
-          <p:cNvPr id="10" name="Freeform: Shape 9">
-            <a:extLst>
-              <a:ext uri="{FF2B5EF4-FFF2-40B4-BE49-F238E27FC236}">
-                <a16:creationId xmlns:a16="http://schemas.microsoft.com/office/drawing/2014/main" id="{1C2DB37F-ECB7-40EC-A099-037EFE39D389}"/>
-              </a:ext>
-            </a:extLst>
-          </p:cNvPr>
-          <p:cNvSpPr/>
-          <p:nvPr/>
-        </p:nvSpPr>
-        <p:spPr>
-          <a:xfrm>
-            <a:off x="982243" y="4755197"/>
-            <a:ext cx="7530088" cy="895985"/>
-          </a:xfrm>
-          <a:custGeom>
-            <a:avLst/>
-            <a:gdLst>
-              <a:gd name="connsiteX0" fmla="*/ 0 w 7530088"/>
-              <a:gd name="connsiteY0" fmla="*/ 0 h 895985"/>
-              <a:gd name="connsiteX1" fmla="*/ 7530088 w 7530088"/>
-              <a:gd name="connsiteY1" fmla="*/ 0 h 895985"/>
-              <a:gd name="connsiteX2" fmla="*/ 7530088 w 7530088"/>
-              <a:gd name="connsiteY2" fmla="*/ 895985 h 895985"/>
-              <a:gd name="connsiteX3" fmla="*/ 0 w 7530088"/>
-              <a:gd name="connsiteY3" fmla="*/ 895985 h 895985"/>
-              <a:gd name="connsiteX4" fmla="*/ 0 w 7530088"/>
-              <a:gd name="connsiteY4" fmla="*/ 0 h 895985"/>
-            </a:gdLst>
-            <a:ahLst/>
-            <a:cxnLst>
-              <a:cxn ang="0">
-                <a:pos x="connsiteX0" y="connsiteY0"/>
-              </a:cxn>
-              <a:cxn ang="0">
-                <a:pos x="connsiteX1" y="connsiteY1"/>
-              </a:cxn>
-              <a:cxn ang="0">
-                <a:pos x="connsiteX2" y="connsiteY2"/>
-              </a:cxn>
-              <a:cxn ang="0">
-                <a:pos x="connsiteX3" y="connsiteY3"/>
-              </a:cxn>
-              <a:cxn ang="0">
-                <a:pos x="connsiteX4" y="connsiteY4"/>
-              </a:cxn>
-            </a:cxnLst>
-            <a:rect l="l" t="t" r="r" b="b"/>
-            <a:pathLst>
-              <a:path w="7530088" h="895985">
-                <a:moveTo>
-                  <a:pt x="0" y="0"/>
-                </a:moveTo>
-                <a:lnTo>
-                  <a:pt x="7530088" y="0"/>
-                </a:lnTo>
-                <a:lnTo>
-                  <a:pt x="7530088" y="895985"/>
-                </a:lnTo>
-                <a:lnTo>
-                  <a:pt x="0" y="895985"/>
-                </a:lnTo>
-                <a:lnTo>
-                  <a:pt x="0" y="0"/>
-                </a:lnTo>
-                <a:close/>
-              </a:path>
-            </a:pathLst>
-          </a:custGeom>
-          <a:noFill/>
-          <a:ln>
-            <a:solidFill>
-              <a:srgbClr val="9C1C26"/>
-            </a:solidFill>
-          </a:ln>
-        </p:spPr>
-        <p:style>
-          <a:lnRef idx="2">
-            <a:scrgbClr r="0" g="0" b="0"/>
-          </a:lnRef>
-          <a:fillRef idx="1">
-            <a:scrgbClr r="0" g="0" b="0"/>
-          </a:fillRef>
-          <a:effectRef idx="0">
-            <a:schemeClr val="accent1">
-              <a:hueOff val="0"/>
-              <a:satOff val="0"/>
-              <a:lumOff val="0"/>
-              <a:alphaOff val="0"/>
-            </a:schemeClr>
-          </a:effectRef>
-          <a:fontRef idx="minor">
-            <a:schemeClr val="lt1"/>
-          </a:fontRef>
-        </p:style>
-        <p:txBody>
-          <a:bodyPr spcFirstLastPara="0" vert="horz" wrap="square" lIns="92444" tIns="92444" rIns="92444" bIns="92444" numCol="1" spcCol="1270" anchor="t" anchorCtr="0">
-            <a:noAutofit/>
-          </a:bodyPr>
-          <a:lstStyle/>
-          <a:p>
-            <a:pPr algn="r" defTabSz="889000">
-              <a:lnSpc>
-                <a:spcPct val="90000"/>
-              </a:lnSpc>
-              <a:spcAft>
-                <a:spcPct val="35000"/>
-              </a:spcAft>
-            </a:pPr>
-            <a:r>
-              <a:rPr lang="de-DE" sz="2000" b="1">
-                <a:solidFill>
-                  <a:sysClr val="windowText" lastClr="000000"/>
-                </a:solidFill>
-              </a:rPr>
-              <a:t>…</a:t>
-            </a:r>
-            <a:endParaRPr lang="en-GB" sz="2000" b="1" dirty="0">
-              <a:solidFill>
-                <a:sysClr val="windowText" lastClr="000000"/>
-              </a:solidFill>
-            </a:endParaRPr>
-          </a:p>
-        </p:txBody>
-      </p:sp>
-      <p:sp>
-        <p:nvSpPr>
-          <p:cNvPr id="11" name="Oval 10">
-            <a:extLst>
-              <a:ext uri="{FF2B5EF4-FFF2-40B4-BE49-F238E27FC236}">
-                <a16:creationId xmlns:a16="http://schemas.microsoft.com/office/drawing/2014/main" id="{F0196F51-58F4-4F5A-81FF-E0EF50364BA4}"/>
-              </a:ext>
-            </a:extLst>
-          </p:cNvPr>
-          <p:cNvSpPr/>
-          <p:nvPr/>
-        </p:nvSpPr>
-        <p:spPr>
-          <a:xfrm>
-            <a:off x="422253" y="4643199"/>
-            <a:ext cx="1119981" cy="1119981"/>
-          </a:xfrm>
-          <a:prstGeom prst="ellipse">
-            <a:avLst/>
-          </a:prstGeom>
-          <a:solidFill>
-            <a:srgbClr val="9C1C26"/>
-          </a:solidFill>
-          <a:ln>
-            <a:solidFill>
-              <a:srgbClr val="9C1C26"/>
-            </a:solidFill>
-          </a:ln>
-        </p:spPr>
-        <p:style>
-          <a:lnRef idx="2">
-            <a:scrgbClr r="0" g="0" b="0"/>
-          </a:lnRef>
-          <a:fillRef idx="1">
-            <a:schemeClr val="lt1">
-              <a:hueOff val="0"/>
-              <a:satOff val="0"/>
-              <a:lumOff val="0"/>
-              <a:alphaOff val="0"/>
-            </a:schemeClr>
-          </a:fillRef>
-          <a:effectRef idx="0">
-            <a:schemeClr val="lt1">
-              <a:hueOff val="0"/>
-              <a:satOff val="0"/>
-              <a:lumOff val="0"/>
-              <a:alphaOff val="0"/>
-            </a:schemeClr>
-          </a:effectRef>
-          <a:fontRef idx="minor">
-            <a:schemeClr val="dk1">
-              <a:hueOff val="0"/>
-              <a:satOff val="0"/>
-              <a:lumOff val="0"/>
-              <a:alphaOff val="0"/>
-            </a:schemeClr>
-          </a:fontRef>
-        </p:style>
-      </p:sp>
-      <p:sp>
-        <p:nvSpPr>
           <p:cNvPr id="43" name="Slide Number Placeholder 42">
             <a:extLst>
               <a:ext uri="{FF2B5EF4-FFF2-40B4-BE49-F238E27FC236}">
@@ -15205,19 +20353,47 @@
             <a:fld id="{7812E5F0-C840-4E3E-8B69-E11FA2979DCD}" type="slidenum">
               <a:rPr lang="en-GB" smtClean="0"/>
               <a:pPr/>
-              <a:t>7</a:t>
+              <a:t>8</a:t>
             </a:fld>
             <a:endParaRPr lang="en-GB" dirty="0"/>
           </a:p>
         </p:txBody>
       </p:sp>
+      <p:graphicFrame>
+        <p:nvGraphicFramePr>
+          <p:cNvPr id="6" name="Diagramm 5">
+            <a:extLst>
+              <a:ext uri="{FF2B5EF4-FFF2-40B4-BE49-F238E27FC236}">
+                <a16:creationId xmlns:a16="http://schemas.microsoft.com/office/drawing/2014/main" id="{8F1EB161-1B53-4451-A6A7-4068DA109B70}"/>
+              </a:ext>
+            </a:extLst>
+          </p:cNvPr>
+          <p:cNvGraphicFramePr/>
+          <p:nvPr>
+            <p:extLst>
+              <p:ext uri="{D42A27DB-BD31-4B8C-83A1-F6EECF244321}">
+                <p14:modId xmlns:p14="http://schemas.microsoft.com/office/powerpoint/2010/main" val="39640523"/>
+              </p:ext>
+            </p:extLst>
+          </p:nvPr>
+        </p:nvGraphicFramePr>
+        <p:xfrm>
+          <a:off x="1089748" y="1700808"/>
+          <a:ext cx="6964503" cy="4385220"/>
+        </p:xfrm>
+        <a:graphic>
+          <a:graphicData uri="http://schemas.openxmlformats.org/drawingml/2006/diagram">
+            <dgm:relIds xmlns:dgm="http://schemas.openxmlformats.org/drawingml/2006/diagram" xmlns:r="http://schemas.openxmlformats.org/officeDocument/2006/relationships" r:dm="rId4" r:lo="rId5" r:qs="rId6" r:cs="rId7"/>
+          </a:graphicData>
+        </a:graphic>
+      </p:graphicFrame>
     </p:spTree>
     <p:custDataLst>
       <p:tags r:id="rId1"/>
     </p:custDataLst>
     <p:extLst>
       <p:ext uri="{BB962C8B-B14F-4D97-AF65-F5344CB8AC3E}">
-        <p14:creationId xmlns:p14="http://schemas.microsoft.com/office/powerpoint/2010/main" val="1422254808"/>
+        <p14:creationId xmlns:p14="http://schemas.microsoft.com/office/powerpoint/2010/main" val="4184806632"/>
       </p:ext>
     </p:extLst>
   </p:cSld>
@@ -15227,7 +20403,7 @@
 </p:sld>
 </file>
 
-<file path=ppt/slides/slide8.xml><?xml version="1.0" encoding="utf-8"?>
+<file path=ppt/slides/slide9.xml><?xml version="1.0" encoding="utf-8"?>
 <p:sld xmlns:a="http://schemas.openxmlformats.org/drawingml/2006/main" xmlns:r="http://schemas.openxmlformats.org/officeDocument/2006/relationships" xmlns:p="http://schemas.openxmlformats.org/presentationml/2006/main">
   <p:cSld>
     <p:spTree>
@@ -15260,7 +20436,12 @@
             <p:ph type="title"/>
           </p:nvPr>
         </p:nvSpPr>
-        <p:spPr/>
+        <p:spPr>
+          <a:xfrm>
+            <a:off x="683568" y="3636489"/>
+            <a:ext cx="2736304" cy="502953"/>
+          </a:xfrm>
+        </p:spPr>
         <p:txBody>
           <a:bodyPr/>
           <a:lstStyle/>
@@ -15274,31 +20455,6 @@
               <a:t>?</a:t>
             </a:r>
             <a:endParaRPr lang="en-GB" dirty="0"/>
-          </a:p>
-        </p:txBody>
-      </p:sp>
-      <p:sp>
-        <p:nvSpPr>
-          <p:cNvPr id="6" name="Text Placeholder 5">
-            <a:extLst>
-              <a:ext uri="{FF2B5EF4-FFF2-40B4-BE49-F238E27FC236}">
-                <a16:creationId xmlns:a16="http://schemas.microsoft.com/office/drawing/2014/main" id="{3748B302-2755-45EF-972F-07BA61F58AC1}"/>
-              </a:ext>
-            </a:extLst>
-          </p:cNvPr>
-          <p:cNvSpPr>
-            <a:spLocks noGrp="1"/>
-          </p:cNvSpPr>
-          <p:nvPr>
-            <p:ph type="body" idx="1"/>
-          </p:nvPr>
-        </p:nvSpPr>
-        <p:spPr/>
-        <p:txBody>
-          <a:bodyPr/>
-          <a:lstStyle/>
-          <a:p>
-            <a:endParaRPr lang="en-GB"/>
           </a:p>
         </p:txBody>
       </p:sp>
@@ -15326,9 +20482,124 @@
             <a:fld id="{7812E5F0-C840-4E3E-8B69-E11FA2979DCD}" type="slidenum">
               <a:rPr lang="en-GB" smtClean="0"/>
               <a:pPr/>
-              <a:t>8</a:t>
+              <a:t>9</a:t>
             </a:fld>
             <a:endParaRPr lang="en-GB" dirty="0"/>
+          </a:p>
+        </p:txBody>
+      </p:sp>
+      <p:pic>
+        <p:nvPicPr>
+          <p:cNvPr id="3" name="Grafik 2">
+            <a:extLst>
+              <a:ext uri="{FF2B5EF4-FFF2-40B4-BE49-F238E27FC236}">
+                <a16:creationId xmlns:a16="http://schemas.microsoft.com/office/drawing/2014/main" id="{9A02C3F6-28EA-4FB1-BA9D-DCBD07870C17}"/>
+              </a:ext>
+            </a:extLst>
+          </p:cNvPr>
+          <p:cNvPicPr>
+            <a:picLocks noChangeAspect="1"/>
+          </p:cNvPicPr>
+          <p:nvPr/>
+        </p:nvPicPr>
+        <p:blipFill>
+          <a:blip r:embed="rId3" cstate="print">
+            <a:extLst>
+              <a:ext uri="{28A0092B-C50C-407E-A947-70E740481C1C}">
+                <a14:useLocalDpi xmlns:a14="http://schemas.microsoft.com/office/drawing/2010/main" val="0"/>
+              </a:ext>
+            </a:extLst>
+          </a:blip>
+          <a:stretch>
+            <a:fillRect/>
+          </a:stretch>
+        </p:blipFill>
+        <p:spPr>
+          <a:xfrm>
+            <a:off x="4067944" y="3887966"/>
+            <a:ext cx="4684390" cy="2342195"/>
+          </a:xfrm>
+          <a:prstGeom prst="rect">
+            <a:avLst/>
+          </a:prstGeom>
+        </p:spPr>
+      </p:pic>
+      <p:pic>
+        <p:nvPicPr>
+          <p:cNvPr id="8" name="Grafik 7">
+            <a:extLst>
+              <a:ext uri="{FF2B5EF4-FFF2-40B4-BE49-F238E27FC236}">
+                <a16:creationId xmlns:a16="http://schemas.microsoft.com/office/drawing/2014/main" id="{62E3CF35-CA90-4435-B586-FBDAFE7BA2AD}"/>
+              </a:ext>
+            </a:extLst>
+          </p:cNvPr>
+          <p:cNvPicPr>
+            <a:picLocks noChangeAspect="1"/>
+          </p:cNvPicPr>
+          <p:nvPr/>
+        </p:nvPicPr>
+        <p:blipFill>
+          <a:blip r:embed="rId4" cstate="print">
+            <a:extLst>
+              <a:ext uri="{28A0092B-C50C-407E-A947-70E740481C1C}">
+                <a14:useLocalDpi xmlns:a14="http://schemas.microsoft.com/office/drawing/2010/main" val="0"/>
+              </a:ext>
+            </a:extLst>
+          </a:blip>
+          <a:stretch>
+            <a:fillRect/>
+          </a:stretch>
+        </p:blipFill>
+        <p:spPr>
+          <a:xfrm>
+            <a:off x="4067944" y="1556792"/>
+            <a:ext cx="4684390" cy="2342195"/>
+          </a:xfrm>
+          <a:prstGeom prst="rect">
+            <a:avLst/>
+          </a:prstGeom>
+        </p:spPr>
+      </p:pic>
+      <p:sp>
+        <p:nvSpPr>
+          <p:cNvPr id="9" name="Textfeld 8">
+            <a:extLst>
+              <a:ext uri="{FF2B5EF4-FFF2-40B4-BE49-F238E27FC236}">
+                <a16:creationId xmlns:a16="http://schemas.microsoft.com/office/drawing/2014/main" id="{53C15BD0-87A8-41FE-8D94-2E7B573173A4}"/>
+              </a:ext>
+            </a:extLst>
+          </p:cNvPr>
+          <p:cNvSpPr txBox="1"/>
+          <p:nvPr/>
+        </p:nvSpPr>
+        <p:spPr>
+          <a:xfrm>
+            <a:off x="7164288" y="6165552"/>
+            <a:ext cx="1656184" cy="246221"/>
+          </a:xfrm>
+          <a:prstGeom prst="rect">
+            <a:avLst/>
+          </a:prstGeom>
+          <a:noFill/>
+        </p:spPr>
+        <p:txBody>
+          <a:bodyPr wrap="square" rtlCol="0">
+            <a:spAutoFit/>
+          </a:bodyPr>
+          <a:lstStyle/>
+          <a:p>
+            <a:r>
+              <a:rPr lang="de-DE" sz="1000" dirty="0"/>
+              <a:t>Marius </a:t>
+            </a:r>
+            <a:r>
+              <a:rPr lang="de-DE" sz="1000" dirty="0" err="1"/>
+              <a:t>Cordts</a:t>
+            </a:r>
+            <a:r>
+              <a:rPr lang="de-DE" sz="1000" dirty="0"/>
+              <a:t> et al., 2016</a:t>
+            </a:r>
           </a:p>
         </p:txBody>
       </p:sp>
@@ -15336,130 +20607,6 @@
     <p:extLst>
       <p:ext uri="{BB962C8B-B14F-4D97-AF65-F5344CB8AC3E}">
         <p14:creationId xmlns:p14="http://schemas.microsoft.com/office/powerpoint/2010/main" val="1530261053"/>
-      </p:ext>
-    </p:extLst>
-  </p:cSld>
-  <p:clrMapOvr>
-    <a:masterClrMapping/>
-  </p:clrMapOvr>
-</p:sld>
-</file>
-
-<file path=ppt/slides/slide9.xml><?xml version="1.0" encoding="utf-8"?>
-<p:sld xmlns:a="http://schemas.openxmlformats.org/drawingml/2006/main" xmlns:r="http://schemas.openxmlformats.org/officeDocument/2006/relationships" xmlns:p="http://schemas.openxmlformats.org/presentationml/2006/main">
-  <p:cSld>
-    <p:spTree>
-      <p:nvGrpSpPr>
-        <p:cNvPr id="1" name=""/>
-        <p:cNvGrpSpPr/>
-        <p:nvPr/>
-      </p:nvGrpSpPr>
-      <p:grpSpPr>
-        <a:xfrm>
-          <a:off x="0" y="0"/>
-          <a:ext cx="0" cy="0"/>
-          <a:chOff x="0" y="0"/>
-          <a:chExt cx="0" cy="0"/>
-        </a:xfrm>
-      </p:grpSpPr>
-      <p:sp>
-        <p:nvSpPr>
-          <p:cNvPr id="3" name="Title 2">
-            <a:extLst>
-              <a:ext uri="{FF2B5EF4-FFF2-40B4-BE49-F238E27FC236}">
-                <a16:creationId xmlns:a16="http://schemas.microsoft.com/office/drawing/2014/main" id="{9C2D8BE1-0B63-4513-80C3-BCB65016B060}"/>
-              </a:ext>
-            </a:extLst>
-          </p:cNvPr>
-          <p:cNvSpPr>
-            <a:spLocks noGrp="1"/>
-          </p:cNvSpPr>
-          <p:nvPr>
-            <p:ph type="title"/>
-            <p:custDataLst>
-              <p:tags r:id="rId2"/>
-            </p:custDataLst>
-          </p:nvPr>
-        </p:nvSpPr>
-        <p:spPr/>
-        <p:txBody>
-          <a:bodyPr/>
-          <a:lstStyle/>
-          <a:p>
-            <a:r>
-              <a:rPr lang="de-DE" dirty="0"/>
-              <a:t>B</a:t>
-            </a:r>
-            <a:r>
-              <a:rPr lang="en-GB" dirty="0" err="1"/>
-              <a:t>ibliography</a:t>
-            </a:r>
-            <a:endParaRPr lang="en-GB" dirty="0"/>
-          </a:p>
-        </p:txBody>
-      </p:sp>
-      <p:sp>
-        <p:nvSpPr>
-          <p:cNvPr id="2" name="Content Placeholder 1">
-            <a:extLst>
-              <a:ext uri="{FF2B5EF4-FFF2-40B4-BE49-F238E27FC236}">
-                <a16:creationId xmlns:a16="http://schemas.microsoft.com/office/drawing/2014/main" id="{FBAC2960-A02D-4ABE-A976-641941904839}"/>
-              </a:ext>
-            </a:extLst>
-          </p:cNvPr>
-          <p:cNvSpPr>
-            <a:spLocks noGrp="1"/>
-          </p:cNvSpPr>
-          <p:nvPr>
-            <p:ph idx="1"/>
-          </p:nvPr>
-        </p:nvSpPr>
-        <p:spPr/>
-        <p:txBody>
-          <a:bodyPr/>
-          <a:lstStyle/>
-          <a:p>
-            <a:endParaRPr lang="en-GB" dirty="0"/>
-          </a:p>
-        </p:txBody>
-      </p:sp>
-      <p:sp>
-        <p:nvSpPr>
-          <p:cNvPr id="43" name="Slide Number Placeholder 42">
-            <a:extLst>
-              <a:ext uri="{FF2B5EF4-FFF2-40B4-BE49-F238E27FC236}">
-                <a16:creationId xmlns:a16="http://schemas.microsoft.com/office/drawing/2014/main" id="{27BE2B68-2686-4444-AB71-B5A69405B167}"/>
-              </a:ext>
-            </a:extLst>
-          </p:cNvPr>
-          <p:cNvSpPr>
-            <a:spLocks noGrp="1"/>
-          </p:cNvSpPr>
-          <p:nvPr>
-            <p:ph type="sldNum" sz="quarter" idx="4"/>
-          </p:nvPr>
-        </p:nvSpPr>
-        <p:spPr/>
-        <p:txBody>
-          <a:bodyPr/>
-          <a:lstStyle/>
-          <a:p>
-            <a:fld id="{7812E5F0-C840-4E3E-8B69-E11FA2979DCD}" type="slidenum">
-              <a:rPr lang="en-GB" smtClean="0"/>
-              <a:pPr/>
-              <a:t>9</a:t>
-            </a:fld>
-            <a:endParaRPr lang="en-GB" dirty="0"/>
-          </a:p>
-        </p:txBody>
-      </p:sp>
-    </p:spTree>
-    <p:custDataLst>
-      <p:tags r:id="rId1"/>
-    </p:custDataLst>
-    <p:extLst>
-      <p:ext uri="{BB962C8B-B14F-4D97-AF65-F5344CB8AC3E}">
-        <p14:creationId xmlns:p14="http://schemas.microsoft.com/office/powerpoint/2010/main" val="3978346460"/>
       </p:ext>
     </p:extLst>
   </p:cSld>
@@ -15484,47 +20631,41 @@
 
 <file path=ppt/tags/tag11.xml><?xml version="1.0" encoding="utf-8"?>
 <p:tagLst xmlns:a="http://schemas.openxmlformats.org/drawingml/2006/main" xmlns:r="http://schemas.openxmlformats.org/officeDocument/2006/relationships" xmlns:p="http://schemas.openxmlformats.org/presentationml/2006/main">
-  <p:tag name="EE4P_SLIDEID" val="7a900d93-abe3-4754-afac-cd3d0448cf16"/>
+  <p:tag name="EE4P_TEMPLATESTYLE" val="3"/>
 </p:tagLst>
 </file>
 
 <file path=ppt/tags/tag12.xml><?xml version="1.0" encoding="utf-8"?>
 <p:tagLst xmlns:a="http://schemas.openxmlformats.org/drawingml/2006/main" xmlns:r="http://schemas.openxmlformats.org/officeDocument/2006/relationships" xmlns:p="http://schemas.openxmlformats.org/presentationml/2006/main">
-  <p:tag name="EE4P_AGENDAWIZARD" val="title"/>
+  <p:tag name="EE4P_SLIDEID" val="7a900d93-abe3-4754-afac-cd3d0448cf16"/>
 </p:tagLst>
 </file>
 
 <file path=ppt/tags/tag13.xml><?xml version="1.0" encoding="utf-8"?>
 <p:tagLst xmlns:a="http://schemas.openxmlformats.org/drawingml/2006/main" xmlns:r="http://schemas.openxmlformats.org/officeDocument/2006/relationships" xmlns:p="http://schemas.openxmlformats.org/presentationml/2006/main">
-  <p:tag name="EE4P_SLIDEID" val="7a900d93-abe3-4754-afac-cd3d0448cf16"/>
+  <p:tag name="EE4P_AGENDAWIZARD" val="title"/>
 </p:tagLst>
 </file>
 
 <file path=ppt/tags/tag14.xml><?xml version="1.0" encoding="utf-8"?>
 <p:tagLst xmlns:a="http://schemas.openxmlformats.org/drawingml/2006/main" xmlns:r="http://schemas.openxmlformats.org/officeDocument/2006/relationships" xmlns:p="http://schemas.openxmlformats.org/presentationml/2006/main">
-  <p:tag name="EE4P_AGENDAWIZARD" val="title"/>
+  <p:tag name="EE4P_SLIDEID" val="7a900d93-abe3-4754-afac-cd3d0448cf16"/>
 </p:tagLst>
 </file>
 
 <file path=ppt/tags/tag15.xml><?xml version="1.0" encoding="utf-8"?>
 <p:tagLst xmlns:a="http://schemas.openxmlformats.org/drawingml/2006/main" xmlns:r="http://schemas.openxmlformats.org/officeDocument/2006/relationships" xmlns:p="http://schemas.openxmlformats.org/presentationml/2006/main">
-  <p:tag name="EE4P_SLIDEID" val="7a900d93-abe3-4754-afac-cd3d0448cf16"/>
+  <p:tag name="EE4P_AGENDAWIZARD" val="title"/>
 </p:tagLst>
 </file>
 
 <file path=ppt/tags/tag16.xml><?xml version="1.0" encoding="utf-8"?>
 <p:tagLst xmlns:a="http://schemas.openxmlformats.org/drawingml/2006/main" xmlns:r="http://schemas.openxmlformats.org/officeDocument/2006/relationships" xmlns:p="http://schemas.openxmlformats.org/presentationml/2006/main">
-  <p:tag name="EE4P_AGENDAWIZARD" val="title"/>
+  <p:tag name="EE4P_SLIDEID" val="7a900d93-abe3-4754-afac-cd3d0448cf16"/>
 </p:tagLst>
 </file>
 
 <file path=ppt/tags/tag17.xml><?xml version="1.0" encoding="utf-8"?>
-<p:tagLst xmlns:a="http://schemas.openxmlformats.org/drawingml/2006/main" xmlns:r="http://schemas.openxmlformats.org/officeDocument/2006/relationships" xmlns:p="http://schemas.openxmlformats.org/presentationml/2006/main">
-  <p:tag name="EE4P_SLIDEID" val="7a900d93-abe3-4754-afac-cd3d0448cf16"/>
-</p:tagLst>
-</file>
-
-<file path=ppt/tags/tag18.xml><?xml version="1.0" encoding="utf-8"?>
 <p:tagLst xmlns:a="http://schemas.openxmlformats.org/drawingml/2006/main" xmlns:r="http://schemas.openxmlformats.org/officeDocument/2006/relationships" xmlns:p="http://schemas.openxmlformats.org/presentationml/2006/main">
   <p:tag name="EE4P_AGENDAWIZARD" val="title"/>
 </p:tagLst>
